--- a/slides/2.Models.pptx
+++ b/slides/2.Models.pptx
@@ -3099,35 +3099,6 @@
       </p:grpSpPr>
       <p:sp>
         <p:nvSpPr>
-          <p:cNvPr id="2" name="Title 1"/>
-          <p:cNvSpPr>
-            <a:spLocks noGrp="1"/>
-          </p:cNvSpPr>
-          <p:nvPr>
-            <p:ph type="ctrTitle"/>
-          </p:nvPr>
-        </p:nvSpPr>
-        <p:spPr>
-          <a:xfrm>
-            <a:off x="276831" y="269260"/>
-            <a:ext cx="8674813" cy="1717907"/>
-          </a:xfrm>
-        </p:spPr>
-        <p:txBody>
-          <a:bodyPr>
-            <a:normAutofit fontScale="90000"/>
-          </a:bodyPr>
-          <a:lstStyle/>
-          <a:p>
-            <a:r>
-              <a:rPr b="1" dirty="0"/>
-              <a:t>Meta-analysis in Comparative Physiology: A brief introduction to effect sizes and meta-analytic modelling</a:t>
-            </a:r>
-          </a:p>
-        </p:txBody>
-      </p:sp>
-      <p:sp>
-        <p:nvSpPr>
           <p:cNvPr id="3" name="Subtitle 2"/>
           <p:cNvSpPr>
             <a:spLocks noGrp="1"/>
@@ -3204,7 +3175,7 @@
         </p:blipFill>
         <p:spPr>
           <a:xfrm>
-            <a:off x="5182707" y="2447180"/>
+            <a:off x="5251979" y="2573565"/>
             <a:ext cx="3252251" cy="2473609"/>
           </a:xfrm>
           <a:prstGeom prst="rect">
@@ -3226,7 +3197,7 @@
         </p:nvSpPr>
         <p:spPr>
           <a:xfrm>
-            <a:off x="5961915" y="5031968"/>
+            <a:off x="6031187" y="5158353"/>
             <a:ext cx="1911459" cy="338554"/>
           </a:xfrm>
           <a:prstGeom prst="rect">
@@ -3283,7 +3254,7 @@
         </p:blipFill>
         <p:spPr>
           <a:xfrm>
-            <a:off x="518339" y="2305047"/>
+            <a:off x="587611" y="2431432"/>
             <a:ext cx="4286597" cy="2597396"/>
           </a:xfrm>
           <a:prstGeom prst="rect">
@@ -3305,7 +3276,7 @@
         </p:nvSpPr>
         <p:spPr>
           <a:xfrm>
-            <a:off x="1955418" y="5031968"/>
+            <a:off x="2024690" y="5158353"/>
             <a:ext cx="2658820" cy="338554"/>
           </a:xfrm>
           <a:prstGeom prst="rect">
@@ -3338,6 +3309,107 @@
               <a:t>2021</a:t>
             </a:r>
             <a:endParaRPr lang="en-US" sz="1600" dirty="0"/>
+          </a:p>
+        </p:txBody>
+      </p:sp>
+      <p:sp>
+        <p:nvSpPr>
+          <p:cNvPr id="12" name="Title 1">
+            <a:extLst>
+              <a:ext uri="{FF2B5EF4-FFF2-40B4-BE49-F238E27FC236}">
+                <a16:creationId xmlns:a16="http://schemas.microsoft.com/office/drawing/2014/main" id="{D7948484-FA9A-8ED0-34E2-1EE1A43C6B8D}"/>
+              </a:ext>
+            </a:extLst>
+          </p:cNvPr>
+          <p:cNvSpPr txBox="1">
+            <a:spLocks/>
+          </p:cNvSpPr>
+          <p:nvPr/>
+        </p:nvSpPr>
+        <p:spPr>
+          <a:xfrm>
+            <a:off x="234593" y="269260"/>
+            <a:ext cx="8674813" cy="830056"/>
+          </a:xfrm>
+          <a:prstGeom prst="rect">
+            <a:avLst/>
+          </a:prstGeom>
+        </p:spPr>
+        <p:txBody>
+          <a:bodyPr vert="horz" lIns="91440" tIns="45720" rIns="91440" bIns="45720" rtlCol="0" anchor="ctr">
+            <a:normAutofit fontScale="97500"/>
+          </a:bodyPr>
+          <a:lstStyle>
+            <a:lvl1pPr algn="ctr" defTabSz="457189" rtl="0" eaLnBrk="1" latinLnBrk="0" hangingPunct="1">
+              <a:spcBef>
+                <a:spcPct val="0"/>
+              </a:spcBef>
+              <a:buNone/>
+              <a:defRPr sz="4400" kern="1200">
+                <a:solidFill>
+                  <a:schemeClr val="tx1"/>
+                </a:solidFill>
+                <a:latin typeface="+mj-lt"/>
+                <a:ea typeface="+mj-ea"/>
+                <a:cs typeface="+mj-cs"/>
+              </a:defRPr>
+            </a:lvl1pPr>
+          </a:lstStyle>
+          <a:p>
+            <a:r>
+              <a:rPr lang="en-AU" sz="3600" b="1" dirty="0"/>
+              <a:t>Meta-analysis in Comparative Physiology</a:t>
+            </a:r>
+            <a:endParaRPr lang="en-AU" sz="3200" b="1" dirty="0">
+              <a:solidFill>
+                <a:schemeClr val="bg1">
+                  <a:lumMod val="65000"/>
+                </a:schemeClr>
+              </a:solidFill>
+            </a:endParaRPr>
+          </a:p>
+        </p:txBody>
+      </p:sp>
+      <p:sp>
+        <p:nvSpPr>
+          <p:cNvPr id="10" name="TextBox 9">
+            <a:extLst>
+              <a:ext uri="{FF2B5EF4-FFF2-40B4-BE49-F238E27FC236}">
+                <a16:creationId xmlns:a16="http://schemas.microsoft.com/office/drawing/2014/main" id="{0A4D02F5-911B-FFCC-D357-FA64759C4253}"/>
+              </a:ext>
+            </a:extLst>
+          </p:cNvPr>
+          <p:cNvSpPr txBox="1"/>
+          <p:nvPr/>
+        </p:nvSpPr>
+        <p:spPr>
+          <a:xfrm>
+            <a:off x="887364" y="1179916"/>
+            <a:ext cx="7426037" cy="954107"/>
+          </a:xfrm>
+          <a:prstGeom prst="rect">
+            <a:avLst/>
+          </a:prstGeom>
+          <a:noFill/>
+        </p:spPr>
+        <p:txBody>
+          <a:bodyPr wrap="square" rtlCol="0">
+            <a:spAutoFit/>
+          </a:bodyPr>
+          <a:lstStyle/>
+          <a:p>
+            <a:pPr algn="ctr"/>
+            <a:r>
+              <a:rPr lang="en-AU" sz="2800" b="1" dirty="0">
+                <a:solidFill>
+                  <a:schemeClr val="bg1">
+                    <a:lumMod val="65000"/>
+                  </a:schemeClr>
+                </a:solidFill>
+              </a:rPr>
+              <a:t>PART 2: Introduction to meta-analytic modelling: common challenges and advanced concepts</a:t>
+            </a:r>
+            <a:endParaRPr lang="en-US" sz="2800" dirty="0"/>
           </a:p>
         </p:txBody>
       </p:sp>

--- a/slides/2.Models.pptx
+++ b/slides/2.Models.pptx
@@ -4,15 +4,23 @@
   <p:sldMasterIdLst>
     <p:sldMasterId id="2147483648" r:id="rId1"/>
   </p:sldMasterIdLst>
+  <p:notesMasterIdLst>
+    <p:notesMasterId r:id="rId15"/>
+  </p:notesMasterIdLst>
   <p:sldIdLst>
     <p:sldId id="256" r:id="rId2"/>
     <p:sldId id="292" r:id="rId3"/>
-    <p:sldId id="293" r:id="rId4"/>
-    <p:sldId id="294" r:id="rId5"/>
-    <p:sldId id="295" r:id="rId6"/>
-    <p:sldId id="296" r:id="rId7"/>
-    <p:sldId id="297" r:id="rId8"/>
-    <p:sldId id="298" r:id="rId9"/>
+    <p:sldId id="258" r:id="rId4"/>
+    <p:sldId id="259" r:id="rId5"/>
+    <p:sldId id="293" r:id="rId6"/>
+    <p:sldId id="308" r:id="rId7"/>
+    <p:sldId id="307" r:id="rId8"/>
+    <p:sldId id="316" r:id="rId9"/>
+    <p:sldId id="294" r:id="rId10"/>
+    <p:sldId id="295" r:id="rId11"/>
+    <p:sldId id="296" r:id="rId12"/>
+    <p:sldId id="297" r:id="rId13"/>
+    <p:sldId id="298" r:id="rId14"/>
   </p:sldIdLst>
   <p:sldSz cx="9144000" cy="6858000" type="screen4x3"/>
   <p:notesSz cx="6858000" cy="9144000"/>
@@ -128,6 +136,443 @@
     </p:ext>
   </p:extLst>
 </p:presentation>
+</file>
+
+<file path=ppt/notesMasters/notesMaster1.xml><?xml version="1.0" encoding="utf-8"?>
+<p:notesMaster xmlns:a="http://schemas.openxmlformats.org/drawingml/2006/main" xmlns:r="http://schemas.openxmlformats.org/officeDocument/2006/relationships" xmlns:p="http://schemas.openxmlformats.org/presentationml/2006/main">
+  <p:cSld>
+    <p:bg>
+      <p:bgRef idx="1001">
+        <a:schemeClr val="bg1"/>
+      </p:bgRef>
+    </p:bg>
+    <p:spTree>
+      <p:nvGrpSpPr>
+        <p:cNvPr id="1" name=""/>
+        <p:cNvGrpSpPr/>
+        <p:nvPr/>
+      </p:nvGrpSpPr>
+      <p:grpSpPr>
+        <a:xfrm>
+          <a:off x="0" y="0"/>
+          <a:ext cx="0" cy="0"/>
+          <a:chOff x="0" y="0"/>
+          <a:chExt cx="0" cy="0"/>
+        </a:xfrm>
+      </p:grpSpPr>
+      <p:sp>
+        <p:nvSpPr>
+          <p:cNvPr id="2" name="Header Placeholder 1"/>
+          <p:cNvSpPr>
+            <a:spLocks noGrp="1"/>
+          </p:cNvSpPr>
+          <p:nvPr>
+            <p:ph type="hdr" sz="quarter"/>
+          </p:nvPr>
+        </p:nvSpPr>
+        <p:spPr>
+          <a:xfrm>
+            <a:off x="0" y="0"/>
+            <a:ext cx="2971800" cy="458788"/>
+          </a:xfrm>
+          <a:prstGeom prst="rect">
+            <a:avLst/>
+          </a:prstGeom>
+        </p:spPr>
+        <p:txBody>
+          <a:bodyPr vert="horz" lIns="91440" tIns="45720" rIns="91440" bIns="45720" rtlCol="0"/>
+          <a:lstStyle>
+            <a:lvl1pPr algn="l">
+              <a:defRPr sz="1200"/>
+            </a:lvl1pPr>
+          </a:lstStyle>
+          <a:p>
+            <a:endParaRPr lang="en-US"/>
+          </a:p>
+        </p:txBody>
+      </p:sp>
+      <p:sp>
+        <p:nvSpPr>
+          <p:cNvPr id="3" name="Date Placeholder 2"/>
+          <p:cNvSpPr>
+            <a:spLocks noGrp="1"/>
+          </p:cNvSpPr>
+          <p:nvPr>
+            <p:ph type="dt" idx="1"/>
+          </p:nvPr>
+        </p:nvSpPr>
+        <p:spPr>
+          <a:xfrm>
+            <a:off x="3884613" y="0"/>
+            <a:ext cx="2971800" cy="458788"/>
+          </a:xfrm>
+          <a:prstGeom prst="rect">
+            <a:avLst/>
+          </a:prstGeom>
+        </p:spPr>
+        <p:txBody>
+          <a:bodyPr vert="horz" lIns="91440" tIns="45720" rIns="91440" bIns="45720" rtlCol="0"/>
+          <a:lstStyle>
+            <a:lvl1pPr algn="r">
+              <a:defRPr sz="1200"/>
+            </a:lvl1pPr>
+          </a:lstStyle>
+          <a:p>
+            <a:fld id="{1832866B-A228-A54E-B5D8-00FBC732E1AE}" type="datetimeFigureOut">
+              <a:rPr lang="en-US" smtClean="0"/>
+              <a:t>6/14/22</a:t>
+            </a:fld>
+            <a:endParaRPr lang="en-US"/>
+          </a:p>
+        </p:txBody>
+      </p:sp>
+      <p:sp>
+        <p:nvSpPr>
+          <p:cNvPr id="4" name="Slide Image Placeholder 3"/>
+          <p:cNvSpPr>
+            <a:spLocks noGrp="1" noRot="1" noChangeAspect="1"/>
+          </p:cNvSpPr>
+          <p:nvPr>
+            <p:ph type="sldImg" idx="2"/>
+          </p:nvPr>
+        </p:nvSpPr>
+        <p:spPr>
+          <a:xfrm>
+            <a:off x="1371600" y="1143000"/>
+            <a:ext cx="4114800" cy="3086100"/>
+          </a:xfrm>
+          <a:prstGeom prst="rect">
+            <a:avLst/>
+          </a:prstGeom>
+          <a:noFill/>
+          <a:ln w="12700">
+            <a:solidFill>
+              <a:prstClr val="black"/>
+            </a:solidFill>
+          </a:ln>
+        </p:spPr>
+        <p:txBody>
+          <a:bodyPr vert="horz" lIns="91440" tIns="45720" rIns="91440" bIns="45720" rtlCol="0" anchor="ctr"/>
+          <a:lstStyle/>
+          <a:p>
+            <a:endParaRPr lang="en-US"/>
+          </a:p>
+        </p:txBody>
+      </p:sp>
+      <p:sp>
+        <p:nvSpPr>
+          <p:cNvPr id="5" name="Notes Placeholder 4"/>
+          <p:cNvSpPr>
+            <a:spLocks noGrp="1"/>
+          </p:cNvSpPr>
+          <p:nvPr>
+            <p:ph type="body" sz="quarter" idx="3"/>
+          </p:nvPr>
+        </p:nvSpPr>
+        <p:spPr>
+          <a:xfrm>
+            <a:off x="685800" y="4400550"/>
+            <a:ext cx="5486400" cy="3600450"/>
+          </a:xfrm>
+          <a:prstGeom prst="rect">
+            <a:avLst/>
+          </a:prstGeom>
+        </p:spPr>
+        <p:txBody>
+          <a:bodyPr vert="horz" lIns="91440" tIns="45720" rIns="91440" bIns="45720" rtlCol="0"/>
+          <a:lstStyle/>
+          <a:p>
+            <a:pPr lvl="0"/>
+            <a:r>
+              <a:rPr lang="en-GB"/>
+              <a:t>Click to edit Master text styles</a:t>
+            </a:r>
+          </a:p>
+          <a:p>
+            <a:pPr lvl="1"/>
+            <a:r>
+              <a:rPr lang="en-GB"/>
+              <a:t>Second level</a:t>
+            </a:r>
+          </a:p>
+          <a:p>
+            <a:pPr lvl="2"/>
+            <a:r>
+              <a:rPr lang="en-GB"/>
+              <a:t>Third level</a:t>
+            </a:r>
+          </a:p>
+          <a:p>
+            <a:pPr lvl="3"/>
+            <a:r>
+              <a:rPr lang="en-GB"/>
+              <a:t>Fourth level</a:t>
+            </a:r>
+          </a:p>
+          <a:p>
+            <a:pPr lvl="4"/>
+            <a:r>
+              <a:rPr lang="en-GB"/>
+              <a:t>Fifth level</a:t>
+            </a:r>
+            <a:endParaRPr lang="en-US"/>
+          </a:p>
+        </p:txBody>
+      </p:sp>
+      <p:sp>
+        <p:nvSpPr>
+          <p:cNvPr id="6" name="Footer Placeholder 5"/>
+          <p:cNvSpPr>
+            <a:spLocks noGrp="1"/>
+          </p:cNvSpPr>
+          <p:nvPr>
+            <p:ph type="ftr" sz="quarter" idx="4"/>
+          </p:nvPr>
+        </p:nvSpPr>
+        <p:spPr>
+          <a:xfrm>
+            <a:off x="0" y="8685213"/>
+            <a:ext cx="2971800" cy="458787"/>
+          </a:xfrm>
+          <a:prstGeom prst="rect">
+            <a:avLst/>
+          </a:prstGeom>
+        </p:spPr>
+        <p:txBody>
+          <a:bodyPr vert="horz" lIns="91440" tIns="45720" rIns="91440" bIns="45720" rtlCol="0" anchor="b"/>
+          <a:lstStyle>
+            <a:lvl1pPr algn="l">
+              <a:defRPr sz="1200"/>
+            </a:lvl1pPr>
+          </a:lstStyle>
+          <a:p>
+            <a:endParaRPr lang="en-US"/>
+          </a:p>
+        </p:txBody>
+      </p:sp>
+      <p:sp>
+        <p:nvSpPr>
+          <p:cNvPr id="7" name="Slide Number Placeholder 6"/>
+          <p:cNvSpPr>
+            <a:spLocks noGrp="1"/>
+          </p:cNvSpPr>
+          <p:nvPr>
+            <p:ph type="sldNum" sz="quarter" idx="5"/>
+          </p:nvPr>
+        </p:nvSpPr>
+        <p:spPr>
+          <a:xfrm>
+            <a:off x="3884613" y="8685213"/>
+            <a:ext cx="2971800" cy="458787"/>
+          </a:xfrm>
+          <a:prstGeom prst="rect">
+            <a:avLst/>
+          </a:prstGeom>
+        </p:spPr>
+        <p:txBody>
+          <a:bodyPr vert="horz" lIns="91440" tIns="45720" rIns="91440" bIns="45720" rtlCol="0" anchor="b"/>
+          <a:lstStyle>
+            <a:lvl1pPr algn="r">
+              <a:defRPr sz="1200"/>
+            </a:lvl1pPr>
+          </a:lstStyle>
+          <a:p>
+            <a:fld id="{77560A3C-BC96-E241-926B-90F1DDABEEBC}" type="slidenum">
+              <a:rPr lang="en-US" smtClean="0"/>
+              <a:t>‹#›</a:t>
+            </a:fld>
+            <a:endParaRPr lang="en-US"/>
+          </a:p>
+        </p:txBody>
+      </p:sp>
+    </p:spTree>
+    <p:extLst>
+      <p:ext uri="{BB962C8B-B14F-4D97-AF65-F5344CB8AC3E}">
+        <p14:creationId xmlns:p14="http://schemas.microsoft.com/office/powerpoint/2010/main" val="3978729326"/>
+      </p:ext>
+    </p:extLst>
+  </p:cSld>
+  <p:clrMap bg1="lt1" tx1="dk1" bg2="lt2" tx2="dk2" accent1="accent1" accent2="accent2" accent3="accent3" accent4="accent4" accent5="accent5" accent6="accent6" hlink="hlink" folHlink="folHlink"/>
+  <p:notesStyle>
+    <a:lvl1pPr marL="0" algn="l" defTabSz="914400" rtl="0" eaLnBrk="1" latinLnBrk="0" hangingPunct="1">
+      <a:defRPr sz="1200" kern="1200">
+        <a:solidFill>
+          <a:schemeClr val="tx1"/>
+        </a:solidFill>
+        <a:latin typeface="+mn-lt"/>
+        <a:ea typeface="+mn-ea"/>
+        <a:cs typeface="+mn-cs"/>
+      </a:defRPr>
+    </a:lvl1pPr>
+    <a:lvl2pPr marL="457200" algn="l" defTabSz="914400" rtl="0" eaLnBrk="1" latinLnBrk="0" hangingPunct="1">
+      <a:defRPr sz="1200" kern="1200">
+        <a:solidFill>
+          <a:schemeClr val="tx1"/>
+        </a:solidFill>
+        <a:latin typeface="+mn-lt"/>
+        <a:ea typeface="+mn-ea"/>
+        <a:cs typeface="+mn-cs"/>
+      </a:defRPr>
+    </a:lvl2pPr>
+    <a:lvl3pPr marL="914400" algn="l" defTabSz="914400" rtl="0" eaLnBrk="1" latinLnBrk="0" hangingPunct="1">
+      <a:defRPr sz="1200" kern="1200">
+        <a:solidFill>
+          <a:schemeClr val="tx1"/>
+        </a:solidFill>
+        <a:latin typeface="+mn-lt"/>
+        <a:ea typeface="+mn-ea"/>
+        <a:cs typeface="+mn-cs"/>
+      </a:defRPr>
+    </a:lvl3pPr>
+    <a:lvl4pPr marL="1371600" algn="l" defTabSz="914400" rtl="0" eaLnBrk="1" latinLnBrk="0" hangingPunct="1">
+      <a:defRPr sz="1200" kern="1200">
+        <a:solidFill>
+          <a:schemeClr val="tx1"/>
+        </a:solidFill>
+        <a:latin typeface="+mn-lt"/>
+        <a:ea typeface="+mn-ea"/>
+        <a:cs typeface="+mn-cs"/>
+      </a:defRPr>
+    </a:lvl4pPr>
+    <a:lvl5pPr marL="1828800" algn="l" defTabSz="914400" rtl="0" eaLnBrk="1" latinLnBrk="0" hangingPunct="1">
+      <a:defRPr sz="1200" kern="1200">
+        <a:solidFill>
+          <a:schemeClr val="tx1"/>
+        </a:solidFill>
+        <a:latin typeface="+mn-lt"/>
+        <a:ea typeface="+mn-ea"/>
+        <a:cs typeface="+mn-cs"/>
+      </a:defRPr>
+    </a:lvl5pPr>
+    <a:lvl6pPr marL="2286000" algn="l" defTabSz="914400" rtl="0" eaLnBrk="1" latinLnBrk="0" hangingPunct="1">
+      <a:defRPr sz="1200" kern="1200">
+        <a:solidFill>
+          <a:schemeClr val="tx1"/>
+        </a:solidFill>
+        <a:latin typeface="+mn-lt"/>
+        <a:ea typeface="+mn-ea"/>
+        <a:cs typeface="+mn-cs"/>
+      </a:defRPr>
+    </a:lvl6pPr>
+    <a:lvl7pPr marL="2743200" algn="l" defTabSz="914400" rtl="0" eaLnBrk="1" latinLnBrk="0" hangingPunct="1">
+      <a:defRPr sz="1200" kern="1200">
+        <a:solidFill>
+          <a:schemeClr val="tx1"/>
+        </a:solidFill>
+        <a:latin typeface="+mn-lt"/>
+        <a:ea typeface="+mn-ea"/>
+        <a:cs typeface="+mn-cs"/>
+      </a:defRPr>
+    </a:lvl7pPr>
+    <a:lvl8pPr marL="3200400" algn="l" defTabSz="914400" rtl="0" eaLnBrk="1" latinLnBrk="0" hangingPunct="1">
+      <a:defRPr sz="1200" kern="1200">
+        <a:solidFill>
+          <a:schemeClr val="tx1"/>
+        </a:solidFill>
+        <a:latin typeface="+mn-lt"/>
+        <a:ea typeface="+mn-ea"/>
+        <a:cs typeface="+mn-cs"/>
+      </a:defRPr>
+    </a:lvl8pPr>
+    <a:lvl9pPr marL="3657600" algn="l" defTabSz="914400" rtl="0" eaLnBrk="1" latinLnBrk="0" hangingPunct="1">
+      <a:defRPr sz="1200" kern="1200">
+        <a:solidFill>
+          <a:schemeClr val="tx1"/>
+        </a:solidFill>
+        <a:latin typeface="+mn-lt"/>
+        <a:ea typeface="+mn-ea"/>
+        <a:cs typeface="+mn-cs"/>
+      </a:defRPr>
+    </a:lvl9pPr>
+  </p:notesStyle>
+</p:notesMaster>
+</file>
+
+<file path=ppt/notesSlides/notesSlide1.xml><?xml version="1.0" encoding="utf-8"?>
+<p:notes xmlns:a="http://schemas.openxmlformats.org/drawingml/2006/main" xmlns:r="http://schemas.openxmlformats.org/officeDocument/2006/relationships" xmlns:p="http://schemas.openxmlformats.org/presentationml/2006/main">
+  <p:cSld>
+    <p:spTree>
+      <p:nvGrpSpPr>
+        <p:cNvPr id="1" name=""/>
+        <p:cNvGrpSpPr/>
+        <p:nvPr/>
+      </p:nvGrpSpPr>
+      <p:grpSpPr>
+        <a:xfrm>
+          <a:off x="0" y="0"/>
+          <a:ext cx="0" cy="0"/>
+          <a:chOff x="0" y="0"/>
+          <a:chExt cx="0" cy="0"/>
+        </a:xfrm>
+      </p:grpSpPr>
+      <p:sp>
+        <p:nvSpPr>
+          <p:cNvPr id="2" name="Slide Image Placeholder 1"/>
+          <p:cNvSpPr>
+            <a:spLocks noGrp="1" noRot="1" noChangeAspect="1"/>
+          </p:cNvSpPr>
+          <p:nvPr>
+            <p:ph type="sldImg"/>
+          </p:nvPr>
+        </p:nvSpPr>
+        <p:spPr/>
+      </p:sp>
+      <p:sp>
+        <p:nvSpPr>
+          <p:cNvPr id="3" name="Notes Placeholder 2"/>
+          <p:cNvSpPr>
+            <a:spLocks noGrp="1"/>
+          </p:cNvSpPr>
+          <p:nvPr>
+            <p:ph type="body" idx="1"/>
+          </p:nvPr>
+        </p:nvSpPr>
+        <p:spPr/>
+        <p:txBody>
+          <a:bodyPr/>
+          <a:lstStyle/>
+          <a:p>
+            <a:r>
+              <a:rPr lang="en-US" dirty="0"/>
+              <a:t>Need to add more</a:t>
+            </a:r>
+          </a:p>
+        </p:txBody>
+      </p:sp>
+      <p:sp>
+        <p:nvSpPr>
+          <p:cNvPr id="4" name="Slide Number Placeholder 3"/>
+          <p:cNvSpPr>
+            <a:spLocks noGrp="1"/>
+          </p:cNvSpPr>
+          <p:nvPr>
+            <p:ph type="sldNum" sz="quarter" idx="5"/>
+          </p:nvPr>
+        </p:nvSpPr>
+        <p:spPr/>
+        <p:txBody>
+          <a:bodyPr/>
+          <a:lstStyle/>
+          <a:p>
+            <a:fld id="{DB8CED03-68E4-184F-96C6-86FA95DC3A06}" type="slidenum">
+              <a:rPr lang="en-US" smtClean="0"/>
+              <a:t>7</a:t>
+            </a:fld>
+            <a:endParaRPr lang="en-US"/>
+          </a:p>
+        </p:txBody>
+      </p:sp>
+    </p:spTree>
+    <p:extLst>
+      <p:ext uri="{BB962C8B-B14F-4D97-AF65-F5344CB8AC3E}">
+        <p14:creationId xmlns:p14="http://schemas.microsoft.com/office/powerpoint/2010/main" val="650261798"/>
+      </p:ext>
+    </p:extLst>
+  </p:cSld>
+  <p:clrMapOvr>
+    <a:masterClrMapping/>
+  </p:clrMapOvr>
+</p:notes>
 </file>
 
 <file path=ppt/slideLayouts/slideLayout1.xml><?xml version="1.0" encoding="utf-8"?>
@@ -3421,6 +3866,326 @@
 </p:sld>
 </file>
 
+<file path=ppt/slides/slide10.xml><?xml version="1.0" encoding="utf-8"?>
+<p:sld xmlns:a="http://schemas.openxmlformats.org/drawingml/2006/main" xmlns:r="http://schemas.openxmlformats.org/officeDocument/2006/relationships" xmlns:p="http://schemas.openxmlformats.org/presentationml/2006/main">
+  <p:cSld>
+    <p:spTree>
+      <p:nvGrpSpPr>
+        <p:cNvPr id="1" name=""/>
+        <p:cNvGrpSpPr/>
+        <p:nvPr/>
+      </p:nvGrpSpPr>
+      <p:grpSpPr>
+        <a:xfrm>
+          <a:off x="0" y="0"/>
+          <a:ext cx="0" cy="0"/>
+          <a:chOff x="0" y="0"/>
+          <a:chExt cx="0" cy="0"/>
+        </a:xfrm>
+      </p:grpSpPr>
+      <p:sp>
+        <p:nvSpPr>
+          <p:cNvPr id="2" name="Title 1">
+            <a:extLst>
+              <a:ext uri="{FF2B5EF4-FFF2-40B4-BE49-F238E27FC236}">
+                <a16:creationId xmlns:a16="http://schemas.microsoft.com/office/drawing/2014/main" id="{712AA24F-B15A-0E01-ADF4-8CE2D9096950}"/>
+              </a:ext>
+            </a:extLst>
+          </p:cNvPr>
+          <p:cNvSpPr>
+            <a:spLocks noGrp="1"/>
+          </p:cNvSpPr>
+          <p:nvPr>
+            <p:ph type="title"/>
+          </p:nvPr>
+        </p:nvSpPr>
+        <p:spPr/>
+        <p:txBody>
+          <a:bodyPr/>
+          <a:lstStyle/>
+          <a:p>
+            <a:endParaRPr lang="en-US"/>
+          </a:p>
+        </p:txBody>
+      </p:sp>
+      <p:sp>
+        <p:nvSpPr>
+          <p:cNvPr id="3" name="Content Placeholder 2">
+            <a:extLst>
+              <a:ext uri="{FF2B5EF4-FFF2-40B4-BE49-F238E27FC236}">
+                <a16:creationId xmlns:a16="http://schemas.microsoft.com/office/drawing/2014/main" id="{FFC42543-4733-C3C5-21CA-6659EBA30523}"/>
+              </a:ext>
+            </a:extLst>
+          </p:cNvPr>
+          <p:cNvSpPr>
+            <a:spLocks noGrp="1"/>
+          </p:cNvSpPr>
+          <p:nvPr>
+            <p:ph idx="1"/>
+          </p:nvPr>
+        </p:nvSpPr>
+        <p:spPr/>
+        <p:txBody>
+          <a:bodyPr/>
+          <a:lstStyle/>
+          <a:p>
+            <a:endParaRPr lang="en-US"/>
+          </a:p>
+        </p:txBody>
+      </p:sp>
+    </p:spTree>
+    <p:extLst>
+      <p:ext uri="{BB962C8B-B14F-4D97-AF65-F5344CB8AC3E}">
+        <p14:creationId xmlns:p14="http://schemas.microsoft.com/office/powerpoint/2010/main" val="2465183645"/>
+      </p:ext>
+    </p:extLst>
+  </p:cSld>
+  <p:clrMapOvr>
+    <a:masterClrMapping/>
+  </p:clrMapOvr>
+</p:sld>
+</file>
+
+<file path=ppt/slides/slide11.xml><?xml version="1.0" encoding="utf-8"?>
+<p:sld xmlns:a="http://schemas.openxmlformats.org/drawingml/2006/main" xmlns:r="http://schemas.openxmlformats.org/officeDocument/2006/relationships" xmlns:p="http://schemas.openxmlformats.org/presentationml/2006/main">
+  <p:cSld>
+    <p:spTree>
+      <p:nvGrpSpPr>
+        <p:cNvPr id="1" name=""/>
+        <p:cNvGrpSpPr/>
+        <p:nvPr/>
+      </p:nvGrpSpPr>
+      <p:grpSpPr>
+        <a:xfrm>
+          <a:off x="0" y="0"/>
+          <a:ext cx="0" cy="0"/>
+          <a:chOff x="0" y="0"/>
+          <a:chExt cx="0" cy="0"/>
+        </a:xfrm>
+      </p:grpSpPr>
+      <p:sp>
+        <p:nvSpPr>
+          <p:cNvPr id="2" name="Title 1">
+            <a:extLst>
+              <a:ext uri="{FF2B5EF4-FFF2-40B4-BE49-F238E27FC236}">
+                <a16:creationId xmlns:a16="http://schemas.microsoft.com/office/drawing/2014/main" id="{71B46F8A-26DC-E57E-0213-3B37F44C99A8}"/>
+              </a:ext>
+            </a:extLst>
+          </p:cNvPr>
+          <p:cNvSpPr>
+            <a:spLocks noGrp="1"/>
+          </p:cNvSpPr>
+          <p:nvPr>
+            <p:ph type="title"/>
+          </p:nvPr>
+        </p:nvSpPr>
+        <p:spPr/>
+        <p:txBody>
+          <a:bodyPr/>
+          <a:lstStyle/>
+          <a:p>
+            <a:endParaRPr lang="en-US"/>
+          </a:p>
+        </p:txBody>
+      </p:sp>
+      <p:sp>
+        <p:nvSpPr>
+          <p:cNvPr id="3" name="Content Placeholder 2">
+            <a:extLst>
+              <a:ext uri="{FF2B5EF4-FFF2-40B4-BE49-F238E27FC236}">
+                <a16:creationId xmlns:a16="http://schemas.microsoft.com/office/drawing/2014/main" id="{14693B8B-F150-52E4-B95F-0F301551BB07}"/>
+              </a:ext>
+            </a:extLst>
+          </p:cNvPr>
+          <p:cNvSpPr>
+            <a:spLocks noGrp="1"/>
+          </p:cNvSpPr>
+          <p:nvPr>
+            <p:ph idx="1"/>
+          </p:nvPr>
+        </p:nvSpPr>
+        <p:spPr/>
+        <p:txBody>
+          <a:bodyPr/>
+          <a:lstStyle/>
+          <a:p>
+            <a:endParaRPr lang="en-US"/>
+          </a:p>
+        </p:txBody>
+      </p:sp>
+    </p:spTree>
+    <p:extLst>
+      <p:ext uri="{BB962C8B-B14F-4D97-AF65-F5344CB8AC3E}">
+        <p14:creationId xmlns:p14="http://schemas.microsoft.com/office/powerpoint/2010/main" val="3691303264"/>
+      </p:ext>
+    </p:extLst>
+  </p:cSld>
+  <p:clrMapOvr>
+    <a:masterClrMapping/>
+  </p:clrMapOvr>
+</p:sld>
+</file>
+
+<file path=ppt/slides/slide12.xml><?xml version="1.0" encoding="utf-8"?>
+<p:sld xmlns:a="http://schemas.openxmlformats.org/drawingml/2006/main" xmlns:r="http://schemas.openxmlformats.org/officeDocument/2006/relationships" xmlns:p="http://schemas.openxmlformats.org/presentationml/2006/main">
+  <p:cSld>
+    <p:spTree>
+      <p:nvGrpSpPr>
+        <p:cNvPr id="1" name=""/>
+        <p:cNvGrpSpPr/>
+        <p:nvPr/>
+      </p:nvGrpSpPr>
+      <p:grpSpPr>
+        <a:xfrm>
+          <a:off x="0" y="0"/>
+          <a:ext cx="0" cy="0"/>
+          <a:chOff x="0" y="0"/>
+          <a:chExt cx="0" cy="0"/>
+        </a:xfrm>
+      </p:grpSpPr>
+      <p:sp>
+        <p:nvSpPr>
+          <p:cNvPr id="2" name="Title 1">
+            <a:extLst>
+              <a:ext uri="{FF2B5EF4-FFF2-40B4-BE49-F238E27FC236}">
+                <a16:creationId xmlns:a16="http://schemas.microsoft.com/office/drawing/2014/main" id="{952DEC3B-66BA-4845-C2C7-8F3B5D684FB8}"/>
+              </a:ext>
+            </a:extLst>
+          </p:cNvPr>
+          <p:cNvSpPr>
+            <a:spLocks noGrp="1"/>
+          </p:cNvSpPr>
+          <p:nvPr>
+            <p:ph type="title"/>
+          </p:nvPr>
+        </p:nvSpPr>
+        <p:spPr/>
+        <p:txBody>
+          <a:bodyPr/>
+          <a:lstStyle/>
+          <a:p>
+            <a:endParaRPr lang="en-US"/>
+          </a:p>
+        </p:txBody>
+      </p:sp>
+      <p:sp>
+        <p:nvSpPr>
+          <p:cNvPr id="3" name="Content Placeholder 2">
+            <a:extLst>
+              <a:ext uri="{FF2B5EF4-FFF2-40B4-BE49-F238E27FC236}">
+                <a16:creationId xmlns:a16="http://schemas.microsoft.com/office/drawing/2014/main" id="{B3AF0CBD-E710-3B93-C22E-40258D7532F2}"/>
+              </a:ext>
+            </a:extLst>
+          </p:cNvPr>
+          <p:cNvSpPr>
+            <a:spLocks noGrp="1"/>
+          </p:cNvSpPr>
+          <p:nvPr>
+            <p:ph idx="1"/>
+          </p:nvPr>
+        </p:nvSpPr>
+        <p:spPr/>
+        <p:txBody>
+          <a:bodyPr/>
+          <a:lstStyle/>
+          <a:p>
+            <a:endParaRPr lang="en-US"/>
+          </a:p>
+        </p:txBody>
+      </p:sp>
+    </p:spTree>
+    <p:extLst>
+      <p:ext uri="{BB962C8B-B14F-4D97-AF65-F5344CB8AC3E}">
+        <p14:creationId xmlns:p14="http://schemas.microsoft.com/office/powerpoint/2010/main" val="1993766102"/>
+      </p:ext>
+    </p:extLst>
+  </p:cSld>
+  <p:clrMapOvr>
+    <a:masterClrMapping/>
+  </p:clrMapOvr>
+</p:sld>
+</file>
+
+<file path=ppt/slides/slide13.xml><?xml version="1.0" encoding="utf-8"?>
+<p:sld xmlns:a="http://schemas.openxmlformats.org/drawingml/2006/main" xmlns:r="http://schemas.openxmlformats.org/officeDocument/2006/relationships" xmlns:p="http://schemas.openxmlformats.org/presentationml/2006/main">
+  <p:cSld>
+    <p:spTree>
+      <p:nvGrpSpPr>
+        <p:cNvPr id="1" name=""/>
+        <p:cNvGrpSpPr/>
+        <p:nvPr/>
+      </p:nvGrpSpPr>
+      <p:grpSpPr>
+        <a:xfrm>
+          <a:off x="0" y="0"/>
+          <a:ext cx="0" cy="0"/>
+          <a:chOff x="0" y="0"/>
+          <a:chExt cx="0" cy="0"/>
+        </a:xfrm>
+      </p:grpSpPr>
+      <p:sp>
+        <p:nvSpPr>
+          <p:cNvPr id="2" name="Title 1">
+            <a:extLst>
+              <a:ext uri="{FF2B5EF4-FFF2-40B4-BE49-F238E27FC236}">
+                <a16:creationId xmlns:a16="http://schemas.microsoft.com/office/drawing/2014/main" id="{F515B92A-F80A-6901-A341-D6F2A111D7CD}"/>
+              </a:ext>
+            </a:extLst>
+          </p:cNvPr>
+          <p:cNvSpPr>
+            <a:spLocks noGrp="1"/>
+          </p:cNvSpPr>
+          <p:nvPr>
+            <p:ph type="title"/>
+          </p:nvPr>
+        </p:nvSpPr>
+        <p:spPr/>
+        <p:txBody>
+          <a:bodyPr/>
+          <a:lstStyle/>
+          <a:p>
+            <a:endParaRPr lang="en-US"/>
+          </a:p>
+        </p:txBody>
+      </p:sp>
+      <p:sp>
+        <p:nvSpPr>
+          <p:cNvPr id="3" name="Content Placeholder 2">
+            <a:extLst>
+              <a:ext uri="{FF2B5EF4-FFF2-40B4-BE49-F238E27FC236}">
+                <a16:creationId xmlns:a16="http://schemas.microsoft.com/office/drawing/2014/main" id="{2FA922B8-6C3D-CA0C-620F-C5696EC0D27A}"/>
+              </a:ext>
+            </a:extLst>
+          </p:cNvPr>
+          <p:cNvSpPr>
+            <a:spLocks noGrp="1"/>
+          </p:cNvSpPr>
+          <p:nvPr>
+            <p:ph idx="1"/>
+          </p:nvPr>
+        </p:nvSpPr>
+        <p:spPr/>
+        <p:txBody>
+          <a:bodyPr/>
+          <a:lstStyle/>
+          <a:p>
+            <a:endParaRPr lang="en-US"/>
+          </a:p>
+        </p:txBody>
+      </p:sp>
+    </p:spTree>
+    <p:extLst>
+      <p:ext uri="{BB962C8B-B14F-4D97-AF65-F5344CB8AC3E}">
+        <p14:creationId xmlns:p14="http://schemas.microsoft.com/office/powerpoint/2010/main" val="3913035820"/>
+      </p:ext>
+    </p:extLst>
+  </p:cSld>
+  <p:clrMapOvr>
+    <a:masterClrMapping/>
+  </p:clrMapOvr>
+</p:sld>
+</file>
+
 <file path=ppt/slides/slide2.xml><?xml version="1.0" encoding="utf-8"?>
 <p:sld xmlns:a="http://schemas.openxmlformats.org/drawingml/2006/main" xmlns:r="http://schemas.openxmlformats.org/officeDocument/2006/relationships" xmlns:p="http://schemas.openxmlformats.org/presentationml/2006/main">
   <p:cSld>
@@ -3752,7 +4517,7 @@
           <p:cNvPr id="2" name="Title 1">
             <a:extLst>
               <a:ext uri="{FF2B5EF4-FFF2-40B4-BE49-F238E27FC236}">
-                <a16:creationId xmlns:a16="http://schemas.microsoft.com/office/drawing/2014/main" id="{DB05AE03-CD63-5D94-4B03-E904814CC709}"/>
+                <a16:creationId xmlns:a16="http://schemas.microsoft.com/office/drawing/2014/main" id="{5ABE0926-2E32-BB4C-A4EF-4DA446A7CA6E}"/>
               </a:ext>
             </a:extLst>
           </p:cNvPr>
@@ -3763,12 +4528,30 @@
             <p:ph type="title"/>
           </p:nvPr>
         </p:nvSpPr>
-        <p:spPr/>
-        <p:txBody>
-          <a:bodyPr/>
+        <p:spPr>
+          <a:xfrm>
+            <a:off x="628649" y="274638"/>
+            <a:ext cx="7886701" cy="1325563"/>
+          </a:xfrm>
+        </p:spPr>
+        <p:txBody>
+          <a:bodyPr>
+            <a:normAutofit fontScale="90000"/>
+          </a:bodyPr>
           <a:lstStyle/>
           <a:p>
-            <a:endParaRPr lang="en-US"/>
+            <a:pPr algn="ctr"/>
+            <a:r>
+              <a:rPr lang="en-US" b="1" dirty="0"/>
+              <a:t>Two main aims of </a:t>
+            </a:r>
+            <a:br>
+              <a:rPr lang="en-US" b="1" dirty="0"/>
+            </a:br>
+            <a:r>
+              <a:rPr lang="en-US" b="1" dirty="0"/>
+              <a:t>meta-analysis</a:t>
+            </a:r>
           </a:p>
         </p:txBody>
       </p:sp>
@@ -3777,7 +4560,7 @@
           <p:cNvPr id="3" name="Content Placeholder 2">
             <a:extLst>
               <a:ext uri="{FF2B5EF4-FFF2-40B4-BE49-F238E27FC236}">
-                <a16:creationId xmlns:a16="http://schemas.microsoft.com/office/drawing/2014/main" id="{E5D4D6FE-12C9-282B-F43A-1440602E6B04}"/>
+                <a16:creationId xmlns:a16="http://schemas.microsoft.com/office/drawing/2014/main" id="{9E48FE50-D8B5-5D4B-A5D3-FD3B13B903BE}"/>
               </a:ext>
             </a:extLst>
           </p:cNvPr>
@@ -3790,23 +4573,359 @@
         </p:nvSpPr>
         <p:spPr/>
         <p:txBody>
-          <a:bodyPr/>
+          <a:bodyPr>
+            <a:normAutofit fontScale="85000" lnSpcReduction="10000"/>
+          </a:bodyPr>
           <a:lstStyle/>
           <a:p>
-            <a:endParaRPr lang="en-US"/>
+            <a:pPr marL="514350" indent="-514350">
+              <a:lnSpc>
+                <a:spcPct val="130000"/>
+              </a:lnSpc>
+              <a:buFont typeface="+mj-lt"/>
+              <a:buAutoNum type="arabicPeriod"/>
+            </a:pPr>
+            <a:r>
+              <a:rPr lang="en-US" dirty="0"/>
+              <a:t>Finding generality across studies on the same (similar) topics</a:t>
+            </a:r>
+          </a:p>
+          <a:p>
+            <a:pPr lvl="1">
+              <a:lnSpc>
+                <a:spcPct val="130000"/>
+              </a:lnSpc>
+            </a:pPr>
+            <a:r>
+              <a:rPr lang="en-US" dirty="0">
+                <a:solidFill>
+                  <a:srgbClr val="FF0000"/>
+                </a:solidFill>
+              </a:rPr>
+              <a:t>Meta-analysis</a:t>
+            </a:r>
+          </a:p>
+          <a:p>
+            <a:pPr marL="514350" indent="-514350">
+              <a:lnSpc>
+                <a:spcPct val="130000"/>
+              </a:lnSpc>
+              <a:buFont typeface="+mj-lt"/>
+              <a:buAutoNum type="arabicPeriod"/>
+            </a:pPr>
+            <a:r>
+              <a:rPr lang="en-US" dirty="0"/>
+              <a:t>Finding consistency (inconsistency) among studies – just looking at means may not be useful</a:t>
+            </a:r>
+          </a:p>
+          <a:p>
+            <a:pPr lvl="1">
+              <a:lnSpc>
+                <a:spcPct val="130000"/>
+              </a:lnSpc>
+            </a:pPr>
+            <a:r>
+              <a:rPr lang="en-US" dirty="0">
+                <a:solidFill>
+                  <a:srgbClr val="FF0000"/>
+                </a:solidFill>
+              </a:rPr>
+              <a:t>Heterogeneity analysis</a:t>
+            </a:r>
+          </a:p>
+          <a:p>
+            <a:pPr lvl="1">
+              <a:lnSpc>
+                <a:spcPct val="130000"/>
+              </a:lnSpc>
+            </a:pPr>
+            <a:r>
+              <a:rPr lang="en-US" dirty="0">
+                <a:solidFill>
+                  <a:srgbClr val="FF0000"/>
+                </a:solidFill>
+              </a:rPr>
+              <a:t>Meta-regression</a:t>
+            </a:r>
+          </a:p>
+          <a:p>
+            <a:pPr lvl="1">
+              <a:lnSpc>
+                <a:spcPct val="130000"/>
+              </a:lnSpc>
+            </a:pPr>
+            <a:r>
+              <a:rPr lang="en-US" dirty="0"/>
+              <a:t>Publication-bias tests</a:t>
+            </a:r>
           </a:p>
         </p:txBody>
       </p:sp>
     </p:spTree>
     <p:extLst>
       <p:ext uri="{BB962C8B-B14F-4D97-AF65-F5344CB8AC3E}">
-        <p14:creationId xmlns:p14="http://schemas.microsoft.com/office/powerpoint/2010/main" val="1599416502"/>
+        <p14:creationId xmlns:p14="http://schemas.microsoft.com/office/powerpoint/2010/main" val="98715535"/>
       </p:ext>
     </p:extLst>
   </p:cSld>
   <p:clrMapOvr>
     <a:masterClrMapping/>
   </p:clrMapOvr>
+  <p:timing>
+    <p:tnLst>
+      <p:par>
+        <p:cTn id="1" dur="indefinite" restart="never" nodeType="tmRoot">
+          <p:childTnLst>
+            <p:seq concurrent="1" nextAc="seek">
+              <p:cTn id="2" dur="indefinite" nodeType="mainSeq">
+                <p:childTnLst>
+                  <p:par>
+                    <p:cTn id="3" fill="hold">
+                      <p:stCondLst>
+                        <p:cond delay="indefinite"/>
+                      </p:stCondLst>
+                      <p:childTnLst>
+                        <p:par>
+                          <p:cTn id="4" fill="hold">
+                            <p:stCondLst>
+                              <p:cond delay="0"/>
+                            </p:stCondLst>
+                            <p:childTnLst>
+                              <p:par>
+                                <p:cTn id="5" presetID="1" presetClass="entr" presetSubtype="0" fill="hold" grpId="0" nodeType="clickEffect">
+                                  <p:stCondLst>
+                                    <p:cond delay="0"/>
+                                  </p:stCondLst>
+                                  <p:childTnLst>
+                                    <p:set>
+                                      <p:cBhvr>
+                                        <p:cTn id="6" dur="1" fill="hold">
+                                          <p:stCondLst>
+                                            <p:cond delay="0"/>
+                                          </p:stCondLst>
+                                        </p:cTn>
+                                        <p:tgtEl>
+                                          <p:spTgt spid="3">
+                                            <p:txEl>
+                                              <p:pRg st="0" end="0"/>
+                                            </p:txEl>
+                                          </p:spTgt>
+                                        </p:tgtEl>
+                                        <p:attrNameLst>
+                                          <p:attrName>style.visibility</p:attrName>
+                                        </p:attrNameLst>
+                                      </p:cBhvr>
+                                      <p:to>
+                                        <p:strVal val="visible"/>
+                                      </p:to>
+                                    </p:set>
+                                  </p:childTnLst>
+                                </p:cTn>
+                              </p:par>
+                              <p:par>
+                                <p:cTn id="7" presetID="1" presetClass="entr" presetSubtype="0" fill="hold" grpId="0" nodeType="withEffect">
+                                  <p:stCondLst>
+                                    <p:cond delay="0"/>
+                                  </p:stCondLst>
+                                  <p:childTnLst>
+                                    <p:set>
+                                      <p:cBhvr>
+                                        <p:cTn id="8" dur="1" fill="hold">
+                                          <p:stCondLst>
+                                            <p:cond delay="0"/>
+                                          </p:stCondLst>
+                                        </p:cTn>
+                                        <p:tgtEl>
+                                          <p:spTgt spid="3">
+                                            <p:txEl>
+                                              <p:pRg st="1" end="1"/>
+                                            </p:txEl>
+                                          </p:spTgt>
+                                        </p:tgtEl>
+                                        <p:attrNameLst>
+                                          <p:attrName>style.visibility</p:attrName>
+                                        </p:attrNameLst>
+                                      </p:cBhvr>
+                                      <p:to>
+                                        <p:strVal val="visible"/>
+                                      </p:to>
+                                    </p:set>
+                                  </p:childTnLst>
+                                </p:cTn>
+                              </p:par>
+                            </p:childTnLst>
+                          </p:cTn>
+                        </p:par>
+                      </p:childTnLst>
+                    </p:cTn>
+                  </p:par>
+                  <p:par>
+                    <p:cTn id="9" fill="hold">
+                      <p:stCondLst>
+                        <p:cond delay="indefinite"/>
+                      </p:stCondLst>
+                      <p:childTnLst>
+                        <p:par>
+                          <p:cTn id="10" fill="hold">
+                            <p:stCondLst>
+                              <p:cond delay="0"/>
+                            </p:stCondLst>
+                            <p:childTnLst>
+                              <p:par>
+                                <p:cTn id="11" presetID="1" presetClass="entr" presetSubtype="0" fill="hold" grpId="0" nodeType="clickEffect">
+                                  <p:stCondLst>
+                                    <p:cond delay="0"/>
+                                  </p:stCondLst>
+                                  <p:childTnLst>
+                                    <p:set>
+                                      <p:cBhvr>
+                                        <p:cTn id="12" dur="1" fill="hold">
+                                          <p:stCondLst>
+                                            <p:cond delay="0"/>
+                                          </p:stCondLst>
+                                        </p:cTn>
+                                        <p:tgtEl>
+                                          <p:spTgt spid="3">
+                                            <p:txEl>
+                                              <p:pRg st="2" end="2"/>
+                                            </p:txEl>
+                                          </p:spTgt>
+                                        </p:tgtEl>
+                                        <p:attrNameLst>
+                                          <p:attrName>style.visibility</p:attrName>
+                                        </p:attrNameLst>
+                                      </p:cBhvr>
+                                      <p:to>
+                                        <p:strVal val="visible"/>
+                                      </p:to>
+                                    </p:set>
+                                  </p:childTnLst>
+                                </p:cTn>
+                              </p:par>
+                              <p:par>
+                                <p:cTn id="13" presetID="1" presetClass="entr" presetSubtype="0" fill="hold" grpId="0" nodeType="withEffect">
+                                  <p:stCondLst>
+                                    <p:cond delay="0"/>
+                                  </p:stCondLst>
+                                  <p:childTnLst>
+                                    <p:set>
+                                      <p:cBhvr>
+                                        <p:cTn id="14" dur="1" fill="hold">
+                                          <p:stCondLst>
+                                            <p:cond delay="0"/>
+                                          </p:stCondLst>
+                                        </p:cTn>
+                                        <p:tgtEl>
+                                          <p:spTgt spid="3">
+                                            <p:txEl>
+                                              <p:pRg st="3" end="3"/>
+                                            </p:txEl>
+                                          </p:spTgt>
+                                        </p:tgtEl>
+                                        <p:attrNameLst>
+                                          <p:attrName>style.visibility</p:attrName>
+                                        </p:attrNameLst>
+                                      </p:cBhvr>
+                                      <p:to>
+                                        <p:strVal val="visible"/>
+                                      </p:to>
+                                    </p:set>
+                                  </p:childTnLst>
+                                </p:cTn>
+                              </p:par>
+                              <p:par>
+                                <p:cTn id="15" presetID="1" presetClass="entr" presetSubtype="0" fill="hold" grpId="0" nodeType="withEffect">
+                                  <p:stCondLst>
+                                    <p:cond delay="0"/>
+                                  </p:stCondLst>
+                                  <p:childTnLst>
+                                    <p:set>
+                                      <p:cBhvr>
+                                        <p:cTn id="16" dur="1" fill="hold">
+                                          <p:stCondLst>
+                                            <p:cond delay="0"/>
+                                          </p:stCondLst>
+                                        </p:cTn>
+                                        <p:tgtEl>
+                                          <p:spTgt spid="3">
+                                            <p:txEl>
+                                              <p:pRg st="4" end="4"/>
+                                            </p:txEl>
+                                          </p:spTgt>
+                                        </p:tgtEl>
+                                        <p:attrNameLst>
+                                          <p:attrName>style.visibility</p:attrName>
+                                        </p:attrNameLst>
+                                      </p:cBhvr>
+                                      <p:to>
+                                        <p:strVal val="visible"/>
+                                      </p:to>
+                                    </p:set>
+                                  </p:childTnLst>
+                                </p:cTn>
+                              </p:par>
+                              <p:par>
+                                <p:cTn id="17" presetID="1" presetClass="entr" presetSubtype="0" fill="hold" grpId="0" nodeType="withEffect">
+                                  <p:stCondLst>
+                                    <p:cond delay="0"/>
+                                  </p:stCondLst>
+                                  <p:childTnLst>
+                                    <p:set>
+                                      <p:cBhvr>
+                                        <p:cTn id="18" dur="1" fill="hold">
+                                          <p:stCondLst>
+                                            <p:cond delay="0"/>
+                                          </p:stCondLst>
+                                        </p:cTn>
+                                        <p:tgtEl>
+                                          <p:spTgt spid="3">
+                                            <p:txEl>
+                                              <p:pRg st="5" end="5"/>
+                                            </p:txEl>
+                                          </p:spTgt>
+                                        </p:tgtEl>
+                                        <p:attrNameLst>
+                                          <p:attrName>style.visibility</p:attrName>
+                                        </p:attrNameLst>
+                                      </p:cBhvr>
+                                      <p:to>
+                                        <p:strVal val="visible"/>
+                                      </p:to>
+                                    </p:set>
+                                  </p:childTnLst>
+                                </p:cTn>
+                              </p:par>
+                            </p:childTnLst>
+                          </p:cTn>
+                        </p:par>
+                      </p:childTnLst>
+                    </p:cTn>
+                  </p:par>
+                </p:childTnLst>
+              </p:cTn>
+              <p:prevCondLst>
+                <p:cond evt="onPrev" delay="0">
+                  <p:tgtEl>
+                    <p:sldTgt/>
+                  </p:tgtEl>
+                </p:cond>
+              </p:prevCondLst>
+              <p:nextCondLst>
+                <p:cond evt="onNext" delay="0">
+                  <p:tgtEl>
+                    <p:sldTgt/>
+                  </p:tgtEl>
+                </p:cond>
+              </p:nextCondLst>
+            </p:seq>
+          </p:childTnLst>
+        </p:cTn>
+      </p:par>
+    </p:tnLst>
+    <p:bldLst>
+      <p:bldP spid="3" grpId="0" build="p"/>
+    </p:bldLst>
+  </p:timing>
 </p:sld>
 </file>
 
@@ -3832,7 +4951,7 @@
           <p:cNvPr id="2" name="Title 1">
             <a:extLst>
               <a:ext uri="{FF2B5EF4-FFF2-40B4-BE49-F238E27FC236}">
-                <a16:creationId xmlns:a16="http://schemas.microsoft.com/office/drawing/2014/main" id="{FAD24512-80B2-B900-EEFB-6DA1FDBD6E4C}"/>
+                <a16:creationId xmlns:a16="http://schemas.microsoft.com/office/drawing/2014/main" id="{72078BF5-73C4-A14D-A015-84760165405D}"/>
               </a:ext>
             </a:extLst>
           </p:cNvPr>
@@ -3848,7 +4967,10 @@
           <a:bodyPr/>
           <a:lstStyle/>
           <a:p>
-            <a:endParaRPr lang="en-US"/>
+            <a:r>
+              <a:rPr lang="en-US" b="1" dirty="0"/>
+              <a:t>Meta-analysis </a:t>
+            </a:r>
           </a:p>
         </p:txBody>
       </p:sp>
@@ -3857,7 +4979,7 @@
           <p:cNvPr id="3" name="Content Placeholder 2">
             <a:extLst>
               <a:ext uri="{FF2B5EF4-FFF2-40B4-BE49-F238E27FC236}">
-                <a16:creationId xmlns:a16="http://schemas.microsoft.com/office/drawing/2014/main" id="{C523E400-7819-3761-12DD-799D9CB7C520}"/>
+                <a16:creationId xmlns:a16="http://schemas.microsoft.com/office/drawing/2014/main" id="{59A93BEA-7561-3949-88EE-2500CA300F0C}"/>
               </a:ext>
             </a:extLst>
           </p:cNvPr>
@@ -3870,23 +4992,337 @@
         </p:nvSpPr>
         <p:spPr/>
         <p:txBody>
-          <a:bodyPr/>
+          <a:bodyPr>
+            <a:normAutofit fontScale="92500"/>
+          </a:bodyPr>
           <a:lstStyle/>
           <a:p>
-            <a:endParaRPr lang="en-US"/>
+            <a:pPr>
+              <a:lnSpc>
+                <a:spcPct val="130000"/>
+              </a:lnSpc>
+            </a:pPr>
+            <a:r>
+              <a:rPr lang="en-US" dirty="0"/>
+              <a:t>Fixed-effect (common-effect) and random-effects meta-analyses</a:t>
+            </a:r>
+          </a:p>
+          <a:p>
+            <a:pPr>
+              <a:lnSpc>
+                <a:spcPct val="130000"/>
+              </a:lnSpc>
+            </a:pPr>
+            <a:r>
+              <a:rPr lang="en-US" dirty="0"/>
+              <a:t>Heterogeneity tests</a:t>
+            </a:r>
+          </a:p>
+          <a:p>
+            <a:pPr>
+              <a:lnSpc>
+                <a:spcPct val="130000"/>
+              </a:lnSpc>
+            </a:pPr>
+            <a:r>
+              <a:rPr lang="en-US" dirty="0"/>
+              <a:t>Meta-regression (mixed-effects meta-analysis)</a:t>
+            </a:r>
+          </a:p>
+          <a:p>
+            <a:pPr>
+              <a:lnSpc>
+                <a:spcPct val="130000"/>
+              </a:lnSpc>
+            </a:pPr>
+            <a:r>
+              <a:rPr lang="en-US" dirty="0"/>
+              <a:t>Publication bias</a:t>
+            </a:r>
+          </a:p>
+          <a:p>
+            <a:pPr lvl="1">
+              <a:lnSpc>
+                <a:spcPct val="130000"/>
+              </a:lnSpc>
+            </a:pPr>
+            <a:r>
+              <a:rPr lang="en-US" dirty="0"/>
+              <a:t>Are studies with significant results more likely to be published?</a:t>
+            </a:r>
           </a:p>
         </p:txBody>
       </p:sp>
     </p:spTree>
     <p:extLst>
       <p:ext uri="{BB962C8B-B14F-4D97-AF65-F5344CB8AC3E}">
-        <p14:creationId xmlns:p14="http://schemas.microsoft.com/office/powerpoint/2010/main" val="4005888287"/>
+        <p14:creationId xmlns:p14="http://schemas.microsoft.com/office/powerpoint/2010/main" val="3871656041"/>
       </p:ext>
     </p:extLst>
   </p:cSld>
   <p:clrMapOvr>
     <a:masterClrMapping/>
   </p:clrMapOvr>
+  <p:timing>
+    <p:tnLst>
+      <p:par>
+        <p:cTn id="1" dur="indefinite" restart="never" nodeType="tmRoot">
+          <p:childTnLst>
+            <p:seq concurrent="1" nextAc="seek">
+              <p:cTn id="2" dur="indefinite" nodeType="mainSeq">
+                <p:childTnLst>
+                  <p:par>
+                    <p:cTn id="3" fill="hold">
+                      <p:stCondLst>
+                        <p:cond delay="indefinite"/>
+                      </p:stCondLst>
+                      <p:childTnLst>
+                        <p:par>
+                          <p:cTn id="4" fill="hold">
+                            <p:stCondLst>
+                              <p:cond delay="0"/>
+                            </p:stCondLst>
+                            <p:childTnLst>
+                              <p:par>
+                                <p:cTn id="5" presetID="1" presetClass="entr" presetSubtype="0" fill="hold" grpId="0" nodeType="clickEffect">
+                                  <p:stCondLst>
+                                    <p:cond delay="0"/>
+                                  </p:stCondLst>
+                                  <p:childTnLst>
+                                    <p:set>
+                                      <p:cBhvr>
+                                        <p:cTn id="6" dur="1" fill="hold">
+                                          <p:stCondLst>
+                                            <p:cond delay="0"/>
+                                          </p:stCondLst>
+                                        </p:cTn>
+                                        <p:tgtEl>
+                                          <p:spTgt spid="3">
+                                            <p:txEl>
+                                              <p:pRg st="0" end="0"/>
+                                            </p:txEl>
+                                          </p:spTgt>
+                                        </p:tgtEl>
+                                        <p:attrNameLst>
+                                          <p:attrName>style.visibility</p:attrName>
+                                        </p:attrNameLst>
+                                      </p:cBhvr>
+                                      <p:to>
+                                        <p:strVal val="visible"/>
+                                      </p:to>
+                                    </p:set>
+                                  </p:childTnLst>
+                                </p:cTn>
+                              </p:par>
+                            </p:childTnLst>
+                          </p:cTn>
+                        </p:par>
+                      </p:childTnLst>
+                    </p:cTn>
+                  </p:par>
+                  <p:par>
+                    <p:cTn id="7" fill="hold">
+                      <p:stCondLst>
+                        <p:cond delay="indefinite"/>
+                      </p:stCondLst>
+                      <p:childTnLst>
+                        <p:par>
+                          <p:cTn id="8" fill="hold">
+                            <p:stCondLst>
+                              <p:cond delay="0"/>
+                            </p:stCondLst>
+                            <p:childTnLst>
+                              <p:par>
+                                <p:cTn id="9" presetID="1" presetClass="entr" presetSubtype="0" fill="hold" grpId="0" nodeType="clickEffect">
+                                  <p:stCondLst>
+                                    <p:cond delay="0"/>
+                                  </p:stCondLst>
+                                  <p:childTnLst>
+                                    <p:set>
+                                      <p:cBhvr>
+                                        <p:cTn id="10" dur="1" fill="hold">
+                                          <p:stCondLst>
+                                            <p:cond delay="0"/>
+                                          </p:stCondLst>
+                                        </p:cTn>
+                                        <p:tgtEl>
+                                          <p:spTgt spid="3">
+                                            <p:txEl>
+                                              <p:pRg st="1" end="1"/>
+                                            </p:txEl>
+                                          </p:spTgt>
+                                        </p:tgtEl>
+                                        <p:attrNameLst>
+                                          <p:attrName>style.visibility</p:attrName>
+                                        </p:attrNameLst>
+                                      </p:cBhvr>
+                                      <p:to>
+                                        <p:strVal val="visible"/>
+                                      </p:to>
+                                    </p:set>
+                                  </p:childTnLst>
+                                </p:cTn>
+                              </p:par>
+                            </p:childTnLst>
+                          </p:cTn>
+                        </p:par>
+                      </p:childTnLst>
+                    </p:cTn>
+                  </p:par>
+                  <p:par>
+                    <p:cTn id="11" fill="hold">
+                      <p:stCondLst>
+                        <p:cond delay="indefinite"/>
+                      </p:stCondLst>
+                      <p:childTnLst>
+                        <p:par>
+                          <p:cTn id="12" fill="hold">
+                            <p:stCondLst>
+                              <p:cond delay="0"/>
+                            </p:stCondLst>
+                            <p:childTnLst>
+                              <p:par>
+                                <p:cTn id="13" presetID="1" presetClass="entr" presetSubtype="0" fill="hold" grpId="0" nodeType="clickEffect">
+                                  <p:stCondLst>
+                                    <p:cond delay="0"/>
+                                  </p:stCondLst>
+                                  <p:childTnLst>
+                                    <p:set>
+                                      <p:cBhvr>
+                                        <p:cTn id="14" dur="1" fill="hold">
+                                          <p:stCondLst>
+                                            <p:cond delay="0"/>
+                                          </p:stCondLst>
+                                        </p:cTn>
+                                        <p:tgtEl>
+                                          <p:spTgt spid="3">
+                                            <p:txEl>
+                                              <p:pRg st="2" end="2"/>
+                                            </p:txEl>
+                                          </p:spTgt>
+                                        </p:tgtEl>
+                                        <p:attrNameLst>
+                                          <p:attrName>style.visibility</p:attrName>
+                                        </p:attrNameLst>
+                                      </p:cBhvr>
+                                      <p:to>
+                                        <p:strVal val="visible"/>
+                                      </p:to>
+                                    </p:set>
+                                  </p:childTnLst>
+                                </p:cTn>
+                              </p:par>
+                            </p:childTnLst>
+                          </p:cTn>
+                        </p:par>
+                      </p:childTnLst>
+                    </p:cTn>
+                  </p:par>
+                  <p:par>
+                    <p:cTn id="15" fill="hold">
+                      <p:stCondLst>
+                        <p:cond delay="indefinite"/>
+                      </p:stCondLst>
+                      <p:childTnLst>
+                        <p:par>
+                          <p:cTn id="16" fill="hold">
+                            <p:stCondLst>
+                              <p:cond delay="0"/>
+                            </p:stCondLst>
+                            <p:childTnLst>
+                              <p:par>
+                                <p:cTn id="17" presetID="1" presetClass="entr" presetSubtype="0" fill="hold" grpId="0" nodeType="clickEffect">
+                                  <p:stCondLst>
+                                    <p:cond delay="0"/>
+                                  </p:stCondLst>
+                                  <p:childTnLst>
+                                    <p:set>
+                                      <p:cBhvr>
+                                        <p:cTn id="18" dur="1" fill="hold">
+                                          <p:stCondLst>
+                                            <p:cond delay="0"/>
+                                          </p:stCondLst>
+                                        </p:cTn>
+                                        <p:tgtEl>
+                                          <p:spTgt spid="3">
+                                            <p:txEl>
+                                              <p:pRg st="3" end="3"/>
+                                            </p:txEl>
+                                          </p:spTgt>
+                                        </p:tgtEl>
+                                        <p:attrNameLst>
+                                          <p:attrName>style.visibility</p:attrName>
+                                        </p:attrNameLst>
+                                      </p:cBhvr>
+                                      <p:to>
+                                        <p:strVal val="visible"/>
+                                      </p:to>
+                                    </p:set>
+                                  </p:childTnLst>
+                                </p:cTn>
+                              </p:par>
+                              <p:par>
+                                <p:cTn id="19" presetID="1" presetClass="entr" presetSubtype="0" fill="hold" grpId="0" nodeType="withEffect">
+                                  <p:stCondLst>
+                                    <p:cond delay="0"/>
+                                  </p:stCondLst>
+                                  <p:childTnLst>
+                                    <p:set>
+                                      <p:cBhvr>
+                                        <p:cTn id="20" dur="1" fill="hold">
+                                          <p:stCondLst>
+                                            <p:cond delay="0"/>
+                                          </p:stCondLst>
+                                        </p:cTn>
+                                        <p:tgtEl>
+                                          <p:spTgt spid="3">
+                                            <p:txEl>
+                                              <p:pRg st="4" end="4"/>
+                                            </p:txEl>
+                                          </p:spTgt>
+                                        </p:tgtEl>
+                                        <p:attrNameLst>
+                                          <p:attrName>style.visibility</p:attrName>
+                                        </p:attrNameLst>
+                                      </p:cBhvr>
+                                      <p:to>
+                                        <p:strVal val="visible"/>
+                                      </p:to>
+                                    </p:set>
+                                  </p:childTnLst>
+                                </p:cTn>
+                              </p:par>
+                            </p:childTnLst>
+                          </p:cTn>
+                        </p:par>
+                      </p:childTnLst>
+                    </p:cTn>
+                  </p:par>
+                </p:childTnLst>
+              </p:cTn>
+              <p:prevCondLst>
+                <p:cond evt="onPrev" delay="0">
+                  <p:tgtEl>
+                    <p:sldTgt/>
+                  </p:tgtEl>
+                </p:cond>
+              </p:prevCondLst>
+              <p:nextCondLst>
+                <p:cond evt="onNext" delay="0">
+                  <p:tgtEl>
+                    <p:sldTgt/>
+                  </p:tgtEl>
+                </p:cond>
+              </p:nextCondLst>
+            </p:seq>
+          </p:childTnLst>
+        </p:cTn>
+      </p:par>
+    </p:tnLst>
+    <p:bldLst>
+      <p:bldP spid="3" grpId="0" build="p"/>
+    </p:bldLst>
+  </p:timing>
 </p:sld>
 </file>
 
@@ -3912,7 +5348,7 @@
           <p:cNvPr id="2" name="Title 1">
             <a:extLst>
               <a:ext uri="{FF2B5EF4-FFF2-40B4-BE49-F238E27FC236}">
-                <a16:creationId xmlns:a16="http://schemas.microsoft.com/office/drawing/2014/main" id="{712AA24F-B15A-0E01-ADF4-8CE2D9096950}"/>
+                <a16:creationId xmlns:a16="http://schemas.microsoft.com/office/drawing/2014/main" id="{DB05AE03-CD63-5D94-4B03-E904814CC709}"/>
               </a:ext>
             </a:extLst>
           </p:cNvPr>
@@ -3923,36 +5359,482 @@
             <p:ph type="title"/>
           </p:nvPr>
         </p:nvSpPr>
-        <p:spPr/>
-        <p:txBody>
-          <a:bodyPr/>
+        <p:spPr>
+          <a:xfrm>
+            <a:off x="4782403" y="208659"/>
+            <a:ext cx="4361597" cy="1512597"/>
+          </a:xfrm>
+        </p:spPr>
+        <p:txBody>
+          <a:bodyPr>
+            <a:normAutofit fontScale="90000"/>
+          </a:bodyPr>
           <a:lstStyle/>
           <a:p>
-            <a:endParaRPr lang="en-US"/>
-          </a:p>
-        </p:txBody>
-      </p:sp>
-      <p:sp>
-        <p:nvSpPr>
-          <p:cNvPr id="3" name="Content Placeholder 2">
+            <a:r>
+              <a:rPr lang="en-US" b="1" dirty="0"/>
+              <a:t>Fixed and random</a:t>
+            </a:r>
+            <a:br>
+              <a:rPr lang="en-US" b="1" dirty="0"/>
+            </a:br>
+            <a:r>
+              <a:rPr lang="en-US" b="1" dirty="0"/>
+              <a:t>model assumptions</a:t>
+            </a:r>
+          </a:p>
+        </p:txBody>
+      </p:sp>
+      <p:pic>
+        <p:nvPicPr>
+          <p:cNvPr id="5" name="Content Placeholder 4" descr="Chart, radar chart, line chart&#10;&#10;Description automatically generated">
             <a:extLst>
               <a:ext uri="{FF2B5EF4-FFF2-40B4-BE49-F238E27FC236}">
-                <a16:creationId xmlns:a16="http://schemas.microsoft.com/office/drawing/2014/main" id="{FFC42543-4733-C3C5-21CA-6659EBA30523}"/>
+                <a16:creationId xmlns:a16="http://schemas.microsoft.com/office/drawing/2014/main" id="{9462AA0C-A875-9118-B4F5-33FEAA216956}"/>
               </a:ext>
             </a:extLst>
           </p:cNvPr>
-          <p:cNvSpPr>
-            <a:spLocks noGrp="1"/>
-          </p:cNvSpPr>
+          <p:cNvPicPr>
+            <a:picLocks noGrp="1" noChangeAspect="1"/>
+          </p:cNvPicPr>
           <p:nvPr>
             <p:ph idx="1"/>
           </p:nvPr>
-        </p:nvSpPr>
-        <p:spPr/>
-        <p:txBody>
-          <a:bodyPr/>
+        </p:nvPicPr>
+        <p:blipFill>
+          <a:blip r:embed="rId2"/>
+          <a:stretch>
+            <a:fillRect/>
+          </a:stretch>
+        </p:blipFill>
+        <p:spPr>
+          <a:xfrm>
+            <a:off x="152400" y="-76200"/>
+            <a:ext cx="4630003" cy="7010400"/>
+          </a:xfrm>
+        </p:spPr>
+      </p:pic>
+      <p:sp>
+        <p:nvSpPr>
+          <p:cNvPr id="6" name="Content Placeholder 2">
+            <a:extLst>
+              <a:ext uri="{FF2B5EF4-FFF2-40B4-BE49-F238E27FC236}">
+                <a16:creationId xmlns:a16="http://schemas.microsoft.com/office/drawing/2014/main" id="{8AAEF4D8-1AE9-E7A9-9FE4-6CC56C18E8ED}"/>
+              </a:ext>
+            </a:extLst>
+          </p:cNvPr>
+          <p:cNvSpPr txBox="1">
+            <a:spLocks/>
+          </p:cNvSpPr>
+          <p:nvPr/>
+        </p:nvSpPr>
+        <p:spPr>
+          <a:xfrm>
+            <a:off x="4705409" y="3185601"/>
+            <a:ext cx="4040188" cy="2550401"/>
+          </a:xfrm>
+          <a:prstGeom prst="rect">
+            <a:avLst/>
+          </a:prstGeom>
+        </p:spPr>
+        <p:txBody>
+          <a:bodyPr>
+            <a:normAutofit fontScale="77500" lnSpcReduction="20000"/>
+          </a:bodyPr>
+          <a:lstStyle>
+            <a:lvl1pPr marL="457189" indent="-457189" algn="l" defTabSz="457189" rtl="0" eaLnBrk="1" latinLnBrk="0" hangingPunct="1">
+              <a:spcBef>
+                <a:spcPct val="20000"/>
+              </a:spcBef>
+              <a:buFont typeface="Arial"/>
+              <a:buChar char="•"/>
+              <a:defRPr sz="3200" kern="1200">
+                <a:solidFill>
+                  <a:schemeClr val="tx1"/>
+                </a:solidFill>
+                <a:latin typeface="+mn-lt"/>
+                <a:ea typeface="+mn-ea"/>
+                <a:cs typeface="+mn-cs"/>
+              </a:defRPr>
+            </a:lvl1pPr>
+            <a:lvl2pPr marL="914377" indent="-457189" algn="l" defTabSz="457189" rtl="0" eaLnBrk="1" latinLnBrk="0" hangingPunct="1">
+              <a:spcBef>
+                <a:spcPct val="20000"/>
+              </a:spcBef>
+              <a:buFont typeface="Arial"/>
+              <a:buChar char="–"/>
+              <a:defRPr sz="2800" kern="1200">
+                <a:solidFill>
+                  <a:schemeClr val="tx1"/>
+                </a:solidFill>
+                <a:latin typeface="+mn-lt"/>
+                <a:ea typeface="+mn-ea"/>
+                <a:cs typeface="+mn-cs"/>
+              </a:defRPr>
+            </a:lvl2pPr>
+            <a:lvl3pPr marL="1371566" indent="-457189" algn="l" defTabSz="457189" rtl="0" eaLnBrk="1" latinLnBrk="0" hangingPunct="1">
+              <a:spcBef>
+                <a:spcPct val="20000"/>
+              </a:spcBef>
+              <a:buFont typeface="Arial"/>
+              <a:buChar char="•"/>
+              <a:defRPr sz="2400" kern="1200">
+                <a:solidFill>
+                  <a:schemeClr val="tx1"/>
+                </a:solidFill>
+                <a:latin typeface="+mn-lt"/>
+                <a:ea typeface="+mn-ea"/>
+                <a:cs typeface="+mn-cs"/>
+              </a:defRPr>
+            </a:lvl3pPr>
+            <a:lvl4pPr marL="1828754" indent="-457189" algn="l" defTabSz="457189" rtl="0" eaLnBrk="1" latinLnBrk="0" hangingPunct="1">
+              <a:spcBef>
+                <a:spcPct val="20000"/>
+              </a:spcBef>
+              <a:buFont typeface="Arial"/>
+              <a:buChar char="–"/>
+              <a:defRPr sz="2000" kern="1200">
+                <a:solidFill>
+                  <a:schemeClr val="tx1"/>
+                </a:solidFill>
+                <a:latin typeface="+mn-lt"/>
+                <a:ea typeface="+mn-ea"/>
+                <a:cs typeface="+mn-cs"/>
+              </a:defRPr>
+            </a:lvl4pPr>
+            <a:lvl5pPr marL="2285943" indent="-457189" algn="l" defTabSz="457189" rtl="0" eaLnBrk="1" latinLnBrk="0" hangingPunct="1">
+              <a:spcBef>
+                <a:spcPct val="20000"/>
+              </a:spcBef>
+              <a:buFont typeface="Arial"/>
+              <a:buChar char="»"/>
+              <a:defRPr sz="2000" kern="1200">
+                <a:solidFill>
+                  <a:schemeClr val="tx1"/>
+                </a:solidFill>
+                <a:latin typeface="+mn-lt"/>
+                <a:ea typeface="+mn-ea"/>
+                <a:cs typeface="+mn-cs"/>
+              </a:defRPr>
+            </a:lvl5pPr>
+            <a:lvl6pPr marL="2743131" indent="-457189" algn="l" defTabSz="457189" rtl="0" eaLnBrk="1" latinLnBrk="0" hangingPunct="1">
+              <a:spcBef>
+                <a:spcPct val="20000"/>
+              </a:spcBef>
+              <a:buFont typeface="Arial"/>
+              <a:buChar char="•"/>
+              <a:defRPr sz="2000" kern="1200">
+                <a:solidFill>
+                  <a:schemeClr val="tx1"/>
+                </a:solidFill>
+                <a:latin typeface="+mn-lt"/>
+                <a:ea typeface="+mn-ea"/>
+                <a:cs typeface="+mn-cs"/>
+              </a:defRPr>
+            </a:lvl6pPr>
+            <a:lvl7pPr marL="3200320" indent="-457189" algn="l" defTabSz="457189" rtl="0" eaLnBrk="1" latinLnBrk="0" hangingPunct="1">
+              <a:spcBef>
+                <a:spcPct val="20000"/>
+              </a:spcBef>
+              <a:buFont typeface="Arial"/>
+              <a:buChar char="•"/>
+              <a:defRPr sz="2000" kern="1200">
+                <a:solidFill>
+                  <a:schemeClr val="tx1"/>
+                </a:solidFill>
+                <a:latin typeface="+mn-lt"/>
+                <a:ea typeface="+mn-ea"/>
+                <a:cs typeface="+mn-cs"/>
+              </a:defRPr>
+            </a:lvl7pPr>
+            <a:lvl8pPr marL="3657509" indent="-457189" algn="l" defTabSz="457189" rtl="0" eaLnBrk="1" latinLnBrk="0" hangingPunct="1">
+              <a:spcBef>
+                <a:spcPct val="20000"/>
+              </a:spcBef>
+              <a:buFont typeface="Arial"/>
+              <a:buChar char="•"/>
+              <a:defRPr sz="2000" kern="1200">
+                <a:solidFill>
+                  <a:schemeClr val="tx1"/>
+                </a:solidFill>
+                <a:latin typeface="+mn-lt"/>
+                <a:ea typeface="+mn-ea"/>
+                <a:cs typeface="+mn-cs"/>
+              </a:defRPr>
+            </a:lvl8pPr>
+            <a:lvl9pPr marL="4114697" indent="-457189" algn="l" defTabSz="457189" rtl="0" eaLnBrk="1" latinLnBrk="0" hangingPunct="1">
+              <a:spcBef>
+                <a:spcPct val="20000"/>
+              </a:spcBef>
+              <a:buFont typeface="Arial"/>
+              <a:buChar char="•"/>
+              <a:defRPr sz="2000" kern="1200">
+                <a:solidFill>
+                  <a:schemeClr val="tx1"/>
+                </a:solidFill>
+                <a:latin typeface="+mn-lt"/>
+                <a:ea typeface="+mn-ea"/>
+                <a:cs typeface="+mn-cs"/>
+              </a:defRPr>
+            </a:lvl9pPr>
+          </a:lstStyle>
+          <a:p>
+            <a:pPr>
+              <a:defRPr/>
+            </a:pPr>
+            <a:r>
+              <a:rPr lang="en-US"/>
+              <a:t>All studies are estimating the same (common) “true” underlying effect</a:t>
+            </a:r>
+          </a:p>
+          <a:p>
+            <a:pPr>
+              <a:defRPr/>
+            </a:pPr>
+            <a:r>
+              <a:rPr lang="en-US"/>
+              <a:t>Variability between studies is due to random variation (chance) only</a:t>
+            </a:r>
+          </a:p>
+          <a:p>
+            <a:pPr marL="320040" indent="-320040">
+              <a:buFont typeface="Wingdings"/>
+              <a:buChar char=""/>
+              <a:defRPr/>
+            </a:pPr>
+            <a:endParaRPr lang="en-US" dirty="0"/>
+          </a:p>
+        </p:txBody>
+      </p:sp>
+      <p:sp>
+        <p:nvSpPr>
+          <p:cNvPr id="7" name="Text Placeholder 3">
+            <a:extLst>
+              <a:ext uri="{FF2B5EF4-FFF2-40B4-BE49-F238E27FC236}">
+                <a16:creationId xmlns:a16="http://schemas.microsoft.com/office/drawing/2014/main" id="{89892006-97D3-236C-7E1F-69A749BF4172}"/>
+              </a:ext>
+            </a:extLst>
+          </p:cNvPr>
+          <p:cNvSpPr txBox="1">
+            <a:spLocks/>
+          </p:cNvSpPr>
+          <p:nvPr/>
+        </p:nvSpPr>
+        <p:spPr>
+          <a:xfrm>
+            <a:off x="4782403" y="2343203"/>
+            <a:ext cx="3886200" cy="639763"/>
+          </a:xfrm>
+          <a:prstGeom prst="rect">
+            <a:avLst/>
+          </a:prstGeom>
+        </p:spPr>
+        <p:txBody>
+          <a:bodyPr vert="horz" lIns="91440" tIns="45720" rIns="91440" bIns="45720" rtlCol="0">
+            <a:normAutofit fontScale="92500"/>
+          </a:bodyPr>
+          <a:lstStyle>
+            <a:lvl1pPr marL="457189" indent="-457189" algn="l" defTabSz="457189" rtl="0" eaLnBrk="1" latinLnBrk="0" hangingPunct="1">
+              <a:spcBef>
+                <a:spcPct val="20000"/>
+              </a:spcBef>
+              <a:buFont typeface="Arial"/>
+              <a:buChar char="•"/>
+              <a:defRPr sz="3200" kern="1200">
+                <a:solidFill>
+                  <a:schemeClr val="tx1"/>
+                </a:solidFill>
+                <a:latin typeface="+mn-lt"/>
+                <a:ea typeface="+mn-ea"/>
+                <a:cs typeface="+mn-cs"/>
+              </a:defRPr>
+            </a:lvl1pPr>
+            <a:lvl2pPr marL="914377" indent="-457189" algn="l" defTabSz="457189" rtl="0" eaLnBrk="1" latinLnBrk="0" hangingPunct="1">
+              <a:spcBef>
+                <a:spcPct val="20000"/>
+              </a:spcBef>
+              <a:buFont typeface="Arial"/>
+              <a:buChar char="–"/>
+              <a:defRPr sz="2800" kern="1200">
+                <a:solidFill>
+                  <a:schemeClr val="tx1"/>
+                </a:solidFill>
+                <a:latin typeface="+mn-lt"/>
+                <a:ea typeface="+mn-ea"/>
+                <a:cs typeface="+mn-cs"/>
+              </a:defRPr>
+            </a:lvl2pPr>
+            <a:lvl3pPr marL="1371566" indent="-457189" algn="l" defTabSz="457189" rtl="0" eaLnBrk="1" latinLnBrk="0" hangingPunct="1">
+              <a:spcBef>
+                <a:spcPct val="20000"/>
+              </a:spcBef>
+              <a:buFont typeface="Arial"/>
+              <a:buChar char="•"/>
+              <a:defRPr sz="2400" kern="1200">
+                <a:solidFill>
+                  <a:schemeClr val="tx1"/>
+                </a:solidFill>
+                <a:latin typeface="+mn-lt"/>
+                <a:ea typeface="+mn-ea"/>
+                <a:cs typeface="+mn-cs"/>
+              </a:defRPr>
+            </a:lvl3pPr>
+            <a:lvl4pPr marL="1828754" indent="-457189" algn="l" defTabSz="457189" rtl="0" eaLnBrk="1" latinLnBrk="0" hangingPunct="1">
+              <a:spcBef>
+                <a:spcPct val="20000"/>
+              </a:spcBef>
+              <a:buFont typeface="Arial"/>
+              <a:buChar char="–"/>
+              <a:defRPr sz="2000" kern="1200">
+                <a:solidFill>
+                  <a:schemeClr val="tx1"/>
+                </a:solidFill>
+                <a:latin typeface="+mn-lt"/>
+                <a:ea typeface="+mn-ea"/>
+                <a:cs typeface="+mn-cs"/>
+              </a:defRPr>
+            </a:lvl4pPr>
+            <a:lvl5pPr marL="2285943" indent="-457189" algn="l" defTabSz="457189" rtl="0" eaLnBrk="1" latinLnBrk="0" hangingPunct="1">
+              <a:spcBef>
+                <a:spcPct val="20000"/>
+              </a:spcBef>
+              <a:buFont typeface="Arial"/>
+              <a:buChar char="»"/>
+              <a:defRPr sz="2000" kern="1200">
+                <a:solidFill>
+                  <a:schemeClr val="tx1"/>
+                </a:solidFill>
+                <a:latin typeface="+mn-lt"/>
+                <a:ea typeface="+mn-ea"/>
+                <a:cs typeface="+mn-cs"/>
+              </a:defRPr>
+            </a:lvl5pPr>
+            <a:lvl6pPr marL="2743131" indent="-457189" algn="l" defTabSz="457189" rtl="0" eaLnBrk="1" latinLnBrk="0" hangingPunct="1">
+              <a:spcBef>
+                <a:spcPct val="20000"/>
+              </a:spcBef>
+              <a:buFont typeface="Arial"/>
+              <a:buChar char="•"/>
+              <a:defRPr sz="2000" kern="1200">
+                <a:solidFill>
+                  <a:schemeClr val="tx1"/>
+                </a:solidFill>
+                <a:latin typeface="+mn-lt"/>
+                <a:ea typeface="+mn-ea"/>
+                <a:cs typeface="+mn-cs"/>
+              </a:defRPr>
+            </a:lvl6pPr>
+            <a:lvl7pPr marL="3200320" indent="-457189" algn="l" defTabSz="457189" rtl="0" eaLnBrk="1" latinLnBrk="0" hangingPunct="1">
+              <a:spcBef>
+                <a:spcPct val="20000"/>
+              </a:spcBef>
+              <a:buFont typeface="Arial"/>
+              <a:buChar char="•"/>
+              <a:defRPr sz="2000" kern="1200">
+                <a:solidFill>
+                  <a:schemeClr val="tx1"/>
+                </a:solidFill>
+                <a:latin typeface="+mn-lt"/>
+                <a:ea typeface="+mn-ea"/>
+                <a:cs typeface="+mn-cs"/>
+              </a:defRPr>
+            </a:lvl7pPr>
+            <a:lvl8pPr marL="3657509" indent="-457189" algn="l" defTabSz="457189" rtl="0" eaLnBrk="1" latinLnBrk="0" hangingPunct="1">
+              <a:spcBef>
+                <a:spcPct val="20000"/>
+              </a:spcBef>
+              <a:buFont typeface="Arial"/>
+              <a:buChar char="•"/>
+              <a:defRPr sz="2000" kern="1200">
+                <a:solidFill>
+                  <a:schemeClr val="tx1"/>
+                </a:solidFill>
+                <a:latin typeface="+mn-lt"/>
+                <a:ea typeface="+mn-ea"/>
+                <a:cs typeface="+mn-cs"/>
+              </a:defRPr>
+            </a:lvl8pPr>
+            <a:lvl9pPr marL="4114697" indent="-457189" algn="l" defTabSz="457189" rtl="0" eaLnBrk="1" latinLnBrk="0" hangingPunct="1">
+              <a:spcBef>
+                <a:spcPct val="20000"/>
+              </a:spcBef>
+              <a:buFont typeface="Arial"/>
+              <a:buChar char="•"/>
+              <a:defRPr sz="2000" kern="1200">
+                <a:solidFill>
+                  <a:schemeClr val="tx1"/>
+                </a:solidFill>
+                <a:latin typeface="+mn-lt"/>
+                <a:ea typeface="+mn-ea"/>
+                <a:cs typeface="+mn-cs"/>
+              </a:defRPr>
+            </a:lvl9pPr>
+          </a:lstStyle>
+          <a:p>
+            <a:pPr marL="0" indent="0" algn="ctr">
+              <a:buNone/>
+              <a:defRPr/>
+            </a:pPr>
+            <a:r>
+              <a:rPr lang="en-US" b="1" dirty="0"/>
+              <a:t>Fixed (common) effect</a:t>
+            </a:r>
+          </a:p>
+        </p:txBody>
+      </p:sp>
+      <p:sp>
+        <p:nvSpPr>
+          <p:cNvPr id="9" name="Rectangle 8">
+            <a:extLst>
+              <a:ext uri="{FF2B5EF4-FFF2-40B4-BE49-F238E27FC236}">
+                <a16:creationId xmlns:a16="http://schemas.microsoft.com/office/drawing/2014/main" id="{36D9C469-B082-31F9-272A-CB1960D4D809}"/>
+              </a:ext>
+            </a:extLst>
+          </p:cNvPr>
+          <p:cNvSpPr/>
+          <p:nvPr/>
+        </p:nvSpPr>
+        <p:spPr>
+          <a:xfrm>
+            <a:off x="152400" y="4132162"/>
+            <a:ext cx="4419600" cy="2725838"/>
+          </a:xfrm>
+          <a:prstGeom prst="rect">
+            <a:avLst/>
+          </a:prstGeom>
+          <a:solidFill>
+            <a:schemeClr val="bg1"/>
+          </a:solidFill>
+          <a:ln>
+            <a:solidFill>
+              <a:schemeClr val="bg1"/>
+            </a:solidFill>
+          </a:ln>
+          <a:effectLst>
+            <a:outerShdw dist="23000" sx="1000" sy="1000" rotWithShape="0">
+              <a:srgbClr val="000000"/>
+            </a:outerShdw>
+          </a:effectLst>
+        </p:spPr>
+        <p:style>
+          <a:lnRef idx="1">
+            <a:schemeClr val="accent1"/>
+          </a:lnRef>
+          <a:fillRef idx="3">
+            <a:schemeClr val="accent1"/>
+          </a:fillRef>
+          <a:effectRef idx="2">
+            <a:schemeClr val="accent1"/>
+          </a:effectRef>
+          <a:fontRef idx="minor">
+            <a:schemeClr val="lt1"/>
+          </a:fontRef>
+        </p:style>
+        <p:txBody>
+          <a:bodyPr rtlCol="0" anchor="ctr"/>
           <a:lstStyle/>
           <a:p>
+            <a:pPr algn="ctr"/>
             <a:endParaRPr lang="en-US"/>
           </a:p>
         </p:txBody>
@@ -3960,13 +5842,144 @@
     </p:spTree>
     <p:extLst>
       <p:ext uri="{BB962C8B-B14F-4D97-AF65-F5344CB8AC3E}">
-        <p14:creationId xmlns:p14="http://schemas.microsoft.com/office/powerpoint/2010/main" val="2465183645"/>
+        <p14:creationId xmlns:p14="http://schemas.microsoft.com/office/powerpoint/2010/main" val="1599416502"/>
       </p:ext>
     </p:extLst>
   </p:cSld>
   <p:clrMapOvr>
     <a:masterClrMapping/>
   </p:clrMapOvr>
+  <p:timing>
+    <p:tnLst>
+      <p:par>
+        <p:cTn id="1" dur="indefinite" restart="never" nodeType="tmRoot">
+          <p:childTnLst>
+            <p:seq concurrent="1" nextAc="seek">
+              <p:cTn id="2" dur="indefinite" nodeType="mainSeq">
+                <p:childTnLst>
+                  <p:par>
+                    <p:cTn id="3" fill="hold">
+                      <p:stCondLst>
+                        <p:cond delay="indefinite"/>
+                      </p:stCondLst>
+                      <p:childTnLst>
+                        <p:par>
+                          <p:cTn id="4" fill="hold">
+                            <p:stCondLst>
+                              <p:cond delay="0"/>
+                            </p:stCondLst>
+                            <p:childTnLst>
+                              <p:par>
+                                <p:cTn id="5" presetID="1" presetClass="entr" presetSubtype="0" fill="hold" grpId="0" nodeType="clickEffect">
+                                  <p:stCondLst>
+                                    <p:cond delay="0"/>
+                                  </p:stCondLst>
+                                  <p:childTnLst>
+                                    <p:set>
+                                      <p:cBhvr>
+                                        <p:cTn id="6" dur="1" fill="hold">
+                                          <p:stCondLst>
+                                            <p:cond delay="0"/>
+                                          </p:stCondLst>
+                                        </p:cTn>
+                                        <p:tgtEl>
+                                          <p:spTgt spid="6">
+                                            <p:txEl>
+                                              <p:pRg st="0" end="0"/>
+                                            </p:txEl>
+                                          </p:spTgt>
+                                        </p:tgtEl>
+                                        <p:attrNameLst>
+                                          <p:attrName>style.visibility</p:attrName>
+                                        </p:attrNameLst>
+                                      </p:cBhvr>
+                                      <p:to>
+                                        <p:strVal val="visible"/>
+                                      </p:to>
+                                    </p:set>
+                                  </p:childTnLst>
+                                </p:cTn>
+                              </p:par>
+                            </p:childTnLst>
+                          </p:cTn>
+                        </p:par>
+                      </p:childTnLst>
+                    </p:cTn>
+                  </p:par>
+                  <p:par>
+                    <p:cTn id="7" fill="hold">
+                      <p:stCondLst>
+                        <p:cond delay="indefinite"/>
+                      </p:stCondLst>
+                      <p:childTnLst>
+                        <p:par>
+                          <p:cTn id="8" fill="hold">
+                            <p:stCondLst>
+                              <p:cond delay="0"/>
+                            </p:stCondLst>
+                            <p:childTnLst>
+                              <p:par>
+                                <p:cTn id="9" presetID="1" presetClass="entr" presetSubtype="0" fill="hold" grpId="0" nodeType="clickEffect">
+                                  <p:stCondLst>
+                                    <p:cond delay="0"/>
+                                  </p:stCondLst>
+                                  <p:childTnLst>
+                                    <p:set>
+                                      <p:cBhvr>
+                                        <p:cTn id="10" dur="1" fill="hold">
+                                          <p:stCondLst>
+                                            <p:cond delay="0"/>
+                                          </p:stCondLst>
+                                        </p:cTn>
+                                        <p:tgtEl>
+                                          <p:spTgt spid="6">
+                                            <p:txEl>
+                                              <p:pRg st="1" end="1"/>
+                                            </p:txEl>
+                                          </p:spTgt>
+                                        </p:tgtEl>
+                                        <p:attrNameLst>
+                                          <p:attrName>style.visibility</p:attrName>
+                                        </p:attrNameLst>
+                                      </p:cBhvr>
+                                      <p:to>
+                                        <p:strVal val="visible"/>
+                                      </p:to>
+                                    </p:set>
+                                  </p:childTnLst>
+                                </p:cTn>
+                              </p:par>
+                            </p:childTnLst>
+                          </p:cTn>
+                        </p:par>
+                      </p:childTnLst>
+                    </p:cTn>
+                  </p:par>
+                </p:childTnLst>
+              </p:cTn>
+              <p:prevCondLst>
+                <p:cond evt="onPrev" delay="0">
+                  <p:tgtEl>
+                    <p:sldTgt/>
+                  </p:tgtEl>
+                </p:cond>
+              </p:prevCondLst>
+              <p:nextCondLst>
+                <p:cond evt="onNext" delay="0">
+                  <p:tgtEl>
+                    <p:sldTgt/>
+                  </p:tgtEl>
+                </p:cond>
+              </p:nextCondLst>
+            </p:seq>
+          </p:childTnLst>
+        </p:cTn>
+      </p:par>
+    </p:tnLst>
+    <p:bldLst>
+      <p:bldP spid="6" grpId="0" build="p"/>
+    </p:bldLst>
+  </p:timing>
 </p:sld>
 </file>
 
@@ -3992,7 +6005,7 @@
           <p:cNvPr id="2" name="Title 1">
             <a:extLst>
               <a:ext uri="{FF2B5EF4-FFF2-40B4-BE49-F238E27FC236}">
-                <a16:creationId xmlns:a16="http://schemas.microsoft.com/office/drawing/2014/main" id="{71B46F8A-26DC-E57E-0213-3B37F44C99A8}"/>
+                <a16:creationId xmlns:a16="http://schemas.microsoft.com/office/drawing/2014/main" id="{DB05AE03-CD63-5D94-4B03-E904814CC709}"/>
               </a:ext>
             </a:extLst>
           </p:cNvPr>
@@ -4003,50 +6016,582 @@
             <p:ph type="title"/>
           </p:nvPr>
         </p:nvSpPr>
-        <p:spPr/>
-        <p:txBody>
-          <a:bodyPr/>
+        <p:spPr>
+          <a:xfrm>
+            <a:off x="4782403" y="208659"/>
+            <a:ext cx="4361597" cy="1512597"/>
+          </a:xfrm>
+        </p:spPr>
+        <p:txBody>
+          <a:bodyPr>
+            <a:normAutofit fontScale="90000"/>
+          </a:bodyPr>
           <a:lstStyle/>
           <a:p>
-            <a:endParaRPr lang="en-US"/>
-          </a:p>
-        </p:txBody>
-      </p:sp>
-      <p:sp>
-        <p:nvSpPr>
-          <p:cNvPr id="3" name="Content Placeholder 2">
+            <a:r>
+              <a:rPr lang="en-US" b="1" dirty="0"/>
+              <a:t>Fixed and random</a:t>
+            </a:r>
+            <a:br>
+              <a:rPr lang="en-US" b="1" dirty="0"/>
+            </a:br>
+            <a:r>
+              <a:rPr lang="en-US" b="1" dirty="0"/>
+              <a:t>model assumptions</a:t>
+            </a:r>
+          </a:p>
+        </p:txBody>
+      </p:sp>
+      <p:pic>
+        <p:nvPicPr>
+          <p:cNvPr id="5" name="Content Placeholder 4" descr="Chart, radar chart, line chart&#10;&#10;Description automatically generated">
             <a:extLst>
               <a:ext uri="{FF2B5EF4-FFF2-40B4-BE49-F238E27FC236}">
-                <a16:creationId xmlns:a16="http://schemas.microsoft.com/office/drawing/2014/main" id="{14693B8B-F150-52E4-B95F-0F301551BB07}"/>
+                <a16:creationId xmlns:a16="http://schemas.microsoft.com/office/drawing/2014/main" id="{9462AA0C-A875-9118-B4F5-33FEAA216956}"/>
               </a:ext>
             </a:extLst>
           </p:cNvPr>
-          <p:cNvSpPr>
-            <a:spLocks noGrp="1"/>
-          </p:cNvSpPr>
+          <p:cNvPicPr>
+            <a:picLocks noGrp="1" noChangeAspect="1"/>
+          </p:cNvPicPr>
           <p:nvPr>
             <p:ph idx="1"/>
           </p:nvPr>
-        </p:nvSpPr>
-        <p:spPr/>
-        <p:txBody>
-          <a:bodyPr/>
-          <a:lstStyle/>
-          <a:p>
-            <a:endParaRPr lang="en-US"/>
+        </p:nvPicPr>
+        <p:blipFill>
+          <a:blip r:embed="rId2"/>
+          <a:stretch>
+            <a:fillRect/>
+          </a:stretch>
+        </p:blipFill>
+        <p:spPr>
+          <a:xfrm>
+            <a:off x="152400" y="-76200"/>
+            <a:ext cx="4630003" cy="7010400"/>
+          </a:xfrm>
+        </p:spPr>
+      </p:pic>
+      <p:sp>
+        <p:nvSpPr>
+          <p:cNvPr id="8" name="Content Placeholder 5">
+            <a:extLst>
+              <a:ext uri="{FF2B5EF4-FFF2-40B4-BE49-F238E27FC236}">
+                <a16:creationId xmlns:a16="http://schemas.microsoft.com/office/drawing/2014/main" id="{830ABDDD-B3FA-9A09-D8DC-BF066997295A}"/>
+              </a:ext>
+            </a:extLst>
+          </p:cNvPr>
+          <p:cNvSpPr txBox="1">
+            <a:spLocks/>
+          </p:cNvSpPr>
+          <p:nvPr/>
+        </p:nvSpPr>
+        <p:spPr>
+          <a:xfrm>
+            <a:off x="4661766" y="3079993"/>
+            <a:ext cx="4041775" cy="2526134"/>
+          </a:xfrm>
+          <a:prstGeom prst="rect">
+            <a:avLst/>
+          </a:prstGeom>
+        </p:spPr>
+        <p:txBody>
+          <a:bodyPr>
+            <a:normAutofit fontScale="77500" lnSpcReduction="20000"/>
+          </a:bodyPr>
+          <a:lstStyle>
+            <a:lvl1pPr marL="457189" indent="-457189" algn="l" defTabSz="457189" rtl="0" eaLnBrk="1" latinLnBrk="0" hangingPunct="1">
+              <a:spcBef>
+                <a:spcPct val="20000"/>
+              </a:spcBef>
+              <a:buFont typeface="Arial"/>
+              <a:buChar char="•"/>
+              <a:defRPr sz="3200" kern="1200">
+                <a:solidFill>
+                  <a:schemeClr val="tx1"/>
+                </a:solidFill>
+                <a:latin typeface="+mn-lt"/>
+                <a:ea typeface="+mn-ea"/>
+                <a:cs typeface="+mn-cs"/>
+              </a:defRPr>
+            </a:lvl1pPr>
+            <a:lvl2pPr marL="914377" indent="-457189" algn="l" defTabSz="457189" rtl="0" eaLnBrk="1" latinLnBrk="0" hangingPunct="1">
+              <a:spcBef>
+                <a:spcPct val="20000"/>
+              </a:spcBef>
+              <a:buFont typeface="Arial"/>
+              <a:buChar char="–"/>
+              <a:defRPr sz="2800" kern="1200">
+                <a:solidFill>
+                  <a:schemeClr val="tx1"/>
+                </a:solidFill>
+                <a:latin typeface="+mn-lt"/>
+                <a:ea typeface="+mn-ea"/>
+                <a:cs typeface="+mn-cs"/>
+              </a:defRPr>
+            </a:lvl2pPr>
+            <a:lvl3pPr marL="1371566" indent="-457189" algn="l" defTabSz="457189" rtl="0" eaLnBrk="1" latinLnBrk="0" hangingPunct="1">
+              <a:spcBef>
+                <a:spcPct val="20000"/>
+              </a:spcBef>
+              <a:buFont typeface="Arial"/>
+              <a:buChar char="•"/>
+              <a:defRPr sz="2400" kern="1200">
+                <a:solidFill>
+                  <a:schemeClr val="tx1"/>
+                </a:solidFill>
+                <a:latin typeface="+mn-lt"/>
+                <a:ea typeface="+mn-ea"/>
+                <a:cs typeface="+mn-cs"/>
+              </a:defRPr>
+            </a:lvl3pPr>
+            <a:lvl4pPr marL="1828754" indent="-457189" algn="l" defTabSz="457189" rtl="0" eaLnBrk="1" latinLnBrk="0" hangingPunct="1">
+              <a:spcBef>
+                <a:spcPct val="20000"/>
+              </a:spcBef>
+              <a:buFont typeface="Arial"/>
+              <a:buChar char="–"/>
+              <a:defRPr sz="2000" kern="1200">
+                <a:solidFill>
+                  <a:schemeClr val="tx1"/>
+                </a:solidFill>
+                <a:latin typeface="+mn-lt"/>
+                <a:ea typeface="+mn-ea"/>
+                <a:cs typeface="+mn-cs"/>
+              </a:defRPr>
+            </a:lvl4pPr>
+            <a:lvl5pPr marL="2285943" indent="-457189" algn="l" defTabSz="457189" rtl="0" eaLnBrk="1" latinLnBrk="0" hangingPunct="1">
+              <a:spcBef>
+                <a:spcPct val="20000"/>
+              </a:spcBef>
+              <a:buFont typeface="Arial"/>
+              <a:buChar char="»"/>
+              <a:defRPr sz="2000" kern="1200">
+                <a:solidFill>
+                  <a:schemeClr val="tx1"/>
+                </a:solidFill>
+                <a:latin typeface="+mn-lt"/>
+                <a:ea typeface="+mn-ea"/>
+                <a:cs typeface="+mn-cs"/>
+              </a:defRPr>
+            </a:lvl5pPr>
+            <a:lvl6pPr marL="2743131" indent="-457189" algn="l" defTabSz="457189" rtl="0" eaLnBrk="1" latinLnBrk="0" hangingPunct="1">
+              <a:spcBef>
+                <a:spcPct val="20000"/>
+              </a:spcBef>
+              <a:buFont typeface="Arial"/>
+              <a:buChar char="•"/>
+              <a:defRPr sz="2000" kern="1200">
+                <a:solidFill>
+                  <a:schemeClr val="tx1"/>
+                </a:solidFill>
+                <a:latin typeface="+mn-lt"/>
+                <a:ea typeface="+mn-ea"/>
+                <a:cs typeface="+mn-cs"/>
+              </a:defRPr>
+            </a:lvl6pPr>
+            <a:lvl7pPr marL="3200320" indent="-457189" algn="l" defTabSz="457189" rtl="0" eaLnBrk="1" latinLnBrk="0" hangingPunct="1">
+              <a:spcBef>
+                <a:spcPct val="20000"/>
+              </a:spcBef>
+              <a:buFont typeface="Arial"/>
+              <a:buChar char="•"/>
+              <a:defRPr sz="2000" kern="1200">
+                <a:solidFill>
+                  <a:schemeClr val="tx1"/>
+                </a:solidFill>
+                <a:latin typeface="+mn-lt"/>
+                <a:ea typeface="+mn-ea"/>
+                <a:cs typeface="+mn-cs"/>
+              </a:defRPr>
+            </a:lvl7pPr>
+            <a:lvl8pPr marL="3657509" indent="-457189" algn="l" defTabSz="457189" rtl="0" eaLnBrk="1" latinLnBrk="0" hangingPunct="1">
+              <a:spcBef>
+                <a:spcPct val="20000"/>
+              </a:spcBef>
+              <a:buFont typeface="Arial"/>
+              <a:buChar char="•"/>
+              <a:defRPr sz="2000" kern="1200">
+                <a:solidFill>
+                  <a:schemeClr val="tx1"/>
+                </a:solidFill>
+                <a:latin typeface="+mn-lt"/>
+                <a:ea typeface="+mn-ea"/>
+                <a:cs typeface="+mn-cs"/>
+              </a:defRPr>
+            </a:lvl8pPr>
+            <a:lvl9pPr marL="4114697" indent="-457189" algn="l" defTabSz="457189" rtl="0" eaLnBrk="1" latinLnBrk="0" hangingPunct="1">
+              <a:spcBef>
+                <a:spcPct val="20000"/>
+              </a:spcBef>
+              <a:buFont typeface="Arial"/>
+              <a:buChar char="•"/>
+              <a:defRPr sz="2000" kern="1200">
+                <a:solidFill>
+                  <a:schemeClr val="tx1"/>
+                </a:solidFill>
+                <a:latin typeface="+mn-lt"/>
+                <a:ea typeface="+mn-ea"/>
+                <a:cs typeface="+mn-cs"/>
+              </a:defRPr>
+            </a:lvl9pPr>
+          </a:lstStyle>
+          <a:p>
+            <a:pPr>
+              <a:defRPr/>
+            </a:pPr>
+            <a:r>
+              <a:rPr lang="en-US" dirty="0"/>
+              <a:t>Each study has different “true” underlying effects</a:t>
+            </a:r>
+          </a:p>
+          <a:p>
+            <a:pPr>
+              <a:defRPr/>
+            </a:pPr>
+            <a:r>
+              <a:rPr lang="en-US" dirty="0"/>
+              <a:t>Variability between studies is due to random variation (chance) </a:t>
+            </a:r>
+            <a:r>
+              <a:rPr lang="en-US" b="1" i="1" dirty="0"/>
+              <a:t>and actual differences</a:t>
+            </a:r>
+          </a:p>
+          <a:p>
+            <a:pPr marL="320040" indent="-320040">
+              <a:buFont typeface="Wingdings"/>
+              <a:buChar char=""/>
+              <a:defRPr/>
+            </a:pPr>
+            <a:endParaRPr lang="en-US" dirty="0"/>
+          </a:p>
+          <a:p>
+            <a:pPr marL="320040" indent="-320040">
+              <a:buFont typeface="Wingdings"/>
+              <a:buChar char=""/>
+              <a:defRPr/>
+            </a:pPr>
+            <a:endParaRPr lang="en-US" dirty="0"/>
+          </a:p>
+        </p:txBody>
+      </p:sp>
+      <p:sp>
+        <p:nvSpPr>
+          <p:cNvPr id="9" name="Text Placeholder 4">
+            <a:extLst>
+              <a:ext uri="{FF2B5EF4-FFF2-40B4-BE49-F238E27FC236}">
+                <a16:creationId xmlns:a16="http://schemas.microsoft.com/office/drawing/2014/main" id="{0CD05D7A-197E-4800-D888-9212639CF310}"/>
+              </a:ext>
+            </a:extLst>
+          </p:cNvPr>
+          <p:cNvSpPr txBox="1">
+            <a:spLocks/>
+          </p:cNvSpPr>
+          <p:nvPr/>
+        </p:nvSpPr>
+        <p:spPr>
+          <a:xfrm>
+            <a:off x="4739553" y="2209734"/>
+            <a:ext cx="3886200" cy="639763"/>
+          </a:xfrm>
+          <a:prstGeom prst="rect">
+            <a:avLst/>
+          </a:prstGeom>
+        </p:spPr>
+        <p:txBody>
+          <a:bodyPr>
+            <a:normAutofit/>
+          </a:bodyPr>
+          <a:lstStyle>
+            <a:lvl1pPr marL="457189" indent="-457189" algn="l" defTabSz="457189" rtl="0" eaLnBrk="1" latinLnBrk="0" hangingPunct="1">
+              <a:spcBef>
+                <a:spcPct val="20000"/>
+              </a:spcBef>
+              <a:buFont typeface="Arial"/>
+              <a:buChar char="•"/>
+              <a:defRPr sz="3200" kern="1200">
+                <a:solidFill>
+                  <a:schemeClr val="tx1"/>
+                </a:solidFill>
+                <a:latin typeface="+mn-lt"/>
+                <a:ea typeface="+mn-ea"/>
+                <a:cs typeface="+mn-cs"/>
+              </a:defRPr>
+            </a:lvl1pPr>
+            <a:lvl2pPr marL="914377" indent="-457189" algn="l" defTabSz="457189" rtl="0" eaLnBrk="1" latinLnBrk="0" hangingPunct="1">
+              <a:spcBef>
+                <a:spcPct val="20000"/>
+              </a:spcBef>
+              <a:buFont typeface="Arial"/>
+              <a:buChar char="–"/>
+              <a:defRPr sz="2800" kern="1200">
+                <a:solidFill>
+                  <a:schemeClr val="tx1"/>
+                </a:solidFill>
+                <a:latin typeface="+mn-lt"/>
+                <a:ea typeface="+mn-ea"/>
+                <a:cs typeface="+mn-cs"/>
+              </a:defRPr>
+            </a:lvl2pPr>
+            <a:lvl3pPr marL="1371566" indent="-457189" algn="l" defTabSz="457189" rtl="0" eaLnBrk="1" latinLnBrk="0" hangingPunct="1">
+              <a:spcBef>
+                <a:spcPct val="20000"/>
+              </a:spcBef>
+              <a:buFont typeface="Arial"/>
+              <a:buChar char="•"/>
+              <a:defRPr sz="2400" kern="1200">
+                <a:solidFill>
+                  <a:schemeClr val="tx1"/>
+                </a:solidFill>
+                <a:latin typeface="+mn-lt"/>
+                <a:ea typeface="+mn-ea"/>
+                <a:cs typeface="+mn-cs"/>
+              </a:defRPr>
+            </a:lvl3pPr>
+            <a:lvl4pPr marL="1828754" indent="-457189" algn="l" defTabSz="457189" rtl="0" eaLnBrk="1" latinLnBrk="0" hangingPunct="1">
+              <a:spcBef>
+                <a:spcPct val="20000"/>
+              </a:spcBef>
+              <a:buFont typeface="Arial"/>
+              <a:buChar char="–"/>
+              <a:defRPr sz="2000" kern="1200">
+                <a:solidFill>
+                  <a:schemeClr val="tx1"/>
+                </a:solidFill>
+                <a:latin typeface="+mn-lt"/>
+                <a:ea typeface="+mn-ea"/>
+                <a:cs typeface="+mn-cs"/>
+              </a:defRPr>
+            </a:lvl4pPr>
+            <a:lvl5pPr marL="2285943" indent="-457189" algn="l" defTabSz="457189" rtl="0" eaLnBrk="1" latinLnBrk="0" hangingPunct="1">
+              <a:spcBef>
+                <a:spcPct val="20000"/>
+              </a:spcBef>
+              <a:buFont typeface="Arial"/>
+              <a:buChar char="»"/>
+              <a:defRPr sz="2000" kern="1200">
+                <a:solidFill>
+                  <a:schemeClr val="tx1"/>
+                </a:solidFill>
+                <a:latin typeface="+mn-lt"/>
+                <a:ea typeface="+mn-ea"/>
+                <a:cs typeface="+mn-cs"/>
+              </a:defRPr>
+            </a:lvl5pPr>
+            <a:lvl6pPr marL="2743131" indent="-457189" algn="l" defTabSz="457189" rtl="0" eaLnBrk="1" latinLnBrk="0" hangingPunct="1">
+              <a:spcBef>
+                <a:spcPct val="20000"/>
+              </a:spcBef>
+              <a:buFont typeface="Arial"/>
+              <a:buChar char="•"/>
+              <a:defRPr sz="2000" kern="1200">
+                <a:solidFill>
+                  <a:schemeClr val="tx1"/>
+                </a:solidFill>
+                <a:latin typeface="+mn-lt"/>
+                <a:ea typeface="+mn-ea"/>
+                <a:cs typeface="+mn-cs"/>
+              </a:defRPr>
+            </a:lvl6pPr>
+            <a:lvl7pPr marL="3200320" indent="-457189" algn="l" defTabSz="457189" rtl="0" eaLnBrk="1" latinLnBrk="0" hangingPunct="1">
+              <a:spcBef>
+                <a:spcPct val="20000"/>
+              </a:spcBef>
+              <a:buFont typeface="Arial"/>
+              <a:buChar char="•"/>
+              <a:defRPr sz="2000" kern="1200">
+                <a:solidFill>
+                  <a:schemeClr val="tx1"/>
+                </a:solidFill>
+                <a:latin typeface="+mn-lt"/>
+                <a:ea typeface="+mn-ea"/>
+                <a:cs typeface="+mn-cs"/>
+              </a:defRPr>
+            </a:lvl7pPr>
+            <a:lvl8pPr marL="3657509" indent="-457189" algn="l" defTabSz="457189" rtl="0" eaLnBrk="1" latinLnBrk="0" hangingPunct="1">
+              <a:spcBef>
+                <a:spcPct val="20000"/>
+              </a:spcBef>
+              <a:buFont typeface="Arial"/>
+              <a:buChar char="•"/>
+              <a:defRPr sz="2000" kern="1200">
+                <a:solidFill>
+                  <a:schemeClr val="tx1"/>
+                </a:solidFill>
+                <a:latin typeface="+mn-lt"/>
+                <a:ea typeface="+mn-ea"/>
+                <a:cs typeface="+mn-cs"/>
+              </a:defRPr>
+            </a:lvl8pPr>
+            <a:lvl9pPr marL="4114697" indent="-457189" algn="l" defTabSz="457189" rtl="0" eaLnBrk="1" latinLnBrk="0" hangingPunct="1">
+              <a:spcBef>
+                <a:spcPct val="20000"/>
+              </a:spcBef>
+              <a:buFont typeface="Arial"/>
+              <a:buChar char="•"/>
+              <a:defRPr sz="2000" kern="1200">
+                <a:solidFill>
+                  <a:schemeClr val="tx1"/>
+                </a:solidFill>
+                <a:latin typeface="+mn-lt"/>
+                <a:ea typeface="+mn-ea"/>
+                <a:cs typeface="+mn-cs"/>
+              </a:defRPr>
+            </a:lvl9pPr>
+          </a:lstStyle>
+          <a:p>
+            <a:pPr marL="0" indent="0" algn="ctr">
+              <a:buNone/>
+              <a:defRPr/>
+            </a:pPr>
+            <a:r>
+              <a:rPr lang="en-US" b="1" dirty="0"/>
+              <a:t>Random effects</a:t>
+            </a:r>
           </a:p>
         </p:txBody>
       </p:sp>
     </p:spTree>
     <p:extLst>
       <p:ext uri="{BB962C8B-B14F-4D97-AF65-F5344CB8AC3E}">
-        <p14:creationId xmlns:p14="http://schemas.microsoft.com/office/powerpoint/2010/main" val="3691303264"/>
+        <p14:creationId xmlns:p14="http://schemas.microsoft.com/office/powerpoint/2010/main" val="3242474298"/>
       </p:ext>
     </p:extLst>
   </p:cSld>
   <p:clrMapOvr>
     <a:masterClrMapping/>
   </p:clrMapOvr>
+  <p:timing>
+    <p:tnLst>
+      <p:par>
+        <p:cTn id="1" dur="indefinite" restart="never" nodeType="tmRoot">
+          <p:childTnLst>
+            <p:seq concurrent="1" nextAc="seek">
+              <p:cTn id="2" dur="indefinite" nodeType="mainSeq">
+                <p:childTnLst>
+                  <p:par>
+                    <p:cTn id="3" fill="hold">
+                      <p:stCondLst>
+                        <p:cond delay="indefinite"/>
+                      </p:stCondLst>
+                      <p:childTnLst>
+                        <p:par>
+                          <p:cTn id="4" fill="hold">
+                            <p:stCondLst>
+                              <p:cond delay="0"/>
+                            </p:stCondLst>
+                            <p:childTnLst>
+                              <p:par>
+                                <p:cTn id="5" presetID="1" presetClass="entr" presetSubtype="0" fill="hold" grpId="0" nodeType="clickEffect">
+                                  <p:stCondLst>
+                                    <p:cond delay="0"/>
+                                  </p:stCondLst>
+                                  <p:childTnLst>
+                                    <p:set>
+                                      <p:cBhvr>
+                                        <p:cTn id="6" dur="1" fill="hold">
+                                          <p:stCondLst>
+                                            <p:cond delay="0"/>
+                                          </p:stCondLst>
+                                        </p:cTn>
+                                        <p:tgtEl>
+                                          <p:spTgt spid="8">
+                                            <p:txEl>
+                                              <p:pRg st="0" end="0"/>
+                                            </p:txEl>
+                                          </p:spTgt>
+                                        </p:tgtEl>
+                                        <p:attrNameLst>
+                                          <p:attrName>style.visibility</p:attrName>
+                                        </p:attrNameLst>
+                                      </p:cBhvr>
+                                      <p:to>
+                                        <p:strVal val="visible"/>
+                                      </p:to>
+                                    </p:set>
+                                  </p:childTnLst>
+                                </p:cTn>
+                              </p:par>
+                            </p:childTnLst>
+                          </p:cTn>
+                        </p:par>
+                      </p:childTnLst>
+                    </p:cTn>
+                  </p:par>
+                  <p:par>
+                    <p:cTn id="7" fill="hold">
+                      <p:stCondLst>
+                        <p:cond delay="indefinite"/>
+                      </p:stCondLst>
+                      <p:childTnLst>
+                        <p:par>
+                          <p:cTn id="8" fill="hold">
+                            <p:stCondLst>
+                              <p:cond delay="0"/>
+                            </p:stCondLst>
+                            <p:childTnLst>
+                              <p:par>
+                                <p:cTn id="9" presetID="1" presetClass="entr" presetSubtype="0" fill="hold" grpId="0" nodeType="clickEffect">
+                                  <p:stCondLst>
+                                    <p:cond delay="0"/>
+                                  </p:stCondLst>
+                                  <p:childTnLst>
+                                    <p:set>
+                                      <p:cBhvr>
+                                        <p:cTn id="10" dur="1" fill="hold">
+                                          <p:stCondLst>
+                                            <p:cond delay="0"/>
+                                          </p:stCondLst>
+                                        </p:cTn>
+                                        <p:tgtEl>
+                                          <p:spTgt spid="8">
+                                            <p:txEl>
+                                              <p:pRg st="1" end="1"/>
+                                            </p:txEl>
+                                          </p:spTgt>
+                                        </p:tgtEl>
+                                        <p:attrNameLst>
+                                          <p:attrName>style.visibility</p:attrName>
+                                        </p:attrNameLst>
+                                      </p:cBhvr>
+                                      <p:to>
+                                        <p:strVal val="visible"/>
+                                      </p:to>
+                                    </p:set>
+                                  </p:childTnLst>
+                                </p:cTn>
+                              </p:par>
+                            </p:childTnLst>
+                          </p:cTn>
+                        </p:par>
+                      </p:childTnLst>
+                    </p:cTn>
+                  </p:par>
+                </p:childTnLst>
+              </p:cTn>
+              <p:prevCondLst>
+                <p:cond evt="onPrev" delay="0">
+                  <p:tgtEl>
+                    <p:sldTgt/>
+                  </p:tgtEl>
+                </p:cond>
+              </p:prevCondLst>
+              <p:nextCondLst>
+                <p:cond evt="onNext" delay="0">
+                  <p:tgtEl>
+                    <p:sldTgt/>
+                  </p:tgtEl>
+                </p:cond>
+              </p:nextCondLst>
+            </p:seq>
+          </p:childTnLst>
+        </p:cTn>
+      </p:par>
+    </p:tnLst>
+    <p:bldLst>
+      <p:bldP spid="8" grpId="0" build="p"/>
+    </p:bldLst>
+  </p:timing>
 </p:sld>
 </file>
 
@@ -4069,58 +6614,2053 @@
       </p:grpSpPr>
       <p:sp>
         <p:nvSpPr>
-          <p:cNvPr id="2" name="Title 1">
+          <p:cNvPr id="2" name="Title 1"/>
+          <p:cNvSpPr>
+            <a:spLocks noGrp="1"/>
+          </p:cNvSpPr>
+          <p:nvPr>
+            <p:ph type="title"/>
+          </p:nvPr>
+        </p:nvSpPr>
+        <p:spPr>
+          <a:xfrm>
+            <a:off x="246185" y="145812"/>
+            <a:ext cx="8269165" cy="1325563"/>
+          </a:xfrm>
+        </p:spPr>
+        <p:txBody>
+          <a:bodyPr>
+            <a:normAutofit fontScale="90000"/>
+          </a:bodyPr>
+          <a:lstStyle/>
+          <a:p>
+            <a:r>
+              <a:rPr lang="en-US" b="1" dirty="0"/>
+              <a:t>Fixed (common) and random: it’s just another linear model</a:t>
+            </a:r>
+          </a:p>
+        </p:txBody>
+      </p:sp>
+      <p:sp>
+        <p:nvSpPr>
+          <p:cNvPr id="7" name="TextBox 6"/>
+          <p:cNvSpPr txBox="1"/>
+          <p:nvPr/>
+        </p:nvSpPr>
+        <p:spPr>
+          <a:xfrm>
+            <a:off x="628650" y="1680653"/>
+            <a:ext cx="3100016" cy="646331"/>
+          </a:xfrm>
+          <a:prstGeom prst="rect">
+            <a:avLst/>
+          </a:prstGeom>
+          <a:noFill/>
+        </p:spPr>
+        <p:txBody>
+          <a:bodyPr wrap="none" rtlCol="0">
+            <a:spAutoFit/>
+          </a:bodyPr>
+          <a:lstStyle/>
+          <a:p>
+            <a:r>
+              <a:rPr lang="en-US" dirty="0"/>
+              <a:t>Fixed-effect meta-analysis</a:t>
+            </a:r>
+          </a:p>
+          <a:p>
+            <a:r>
+              <a:rPr lang="en-US" dirty="0"/>
+              <a:t>(common-effect meta-analysis)</a:t>
+            </a:r>
+          </a:p>
+        </p:txBody>
+      </p:sp>
+      <p:sp>
+        <p:nvSpPr>
+          <p:cNvPr id="8" name="TextBox 7"/>
+          <p:cNvSpPr txBox="1"/>
+          <p:nvPr/>
+        </p:nvSpPr>
+        <p:spPr>
+          <a:xfrm>
+            <a:off x="4774781" y="1682997"/>
+            <a:ext cx="3469069" cy="369332"/>
+          </a:xfrm>
+          <a:prstGeom prst="rect">
+            <a:avLst/>
+          </a:prstGeom>
+          <a:noFill/>
+        </p:spPr>
+        <p:txBody>
+          <a:bodyPr wrap="none" rtlCol="0">
+            <a:spAutoFit/>
+          </a:bodyPr>
+          <a:lstStyle/>
+          <a:p>
+            <a:r>
+              <a:rPr lang="en-US" dirty="0"/>
+              <a:t>Random-effects meta-analysis</a:t>
+            </a:r>
+          </a:p>
+        </p:txBody>
+      </p:sp>
+      <p:sp>
+        <p:nvSpPr>
+          <p:cNvPr id="9" name="TextBox 8">
             <a:extLst>
               <a:ext uri="{FF2B5EF4-FFF2-40B4-BE49-F238E27FC236}">
-                <a16:creationId xmlns:a16="http://schemas.microsoft.com/office/drawing/2014/main" id="{952DEC3B-66BA-4845-C2C7-8F3B5D684FB8}"/>
+                <a16:creationId xmlns:a16="http://schemas.microsoft.com/office/drawing/2014/main" id="{68F09476-6110-1540-882A-3F5A19418BA8}"/>
               </a:ext>
             </a:extLst>
           </p:cNvPr>
-          <p:cNvSpPr>
-            <a:spLocks noGrp="1"/>
-          </p:cNvSpPr>
-          <p:nvPr>
-            <p:ph type="title"/>
-          </p:nvPr>
-        </p:nvSpPr>
-        <p:spPr/>
-        <p:txBody>
-          <a:bodyPr/>
+          <p:cNvSpPr txBox="1"/>
+          <p:nvPr/>
+        </p:nvSpPr>
+        <p:spPr>
+          <a:xfrm>
+            <a:off x="5073827" y="6304085"/>
+            <a:ext cx="3616183" cy="369332"/>
+          </a:xfrm>
+          <a:prstGeom prst="rect">
+            <a:avLst/>
+          </a:prstGeom>
+          <a:noFill/>
+        </p:spPr>
+        <p:txBody>
+          <a:bodyPr wrap="none" rtlCol="0">
+            <a:spAutoFit/>
+          </a:bodyPr>
           <a:lstStyle/>
           <a:p>
-            <a:endParaRPr lang="en-US"/>
-          </a:p>
-        </p:txBody>
-      </p:sp>
-      <p:sp>
-        <p:nvSpPr>
-          <p:cNvPr id="3" name="Content Placeholder 2">
-            <a:extLst>
-              <a:ext uri="{FF2B5EF4-FFF2-40B4-BE49-F238E27FC236}">
-                <a16:creationId xmlns:a16="http://schemas.microsoft.com/office/drawing/2014/main" id="{B3AF0CBD-E710-3B93-C22E-40258D7532F2}"/>
-              </a:ext>
-            </a:extLst>
-          </p:cNvPr>
-          <p:cNvSpPr>
-            <a:spLocks noGrp="1"/>
-          </p:cNvSpPr>
-          <p:nvPr>
-            <p:ph idx="1"/>
-          </p:nvPr>
-        </p:nvSpPr>
-        <p:spPr/>
-        <p:txBody>
-          <a:bodyPr/>
-          <a:lstStyle/>
-          <a:p>
-            <a:endParaRPr lang="en-US"/>
-          </a:p>
-        </p:txBody>
-      </p:sp>
+            <a:r>
+              <a:rPr lang="en-US" dirty="0"/>
+              <a:t>Nakagawa &amp; Santos (2012, </a:t>
+            </a:r>
+            <a:r>
+              <a:rPr lang="en-US" dirty="0" err="1"/>
+              <a:t>Evol</a:t>
+            </a:r>
+            <a:r>
+              <a:rPr lang="en-US" dirty="0"/>
+              <a:t> </a:t>
+            </a:r>
+            <a:r>
+              <a:rPr lang="en-US" dirty="0" err="1"/>
+              <a:t>Ecol</a:t>
+            </a:r>
+            <a:r>
+              <a:rPr lang="en-US" dirty="0"/>
+              <a:t>)</a:t>
+            </a:r>
+          </a:p>
+        </p:txBody>
+      </p:sp>
+      <mc:AlternateContent xmlns:mc="http://schemas.openxmlformats.org/markup-compatibility/2006" xmlns:a14="http://schemas.microsoft.com/office/drawing/2010/main">
+        <mc:Choice Requires="a14">
+          <p:sp>
+            <p:nvSpPr>
+              <p:cNvPr id="11" name="TextBox 10">
+                <a:extLst>
+                  <a:ext uri="{FF2B5EF4-FFF2-40B4-BE49-F238E27FC236}">
+                    <a16:creationId xmlns:a16="http://schemas.microsoft.com/office/drawing/2014/main" id="{34208879-FC86-7844-8A0C-149F064B565D}"/>
+                  </a:ext>
+                </a:extLst>
+              </p:cNvPr>
+              <p:cNvSpPr txBox="1"/>
+              <p:nvPr/>
+            </p:nvSpPr>
+            <p:spPr>
+              <a:xfrm>
+                <a:off x="1145872" y="5090719"/>
+                <a:ext cx="1695464" cy="394852"/>
+              </a:xfrm>
+              <a:prstGeom prst="rect">
+                <a:avLst/>
+              </a:prstGeom>
+              <a:noFill/>
+            </p:spPr>
+            <p:txBody>
+              <a:bodyPr wrap="none" rtlCol="0">
+                <a:spAutoFit/>
+              </a:bodyPr>
+              <a:lstStyle/>
+              <a:p>
+                <a:pPr/>
+                <a14:m>
+                  <m:oMathPara xmlns:m="http://schemas.openxmlformats.org/officeDocument/2006/math">
+                    <m:oMathParaPr>
+                      <m:jc m:val="centerGroup"/>
+                    </m:oMathParaPr>
+                    <m:oMath xmlns:m="http://schemas.openxmlformats.org/officeDocument/2006/math">
+                      <m:r>
+                        <a:rPr lang="en-US" i="1" smtClean="0">
+                          <a:latin typeface="Cambria Math" panose="02040503050406030204" pitchFamily="18" charset="0"/>
+                        </a:rPr>
+                        <m:t>𝑗</m:t>
+                      </m:r>
+                      <m:r>
+                        <a:rPr lang="en-US" i="1" smtClean="0">
+                          <a:latin typeface="Cambria Math" panose="02040503050406030204" pitchFamily="18" charset="0"/>
+                        </a:rPr>
+                        <m:t>=1,…,</m:t>
+                      </m:r>
+                      <m:sSub>
+                        <m:sSubPr>
+                          <m:ctrlPr>
+                            <a:rPr lang="en-AU" i="1">
+                              <a:latin typeface="Cambria Math" panose="02040503050406030204" pitchFamily="18" charset="0"/>
+                            </a:rPr>
+                          </m:ctrlPr>
+                        </m:sSubPr>
+                        <m:e>
+                          <m:r>
+                            <a:rPr lang="en-US" i="1">
+                              <a:latin typeface="Cambria Math" panose="02040503050406030204" pitchFamily="18" charset="0"/>
+                            </a:rPr>
+                            <m:t>𝑁</m:t>
+                          </m:r>
+                        </m:e>
+                        <m:sub>
+                          <m:r>
+                            <m:rPr>
+                              <m:sty m:val="p"/>
+                            </m:rPr>
+                            <a:rPr lang="en-US">
+                              <a:latin typeface="Cambria Math" panose="02040503050406030204" pitchFamily="18" charset="0"/>
+                            </a:rPr>
+                            <m:t>study</m:t>
+                          </m:r>
+                        </m:sub>
+                      </m:sSub>
+                    </m:oMath>
+                  </m:oMathPara>
+                </a14:m>
+                <a:endParaRPr lang="en-US" dirty="0"/>
+              </a:p>
+            </p:txBody>
+          </p:sp>
+        </mc:Choice>
+        <mc:Fallback xmlns="">
+          <p:sp>
+            <p:nvSpPr>
+              <p:cNvPr id="11" name="TextBox 10">
+                <a:extLst>
+                  <a:ext uri="{FF2B5EF4-FFF2-40B4-BE49-F238E27FC236}">
+                    <a16:creationId xmlns:a16="http://schemas.microsoft.com/office/drawing/2014/main" id="{34208879-FC86-7844-8A0C-149F064B565D}"/>
+                  </a:ext>
+                </a:extLst>
+              </p:cNvPr>
+              <p:cNvSpPr txBox="1">
+                <a:spLocks noRot="1" noChangeAspect="1" noMove="1" noResize="1" noEditPoints="1" noAdjustHandles="1" noChangeArrowheads="1" noChangeShapeType="1" noTextEdit="1"/>
+              </p:cNvSpPr>
+              <p:nvPr/>
+            </p:nvSpPr>
+            <p:spPr>
+              <a:xfrm>
+                <a:off x="1145872" y="5090719"/>
+                <a:ext cx="1695464" cy="394852"/>
+              </a:xfrm>
+              <a:prstGeom prst="rect">
+                <a:avLst/>
+              </a:prstGeom>
+              <a:blipFill>
+                <a:blip r:embed="rId3"/>
+                <a:stretch>
+                  <a:fillRect b="-6250"/>
+                </a:stretch>
+              </a:blipFill>
+            </p:spPr>
+            <p:txBody>
+              <a:bodyPr/>
+              <a:lstStyle/>
+              <a:p>
+                <a:r>
+                  <a:rPr lang="en-US">
+                    <a:noFill/>
+                  </a:rPr>
+                  <a:t> </a:t>
+                </a:r>
+              </a:p>
+            </p:txBody>
+          </p:sp>
+        </mc:Fallback>
+      </mc:AlternateContent>
+      <mc:AlternateContent xmlns:mc="http://schemas.openxmlformats.org/markup-compatibility/2006" xmlns:a14="http://schemas.microsoft.com/office/drawing/2010/main">
+        <mc:Choice Requires="a14">
+          <p:sp>
+            <p:nvSpPr>
+              <p:cNvPr id="14" name="Rectangle 13">
+                <a:extLst>
+                  <a:ext uri="{FF2B5EF4-FFF2-40B4-BE49-F238E27FC236}">
+                    <a16:creationId xmlns:a16="http://schemas.microsoft.com/office/drawing/2014/main" id="{765CCB42-CA3A-9344-9710-58986A03BC82}"/>
+                  </a:ext>
+                </a:extLst>
+              </p:cNvPr>
+              <p:cNvSpPr/>
+              <p:nvPr/>
+            </p:nvSpPr>
+            <p:spPr>
+              <a:xfrm>
+                <a:off x="925185" y="5469550"/>
+                <a:ext cx="2680016" cy="923330"/>
+              </a:xfrm>
+              <a:prstGeom prst="rect">
+                <a:avLst/>
+              </a:prstGeom>
+            </p:spPr>
+            <p:txBody>
+              <a:bodyPr wrap="square">
+                <a:spAutoFit/>
+              </a:bodyPr>
+              <a:lstStyle/>
+              <a:p>
+                <a14:m>
+                  <m:oMath xmlns:m="http://schemas.openxmlformats.org/officeDocument/2006/math">
+                    <m:r>
+                      <a:rPr lang="en-US" i="1">
+                        <a:latin typeface="Cambria Math" panose="02040503050406030204" pitchFamily="18" charset="0"/>
+                        <a:ea typeface="Cambria" panose="02040503050406030204" pitchFamily="18" charset="0"/>
+                        <a:cs typeface="Times New Roman" panose="02020603050405020304" pitchFamily="18" charset="0"/>
+                      </a:rPr>
+                      <m:t>𝑚</m:t>
+                    </m:r>
+                    <m:r>
+                      <a:rPr lang="en-US" i="1">
+                        <a:latin typeface="Cambria Math" panose="02040503050406030204" pitchFamily="18" charset="0"/>
+                        <a:ea typeface="Cambria" panose="02040503050406030204" pitchFamily="18" charset="0"/>
+                        <a:cs typeface="Times New Roman" panose="02020603050405020304" pitchFamily="18" charset="0"/>
+                      </a:rPr>
+                      <m:t>=</m:t>
+                    </m:r>
+                  </m:oMath>
+                </a14:m>
+                <a:r>
+                  <a:rPr lang="en-US" dirty="0">
+                    <a:latin typeface="Cambria" panose="02040503050406030204" pitchFamily="18" charset="0"/>
+                    <a:ea typeface="Cambria" panose="02040503050406030204" pitchFamily="18" charset="0"/>
+                    <a:cs typeface="Times New Roman" panose="02020603050405020304" pitchFamily="18" charset="0"/>
+                  </a:rPr>
+                  <a:t> sampling errors </a:t>
+                </a:r>
+                <a:endParaRPr lang="en-US" i="1" dirty="0">
+                  <a:latin typeface="Cambria Math" panose="02040503050406030204" pitchFamily="18" charset="0"/>
+                  <a:ea typeface="Cambria" panose="02040503050406030204" pitchFamily="18" charset="0"/>
+                  <a:cs typeface="Times New Roman" panose="02020603050405020304" pitchFamily="18" charset="0"/>
+                </a:endParaRPr>
+              </a:p>
+              <a:p>
+                <a14:m>
+                  <m:oMath xmlns:m="http://schemas.openxmlformats.org/officeDocument/2006/math">
+                    <m:r>
+                      <a:rPr lang="en-US" i="1">
+                        <a:latin typeface="Cambria Math" panose="02040503050406030204" pitchFamily="18" charset="0"/>
+                        <a:ea typeface="Cambria" panose="02040503050406030204" pitchFamily="18" charset="0"/>
+                        <a:cs typeface="Times New Roman" panose="02020603050405020304" pitchFamily="18" charset="0"/>
+                      </a:rPr>
+                      <m:t>𝜇</m:t>
+                    </m:r>
+                  </m:oMath>
+                </a14:m>
+                <a:r>
+                  <a:rPr lang="en-US" dirty="0">
+                    <a:latin typeface="Cambria" panose="02040503050406030204" pitchFamily="18" charset="0"/>
+                    <a:ea typeface="Cambria" panose="02040503050406030204" pitchFamily="18" charset="0"/>
+                    <a:cs typeface="Times New Roman" panose="02020603050405020304" pitchFamily="18" charset="0"/>
+                  </a:rPr>
+                  <a:t> = meta-analytic mean</a:t>
+                </a:r>
+              </a:p>
+              <a:p>
+                <a14:m>
+                  <m:oMath xmlns:m="http://schemas.openxmlformats.org/officeDocument/2006/math">
+                    <m:r>
+                      <a:rPr lang="en-US" i="1">
+                        <a:latin typeface="Cambria Math" panose="02040503050406030204" pitchFamily="18" charset="0"/>
+                        <a:ea typeface="Cambria" panose="02040503050406030204" pitchFamily="18" charset="0"/>
+                        <a:cs typeface="Times New Roman" panose="02020603050405020304" pitchFamily="18" charset="0"/>
+                      </a:rPr>
+                      <m:t>𝑧</m:t>
+                    </m:r>
+                    <m:r>
+                      <a:rPr lang="en-US" i="1">
+                        <a:latin typeface="Cambria Math" panose="02040503050406030204" pitchFamily="18" charset="0"/>
+                        <a:ea typeface="Cambria" panose="02040503050406030204" pitchFamily="18" charset="0"/>
+                        <a:cs typeface="Times New Roman" panose="02020603050405020304" pitchFamily="18" charset="0"/>
+                      </a:rPr>
+                      <m:t>=</m:t>
+                    </m:r>
+                  </m:oMath>
+                </a14:m>
+                <a:r>
+                  <a:rPr lang="en-US" dirty="0">
+                    <a:latin typeface="Cambria" panose="02040503050406030204" pitchFamily="18" charset="0"/>
+                    <a:ea typeface="Cambria" panose="02040503050406030204" pitchFamily="18" charset="0"/>
+                    <a:cs typeface="Times New Roman" panose="02020603050405020304" pitchFamily="18" charset="0"/>
+                  </a:rPr>
+                  <a:t> effect size</a:t>
+                </a:r>
+                <a:r>
+                  <a:rPr lang="en-AU" dirty="0">
+                    <a:effectLst/>
+                  </a:rPr>
+                  <a:t> </a:t>
+                </a:r>
+                <a:endParaRPr lang="en-US" dirty="0"/>
+              </a:p>
+            </p:txBody>
+          </p:sp>
+        </mc:Choice>
+        <mc:Fallback xmlns="">
+          <p:sp>
+            <p:nvSpPr>
+              <p:cNvPr id="14" name="Rectangle 13">
+                <a:extLst>
+                  <a:ext uri="{FF2B5EF4-FFF2-40B4-BE49-F238E27FC236}">
+                    <a16:creationId xmlns:a16="http://schemas.microsoft.com/office/drawing/2014/main" id="{765CCB42-CA3A-9344-9710-58986A03BC82}"/>
+                  </a:ext>
+                </a:extLst>
+              </p:cNvPr>
+              <p:cNvSpPr>
+                <a:spLocks noRot="1" noChangeAspect="1" noMove="1" noResize="1" noEditPoints="1" noAdjustHandles="1" noChangeArrowheads="1" noChangeShapeType="1" noTextEdit="1"/>
+              </p:cNvSpPr>
+              <p:nvPr/>
+            </p:nvSpPr>
+            <p:spPr>
+              <a:xfrm>
+                <a:off x="925185" y="5469550"/>
+                <a:ext cx="2680016" cy="923330"/>
+              </a:xfrm>
+              <a:prstGeom prst="rect">
+                <a:avLst/>
+              </a:prstGeom>
+              <a:blipFill>
+                <a:blip r:embed="rId4"/>
+                <a:stretch>
+                  <a:fillRect t="-4110" b="-8219"/>
+                </a:stretch>
+              </a:blipFill>
+            </p:spPr>
+            <p:txBody>
+              <a:bodyPr/>
+              <a:lstStyle/>
+              <a:p>
+                <a:r>
+                  <a:rPr lang="en-US">
+                    <a:noFill/>
+                  </a:rPr>
+                  <a:t> </a:t>
+                </a:r>
+              </a:p>
+            </p:txBody>
+          </p:sp>
+        </mc:Fallback>
+      </mc:AlternateContent>
+      <mc:AlternateContent xmlns:mc="http://schemas.openxmlformats.org/markup-compatibility/2006" xmlns:a14="http://schemas.microsoft.com/office/drawing/2010/main">
+        <mc:Choice Requires="a14">
+          <p:sp>
+            <p:nvSpPr>
+              <p:cNvPr id="16" name="Rectangle 15">
+                <a:extLst>
+                  <a:ext uri="{FF2B5EF4-FFF2-40B4-BE49-F238E27FC236}">
+                    <a16:creationId xmlns:a16="http://schemas.microsoft.com/office/drawing/2014/main" id="{52973286-684A-5F45-BE39-CFC4945159CA}"/>
+                  </a:ext>
+                </a:extLst>
+              </p:cNvPr>
+              <p:cNvSpPr/>
+              <p:nvPr/>
+            </p:nvSpPr>
+            <p:spPr>
+              <a:xfrm>
+                <a:off x="5151613" y="5116239"/>
+                <a:ext cx="2566536" cy="369332"/>
+              </a:xfrm>
+              <a:prstGeom prst="rect">
+                <a:avLst/>
+              </a:prstGeom>
+            </p:spPr>
+            <p:txBody>
+              <a:bodyPr wrap="none">
+                <a:spAutoFit/>
+              </a:bodyPr>
+              <a:lstStyle/>
+              <a:p>
+                <a:pPr>
+                  <a:spcBef>
+                    <a:spcPts val="900"/>
+                  </a:spcBef>
+                  <a:spcAft>
+                    <a:spcPts val="900"/>
+                  </a:spcAft>
+                </a:pPr>
+                <a14:m>
+                  <m:oMath xmlns:m="http://schemas.openxmlformats.org/officeDocument/2006/math">
+                    <m:r>
+                      <a:rPr lang="en-US" i="1">
+                        <a:latin typeface="Cambria Math" panose="02040503050406030204" pitchFamily="18" charset="0"/>
+                        <a:ea typeface="Cambria" panose="02040503050406030204" pitchFamily="18" charset="0"/>
+                        <a:cs typeface="Times New Roman" panose="02020603050405020304" pitchFamily="18" charset="0"/>
+                      </a:rPr>
+                      <m:t>𝑢</m:t>
+                    </m:r>
+                    <m:r>
+                      <a:rPr lang="en-US" i="1">
+                        <a:latin typeface="Cambria Math" panose="02040503050406030204" pitchFamily="18" charset="0"/>
+                        <a:ea typeface="Cambria" panose="02040503050406030204" pitchFamily="18" charset="0"/>
+                        <a:cs typeface="Times New Roman" panose="02020603050405020304" pitchFamily="18" charset="0"/>
+                      </a:rPr>
+                      <m:t>=</m:t>
+                    </m:r>
+                  </m:oMath>
+                </a14:m>
+                <a:r>
+                  <a:rPr lang="en-US" dirty="0">
+                    <a:latin typeface="Cambria" panose="02040503050406030204" pitchFamily="18" charset="0"/>
+                    <a:ea typeface="Cambria" panose="02040503050406030204" pitchFamily="18" charset="0"/>
+                    <a:cs typeface="Times New Roman" panose="02020603050405020304" pitchFamily="18" charset="0"/>
+                  </a:rPr>
+                  <a:t> study-specific effect</a:t>
+                </a:r>
+                <a:endParaRPr lang="en-AU" dirty="0">
+                  <a:latin typeface="Cambria" panose="02040503050406030204" pitchFamily="18" charset="0"/>
+                  <a:ea typeface="Cambria" panose="02040503050406030204" pitchFamily="18" charset="0"/>
+                  <a:cs typeface="Times New Roman" panose="02020603050405020304" pitchFamily="18" charset="0"/>
+                </a:endParaRPr>
+              </a:p>
+            </p:txBody>
+          </p:sp>
+        </mc:Choice>
+        <mc:Fallback xmlns="">
+          <p:sp>
+            <p:nvSpPr>
+              <p:cNvPr id="16" name="Rectangle 15">
+                <a:extLst>
+                  <a:ext uri="{FF2B5EF4-FFF2-40B4-BE49-F238E27FC236}">
+                    <a16:creationId xmlns:a16="http://schemas.microsoft.com/office/drawing/2014/main" id="{52973286-684A-5F45-BE39-CFC4945159CA}"/>
+                  </a:ext>
+                </a:extLst>
+              </p:cNvPr>
+              <p:cNvSpPr>
+                <a:spLocks noRot="1" noChangeAspect="1" noMove="1" noResize="1" noEditPoints="1" noAdjustHandles="1" noChangeArrowheads="1" noChangeShapeType="1" noTextEdit="1"/>
+              </p:cNvSpPr>
+              <p:nvPr/>
+            </p:nvSpPr>
+            <p:spPr>
+              <a:xfrm>
+                <a:off x="5151613" y="5116239"/>
+                <a:ext cx="2566536" cy="369332"/>
+              </a:xfrm>
+              <a:prstGeom prst="rect">
+                <a:avLst/>
+              </a:prstGeom>
+              <a:blipFill>
+                <a:blip r:embed="rId5"/>
+                <a:stretch>
+                  <a:fillRect t="-6667" r="-493" b="-23333"/>
+                </a:stretch>
+              </a:blipFill>
+            </p:spPr>
+            <p:txBody>
+              <a:bodyPr/>
+              <a:lstStyle/>
+              <a:p>
+                <a:r>
+                  <a:rPr lang="en-US">
+                    <a:noFill/>
+                  </a:rPr>
+                  <a:t> </a:t>
+                </a:r>
+              </a:p>
+            </p:txBody>
+          </p:sp>
+        </mc:Fallback>
+      </mc:AlternateContent>
+      <mc:AlternateContent xmlns:mc="http://schemas.openxmlformats.org/markup-compatibility/2006" xmlns:a14="http://schemas.microsoft.com/office/drawing/2010/main">
+        <mc:Choice Requires="a14">
+          <p:sp>
+            <p:nvSpPr>
+              <p:cNvPr id="17" name="Rectangle 16">
+                <a:extLst>
+                  <a:ext uri="{FF2B5EF4-FFF2-40B4-BE49-F238E27FC236}">
+                    <a16:creationId xmlns:a16="http://schemas.microsoft.com/office/drawing/2014/main" id="{AA1A8BF1-A344-E741-BBED-7CFB650528C9}"/>
+                  </a:ext>
+                </a:extLst>
+              </p:cNvPr>
+              <p:cNvSpPr/>
+              <p:nvPr/>
+            </p:nvSpPr>
+            <p:spPr>
+              <a:xfrm>
+                <a:off x="789839" y="2668218"/>
+                <a:ext cx="2402958" cy="1638141"/>
+              </a:xfrm>
+              <a:prstGeom prst="rect">
+                <a:avLst/>
+              </a:prstGeom>
+            </p:spPr>
+            <p:txBody>
+              <a:bodyPr wrap="square">
+                <a:spAutoFit/>
+              </a:bodyPr>
+              <a:lstStyle/>
+              <a:p>
+                <a:pPr>
+                  <a:spcBef>
+                    <a:spcPts val="900"/>
+                  </a:spcBef>
+                  <a:spcAft>
+                    <a:spcPts val="900"/>
+                  </a:spcAft>
+                </a:pPr>
+                <a14:m>
+                  <m:oMathPara xmlns:m="http://schemas.openxmlformats.org/officeDocument/2006/math">
+                    <m:oMathParaPr>
+                      <m:jc m:val="centerGroup"/>
+                    </m:oMathParaPr>
+                    <m:oMath xmlns:m="http://schemas.openxmlformats.org/officeDocument/2006/math">
+                      <m:sSub>
+                        <m:sSubPr>
+                          <m:ctrlPr>
+                            <a:rPr lang="en-AU" sz="2400" i="1">
+                              <a:latin typeface="Cambria Math" panose="02040503050406030204" pitchFamily="18" charset="0"/>
+                              <a:ea typeface="Cambria" panose="02040503050406030204" pitchFamily="18" charset="0"/>
+                              <a:cs typeface="Times New Roman" panose="02020603050405020304" pitchFamily="18" charset="0"/>
+                            </a:rPr>
+                          </m:ctrlPr>
+                        </m:sSubPr>
+                        <m:e>
+                          <m:r>
+                            <a:rPr lang="en-US" sz="2400" i="1">
+                              <a:latin typeface="Cambria Math" panose="02040503050406030204" pitchFamily="18" charset="0"/>
+                              <a:ea typeface="Cambria" panose="02040503050406030204" pitchFamily="18" charset="0"/>
+                              <a:cs typeface="Times New Roman" panose="02020603050405020304" pitchFamily="18" charset="0"/>
+                            </a:rPr>
+                            <m:t>𝑧</m:t>
+                          </m:r>
+                        </m:e>
+                        <m:sub>
+                          <m:r>
+                            <a:rPr lang="en-US" sz="2400" i="1">
+                              <a:latin typeface="Cambria Math" panose="02040503050406030204" pitchFamily="18" charset="0"/>
+                              <a:ea typeface="Cambria" panose="02040503050406030204" pitchFamily="18" charset="0"/>
+                              <a:cs typeface="Times New Roman" panose="02020603050405020304" pitchFamily="18" charset="0"/>
+                            </a:rPr>
+                            <m:t>𝑗</m:t>
+                          </m:r>
+                        </m:sub>
+                      </m:sSub>
+                      <m:r>
+                        <a:rPr lang="en-US" sz="2400" i="1">
+                          <a:latin typeface="Cambria Math" panose="02040503050406030204" pitchFamily="18" charset="0"/>
+                          <a:ea typeface="Cambria" panose="02040503050406030204" pitchFamily="18" charset="0"/>
+                          <a:cs typeface="Times New Roman" panose="02020603050405020304" pitchFamily="18" charset="0"/>
+                        </a:rPr>
+                        <m:t>=</m:t>
+                      </m:r>
+                      <m:r>
+                        <a:rPr lang="en-US" sz="2400" i="1">
+                          <a:latin typeface="Cambria Math" panose="02040503050406030204" pitchFamily="18" charset="0"/>
+                          <a:ea typeface="Cambria" panose="02040503050406030204" pitchFamily="18" charset="0"/>
+                          <a:cs typeface="Times New Roman" panose="02020603050405020304" pitchFamily="18" charset="0"/>
+                        </a:rPr>
+                        <m:t>𝜇</m:t>
+                      </m:r>
+                      <m:r>
+                        <a:rPr lang="en-US" sz="2400" i="1">
+                          <a:latin typeface="Cambria Math" panose="02040503050406030204" pitchFamily="18" charset="0"/>
+                          <a:ea typeface="Cambria" panose="02040503050406030204" pitchFamily="18" charset="0"/>
+                          <a:cs typeface="Times New Roman" panose="02020603050405020304" pitchFamily="18" charset="0"/>
+                        </a:rPr>
+                        <m:t>+</m:t>
+                      </m:r>
+                      <m:sSub>
+                        <m:sSubPr>
+                          <m:ctrlPr>
+                            <a:rPr lang="en-AU" sz="2400" i="1">
+                              <a:latin typeface="Cambria Math" panose="02040503050406030204" pitchFamily="18" charset="0"/>
+                              <a:ea typeface="Cambria" panose="02040503050406030204" pitchFamily="18" charset="0"/>
+                              <a:cs typeface="Times New Roman" panose="02020603050405020304" pitchFamily="18" charset="0"/>
+                            </a:rPr>
+                          </m:ctrlPr>
+                        </m:sSubPr>
+                        <m:e>
+                          <m:r>
+                            <a:rPr lang="en-US" sz="2400" i="1">
+                              <a:latin typeface="Cambria Math" panose="02040503050406030204" pitchFamily="18" charset="0"/>
+                              <a:ea typeface="Cambria" panose="02040503050406030204" pitchFamily="18" charset="0"/>
+                              <a:cs typeface="Times New Roman" panose="02020603050405020304" pitchFamily="18" charset="0"/>
+                            </a:rPr>
+                            <m:t>𝑚</m:t>
+                          </m:r>
+                        </m:e>
+                        <m:sub>
+                          <m:r>
+                            <a:rPr lang="en-US" sz="2400" i="1">
+                              <a:latin typeface="Cambria Math" panose="02040503050406030204" pitchFamily="18" charset="0"/>
+                              <a:ea typeface="Cambria" panose="02040503050406030204" pitchFamily="18" charset="0"/>
+                              <a:cs typeface="Times New Roman" panose="02020603050405020304" pitchFamily="18" charset="0"/>
+                            </a:rPr>
+                            <m:t>𝑗</m:t>
+                          </m:r>
+                        </m:sub>
+                      </m:sSub>
+                    </m:oMath>
+                  </m:oMathPara>
+                </a14:m>
+                <a:endParaRPr lang="en-AU" sz="2400" dirty="0">
+                  <a:latin typeface="Cambria" panose="02040503050406030204" pitchFamily="18" charset="0"/>
+                  <a:ea typeface="Cambria" panose="02040503050406030204" pitchFamily="18" charset="0"/>
+                  <a:cs typeface="Times New Roman" panose="02020603050405020304" pitchFamily="18" charset="0"/>
+                </a:endParaRPr>
+              </a:p>
+              <a:p>
+                <a:pPr>
+                  <a:spcBef>
+                    <a:spcPts val="900"/>
+                  </a:spcBef>
+                  <a:spcAft>
+                    <a:spcPts val="900"/>
+                  </a:spcAft>
+                </a:pPr>
+                <a14:m>
+                  <m:oMathPara xmlns:m="http://schemas.openxmlformats.org/officeDocument/2006/math">
+                    <m:oMathParaPr>
+                      <m:jc m:val="centerGroup"/>
+                    </m:oMathParaPr>
+                    <m:oMath xmlns:m="http://schemas.openxmlformats.org/officeDocument/2006/math">
+                      <m:sSub>
+                        <m:sSubPr>
+                          <m:ctrlPr>
+                            <a:rPr lang="en-AU" sz="2400" i="1">
+                              <a:latin typeface="Cambria Math" panose="02040503050406030204" pitchFamily="18" charset="0"/>
+                              <a:ea typeface="Cambria" panose="02040503050406030204" pitchFamily="18" charset="0"/>
+                              <a:cs typeface="Times New Roman" panose="02020603050405020304" pitchFamily="18" charset="0"/>
+                            </a:rPr>
+                          </m:ctrlPr>
+                        </m:sSubPr>
+                        <m:e>
+                          <m:r>
+                            <a:rPr lang="en-US" sz="2400" i="1">
+                              <a:latin typeface="Cambria Math" panose="02040503050406030204" pitchFamily="18" charset="0"/>
+                              <a:ea typeface="Cambria" panose="02040503050406030204" pitchFamily="18" charset="0"/>
+                              <a:cs typeface="Times New Roman" panose="02020603050405020304" pitchFamily="18" charset="0"/>
+                            </a:rPr>
+                            <m:t>𝑚</m:t>
+                          </m:r>
+                        </m:e>
+                        <m:sub>
+                          <m:r>
+                            <a:rPr lang="en-US" sz="2400" i="1">
+                              <a:latin typeface="Cambria Math" panose="02040503050406030204" pitchFamily="18" charset="0"/>
+                              <a:ea typeface="Cambria" panose="02040503050406030204" pitchFamily="18" charset="0"/>
+                              <a:cs typeface="Times New Roman" panose="02020603050405020304" pitchFamily="18" charset="0"/>
+                            </a:rPr>
+                            <m:t>𝑗</m:t>
+                          </m:r>
+                        </m:sub>
+                      </m:sSub>
+                      <m:r>
+                        <a:rPr lang="en-US" sz="2400" i="1">
+                          <a:latin typeface="Cambria Math" panose="02040503050406030204" pitchFamily="18" charset="0"/>
+                          <a:ea typeface="Cambria" panose="02040503050406030204" pitchFamily="18" charset="0"/>
+                          <a:cs typeface="Times New Roman" panose="02020603050405020304" pitchFamily="18" charset="0"/>
+                        </a:rPr>
+                        <m:t>∼</m:t>
+                      </m:r>
+                      <m:r>
+                        <m:rPr>
+                          <m:sty m:val="p"/>
+                        </m:rPr>
+                        <a:rPr lang="en-US" sz="2400">
+                          <a:latin typeface="Cambria Math" panose="02040503050406030204" pitchFamily="18" charset="0"/>
+                          <a:ea typeface="Cambria" panose="02040503050406030204" pitchFamily="18" charset="0"/>
+                          <a:cs typeface="Times New Roman" panose="02020603050405020304" pitchFamily="18" charset="0"/>
+                        </a:rPr>
+                        <m:t>N</m:t>
+                      </m:r>
+                      <m:r>
+                        <a:rPr lang="en-US" sz="2400" i="1">
+                          <a:latin typeface="Cambria Math" panose="02040503050406030204" pitchFamily="18" charset="0"/>
+                          <a:ea typeface="Cambria" panose="02040503050406030204" pitchFamily="18" charset="0"/>
+                          <a:cs typeface="Times New Roman" panose="02020603050405020304" pitchFamily="18" charset="0"/>
+                        </a:rPr>
+                        <m:t>(0,</m:t>
+                      </m:r>
+                      <m:sSubSup>
+                        <m:sSubSupPr>
+                          <m:ctrlPr>
+                            <a:rPr lang="en-AU" sz="2400" i="1">
+                              <a:latin typeface="Cambria Math" panose="02040503050406030204" pitchFamily="18" charset="0"/>
+                              <a:ea typeface="Cambria" panose="02040503050406030204" pitchFamily="18" charset="0"/>
+                              <a:cs typeface="Times New Roman" panose="02020603050405020304" pitchFamily="18" charset="0"/>
+                            </a:rPr>
+                          </m:ctrlPr>
+                        </m:sSubSupPr>
+                        <m:e>
+                          <m:r>
+                            <a:rPr lang="en-US" sz="2400" i="1">
+                              <a:latin typeface="Cambria Math" panose="02040503050406030204" pitchFamily="18" charset="0"/>
+                              <a:ea typeface="Cambria" panose="02040503050406030204" pitchFamily="18" charset="0"/>
+                              <a:cs typeface="Times New Roman" panose="02020603050405020304" pitchFamily="18" charset="0"/>
+                            </a:rPr>
+                            <m:t>𝜎</m:t>
+                          </m:r>
+                        </m:e>
+                        <m:sub>
+                          <m:r>
+                            <a:rPr lang="en-US" sz="2400" i="1">
+                              <a:latin typeface="Cambria Math" panose="02040503050406030204" pitchFamily="18" charset="0"/>
+                              <a:ea typeface="Cambria" panose="02040503050406030204" pitchFamily="18" charset="0"/>
+                              <a:cs typeface="Times New Roman" panose="02020603050405020304" pitchFamily="18" charset="0"/>
+                            </a:rPr>
+                            <m:t>𝑗</m:t>
+                          </m:r>
+                        </m:sub>
+                        <m:sup>
+                          <m:r>
+                            <a:rPr lang="en-US" sz="2400" i="1">
+                              <a:latin typeface="Cambria Math" panose="02040503050406030204" pitchFamily="18" charset="0"/>
+                              <a:ea typeface="Cambria" panose="02040503050406030204" pitchFamily="18" charset="0"/>
+                              <a:cs typeface="Times New Roman" panose="02020603050405020304" pitchFamily="18" charset="0"/>
+                            </a:rPr>
+                            <m:t>2</m:t>
+                          </m:r>
+                        </m:sup>
+                      </m:sSubSup>
+                      <m:r>
+                        <a:rPr lang="en-US" sz="2400" i="1">
+                          <a:latin typeface="Cambria Math" panose="02040503050406030204" pitchFamily="18" charset="0"/>
+                          <a:ea typeface="Cambria" panose="02040503050406030204" pitchFamily="18" charset="0"/>
+                          <a:cs typeface="Times New Roman" panose="02020603050405020304" pitchFamily="18" charset="0"/>
+                        </a:rPr>
+                        <m:t>)</m:t>
+                      </m:r>
+                    </m:oMath>
+                  </m:oMathPara>
+                </a14:m>
+                <a:endParaRPr lang="en-AU" sz="2400" dirty="0">
+                  <a:latin typeface="Cambria" panose="02040503050406030204" pitchFamily="18" charset="0"/>
+                  <a:ea typeface="Cambria" panose="02040503050406030204" pitchFamily="18" charset="0"/>
+                  <a:cs typeface="Times New Roman" panose="02020603050405020304" pitchFamily="18" charset="0"/>
+                </a:endParaRPr>
+              </a:p>
+              <a:p>
+                <a:pPr>
+                  <a:spcBef>
+                    <a:spcPts val="900"/>
+                  </a:spcBef>
+                  <a:spcAft>
+                    <a:spcPts val="900"/>
+                  </a:spcAft>
+                </a:pPr>
+                <a14:m>
+                  <m:oMathPara xmlns:m="http://schemas.openxmlformats.org/officeDocument/2006/math">
+                    <m:oMathParaPr>
+                      <m:jc m:val="centerGroup"/>
+                    </m:oMathParaPr>
+                    <m:oMath xmlns:m="http://schemas.openxmlformats.org/officeDocument/2006/math">
+                      <m:r>
+                        <a:rPr lang="en-US" sz="2400" b="1" i="1">
+                          <a:latin typeface="Cambria Math" panose="02040503050406030204" pitchFamily="18" charset="0"/>
+                          <a:ea typeface="Cambria" panose="02040503050406030204" pitchFamily="18" charset="0"/>
+                          <a:cs typeface="Times New Roman" panose="02020603050405020304" pitchFamily="18" charset="0"/>
+                        </a:rPr>
+                        <m:t>𝐦</m:t>
+                      </m:r>
+                      <m:r>
+                        <a:rPr lang="en-US" sz="2400" i="1">
+                          <a:latin typeface="Cambria Math" panose="02040503050406030204" pitchFamily="18" charset="0"/>
+                          <a:ea typeface="Cambria" panose="02040503050406030204" pitchFamily="18" charset="0"/>
+                          <a:cs typeface="Times New Roman" panose="02020603050405020304" pitchFamily="18" charset="0"/>
+                        </a:rPr>
+                        <m:t>∼</m:t>
+                      </m:r>
+                      <m:r>
+                        <m:rPr>
+                          <m:sty m:val="p"/>
+                        </m:rPr>
+                        <a:rPr lang="en-US" sz="2400">
+                          <a:latin typeface="Cambria Math" panose="02040503050406030204" pitchFamily="18" charset="0"/>
+                          <a:ea typeface="Cambria" panose="02040503050406030204" pitchFamily="18" charset="0"/>
+                          <a:cs typeface="Times New Roman" panose="02020603050405020304" pitchFamily="18" charset="0"/>
+                        </a:rPr>
+                        <m:t>N</m:t>
+                      </m:r>
+                      <m:r>
+                        <a:rPr lang="en-US" sz="2400" i="1">
+                          <a:latin typeface="Cambria Math" panose="02040503050406030204" pitchFamily="18" charset="0"/>
+                          <a:ea typeface="Cambria" panose="02040503050406030204" pitchFamily="18" charset="0"/>
+                          <a:cs typeface="Times New Roman" panose="02020603050405020304" pitchFamily="18" charset="0"/>
+                        </a:rPr>
+                        <m:t>(</m:t>
+                      </m:r>
+                      <m:r>
+                        <a:rPr lang="en-US" sz="2400" b="1" i="1">
+                          <a:latin typeface="Cambria Math" panose="02040503050406030204" pitchFamily="18" charset="0"/>
+                          <a:ea typeface="Cambria" panose="02040503050406030204" pitchFamily="18" charset="0"/>
+                          <a:cs typeface="Times New Roman" panose="02020603050405020304" pitchFamily="18" charset="0"/>
+                        </a:rPr>
+                        <m:t>𝟎</m:t>
+                      </m:r>
+                      <m:r>
+                        <a:rPr lang="en-US" sz="2400" i="1">
+                          <a:latin typeface="Cambria Math" panose="02040503050406030204" pitchFamily="18" charset="0"/>
+                          <a:ea typeface="Cambria" panose="02040503050406030204" pitchFamily="18" charset="0"/>
+                          <a:cs typeface="Times New Roman" panose="02020603050405020304" pitchFamily="18" charset="0"/>
+                        </a:rPr>
+                        <m:t>,</m:t>
+                      </m:r>
+                      <m:r>
+                        <a:rPr lang="en-US" sz="2400" b="1" i="1">
+                          <a:latin typeface="Cambria Math" panose="02040503050406030204" pitchFamily="18" charset="0"/>
+                          <a:ea typeface="Cambria" panose="02040503050406030204" pitchFamily="18" charset="0"/>
+                          <a:cs typeface="Times New Roman" panose="02020603050405020304" pitchFamily="18" charset="0"/>
+                        </a:rPr>
+                        <m:t>𝐌</m:t>
+                      </m:r>
+                      <m:r>
+                        <a:rPr lang="en-US" sz="2400" i="1">
+                          <a:latin typeface="Cambria Math" panose="02040503050406030204" pitchFamily="18" charset="0"/>
+                          <a:ea typeface="Cambria" panose="02040503050406030204" pitchFamily="18" charset="0"/>
+                          <a:cs typeface="Times New Roman" panose="02020603050405020304" pitchFamily="18" charset="0"/>
+                        </a:rPr>
+                        <m:t>)</m:t>
+                      </m:r>
+                    </m:oMath>
+                  </m:oMathPara>
+                </a14:m>
+                <a:endParaRPr lang="en-AU" sz="2400" dirty="0">
+                  <a:latin typeface="Cambria" panose="02040503050406030204" pitchFamily="18" charset="0"/>
+                  <a:ea typeface="Cambria" panose="02040503050406030204" pitchFamily="18" charset="0"/>
+                  <a:cs typeface="Times New Roman" panose="02020603050405020304" pitchFamily="18" charset="0"/>
+                </a:endParaRPr>
+              </a:p>
+            </p:txBody>
+          </p:sp>
+        </mc:Choice>
+        <mc:Fallback xmlns="">
+          <p:sp>
+            <p:nvSpPr>
+              <p:cNvPr id="17" name="Rectangle 16">
+                <a:extLst>
+                  <a:ext uri="{FF2B5EF4-FFF2-40B4-BE49-F238E27FC236}">
+                    <a16:creationId xmlns:a16="http://schemas.microsoft.com/office/drawing/2014/main" id="{AA1A8BF1-A344-E741-BBED-7CFB650528C9}"/>
+                  </a:ext>
+                </a:extLst>
+              </p:cNvPr>
+              <p:cNvSpPr>
+                <a:spLocks noRot="1" noChangeAspect="1" noMove="1" noResize="1" noEditPoints="1" noAdjustHandles="1" noChangeArrowheads="1" noChangeShapeType="1" noTextEdit="1"/>
+              </p:cNvSpPr>
+              <p:nvPr/>
+            </p:nvSpPr>
+            <p:spPr>
+              <a:xfrm>
+                <a:off x="789839" y="2668218"/>
+                <a:ext cx="2402958" cy="1638141"/>
+              </a:xfrm>
+              <a:prstGeom prst="rect">
+                <a:avLst/>
+              </a:prstGeom>
+              <a:blipFill>
+                <a:blip r:embed="rId6"/>
+                <a:stretch>
+                  <a:fillRect/>
+                </a:stretch>
+              </a:blipFill>
+            </p:spPr>
+            <p:txBody>
+              <a:bodyPr/>
+              <a:lstStyle/>
+              <a:p>
+                <a:r>
+                  <a:rPr lang="en-US">
+                    <a:noFill/>
+                  </a:rPr>
+                  <a:t> </a:t>
+                </a:r>
+              </a:p>
+            </p:txBody>
+          </p:sp>
+        </mc:Fallback>
+      </mc:AlternateContent>
+      <mc:AlternateContent xmlns:mc="http://schemas.openxmlformats.org/markup-compatibility/2006" xmlns:a14="http://schemas.microsoft.com/office/drawing/2010/main">
+        <mc:Choice Requires="a14">
+          <p:sp>
+            <p:nvSpPr>
+              <p:cNvPr id="18" name="Rectangle 17">
+                <a:extLst>
+                  <a:ext uri="{FF2B5EF4-FFF2-40B4-BE49-F238E27FC236}">
+                    <a16:creationId xmlns:a16="http://schemas.microsoft.com/office/drawing/2014/main" id="{94B35302-09F9-814C-A107-D67CEFBDB180}"/>
+                  </a:ext>
+                </a:extLst>
+              </p:cNvPr>
+              <p:cNvSpPr/>
+              <p:nvPr/>
+            </p:nvSpPr>
+            <p:spPr>
+              <a:xfrm>
+                <a:off x="5073827" y="2658903"/>
+                <a:ext cx="2566536" cy="1613519"/>
+              </a:xfrm>
+              <a:prstGeom prst="rect">
+                <a:avLst/>
+              </a:prstGeom>
+            </p:spPr>
+            <p:txBody>
+              <a:bodyPr wrap="square">
+                <a:spAutoFit/>
+              </a:bodyPr>
+              <a:lstStyle/>
+              <a:p>
+                <a:pPr>
+                  <a:spcBef>
+                    <a:spcPts val="900"/>
+                  </a:spcBef>
+                  <a:spcAft>
+                    <a:spcPts val="900"/>
+                  </a:spcAft>
+                </a:pPr>
+                <a14:m>
+                  <m:oMathPara xmlns:m="http://schemas.openxmlformats.org/officeDocument/2006/math">
+                    <m:oMathParaPr>
+                      <m:jc m:val="centerGroup"/>
+                    </m:oMathParaPr>
+                    <m:oMath xmlns:m="http://schemas.openxmlformats.org/officeDocument/2006/math">
+                      <m:sSub>
+                        <m:sSubPr>
+                          <m:ctrlPr>
+                            <a:rPr lang="en-AU" sz="2400" i="1" smtClean="0">
+                              <a:latin typeface="Cambria Math" panose="02040503050406030204" pitchFamily="18" charset="0"/>
+                              <a:ea typeface="Cambria" panose="02040503050406030204" pitchFamily="18" charset="0"/>
+                              <a:cs typeface="Times New Roman" panose="02020603050405020304" pitchFamily="18" charset="0"/>
+                            </a:rPr>
+                          </m:ctrlPr>
+                        </m:sSubPr>
+                        <m:e>
+                          <m:r>
+                            <a:rPr lang="en-US" sz="2400" i="1">
+                              <a:latin typeface="Cambria Math" panose="02040503050406030204" pitchFamily="18" charset="0"/>
+                              <a:ea typeface="Cambria" panose="02040503050406030204" pitchFamily="18" charset="0"/>
+                              <a:cs typeface="Times New Roman" panose="02020603050405020304" pitchFamily="18" charset="0"/>
+                            </a:rPr>
+                            <m:t>𝑧</m:t>
+                          </m:r>
+                        </m:e>
+                        <m:sub>
+                          <m:r>
+                            <a:rPr lang="en-US" sz="2400" i="1">
+                              <a:latin typeface="Cambria Math" panose="02040503050406030204" pitchFamily="18" charset="0"/>
+                              <a:ea typeface="Cambria" panose="02040503050406030204" pitchFamily="18" charset="0"/>
+                              <a:cs typeface="Times New Roman" panose="02020603050405020304" pitchFamily="18" charset="0"/>
+                            </a:rPr>
+                            <m:t>𝑗</m:t>
+                          </m:r>
+                        </m:sub>
+                      </m:sSub>
+                      <m:r>
+                        <a:rPr lang="en-US" sz="2400" i="1">
+                          <a:latin typeface="Cambria Math" panose="02040503050406030204" pitchFamily="18" charset="0"/>
+                          <a:ea typeface="Cambria" panose="02040503050406030204" pitchFamily="18" charset="0"/>
+                          <a:cs typeface="Times New Roman" panose="02020603050405020304" pitchFamily="18" charset="0"/>
+                        </a:rPr>
+                        <m:t>=</m:t>
+                      </m:r>
+                      <m:r>
+                        <a:rPr lang="en-US" sz="2400" i="1">
+                          <a:latin typeface="Cambria Math" panose="02040503050406030204" pitchFamily="18" charset="0"/>
+                          <a:ea typeface="Cambria" panose="02040503050406030204" pitchFamily="18" charset="0"/>
+                          <a:cs typeface="Times New Roman" panose="02020603050405020304" pitchFamily="18" charset="0"/>
+                        </a:rPr>
+                        <m:t>𝜇</m:t>
+                      </m:r>
+                      <m:r>
+                        <a:rPr lang="en-US" sz="2400" i="1">
+                          <a:latin typeface="Cambria Math" panose="02040503050406030204" pitchFamily="18" charset="0"/>
+                          <a:ea typeface="Cambria" panose="02040503050406030204" pitchFamily="18" charset="0"/>
+                          <a:cs typeface="Times New Roman" panose="02020603050405020304" pitchFamily="18" charset="0"/>
+                        </a:rPr>
+                        <m:t>+</m:t>
+                      </m:r>
+                      <m:sSub>
+                        <m:sSubPr>
+                          <m:ctrlPr>
+                            <a:rPr lang="en-AU" sz="2400" i="1">
+                              <a:latin typeface="Cambria Math" panose="02040503050406030204" pitchFamily="18" charset="0"/>
+                              <a:ea typeface="Cambria" panose="02040503050406030204" pitchFamily="18" charset="0"/>
+                              <a:cs typeface="Times New Roman" panose="02020603050405020304" pitchFamily="18" charset="0"/>
+                            </a:rPr>
+                          </m:ctrlPr>
+                        </m:sSubPr>
+                        <m:e>
+                          <m:r>
+                            <a:rPr lang="en-US" sz="2400" i="1">
+                              <a:latin typeface="Cambria Math" panose="02040503050406030204" pitchFamily="18" charset="0"/>
+                              <a:ea typeface="Cambria" panose="02040503050406030204" pitchFamily="18" charset="0"/>
+                              <a:cs typeface="Times New Roman" panose="02020603050405020304" pitchFamily="18" charset="0"/>
+                            </a:rPr>
+                            <m:t>𝑢</m:t>
+                          </m:r>
+                        </m:e>
+                        <m:sub>
+                          <m:r>
+                            <a:rPr lang="en-US" sz="2400" i="1">
+                              <a:latin typeface="Cambria Math" panose="02040503050406030204" pitchFamily="18" charset="0"/>
+                              <a:ea typeface="Cambria" panose="02040503050406030204" pitchFamily="18" charset="0"/>
+                              <a:cs typeface="Times New Roman" panose="02020603050405020304" pitchFamily="18" charset="0"/>
+                            </a:rPr>
+                            <m:t>𝑗</m:t>
+                          </m:r>
+                        </m:sub>
+                      </m:sSub>
+                      <m:r>
+                        <a:rPr lang="en-US" sz="2400" i="1">
+                          <a:latin typeface="Cambria Math" panose="02040503050406030204" pitchFamily="18" charset="0"/>
+                          <a:ea typeface="Cambria" panose="02040503050406030204" pitchFamily="18" charset="0"/>
+                          <a:cs typeface="Times New Roman" panose="02020603050405020304" pitchFamily="18" charset="0"/>
+                        </a:rPr>
+                        <m:t>+</m:t>
+                      </m:r>
+                      <m:sSub>
+                        <m:sSubPr>
+                          <m:ctrlPr>
+                            <a:rPr lang="en-AU" sz="2400" i="1">
+                              <a:latin typeface="Cambria Math" panose="02040503050406030204" pitchFamily="18" charset="0"/>
+                              <a:ea typeface="Cambria" panose="02040503050406030204" pitchFamily="18" charset="0"/>
+                              <a:cs typeface="Times New Roman" panose="02020603050405020304" pitchFamily="18" charset="0"/>
+                            </a:rPr>
+                          </m:ctrlPr>
+                        </m:sSubPr>
+                        <m:e>
+                          <m:r>
+                            <a:rPr lang="en-US" sz="2400" i="1">
+                              <a:latin typeface="Cambria Math" panose="02040503050406030204" pitchFamily="18" charset="0"/>
+                              <a:ea typeface="Cambria" panose="02040503050406030204" pitchFamily="18" charset="0"/>
+                              <a:cs typeface="Times New Roman" panose="02020603050405020304" pitchFamily="18" charset="0"/>
+                            </a:rPr>
+                            <m:t>𝑚</m:t>
+                          </m:r>
+                        </m:e>
+                        <m:sub>
+                          <m:r>
+                            <a:rPr lang="en-US" sz="2400" i="1">
+                              <a:latin typeface="Cambria Math" panose="02040503050406030204" pitchFamily="18" charset="0"/>
+                              <a:ea typeface="Cambria" panose="02040503050406030204" pitchFamily="18" charset="0"/>
+                              <a:cs typeface="Times New Roman" panose="02020603050405020304" pitchFamily="18" charset="0"/>
+                            </a:rPr>
+                            <m:t>𝑗</m:t>
+                          </m:r>
+                        </m:sub>
+                      </m:sSub>
+                    </m:oMath>
+                  </m:oMathPara>
+                </a14:m>
+                <a:endParaRPr lang="en-AU" sz="2400" dirty="0">
+                  <a:latin typeface="Cambria" panose="02040503050406030204" pitchFamily="18" charset="0"/>
+                  <a:ea typeface="Cambria" panose="02040503050406030204" pitchFamily="18" charset="0"/>
+                  <a:cs typeface="Times New Roman" panose="02020603050405020304" pitchFamily="18" charset="0"/>
+                </a:endParaRPr>
+              </a:p>
+              <a:p>
+                <a:pPr>
+                  <a:spcBef>
+                    <a:spcPts val="900"/>
+                  </a:spcBef>
+                  <a:spcAft>
+                    <a:spcPts val="900"/>
+                  </a:spcAft>
+                </a:pPr>
+                <a14:m>
+                  <m:oMathPara xmlns:m="http://schemas.openxmlformats.org/officeDocument/2006/math">
+                    <m:oMathParaPr>
+                      <m:jc m:val="centerGroup"/>
+                    </m:oMathParaPr>
+                    <m:oMath xmlns:m="http://schemas.openxmlformats.org/officeDocument/2006/math">
+                      <m:sSub>
+                        <m:sSubPr>
+                          <m:ctrlPr>
+                            <a:rPr lang="en-AU" sz="2400" i="1">
+                              <a:latin typeface="Cambria Math" panose="02040503050406030204" pitchFamily="18" charset="0"/>
+                              <a:ea typeface="Cambria" panose="02040503050406030204" pitchFamily="18" charset="0"/>
+                              <a:cs typeface="Times New Roman" panose="02020603050405020304" pitchFamily="18" charset="0"/>
+                            </a:rPr>
+                          </m:ctrlPr>
+                        </m:sSubPr>
+                        <m:e>
+                          <m:r>
+                            <a:rPr lang="en-US" sz="2400" i="1">
+                              <a:latin typeface="Cambria Math" panose="02040503050406030204" pitchFamily="18" charset="0"/>
+                              <a:ea typeface="Cambria" panose="02040503050406030204" pitchFamily="18" charset="0"/>
+                              <a:cs typeface="Times New Roman" panose="02020603050405020304" pitchFamily="18" charset="0"/>
+                            </a:rPr>
+                            <m:t>𝑢</m:t>
+                          </m:r>
+                        </m:e>
+                        <m:sub>
+                          <m:r>
+                            <a:rPr lang="en-US" sz="2400" i="1">
+                              <a:latin typeface="Cambria Math" panose="02040503050406030204" pitchFamily="18" charset="0"/>
+                              <a:ea typeface="Cambria" panose="02040503050406030204" pitchFamily="18" charset="0"/>
+                              <a:cs typeface="Times New Roman" panose="02020603050405020304" pitchFamily="18" charset="0"/>
+                            </a:rPr>
+                            <m:t>𝑗</m:t>
+                          </m:r>
+                        </m:sub>
+                      </m:sSub>
+                      <m:r>
+                        <a:rPr lang="en-US" sz="2400" i="1">
+                          <a:latin typeface="Cambria Math" panose="02040503050406030204" pitchFamily="18" charset="0"/>
+                          <a:ea typeface="Cambria" panose="02040503050406030204" pitchFamily="18" charset="0"/>
+                          <a:cs typeface="Times New Roman" panose="02020603050405020304" pitchFamily="18" charset="0"/>
+                        </a:rPr>
+                        <m:t>∼</m:t>
+                      </m:r>
+                      <m:r>
+                        <m:rPr>
+                          <m:sty m:val="p"/>
+                        </m:rPr>
+                        <a:rPr lang="en-US" sz="2400">
+                          <a:latin typeface="Cambria Math" panose="02040503050406030204" pitchFamily="18" charset="0"/>
+                          <a:ea typeface="Cambria" panose="02040503050406030204" pitchFamily="18" charset="0"/>
+                          <a:cs typeface="Times New Roman" panose="02020603050405020304" pitchFamily="18" charset="0"/>
+                        </a:rPr>
+                        <m:t>N</m:t>
+                      </m:r>
+                      <m:r>
+                        <a:rPr lang="en-US" sz="2400" i="1">
+                          <a:latin typeface="Cambria Math" panose="02040503050406030204" pitchFamily="18" charset="0"/>
+                          <a:ea typeface="Cambria" panose="02040503050406030204" pitchFamily="18" charset="0"/>
+                          <a:cs typeface="Times New Roman" panose="02020603050405020304" pitchFamily="18" charset="0"/>
+                        </a:rPr>
+                        <m:t>(0,</m:t>
+                      </m:r>
+                      <m:sSubSup>
+                        <m:sSubSupPr>
+                          <m:ctrlPr>
+                            <a:rPr lang="en-AU" sz="2400" i="1">
+                              <a:latin typeface="Cambria Math" panose="02040503050406030204" pitchFamily="18" charset="0"/>
+                              <a:ea typeface="Cambria" panose="02040503050406030204" pitchFamily="18" charset="0"/>
+                              <a:cs typeface="Times New Roman" panose="02020603050405020304" pitchFamily="18" charset="0"/>
+                            </a:rPr>
+                          </m:ctrlPr>
+                        </m:sSubSupPr>
+                        <m:e>
+                          <m:r>
+                            <a:rPr lang="en-US" sz="2400" i="1">
+                              <a:latin typeface="Cambria Math" panose="02040503050406030204" pitchFamily="18" charset="0"/>
+                              <a:ea typeface="Cambria" panose="02040503050406030204" pitchFamily="18" charset="0"/>
+                              <a:cs typeface="Times New Roman" panose="02020603050405020304" pitchFamily="18" charset="0"/>
+                            </a:rPr>
+                            <m:t>𝜎</m:t>
+                          </m:r>
+                        </m:e>
+                        <m:sub>
+                          <m:r>
+                            <a:rPr lang="en-US" sz="2400" i="1" smtClean="0">
+                              <a:latin typeface="Cambria Math" panose="02040503050406030204" pitchFamily="18" charset="0"/>
+                              <a:ea typeface="Cambria" panose="02040503050406030204" pitchFamily="18" charset="0"/>
+                              <a:cs typeface="Times New Roman" panose="02020603050405020304" pitchFamily="18" charset="0"/>
+                            </a:rPr>
+                            <m:t>𝑢</m:t>
+                          </m:r>
+                        </m:sub>
+                        <m:sup>
+                          <m:r>
+                            <a:rPr lang="en-US" sz="2400" i="1">
+                              <a:latin typeface="Cambria Math" panose="02040503050406030204" pitchFamily="18" charset="0"/>
+                              <a:ea typeface="Cambria" panose="02040503050406030204" pitchFamily="18" charset="0"/>
+                              <a:cs typeface="Times New Roman" panose="02020603050405020304" pitchFamily="18" charset="0"/>
+                            </a:rPr>
+                            <m:t>2</m:t>
+                          </m:r>
+                        </m:sup>
+                      </m:sSubSup>
+                      <m:r>
+                        <a:rPr lang="en-US" sz="2400" i="1">
+                          <a:latin typeface="Cambria Math" panose="02040503050406030204" pitchFamily="18" charset="0"/>
+                          <a:ea typeface="Cambria" panose="02040503050406030204" pitchFamily="18" charset="0"/>
+                          <a:cs typeface="Times New Roman" panose="02020603050405020304" pitchFamily="18" charset="0"/>
+                        </a:rPr>
+                        <m:t>)</m:t>
+                      </m:r>
+                    </m:oMath>
+                  </m:oMathPara>
+                </a14:m>
+                <a:endParaRPr lang="en-AU" sz="2400" dirty="0">
+                  <a:latin typeface="Cambria" panose="02040503050406030204" pitchFamily="18" charset="0"/>
+                  <a:ea typeface="Cambria" panose="02040503050406030204" pitchFamily="18" charset="0"/>
+                  <a:cs typeface="Times New Roman" panose="02020603050405020304" pitchFamily="18" charset="0"/>
+                </a:endParaRPr>
+              </a:p>
+              <a:p>
+                <a:pPr>
+                  <a:spcBef>
+                    <a:spcPts val="900"/>
+                  </a:spcBef>
+                  <a:spcAft>
+                    <a:spcPts val="900"/>
+                  </a:spcAft>
+                </a:pPr>
+                <a14:m>
+                  <m:oMathPara xmlns:m="http://schemas.openxmlformats.org/officeDocument/2006/math">
+                    <m:oMathParaPr>
+                      <m:jc m:val="centerGroup"/>
+                    </m:oMathParaPr>
+                    <m:oMath xmlns:m="http://schemas.openxmlformats.org/officeDocument/2006/math">
+                      <m:r>
+                        <a:rPr lang="en-US" sz="2400" b="1" i="1">
+                          <a:latin typeface="Cambria Math" panose="02040503050406030204" pitchFamily="18" charset="0"/>
+                          <a:ea typeface="Cambria" panose="02040503050406030204" pitchFamily="18" charset="0"/>
+                          <a:cs typeface="Times New Roman" panose="02020603050405020304" pitchFamily="18" charset="0"/>
+                        </a:rPr>
+                        <m:t>𝐮</m:t>
+                      </m:r>
+                      <m:r>
+                        <a:rPr lang="en-US" sz="2400" i="1">
+                          <a:latin typeface="Cambria Math" panose="02040503050406030204" pitchFamily="18" charset="0"/>
+                          <a:ea typeface="Cambria" panose="02040503050406030204" pitchFamily="18" charset="0"/>
+                          <a:cs typeface="Times New Roman" panose="02020603050405020304" pitchFamily="18" charset="0"/>
+                        </a:rPr>
+                        <m:t>∼</m:t>
+                      </m:r>
+                      <m:r>
+                        <m:rPr>
+                          <m:sty m:val="p"/>
+                        </m:rPr>
+                        <a:rPr lang="en-US" sz="2400">
+                          <a:latin typeface="Cambria Math" panose="02040503050406030204" pitchFamily="18" charset="0"/>
+                          <a:ea typeface="Cambria" panose="02040503050406030204" pitchFamily="18" charset="0"/>
+                          <a:cs typeface="Times New Roman" panose="02020603050405020304" pitchFamily="18" charset="0"/>
+                        </a:rPr>
+                        <m:t>N</m:t>
+                      </m:r>
+                      <m:r>
+                        <a:rPr lang="en-US" sz="2400" i="1">
+                          <a:latin typeface="Cambria Math" panose="02040503050406030204" pitchFamily="18" charset="0"/>
+                          <a:ea typeface="Cambria" panose="02040503050406030204" pitchFamily="18" charset="0"/>
+                          <a:cs typeface="Times New Roman" panose="02020603050405020304" pitchFamily="18" charset="0"/>
+                        </a:rPr>
+                        <m:t>(</m:t>
+                      </m:r>
+                      <m:r>
+                        <a:rPr lang="en-US" sz="2400" b="1" i="1">
+                          <a:latin typeface="Cambria Math" panose="02040503050406030204" pitchFamily="18" charset="0"/>
+                          <a:ea typeface="Cambria" panose="02040503050406030204" pitchFamily="18" charset="0"/>
+                          <a:cs typeface="Times New Roman" panose="02020603050405020304" pitchFamily="18" charset="0"/>
+                        </a:rPr>
+                        <m:t>𝟎</m:t>
+                      </m:r>
+                      <m:r>
+                        <a:rPr lang="en-US" sz="2400" i="1">
+                          <a:latin typeface="Cambria Math" panose="02040503050406030204" pitchFamily="18" charset="0"/>
+                          <a:ea typeface="Cambria" panose="02040503050406030204" pitchFamily="18" charset="0"/>
+                          <a:cs typeface="Times New Roman" panose="02020603050405020304" pitchFamily="18" charset="0"/>
+                        </a:rPr>
+                        <m:t>,</m:t>
+                      </m:r>
+                      <m:sSubSup>
+                        <m:sSubSupPr>
+                          <m:ctrlPr>
+                            <a:rPr lang="en-AU" sz="2400" i="1">
+                              <a:latin typeface="Cambria Math" panose="02040503050406030204" pitchFamily="18" charset="0"/>
+                              <a:ea typeface="Cambria" panose="02040503050406030204" pitchFamily="18" charset="0"/>
+                              <a:cs typeface="Times New Roman" panose="02020603050405020304" pitchFamily="18" charset="0"/>
+                            </a:rPr>
+                          </m:ctrlPr>
+                        </m:sSubSupPr>
+                        <m:e>
+                          <m:r>
+                            <a:rPr lang="en-US" sz="2400" i="1">
+                              <a:latin typeface="Cambria Math" panose="02040503050406030204" pitchFamily="18" charset="0"/>
+                              <a:ea typeface="Cambria" panose="02040503050406030204" pitchFamily="18" charset="0"/>
+                              <a:cs typeface="Times New Roman" panose="02020603050405020304" pitchFamily="18" charset="0"/>
+                            </a:rPr>
+                            <m:t>𝜎</m:t>
+                          </m:r>
+                        </m:e>
+                        <m:sub>
+                          <m:r>
+                            <a:rPr lang="en-US" sz="2400" i="1">
+                              <a:latin typeface="Cambria Math" panose="02040503050406030204" pitchFamily="18" charset="0"/>
+                              <a:ea typeface="Cambria" panose="02040503050406030204" pitchFamily="18" charset="0"/>
+                              <a:cs typeface="Times New Roman" panose="02020603050405020304" pitchFamily="18" charset="0"/>
+                            </a:rPr>
+                            <m:t>𝑢</m:t>
+                          </m:r>
+                        </m:sub>
+                        <m:sup>
+                          <m:r>
+                            <a:rPr lang="en-US" sz="2400" i="1">
+                              <a:latin typeface="Cambria Math" panose="02040503050406030204" pitchFamily="18" charset="0"/>
+                              <a:ea typeface="Cambria" panose="02040503050406030204" pitchFamily="18" charset="0"/>
+                              <a:cs typeface="Times New Roman" panose="02020603050405020304" pitchFamily="18" charset="0"/>
+                            </a:rPr>
+                            <m:t>2</m:t>
+                          </m:r>
+                        </m:sup>
+                      </m:sSubSup>
+                      <m:r>
+                        <a:rPr lang="en-US" sz="2400" b="1" i="1">
+                          <a:latin typeface="Cambria Math" panose="02040503050406030204" pitchFamily="18" charset="0"/>
+                          <a:ea typeface="Cambria" panose="02040503050406030204" pitchFamily="18" charset="0"/>
+                          <a:cs typeface="Times New Roman" panose="02020603050405020304" pitchFamily="18" charset="0"/>
+                        </a:rPr>
+                        <m:t>𝐈</m:t>
+                      </m:r>
+                      <m:r>
+                        <a:rPr lang="en-US" sz="2400" i="1">
+                          <a:latin typeface="Cambria Math" panose="02040503050406030204" pitchFamily="18" charset="0"/>
+                          <a:ea typeface="Cambria" panose="02040503050406030204" pitchFamily="18" charset="0"/>
+                          <a:cs typeface="Times New Roman" panose="02020603050405020304" pitchFamily="18" charset="0"/>
+                        </a:rPr>
+                        <m:t>)</m:t>
+                      </m:r>
+                    </m:oMath>
+                  </m:oMathPara>
+                </a14:m>
+                <a:endParaRPr lang="en-AU" sz="2400" dirty="0">
+                  <a:latin typeface="Cambria" panose="02040503050406030204" pitchFamily="18" charset="0"/>
+                  <a:ea typeface="Cambria" panose="02040503050406030204" pitchFamily="18" charset="0"/>
+                  <a:cs typeface="Times New Roman" panose="02020603050405020304" pitchFamily="18" charset="0"/>
+                </a:endParaRPr>
+              </a:p>
+            </p:txBody>
+          </p:sp>
+        </mc:Choice>
+        <mc:Fallback xmlns="">
+          <p:sp>
+            <p:nvSpPr>
+              <p:cNvPr id="18" name="Rectangle 17">
+                <a:extLst>
+                  <a:ext uri="{FF2B5EF4-FFF2-40B4-BE49-F238E27FC236}">
+                    <a16:creationId xmlns:a16="http://schemas.microsoft.com/office/drawing/2014/main" id="{94B35302-09F9-814C-A107-D67CEFBDB180}"/>
+                  </a:ext>
+                </a:extLst>
+              </p:cNvPr>
+              <p:cNvSpPr>
+                <a:spLocks noRot="1" noChangeAspect="1" noMove="1" noResize="1" noEditPoints="1" noAdjustHandles="1" noChangeArrowheads="1" noChangeShapeType="1" noTextEdit="1"/>
+              </p:cNvSpPr>
+              <p:nvPr/>
+            </p:nvSpPr>
+            <p:spPr>
+              <a:xfrm>
+                <a:off x="5073827" y="2658903"/>
+                <a:ext cx="2566536" cy="1613519"/>
+              </a:xfrm>
+              <a:prstGeom prst="rect">
+                <a:avLst/>
+              </a:prstGeom>
+              <a:blipFill>
+                <a:blip r:embed="rId7"/>
+                <a:stretch>
+                  <a:fillRect/>
+                </a:stretch>
+              </a:blipFill>
+            </p:spPr>
+            <p:txBody>
+              <a:bodyPr/>
+              <a:lstStyle/>
+              <a:p>
+                <a:r>
+                  <a:rPr lang="en-US">
+                    <a:noFill/>
+                  </a:rPr>
+                  <a:t> </a:t>
+                </a:r>
+              </a:p>
+            </p:txBody>
+          </p:sp>
+        </mc:Fallback>
+      </mc:AlternateContent>
+      <mc:AlternateContent xmlns:mc="http://schemas.openxmlformats.org/markup-compatibility/2006" xmlns:a14="http://schemas.microsoft.com/office/drawing/2010/main">
+        <mc:Choice Requires="a14">
+          <p:sp>
+            <p:nvSpPr>
+              <p:cNvPr id="3" name="Rectangle 2">
+                <a:extLst>
+                  <a:ext uri="{FF2B5EF4-FFF2-40B4-BE49-F238E27FC236}">
+                    <a16:creationId xmlns:a16="http://schemas.microsoft.com/office/drawing/2014/main" id="{9CD2F3CF-5D5E-334E-BF62-50F26D287C1F}"/>
+                  </a:ext>
+                </a:extLst>
+              </p:cNvPr>
+              <p:cNvSpPr/>
+              <p:nvPr/>
+            </p:nvSpPr>
+            <p:spPr>
+              <a:xfrm>
+                <a:off x="5073827" y="5710162"/>
+                <a:ext cx="2870979" cy="369332"/>
+              </a:xfrm>
+              <a:prstGeom prst="rect">
+                <a:avLst/>
+              </a:prstGeom>
+            </p:spPr>
+            <p:txBody>
+              <a:bodyPr wrap="none">
+                <a:spAutoFit/>
+              </a:bodyPr>
+              <a:lstStyle/>
+              <a:p>
+                <a:pPr>
+                  <a:spcBef>
+                    <a:spcPts val="900"/>
+                  </a:spcBef>
+                  <a:spcAft>
+                    <a:spcPts val="900"/>
+                  </a:spcAft>
+                </a:pPr>
+                <a14:m>
+                  <m:oMath xmlns:m="http://schemas.openxmlformats.org/officeDocument/2006/math">
+                    <m:sSubSup>
+                      <m:sSubSupPr>
+                        <m:ctrlPr>
+                          <a:rPr lang="en-AU" i="1" smtClean="0">
+                            <a:solidFill>
+                              <a:srgbClr val="FF0000"/>
+                            </a:solidFill>
+                            <a:latin typeface="Cambria Math" panose="02040503050406030204" pitchFamily="18" charset="0"/>
+                            <a:ea typeface="Cambria" panose="02040503050406030204" pitchFamily="18" charset="0"/>
+                            <a:cs typeface="Times New Roman" panose="02020603050405020304" pitchFamily="18" charset="0"/>
+                          </a:rPr>
+                        </m:ctrlPr>
+                      </m:sSubSupPr>
+                      <m:e>
+                        <m:r>
+                          <a:rPr lang="en-US" i="1">
+                            <a:solidFill>
+                              <a:srgbClr val="FF0000"/>
+                            </a:solidFill>
+                            <a:latin typeface="Cambria Math" panose="02040503050406030204" pitchFamily="18" charset="0"/>
+                            <a:ea typeface="Cambria" panose="02040503050406030204" pitchFamily="18" charset="0"/>
+                            <a:cs typeface="Times New Roman" panose="02020603050405020304" pitchFamily="18" charset="0"/>
+                          </a:rPr>
+                          <m:t>𝜎</m:t>
+                        </m:r>
+                      </m:e>
+                      <m:sub>
+                        <m:r>
+                          <a:rPr lang="en-US" i="1">
+                            <a:solidFill>
+                              <a:srgbClr val="FF0000"/>
+                            </a:solidFill>
+                            <a:latin typeface="Cambria Math" panose="02040503050406030204" pitchFamily="18" charset="0"/>
+                            <a:ea typeface="Cambria" panose="02040503050406030204" pitchFamily="18" charset="0"/>
+                            <a:cs typeface="Times New Roman" panose="02020603050405020304" pitchFamily="18" charset="0"/>
+                          </a:rPr>
+                          <m:t>𝑢</m:t>
+                        </m:r>
+                      </m:sub>
+                      <m:sup>
+                        <m:r>
+                          <a:rPr lang="en-US" i="1">
+                            <a:solidFill>
+                              <a:srgbClr val="FF0000"/>
+                            </a:solidFill>
+                            <a:latin typeface="Cambria Math" panose="02040503050406030204" pitchFamily="18" charset="0"/>
+                            <a:ea typeface="Cambria" panose="02040503050406030204" pitchFamily="18" charset="0"/>
+                            <a:cs typeface="Times New Roman" panose="02020603050405020304" pitchFamily="18" charset="0"/>
+                          </a:rPr>
+                          <m:t>2</m:t>
+                        </m:r>
+                      </m:sup>
+                    </m:sSubSup>
+                  </m:oMath>
+                </a14:m>
+                <a:r>
+                  <a:rPr lang="en-US" dirty="0">
+                    <a:solidFill>
+                      <a:srgbClr val="FF0000"/>
+                    </a:solidFill>
+                    <a:latin typeface="Cambria" panose="02040503050406030204" pitchFamily="18" charset="0"/>
+                    <a:ea typeface="Cambria" panose="02040503050406030204" pitchFamily="18" charset="0"/>
+                    <a:cs typeface="Times New Roman" panose="02020603050405020304" pitchFamily="18" charset="0"/>
+                  </a:rPr>
+                  <a:t> is often referred to as </a:t>
+                </a:r>
+                <a14:m>
+                  <m:oMath xmlns:m="http://schemas.openxmlformats.org/officeDocument/2006/math">
+                    <m:sSup>
+                      <m:sSupPr>
+                        <m:ctrlPr>
+                          <a:rPr lang="en-AU" i="1">
+                            <a:solidFill>
+                              <a:srgbClr val="FF0000"/>
+                            </a:solidFill>
+                            <a:latin typeface="Cambria Math" panose="02040503050406030204" pitchFamily="18" charset="0"/>
+                            <a:ea typeface="Cambria" panose="02040503050406030204" pitchFamily="18" charset="0"/>
+                            <a:cs typeface="Times New Roman" panose="02020603050405020304" pitchFamily="18" charset="0"/>
+                          </a:rPr>
+                        </m:ctrlPr>
+                      </m:sSupPr>
+                      <m:e>
+                        <m:r>
+                          <a:rPr lang="en-US" i="1">
+                            <a:solidFill>
+                              <a:srgbClr val="FF0000"/>
+                            </a:solidFill>
+                            <a:latin typeface="Cambria Math" panose="02040503050406030204" pitchFamily="18" charset="0"/>
+                            <a:ea typeface="Cambria" panose="02040503050406030204" pitchFamily="18" charset="0"/>
+                            <a:cs typeface="Times New Roman" panose="02020603050405020304" pitchFamily="18" charset="0"/>
+                          </a:rPr>
+                          <m:t>𝜏</m:t>
+                        </m:r>
+                      </m:e>
+                      <m:sup>
+                        <m:r>
+                          <a:rPr lang="en-US" i="1">
+                            <a:solidFill>
+                              <a:srgbClr val="FF0000"/>
+                            </a:solidFill>
+                            <a:latin typeface="Cambria Math" panose="02040503050406030204" pitchFamily="18" charset="0"/>
+                            <a:ea typeface="Cambria" panose="02040503050406030204" pitchFamily="18" charset="0"/>
+                            <a:cs typeface="Times New Roman" panose="02020603050405020304" pitchFamily="18" charset="0"/>
+                          </a:rPr>
+                          <m:t>2</m:t>
+                        </m:r>
+                      </m:sup>
+                    </m:sSup>
+                  </m:oMath>
+                </a14:m>
+                <a:endParaRPr lang="en-AU" dirty="0">
+                  <a:latin typeface="Cambria" panose="02040503050406030204" pitchFamily="18" charset="0"/>
+                  <a:ea typeface="Cambria" panose="02040503050406030204" pitchFamily="18" charset="0"/>
+                  <a:cs typeface="Times New Roman" panose="02020603050405020304" pitchFamily="18" charset="0"/>
+                </a:endParaRPr>
+              </a:p>
+            </p:txBody>
+          </p:sp>
+        </mc:Choice>
+        <mc:Fallback xmlns="">
+          <p:sp>
+            <p:nvSpPr>
+              <p:cNvPr id="3" name="Rectangle 2">
+                <a:extLst>
+                  <a:ext uri="{FF2B5EF4-FFF2-40B4-BE49-F238E27FC236}">
+                    <a16:creationId xmlns:a16="http://schemas.microsoft.com/office/drawing/2014/main" id="{9CD2F3CF-5D5E-334E-BF62-50F26D287C1F}"/>
+                  </a:ext>
+                </a:extLst>
+              </p:cNvPr>
+              <p:cNvSpPr>
+                <a:spLocks noRot="1" noChangeAspect="1" noMove="1" noResize="1" noEditPoints="1" noAdjustHandles="1" noChangeArrowheads="1" noChangeShapeType="1" noTextEdit="1"/>
+              </p:cNvSpPr>
+              <p:nvPr/>
+            </p:nvSpPr>
+            <p:spPr>
+              <a:xfrm>
+                <a:off x="5073827" y="5710162"/>
+                <a:ext cx="2870979" cy="369332"/>
+              </a:xfrm>
+              <a:prstGeom prst="rect">
+                <a:avLst/>
+              </a:prstGeom>
+              <a:blipFill>
+                <a:blip r:embed="rId8"/>
+                <a:stretch>
+                  <a:fillRect t="-6667" b="-23333"/>
+                </a:stretch>
+              </a:blipFill>
+            </p:spPr>
+            <p:txBody>
+              <a:bodyPr/>
+              <a:lstStyle/>
+              <a:p>
+                <a:r>
+                  <a:rPr lang="en-US">
+                    <a:noFill/>
+                  </a:rPr>
+                  <a:t> </a:t>
+                </a:r>
+              </a:p>
+            </p:txBody>
+          </p:sp>
+        </mc:Fallback>
+      </mc:AlternateContent>
+      <mc:AlternateContent xmlns:mc="http://schemas.openxmlformats.org/markup-compatibility/2006" xmlns:a14="http://schemas.microsoft.com/office/drawing/2010/main">
+        <mc:Choice Requires="a14">
+          <p:sp>
+            <p:nvSpPr>
+              <p:cNvPr id="13" name="Rectangle 12">
+                <a:extLst>
+                  <a:ext uri="{FF2B5EF4-FFF2-40B4-BE49-F238E27FC236}">
+                    <a16:creationId xmlns:a16="http://schemas.microsoft.com/office/drawing/2014/main" id="{E274B562-081A-9F41-ADD0-F60547D13AFA}"/>
+                  </a:ext>
+                </a:extLst>
+              </p:cNvPr>
+              <p:cNvSpPr/>
+              <p:nvPr/>
+            </p:nvSpPr>
+            <p:spPr>
+              <a:xfrm>
+                <a:off x="7021929" y="4034386"/>
+                <a:ext cx="2016449" cy="925253"/>
+              </a:xfrm>
+              <a:prstGeom prst="rect">
+                <a:avLst/>
+              </a:prstGeom>
+            </p:spPr>
+            <p:txBody>
+              <a:bodyPr wrap="none">
+                <a:spAutoFit/>
+              </a:bodyPr>
+              <a:lstStyle/>
+              <a:p>
+                <a:pPr/>
+                <a14:m>
+                  <m:oMathPara xmlns:m="http://schemas.openxmlformats.org/officeDocument/2006/math">
+                    <m:oMathParaPr>
+                      <m:jc m:val="centerGroup"/>
+                    </m:oMathParaPr>
+                    <m:oMath xmlns:m="http://schemas.openxmlformats.org/officeDocument/2006/math">
+                      <m:sSub>
+                        <m:sSubPr>
+                          <m:ctrlPr>
+                            <a:rPr lang="en-US" sz="2400" i="1">
+                              <a:latin typeface="Cambria Math" panose="02040503050406030204" pitchFamily="18" charset="0"/>
+                            </a:rPr>
+                          </m:ctrlPr>
+                        </m:sSubPr>
+                        <m:e>
+                          <m:r>
+                            <a:rPr lang="en-US" sz="2400" i="1">
+                              <a:latin typeface="Cambria Math" panose="02040503050406030204" pitchFamily="18" charset="0"/>
+                            </a:rPr>
+                            <m:t>𝑤</m:t>
+                          </m:r>
+                        </m:e>
+                        <m:sub>
+                          <m:r>
+                            <a:rPr lang="en-US" sz="2400" i="1">
+                              <a:latin typeface="Cambria Math" panose="02040503050406030204" pitchFamily="18" charset="0"/>
+                            </a:rPr>
+                            <m:t>𝑗</m:t>
+                          </m:r>
+                        </m:sub>
+                      </m:sSub>
+                      <m:r>
+                        <a:rPr lang="en-US" sz="2400" i="0">
+                          <a:latin typeface="Cambria Math" panose="02040503050406030204" pitchFamily="18" charset="0"/>
+                        </a:rPr>
+                        <m:t>=</m:t>
+                      </m:r>
+                      <m:f>
+                        <m:fPr>
+                          <m:ctrlPr>
+                            <a:rPr lang="en-US" sz="2400" i="1">
+                              <a:latin typeface="Cambria Math" panose="02040503050406030204" pitchFamily="18" charset="0"/>
+                            </a:rPr>
+                          </m:ctrlPr>
+                        </m:fPr>
+                        <m:num>
+                          <m:r>
+                            <a:rPr lang="en-US" sz="2400" i="0">
+                              <a:latin typeface="Cambria Math" panose="02040503050406030204" pitchFamily="18" charset="0"/>
+                            </a:rPr>
+                            <m:t>1</m:t>
+                          </m:r>
+                        </m:num>
+                        <m:den>
+                          <m:sSubSup>
+                            <m:sSubSupPr>
+                              <m:ctrlPr>
+                                <a:rPr lang="en-US" sz="2400" i="1">
+                                  <a:latin typeface="Cambria Math" panose="02040503050406030204" pitchFamily="18" charset="0"/>
+                                </a:rPr>
+                              </m:ctrlPr>
+                            </m:sSubSupPr>
+                            <m:e>
+                              <m:r>
+                                <a:rPr lang="en-US" sz="2400" i="1">
+                                  <a:latin typeface="Cambria Math" panose="02040503050406030204" pitchFamily="18" charset="0"/>
+                                </a:rPr>
+                                <m:t>𝜎</m:t>
+                              </m:r>
+                            </m:e>
+                            <m:sub>
+                              <m:r>
+                                <a:rPr lang="en-US" sz="2400" i="1">
+                                  <a:latin typeface="Cambria Math" panose="02040503050406030204" pitchFamily="18" charset="0"/>
+                                </a:rPr>
+                                <m:t>𝑢</m:t>
+                              </m:r>
+                            </m:sub>
+                            <m:sup>
+                              <m:r>
+                                <a:rPr lang="en-US" sz="2400" i="0">
+                                  <a:latin typeface="Cambria Math" panose="02040503050406030204" pitchFamily="18" charset="0"/>
+                                </a:rPr>
+                                <m:t>2</m:t>
+                              </m:r>
+                            </m:sup>
+                          </m:sSubSup>
+                          <m:r>
+                            <a:rPr lang="en-US" sz="2400" i="0">
+                              <a:latin typeface="Cambria Math" panose="02040503050406030204" pitchFamily="18" charset="0"/>
+                            </a:rPr>
+                            <m:t>+</m:t>
+                          </m:r>
+                          <m:sSubSup>
+                            <m:sSubSupPr>
+                              <m:ctrlPr>
+                                <a:rPr lang="en-US" sz="2400" i="1">
+                                  <a:latin typeface="Cambria Math" panose="02040503050406030204" pitchFamily="18" charset="0"/>
+                                </a:rPr>
+                              </m:ctrlPr>
+                            </m:sSubSupPr>
+                            <m:e>
+                              <m:r>
+                                <a:rPr lang="en-US" sz="2400" i="1">
+                                  <a:latin typeface="Cambria Math" panose="02040503050406030204" pitchFamily="18" charset="0"/>
+                                </a:rPr>
+                                <m:t>𝜎</m:t>
+                              </m:r>
+                            </m:e>
+                            <m:sub>
+                              <m:r>
+                                <a:rPr lang="en-US" sz="2400" i="1">
+                                  <a:latin typeface="Cambria Math" panose="02040503050406030204" pitchFamily="18" charset="0"/>
+                                </a:rPr>
+                                <m:t>𝑗</m:t>
+                              </m:r>
+                            </m:sub>
+                            <m:sup>
+                              <m:r>
+                                <a:rPr lang="en-US" sz="2400" i="0">
+                                  <a:latin typeface="Cambria Math" panose="02040503050406030204" pitchFamily="18" charset="0"/>
+                                </a:rPr>
+                                <m:t>2</m:t>
+                              </m:r>
+                            </m:sup>
+                          </m:sSubSup>
+                        </m:den>
+                      </m:f>
+                    </m:oMath>
+                  </m:oMathPara>
+                </a14:m>
+                <a:endParaRPr lang="en-US" sz="2400" dirty="0"/>
+              </a:p>
+            </p:txBody>
+          </p:sp>
+        </mc:Choice>
+        <mc:Fallback xmlns="">
+          <p:sp>
+            <p:nvSpPr>
+              <p:cNvPr id="13" name="Rectangle 12">
+                <a:extLst>
+                  <a:ext uri="{FF2B5EF4-FFF2-40B4-BE49-F238E27FC236}">
+                    <a16:creationId xmlns:a16="http://schemas.microsoft.com/office/drawing/2014/main" id="{E274B562-081A-9F41-ADD0-F60547D13AFA}"/>
+                  </a:ext>
+                </a:extLst>
+              </p:cNvPr>
+              <p:cNvSpPr>
+                <a:spLocks noRot="1" noChangeAspect="1" noMove="1" noResize="1" noEditPoints="1" noAdjustHandles="1" noChangeArrowheads="1" noChangeShapeType="1" noTextEdit="1"/>
+              </p:cNvSpPr>
+              <p:nvPr/>
+            </p:nvSpPr>
+            <p:spPr>
+              <a:xfrm>
+                <a:off x="7021929" y="4034386"/>
+                <a:ext cx="2016449" cy="925253"/>
+              </a:xfrm>
+              <a:prstGeom prst="rect">
+                <a:avLst/>
+              </a:prstGeom>
+              <a:blipFill>
+                <a:blip r:embed="rId9"/>
+                <a:stretch>
+                  <a:fillRect b="-5405"/>
+                </a:stretch>
+              </a:blipFill>
+            </p:spPr>
+            <p:txBody>
+              <a:bodyPr/>
+              <a:lstStyle/>
+              <a:p>
+                <a:r>
+                  <a:rPr lang="en-US">
+                    <a:noFill/>
+                  </a:rPr>
+                  <a:t> </a:t>
+                </a:r>
+              </a:p>
+            </p:txBody>
+          </p:sp>
+        </mc:Fallback>
+      </mc:AlternateContent>
+      <mc:AlternateContent xmlns:mc="http://schemas.openxmlformats.org/markup-compatibility/2006" xmlns:a14="http://schemas.microsoft.com/office/drawing/2010/main">
+        <mc:Choice Requires="a14">
+          <p:sp>
+            <p:nvSpPr>
+              <p:cNvPr id="15" name="Rectangle 14">
+                <a:extLst>
+                  <a:ext uri="{FF2B5EF4-FFF2-40B4-BE49-F238E27FC236}">
+                    <a16:creationId xmlns:a16="http://schemas.microsoft.com/office/drawing/2014/main" id="{DCABBD81-BFF3-B940-A330-44B8A2898C61}"/>
+                  </a:ext>
+                </a:extLst>
+              </p:cNvPr>
+              <p:cNvSpPr/>
+              <p:nvPr/>
+            </p:nvSpPr>
+            <p:spPr>
+              <a:xfrm>
+                <a:off x="3020697" y="3962701"/>
+                <a:ext cx="1310230" cy="925253"/>
+              </a:xfrm>
+              <a:prstGeom prst="rect">
+                <a:avLst/>
+              </a:prstGeom>
+            </p:spPr>
+            <p:txBody>
+              <a:bodyPr wrap="none">
+                <a:spAutoFit/>
+              </a:bodyPr>
+              <a:lstStyle/>
+              <a:p>
+                <a:pPr/>
+                <a14:m>
+                  <m:oMathPara xmlns:m="http://schemas.openxmlformats.org/officeDocument/2006/math">
+                    <m:oMathParaPr>
+                      <m:jc m:val="centerGroup"/>
+                    </m:oMathParaPr>
+                    <m:oMath xmlns:m="http://schemas.openxmlformats.org/officeDocument/2006/math">
+                      <m:sSub>
+                        <m:sSubPr>
+                          <m:ctrlPr>
+                            <a:rPr lang="en-US" sz="2400" i="1">
+                              <a:latin typeface="Cambria Math" panose="02040503050406030204" pitchFamily="18" charset="0"/>
+                            </a:rPr>
+                          </m:ctrlPr>
+                        </m:sSubPr>
+                        <m:e>
+                          <m:r>
+                            <a:rPr lang="en-US" sz="2400" i="1">
+                              <a:latin typeface="Cambria Math" panose="02040503050406030204" pitchFamily="18" charset="0"/>
+                            </a:rPr>
+                            <m:t>𝑤</m:t>
+                          </m:r>
+                        </m:e>
+                        <m:sub>
+                          <m:r>
+                            <a:rPr lang="en-US" sz="2400" i="1">
+                              <a:latin typeface="Cambria Math" panose="02040503050406030204" pitchFamily="18" charset="0"/>
+                            </a:rPr>
+                            <m:t>𝑗</m:t>
+                          </m:r>
+                        </m:sub>
+                      </m:sSub>
+                      <m:r>
+                        <a:rPr lang="en-US" sz="2400" i="0">
+                          <a:latin typeface="Cambria Math" panose="02040503050406030204" pitchFamily="18" charset="0"/>
+                        </a:rPr>
+                        <m:t>=</m:t>
+                      </m:r>
+                      <m:f>
+                        <m:fPr>
+                          <m:ctrlPr>
+                            <a:rPr lang="en-US" sz="2400" i="1">
+                              <a:latin typeface="Cambria Math" panose="02040503050406030204" pitchFamily="18" charset="0"/>
+                            </a:rPr>
+                          </m:ctrlPr>
+                        </m:fPr>
+                        <m:num>
+                          <m:r>
+                            <a:rPr lang="en-US" sz="2400" i="0">
+                              <a:latin typeface="Cambria Math" panose="02040503050406030204" pitchFamily="18" charset="0"/>
+                            </a:rPr>
+                            <m:t>1</m:t>
+                          </m:r>
+                        </m:num>
+                        <m:den>
+                          <m:sSubSup>
+                            <m:sSubSupPr>
+                              <m:ctrlPr>
+                                <a:rPr lang="en-US" sz="2400" i="1">
+                                  <a:latin typeface="Cambria Math" panose="02040503050406030204" pitchFamily="18" charset="0"/>
+                                </a:rPr>
+                              </m:ctrlPr>
+                            </m:sSubSupPr>
+                            <m:e>
+                              <m:r>
+                                <a:rPr lang="en-US" sz="2400" i="1">
+                                  <a:latin typeface="Cambria Math" panose="02040503050406030204" pitchFamily="18" charset="0"/>
+                                </a:rPr>
+                                <m:t>𝜎</m:t>
+                              </m:r>
+                            </m:e>
+                            <m:sub>
+                              <m:r>
+                                <a:rPr lang="en-US" sz="2400" i="1">
+                                  <a:latin typeface="Cambria Math" panose="02040503050406030204" pitchFamily="18" charset="0"/>
+                                </a:rPr>
+                                <m:t>𝑗</m:t>
+                              </m:r>
+                            </m:sub>
+                            <m:sup>
+                              <m:r>
+                                <a:rPr lang="en-US" sz="2400" i="0">
+                                  <a:latin typeface="Cambria Math" panose="02040503050406030204" pitchFamily="18" charset="0"/>
+                                </a:rPr>
+                                <m:t>2</m:t>
+                              </m:r>
+                            </m:sup>
+                          </m:sSubSup>
+                        </m:den>
+                      </m:f>
+                    </m:oMath>
+                  </m:oMathPara>
+                </a14:m>
+                <a:endParaRPr lang="en-US" sz="2400" dirty="0"/>
+              </a:p>
+            </p:txBody>
+          </p:sp>
+        </mc:Choice>
+        <mc:Fallback xmlns="">
+          <p:sp>
+            <p:nvSpPr>
+              <p:cNvPr id="15" name="Rectangle 14">
+                <a:extLst>
+                  <a:ext uri="{FF2B5EF4-FFF2-40B4-BE49-F238E27FC236}">
+                    <a16:creationId xmlns:a16="http://schemas.microsoft.com/office/drawing/2014/main" id="{DCABBD81-BFF3-B940-A330-44B8A2898C61}"/>
+                  </a:ext>
+                </a:extLst>
+              </p:cNvPr>
+              <p:cNvSpPr>
+                <a:spLocks noRot="1" noChangeAspect="1" noMove="1" noResize="1" noEditPoints="1" noAdjustHandles="1" noChangeArrowheads="1" noChangeShapeType="1" noTextEdit="1"/>
+              </p:cNvSpPr>
+              <p:nvPr/>
+            </p:nvSpPr>
+            <p:spPr>
+              <a:xfrm>
+                <a:off x="3020697" y="3962701"/>
+                <a:ext cx="1310230" cy="925253"/>
+              </a:xfrm>
+              <a:prstGeom prst="rect">
+                <a:avLst/>
+              </a:prstGeom>
+              <a:blipFill>
+                <a:blip r:embed="rId10"/>
+                <a:stretch>
+                  <a:fillRect b="-5479"/>
+                </a:stretch>
+              </a:blipFill>
+            </p:spPr>
+            <p:txBody>
+              <a:bodyPr/>
+              <a:lstStyle/>
+              <a:p>
+                <a:r>
+                  <a:rPr lang="en-US">
+                    <a:noFill/>
+                  </a:rPr>
+                  <a:t> </a:t>
+                </a:r>
+              </a:p>
+            </p:txBody>
+          </p:sp>
+        </mc:Fallback>
+      </mc:AlternateContent>
     </p:spTree>
     <p:extLst>
       <p:ext uri="{BB962C8B-B14F-4D97-AF65-F5344CB8AC3E}">
-        <p14:creationId xmlns:p14="http://schemas.microsoft.com/office/powerpoint/2010/main" val="1993766102"/>
+        <p14:creationId xmlns:p14="http://schemas.microsoft.com/office/powerpoint/2010/main" val="897500025"/>
       </p:ext>
     </p:extLst>
   </p:cSld>
@@ -4152,7 +8692,7 @@
           <p:cNvPr id="2" name="Title 1">
             <a:extLst>
               <a:ext uri="{FF2B5EF4-FFF2-40B4-BE49-F238E27FC236}">
-                <a16:creationId xmlns:a16="http://schemas.microsoft.com/office/drawing/2014/main" id="{F515B92A-F80A-6901-A341-D6F2A111D7CD}"/>
+                <a16:creationId xmlns:a16="http://schemas.microsoft.com/office/drawing/2014/main" id="{D4531F21-792C-464F-BA41-95BABBDB6038}"/>
               </a:ext>
             </a:extLst>
           </p:cNvPr>
@@ -4163,21 +8703,217 @@
             <p:ph type="title"/>
           </p:nvPr>
         </p:nvSpPr>
-        <p:spPr/>
+        <p:spPr>
+          <a:xfrm>
+            <a:off x="457200" y="0"/>
+            <a:ext cx="8229600" cy="1143000"/>
+          </a:xfrm>
+        </p:spPr>
         <p:txBody>
           <a:bodyPr/>
           <a:lstStyle/>
           <a:p>
-            <a:endParaRPr lang="en-US"/>
-          </a:p>
-        </p:txBody>
-      </p:sp>
-      <p:sp>
-        <p:nvSpPr>
-          <p:cNvPr id="3" name="Content Placeholder 2">
+            <a:r>
+              <a:rPr lang="en-US" dirty="0"/>
+              <a:t>More non-independence</a:t>
+            </a:r>
+          </a:p>
+        </p:txBody>
+      </p:sp>
+      <p:pic>
+        <p:nvPicPr>
+          <p:cNvPr id="4" name="Picture 3">
             <a:extLst>
               <a:ext uri="{FF2B5EF4-FFF2-40B4-BE49-F238E27FC236}">
-                <a16:creationId xmlns:a16="http://schemas.microsoft.com/office/drawing/2014/main" id="{2FA922B8-6C3D-CA0C-620F-C5696EC0D27A}"/>
+                <a16:creationId xmlns:a16="http://schemas.microsoft.com/office/drawing/2014/main" id="{F321EBD1-C6C6-B946-A886-E9DD041C5105}"/>
+              </a:ext>
+            </a:extLst>
+          </p:cNvPr>
+          <p:cNvPicPr>
+            <a:picLocks noChangeAspect="1"/>
+          </p:cNvPicPr>
+          <p:nvPr/>
+        </p:nvPicPr>
+        <p:blipFill>
+          <a:blip r:embed="rId2"/>
+          <a:stretch>
+            <a:fillRect/>
+          </a:stretch>
+        </p:blipFill>
+        <p:spPr>
+          <a:xfrm>
+            <a:off x="3599508" y="1066241"/>
+            <a:ext cx="5527963" cy="4725517"/>
+          </a:xfrm>
+          <a:prstGeom prst="rect">
+            <a:avLst/>
+          </a:prstGeom>
+        </p:spPr>
+      </p:pic>
+      <p:sp>
+        <p:nvSpPr>
+          <p:cNvPr id="6" name="TextBox 5">
+            <a:extLst>
+              <a:ext uri="{FF2B5EF4-FFF2-40B4-BE49-F238E27FC236}">
+                <a16:creationId xmlns:a16="http://schemas.microsoft.com/office/drawing/2014/main" id="{0CDB2C76-2723-DC4D-9C57-F84E0369E63A}"/>
+              </a:ext>
+            </a:extLst>
+          </p:cNvPr>
+          <p:cNvSpPr txBox="1"/>
+          <p:nvPr/>
+        </p:nvSpPr>
+        <p:spPr>
+          <a:xfrm>
+            <a:off x="2929759" y="6064531"/>
+            <a:ext cx="3528915" cy="646331"/>
+          </a:xfrm>
+          <a:prstGeom prst="rect">
+            <a:avLst/>
+          </a:prstGeom>
+          <a:noFill/>
+        </p:spPr>
+        <p:txBody>
+          <a:bodyPr wrap="none" rtlCol="0">
+            <a:spAutoFit/>
+          </a:bodyPr>
+          <a:lstStyle/>
+          <a:p>
+            <a:r>
+              <a:rPr lang="en-US" dirty="0"/>
+              <a:t>Pick one or averaging or modeling? </a:t>
+            </a:r>
+          </a:p>
+          <a:p>
+            <a:r>
+              <a:rPr lang="en-US" dirty="0"/>
+              <a:t>What would you do?</a:t>
+            </a:r>
+          </a:p>
+        </p:txBody>
+      </p:sp>
+      <p:pic>
+        <p:nvPicPr>
+          <p:cNvPr id="7" name="Picture 6" descr="Text&#10;&#10;Description automatically generated">
+            <a:extLst>
+              <a:ext uri="{FF2B5EF4-FFF2-40B4-BE49-F238E27FC236}">
+                <a16:creationId xmlns:a16="http://schemas.microsoft.com/office/drawing/2014/main" id="{0F62FF85-D278-5F9D-5CC8-B2D2167FC0A9}"/>
+              </a:ext>
+            </a:extLst>
+          </p:cNvPr>
+          <p:cNvPicPr>
+            <a:picLocks noChangeAspect="1"/>
+          </p:cNvPicPr>
+          <p:nvPr/>
+        </p:nvPicPr>
+        <p:blipFill>
+          <a:blip r:embed="rId3"/>
+          <a:stretch>
+            <a:fillRect/>
+          </a:stretch>
+        </p:blipFill>
+        <p:spPr>
+          <a:xfrm>
+            <a:off x="0" y="1333983"/>
+            <a:ext cx="4226868" cy="4190033"/>
+          </a:xfrm>
+          <a:prstGeom prst="rect">
+            <a:avLst/>
+          </a:prstGeom>
+        </p:spPr>
+      </p:pic>
+      <p:sp>
+        <p:nvSpPr>
+          <p:cNvPr id="8" name="Rectangle 7">
+            <a:extLst>
+              <a:ext uri="{FF2B5EF4-FFF2-40B4-BE49-F238E27FC236}">
+                <a16:creationId xmlns:a16="http://schemas.microsoft.com/office/drawing/2014/main" id="{59092D39-D923-A126-2B8A-784BED6AB6C9}"/>
+              </a:ext>
+            </a:extLst>
+          </p:cNvPr>
+          <p:cNvSpPr/>
+          <p:nvPr/>
+        </p:nvSpPr>
+        <p:spPr>
+          <a:xfrm>
+            <a:off x="3564783" y="2798178"/>
+            <a:ext cx="763929" cy="2725838"/>
+          </a:xfrm>
+          <a:prstGeom prst="rect">
+            <a:avLst/>
+          </a:prstGeom>
+          <a:solidFill>
+            <a:schemeClr val="bg1"/>
+          </a:solidFill>
+          <a:ln>
+            <a:solidFill>
+              <a:schemeClr val="bg1"/>
+            </a:solidFill>
+          </a:ln>
+          <a:effectLst>
+            <a:outerShdw dist="23000" sx="1000" sy="1000" rotWithShape="0">
+              <a:srgbClr val="000000"/>
+            </a:outerShdw>
+          </a:effectLst>
+        </p:spPr>
+        <p:style>
+          <a:lnRef idx="1">
+            <a:schemeClr val="accent1"/>
+          </a:lnRef>
+          <a:fillRef idx="3">
+            <a:schemeClr val="accent1"/>
+          </a:fillRef>
+          <a:effectRef idx="2">
+            <a:schemeClr val="accent1"/>
+          </a:effectRef>
+          <a:fontRef idx="minor">
+            <a:schemeClr val="lt1"/>
+          </a:fontRef>
+        </p:style>
+        <p:txBody>
+          <a:bodyPr rtlCol="0" anchor="ctr"/>
+          <a:lstStyle/>
+          <a:p>
+            <a:pPr algn="ctr"/>
+            <a:endParaRPr lang="en-US"/>
+          </a:p>
+        </p:txBody>
+      </p:sp>
+    </p:spTree>
+    <p:extLst>
+      <p:ext uri="{BB962C8B-B14F-4D97-AF65-F5344CB8AC3E}">
+        <p14:creationId xmlns:p14="http://schemas.microsoft.com/office/powerpoint/2010/main" val="799570753"/>
+      </p:ext>
+    </p:extLst>
+  </p:cSld>
+  <p:clrMapOvr>
+    <a:masterClrMapping/>
+  </p:clrMapOvr>
+</p:sld>
+</file>
+
+<file path=ppt/slides/slide9.xml><?xml version="1.0" encoding="utf-8"?>
+<p:sld xmlns:a="http://schemas.openxmlformats.org/drawingml/2006/main" xmlns:r="http://schemas.openxmlformats.org/officeDocument/2006/relationships" xmlns:p="http://schemas.openxmlformats.org/presentationml/2006/main">
+  <p:cSld>
+    <p:spTree>
+      <p:nvGrpSpPr>
+        <p:cNvPr id="1" name=""/>
+        <p:cNvGrpSpPr/>
+        <p:nvPr/>
+      </p:nvGrpSpPr>
+      <p:grpSpPr>
+        <a:xfrm>
+          <a:off x="0" y="0"/>
+          <a:ext cx="0" cy="0"/>
+          <a:chOff x="0" y="0"/>
+          <a:chExt cx="0" cy="0"/>
+        </a:xfrm>
+      </p:grpSpPr>
+      <p:sp>
+        <p:nvSpPr>
+          <p:cNvPr id="2" name="Title 1">
+            <a:extLst>
+              <a:ext uri="{FF2B5EF4-FFF2-40B4-BE49-F238E27FC236}">
+                <a16:creationId xmlns:a16="http://schemas.microsoft.com/office/drawing/2014/main" id="{FAD24512-80B2-B900-EEFB-6DA1FDBD6E4C}"/>
               </a:ext>
             </a:extLst>
           </p:cNvPr>
@@ -4185,6 +8921,31 @@
             <a:spLocks noGrp="1"/>
           </p:cNvSpPr>
           <p:nvPr>
+            <p:ph type="title"/>
+          </p:nvPr>
+        </p:nvSpPr>
+        <p:spPr/>
+        <p:txBody>
+          <a:bodyPr/>
+          <a:lstStyle/>
+          <a:p>
+            <a:endParaRPr lang="en-US"/>
+          </a:p>
+        </p:txBody>
+      </p:sp>
+      <p:sp>
+        <p:nvSpPr>
+          <p:cNvPr id="3" name="Content Placeholder 2">
+            <a:extLst>
+              <a:ext uri="{FF2B5EF4-FFF2-40B4-BE49-F238E27FC236}">
+                <a16:creationId xmlns:a16="http://schemas.microsoft.com/office/drawing/2014/main" id="{C523E400-7819-3761-12DD-799D9CB7C520}"/>
+              </a:ext>
+            </a:extLst>
+          </p:cNvPr>
+          <p:cNvSpPr>
+            <a:spLocks noGrp="1"/>
+          </p:cNvSpPr>
+          <p:nvPr>
             <p:ph idx="1"/>
           </p:nvPr>
         </p:nvSpPr>
@@ -4200,7 +8961,7 @@
     </p:spTree>
     <p:extLst>
       <p:ext uri="{BB962C8B-B14F-4D97-AF65-F5344CB8AC3E}">
-        <p14:creationId xmlns:p14="http://schemas.microsoft.com/office/powerpoint/2010/main" val="3913035820"/>
+        <p14:creationId xmlns:p14="http://schemas.microsoft.com/office/powerpoint/2010/main" val="4005888287"/>
       </p:ext>
     </p:extLst>
   </p:cSld>
@@ -4528,4 +9289,299 @@
   </a:objectDefaults>
   <a:extraClrSchemeLst/>
 </a:theme>
+</file>
+
+<file path=ppt/theme/theme2.xml><?xml version="1.0" encoding="utf-8"?>
+<a:theme xmlns:a="http://schemas.openxmlformats.org/drawingml/2006/main" name="Office Theme">
+  <a:themeElements>
+    <a:clrScheme name="Office">
+      <a:dk1>
+        <a:sysClr val="windowText" lastClr="000000"/>
+      </a:dk1>
+      <a:lt1>
+        <a:sysClr val="window" lastClr="FFFFFF"/>
+      </a:lt1>
+      <a:dk2>
+        <a:srgbClr val="44546A"/>
+      </a:dk2>
+      <a:lt2>
+        <a:srgbClr val="E7E6E6"/>
+      </a:lt2>
+      <a:accent1>
+        <a:srgbClr val="4472C4"/>
+      </a:accent1>
+      <a:accent2>
+        <a:srgbClr val="ED7D31"/>
+      </a:accent2>
+      <a:accent3>
+        <a:srgbClr val="A5A5A5"/>
+      </a:accent3>
+      <a:accent4>
+        <a:srgbClr val="FFC000"/>
+      </a:accent4>
+      <a:accent5>
+        <a:srgbClr val="5B9BD5"/>
+      </a:accent5>
+      <a:accent6>
+        <a:srgbClr val="70AD47"/>
+      </a:accent6>
+      <a:hlink>
+        <a:srgbClr val="0563C1"/>
+      </a:hlink>
+      <a:folHlink>
+        <a:srgbClr val="954F72"/>
+      </a:folHlink>
+    </a:clrScheme>
+    <a:fontScheme name="Office">
+      <a:majorFont>
+        <a:latin typeface="Calibri Light" panose="020F0302020204030204"/>
+        <a:ea typeface=""/>
+        <a:cs typeface=""/>
+        <a:font script="Jpan" typeface="游ゴシック Light"/>
+        <a:font script="Hang" typeface="맑은 고딕"/>
+        <a:font script="Hans" typeface="等线 Light"/>
+        <a:font script="Hant" typeface="新細明體"/>
+        <a:font script="Arab" typeface="Times New Roman"/>
+        <a:font script="Hebr" typeface="Times New Roman"/>
+        <a:font script="Thai" typeface="Angsana New"/>
+        <a:font script="Ethi" typeface="Nyala"/>
+        <a:font script="Beng" typeface="Vrinda"/>
+        <a:font script="Gujr" typeface="Shruti"/>
+        <a:font script="Khmr" typeface="MoolBoran"/>
+        <a:font script="Knda" typeface="Tunga"/>
+        <a:font script="Guru" typeface="Raavi"/>
+        <a:font script="Cans" typeface="Euphemia"/>
+        <a:font script="Cher" typeface="Plantagenet Cherokee"/>
+        <a:font script="Yiii" typeface="Microsoft Yi Baiti"/>
+        <a:font script="Tibt" typeface="Microsoft Himalaya"/>
+        <a:font script="Thaa" typeface="MV Boli"/>
+        <a:font script="Deva" typeface="Mangal"/>
+        <a:font script="Telu" typeface="Gautami"/>
+        <a:font script="Taml" typeface="Latha"/>
+        <a:font script="Syrc" typeface="Estrangelo Edessa"/>
+        <a:font script="Orya" typeface="Kalinga"/>
+        <a:font script="Mlym" typeface="Kartika"/>
+        <a:font script="Laoo" typeface="DokChampa"/>
+        <a:font script="Sinh" typeface="Iskoola Pota"/>
+        <a:font script="Mong" typeface="Mongolian Baiti"/>
+        <a:font script="Viet" typeface="Times New Roman"/>
+        <a:font script="Uigh" typeface="Microsoft Uighur"/>
+        <a:font script="Geor" typeface="Sylfaen"/>
+        <a:font script="Armn" typeface="Arial"/>
+        <a:font script="Bugi" typeface="Leelawadee UI"/>
+        <a:font script="Bopo" typeface="Microsoft JhengHei"/>
+        <a:font script="Java" typeface="Javanese Text"/>
+        <a:font script="Lisu" typeface="Segoe UI"/>
+        <a:font script="Mymr" typeface="Myanmar Text"/>
+        <a:font script="Nkoo" typeface="Ebrima"/>
+        <a:font script="Olck" typeface="Nirmala UI"/>
+        <a:font script="Osma" typeface="Ebrima"/>
+        <a:font script="Phag" typeface="Phagspa"/>
+        <a:font script="Syrn" typeface="Estrangelo Edessa"/>
+        <a:font script="Syrj" typeface="Estrangelo Edessa"/>
+        <a:font script="Syre" typeface="Estrangelo Edessa"/>
+        <a:font script="Sora" typeface="Nirmala UI"/>
+        <a:font script="Tale" typeface="Microsoft Tai Le"/>
+        <a:font script="Talu" typeface="Microsoft New Tai Lue"/>
+        <a:font script="Tfng" typeface="Ebrima"/>
+      </a:majorFont>
+      <a:minorFont>
+        <a:latin typeface="Calibri" panose="020F0502020204030204"/>
+        <a:ea typeface=""/>
+        <a:cs typeface=""/>
+        <a:font script="Jpan" typeface="游ゴシック"/>
+        <a:font script="Hang" typeface="맑은 고딕"/>
+        <a:font script="Hans" typeface="等线"/>
+        <a:font script="Hant" typeface="新細明體"/>
+        <a:font script="Arab" typeface="Arial"/>
+        <a:font script="Hebr" typeface="Arial"/>
+        <a:font script="Thai" typeface="Cordia New"/>
+        <a:font script="Ethi" typeface="Nyala"/>
+        <a:font script="Beng" typeface="Vrinda"/>
+        <a:font script="Gujr" typeface="Shruti"/>
+        <a:font script="Khmr" typeface="DaunPenh"/>
+        <a:font script="Knda" typeface="Tunga"/>
+        <a:font script="Guru" typeface="Raavi"/>
+        <a:font script="Cans" typeface="Euphemia"/>
+        <a:font script="Cher" typeface="Plantagenet Cherokee"/>
+        <a:font script="Yiii" typeface="Microsoft Yi Baiti"/>
+        <a:font script="Tibt" typeface="Microsoft Himalaya"/>
+        <a:font script="Thaa" typeface="MV Boli"/>
+        <a:font script="Deva" typeface="Mangal"/>
+        <a:font script="Telu" typeface="Gautami"/>
+        <a:font script="Taml" typeface="Latha"/>
+        <a:font script="Syrc" typeface="Estrangelo Edessa"/>
+        <a:font script="Orya" typeface="Kalinga"/>
+        <a:font script="Mlym" typeface="Kartika"/>
+        <a:font script="Laoo" typeface="DokChampa"/>
+        <a:font script="Sinh" typeface="Iskoola Pota"/>
+        <a:font script="Mong" typeface="Mongolian Baiti"/>
+        <a:font script="Viet" typeface="Arial"/>
+        <a:font script="Uigh" typeface="Microsoft Uighur"/>
+        <a:font script="Geor" typeface="Sylfaen"/>
+        <a:font script="Armn" typeface="Arial"/>
+        <a:font script="Bugi" typeface="Leelawadee UI"/>
+        <a:font script="Bopo" typeface="Microsoft JhengHei"/>
+        <a:font script="Java" typeface="Javanese Text"/>
+        <a:font script="Lisu" typeface="Segoe UI"/>
+        <a:font script="Mymr" typeface="Myanmar Text"/>
+        <a:font script="Nkoo" typeface="Ebrima"/>
+        <a:font script="Olck" typeface="Nirmala UI"/>
+        <a:font script="Osma" typeface="Ebrima"/>
+        <a:font script="Phag" typeface="Phagspa"/>
+        <a:font script="Syrn" typeface="Estrangelo Edessa"/>
+        <a:font script="Syrj" typeface="Estrangelo Edessa"/>
+        <a:font script="Syre" typeface="Estrangelo Edessa"/>
+        <a:font script="Sora" typeface="Nirmala UI"/>
+        <a:font script="Tale" typeface="Microsoft Tai Le"/>
+        <a:font script="Talu" typeface="Microsoft New Tai Lue"/>
+        <a:font script="Tfng" typeface="Ebrima"/>
+      </a:minorFont>
+    </a:fontScheme>
+    <a:fmtScheme name="Office">
+      <a:fillStyleLst>
+        <a:solidFill>
+          <a:schemeClr val="phClr"/>
+        </a:solidFill>
+        <a:gradFill rotWithShape="1">
+          <a:gsLst>
+            <a:gs pos="0">
+              <a:schemeClr val="phClr">
+                <a:lumMod val="110000"/>
+                <a:satMod val="105000"/>
+                <a:tint val="67000"/>
+              </a:schemeClr>
+            </a:gs>
+            <a:gs pos="50000">
+              <a:schemeClr val="phClr">
+                <a:lumMod val="105000"/>
+                <a:satMod val="103000"/>
+                <a:tint val="73000"/>
+              </a:schemeClr>
+            </a:gs>
+            <a:gs pos="100000">
+              <a:schemeClr val="phClr">
+                <a:lumMod val="105000"/>
+                <a:satMod val="109000"/>
+                <a:tint val="81000"/>
+              </a:schemeClr>
+            </a:gs>
+          </a:gsLst>
+          <a:lin ang="5400000" scaled="0"/>
+        </a:gradFill>
+        <a:gradFill rotWithShape="1">
+          <a:gsLst>
+            <a:gs pos="0">
+              <a:schemeClr val="phClr">
+                <a:satMod val="103000"/>
+                <a:lumMod val="102000"/>
+                <a:tint val="94000"/>
+              </a:schemeClr>
+            </a:gs>
+            <a:gs pos="50000">
+              <a:schemeClr val="phClr">
+                <a:satMod val="110000"/>
+                <a:lumMod val="100000"/>
+                <a:shade val="100000"/>
+              </a:schemeClr>
+            </a:gs>
+            <a:gs pos="100000">
+              <a:schemeClr val="phClr">
+                <a:lumMod val="99000"/>
+                <a:satMod val="120000"/>
+                <a:shade val="78000"/>
+              </a:schemeClr>
+            </a:gs>
+          </a:gsLst>
+          <a:lin ang="5400000" scaled="0"/>
+        </a:gradFill>
+      </a:fillStyleLst>
+      <a:lnStyleLst>
+        <a:ln w="6350" cap="flat" cmpd="sng" algn="ctr">
+          <a:solidFill>
+            <a:schemeClr val="phClr"/>
+          </a:solidFill>
+          <a:prstDash val="solid"/>
+          <a:miter lim="800000"/>
+        </a:ln>
+        <a:ln w="12700" cap="flat" cmpd="sng" algn="ctr">
+          <a:solidFill>
+            <a:schemeClr val="phClr"/>
+          </a:solidFill>
+          <a:prstDash val="solid"/>
+          <a:miter lim="800000"/>
+        </a:ln>
+        <a:ln w="19050" cap="flat" cmpd="sng" algn="ctr">
+          <a:solidFill>
+            <a:schemeClr val="phClr"/>
+          </a:solidFill>
+          <a:prstDash val="solid"/>
+          <a:miter lim="800000"/>
+        </a:ln>
+      </a:lnStyleLst>
+      <a:effectStyleLst>
+        <a:effectStyle>
+          <a:effectLst/>
+        </a:effectStyle>
+        <a:effectStyle>
+          <a:effectLst/>
+        </a:effectStyle>
+        <a:effectStyle>
+          <a:effectLst>
+            <a:outerShdw blurRad="57150" dist="19050" dir="5400000" algn="ctr" rotWithShape="0">
+              <a:srgbClr val="000000">
+                <a:alpha val="63000"/>
+              </a:srgbClr>
+            </a:outerShdw>
+          </a:effectLst>
+        </a:effectStyle>
+      </a:effectStyleLst>
+      <a:bgFillStyleLst>
+        <a:solidFill>
+          <a:schemeClr val="phClr"/>
+        </a:solidFill>
+        <a:solidFill>
+          <a:schemeClr val="phClr">
+            <a:tint val="95000"/>
+            <a:satMod val="170000"/>
+          </a:schemeClr>
+        </a:solidFill>
+        <a:gradFill rotWithShape="1">
+          <a:gsLst>
+            <a:gs pos="0">
+              <a:schemeClr val="phClr">
+                <a:tint val="93000"/>
+                <a:satMod val="150000"/>
+                <a:shade val="98000"/>
+                <a:lumMod val="102000"/>
+              </a:schemeClr>
+            </a:gs>
+            <a:gs pos="50000">
+              <a:schemeClr val="phClr">
+                <a:tint val="98000"/>
+                <a:satMod val="130000"/>
+                <a:shade val="90000"/>
+                <a:lumMod val="103000"/>
+              </a:schemeClr>
+            </a:gs>
+            <a:gs pos="100000">
+              <a:schemeClr val="phClr">
+                <a:shade val="63000"/>
+                <a:satMod val="120000"/>
+              </a:schemeClr>
+            </a:gs>
+          </a:gsLst>
+          <a:lin ang="5400000" scaled="0"/>
+        </a:gradFill>
+      </a:bgFillStyleLst>
+    </a:fmtScheme>
+  </a:themeElements>
+  <a:objectDefaults/>
+  <a:extraClrSchemeLst/>
+  <a:extLst>
+    <a:ext uri="{05A4C25C-085E-4340-85A3-A5531E510DB2}">
+      <thm15:themeFamily xmlns:thm15="http://schemas.microsoft.com/office/thememl/2012/main" name="Office Theme" id="{62F939B6-93AF-4DB8-9C6B-D6C7DFDC589F}" vid="{4A3C46E8-61CC-4603-A589-7422A47A8E4A}"/>
+    </a:ext>
+  </a:extLst>
+</a:theme>
 </file>
--- a/slides/2.Models.pptx
+++ b/slides/2.Models.pptx
@@ -11,12 +11,12 @@
     <p:sldId id="256" r:id="rId2"/>
     <p:sldId id="292" r:id="rId3"/>
     <p:sldId id="258" r:id="rId4"/>
-    <p:sldId id="259" r:id="rId5"/>
-    <p:sldId id="293" r:id="rId6"/>
-    <p:sldId id="308" r:id="rId7"/>
-    <p:sldId id="307" r:id="rId8"/>
-    <p:sldId id="316" r:id="rId9"/>
-    <p:sldId id="294" r:id="rId10"/>
+    <p:sldId id="294" r:id="rId5"/>
+    <p:sldId id="259" r:id="rId6"/>
+    <p:sldId id="293" r:id="rId7"/>
+    <p:sldId id="308" r:id="rId8"/>
+    <p:sldId id="307" r:id="rId9"/>
+    <p:sldId id="316" r:id="rId10"/>
     <p:sldId id="295" r:id="rId11"/>
     <p:sldId id="296" r:id="rId12"/>
     <p:sldId id="297" r:id="rId13"/>
@@ -556,7 +556,7 @@
           <a:p>
             <a:fld id="{DB8CED03-68E4-184F-96C6-86FA95DC3A06}" type="slidenum">
               <a:rPr lang="en-US" smtClean="0"/>
-              <a:t>7</a:t>
+              <a:t>8</a:t>
             </a:fld>
             <a:endParaRPr lang="en-US"/>
           </a:p>
@@ -4951,6 +4951,141 @@
           <p:cNvPr id="2" name="Title 1">
             <a:extLst>
               <a:ext uri="{FF2B5EF4-FFF2-40B4-BE49-F238E27FC236}">
+                <a16:creationId xmlns:a16="http://schemas.microsoft.com/office/drawing/2014/main" id="{FAD24512-80B2-B900-EEFB-6DA1FDBD6E4C}"/>
+              </a:ext>
+            </a:extLst>
+          </p:cNvPr>
+          <p:cNvSpPr>
+            <a:spLocks noGrp="1"/>
+          </p:cNvSpPr>
+          <p:nvPr>
+            <p:ph type="title"/>
+          </p:nvPr>
+        </p:nvSpPr>
+        <p:spPr/>
+        <p:txBody>
+          <a:bodyPr/>
+          <a:lstStyle/>
+          <a:p>
+            <a:r>
+              <a:rPr lang="en-US" dirty="0"/>
+              <a:t>What meta-analysis is doing…</a:t>
+            </a:r>
+          </a:p>
+        </p:txBody>
+      </p:sp>
+      <p:pic>
+        <p:nvPicPr>
+          <p:cNvPr id="5" name="Content Placeholder 4" descr="Diagram, schematic&#10;&#10;Description automatically generated">
+            <a:extLst>
+              <a:ext uri="{FF2B5EF4-FFF2-40B4-BE49-F238E27FC236}">
+                <a16:creationId xmlns:a16="http://schemas.microsoft.com/office/drawing/2014/main" id="{2AC7F462-59BE-FAA1-A617-2E1E75780DE0}"/>
+              </a:ext>
+            </a:extLst>
+          </p:cNvPr>
+          <p:cNvPicPr>
+            <a:picLocks noGrp="1" noChangeAspect="1"/>
+          </p:cNvPicPr>
+          <p:nvPr>
+            <p:ph idx="1"/>
+          </p:nvPr>
+        </p:nvPicPr>
+        <p:blipFill>
+          <a:blip r:embed="rId2"/>
+          <a:stretch>
+            <a:fillRect/>
+          </a:stretch>
+        </p:blipFill>
+        <p:spPr>
+          <a:xfrm>
+            <a:off x="349562" y="1322946"/>
+            <a:ext cx="5939562" cy="5165722"/>
+          </a:xfrm>
+        </p:spPr>
+      </p:pic>
+      <p:sp>
+        <p:nvSpPr>
+          <p:cNvPr id="6" name="TextBox 5">
+            <a:extLst>
+              <a:ext uri="{FF2B5EF4-FFF2-40B4-BE49-F238E27FC236}">
+                <a16:creationId xmlns:a16="http://schemas.microsoft.com/office/drawing/2014/main" id="{512A4C0D-1988-589E-B692-A971E22CAA7E}"/>
+              </a:ext>
+            </a:extLst>
+          </p:cNvPr>
+          <p:cNvSpPr txBox="1"/>
+          <p:nvPr/>
+        </p:nvSpPr>
+        <p:spPr>
+          <a:xfrm>
+            <a:off x="457200" y="6488668"/>
+            <a:ext cx="4114800" cy="369332"/>
+          </a:xfrm>
+          <a:prstGeom prst="rect">
+            <a:avLst/>
+          </a:prstGeom>
+          <a:noFill/>
+        </p:spPr>
+        <p:txBody>
+          <a:bodyPr wrap="square" rtlCol="0">
+            <a:spAutoFit/>
+          </a:bodyPr>
+          <a:lstStyle/>
+          <a:p>
+            <a:r>
+              <a:rPr lang="en-US" dirty="0"/>
+              <a:t>Hillebrand &amp; </a:t>
+            </a:r>
+            <a:r>
+              <a:rPr lang="en-US" dirty="0" err="1"/>
+              <a:t>Gurevitch</a:t>
+            </a:r>
+            <a:r>
+              <a:rPr lang="en-US" dirty="0"/>
+              <a:t> (2016). </a:t>
+            </a:r>
+            <a:r>
+              <a:rPr lang="en-US" dirty="0" err="1"/>
+              <a:t>eLS</a:t>
+            </a:r>
+            <a:endParaRPr lang="en-US" dirty="0"/>
+          </a:p>
+        </p:txBody>
+      </p:sp>
+    </p:spTree>
+    <p:extLst>
+      <p:ext uri="{BB962C8B-B14F-4D97-AF65-F5344CB8AC3E}">
+        <p14:creationId xmlns:p14="http://schemas.microsoft.com/office/powerpoint/2010/main" val="4005888287"/>
+      </p:ext>
+    </p:extLst>
+  </p:cSld>
+  <p:clrMapOvr>
+    <a:masterClrMapping/>
+  </p:clrMapOvr>
+</p:sld>
+</file>
+
+<file path=ppt/slides/slide5.xml><?xml version="1.0" encoding="utf-8"?>
+<p:sld xmlns:a="http://schemas.openxmlformats.org/drawingml/2006/main" xmlns:r="http://schemas.openxmlformats.org/officeDocument/2006/relationships" xmlns:p="http://schemas.openxmlformats.org/presentationml/2006/main">
+  <p:cSld>
+    <p:spTree>
+      <p:nvGrpSpPr>
+        <p:cNvPr id="1" name=""/>
+        <p:cNvGrpSpPr/>
+        <p:nvPr/>
+      </p:nvGrpSpPr>
+      <p:grpSpPr>
+        <a:xfrm>
+          <a:off x="0" y="0"/>
+          <a:ext cx="0" cy="0"/>
+          <a:chOff x="0" y="0"/>
+          <a:chExt cx="0" cy="0"/>
+        </a:xfrm>
+      </p:grpSpPr>
+      <p:sp>
+        <p:nvSpPr>
+          <p:cNvPr id="2" name="Title 1">
+            <a:extLst>
+              <a:ext uri="{FF2B5EF4-FFF2-40B4-BE49-F238E27FC236}">
                 <a16:creationId xmlns:a16="http://schemas.microsoft.com/office/drawing/2014/main" id="{72078BF5-73C4-A14D-A015-84760165405D}"/>
               </a:ext>
             </a:extLst>
@@ -5326,7 +5461,7 @@
 </p:sld>
 </file>
 
-<file path=ppt/slides/slide5.xml><?xml version="1.0" encoding="utf-8"?>
+<file path=ppt/slides/slide6.xml><?xml version="1.0" encoding="utf-8"?>
 <p:sld xmlns:a="http://schemas.openxmlformats.org/drawingml/2006/main" xmlns:r="http://schemas.openxmlformats.org/officeDocument/2006/relationships" xmlns:p="http://schemas.openxmlformats.org/presentationml/2006/main">
   <p:cSld>
     <p:spTree>
@@ -5839,6 +5974,36 @@
           </a:p>
         </p:txBody>
       </p:sp>
+      <p:pic>
+        <p:nvPicPr>
+          <p:cNvPr id="12" name="Picture 11" descr="A picture containing text&#10;&#10;Description automatically generated">
+            <a:extLst>
+              <a:ext uri="{FF2B5EF4-FFF2-40B4-BE49-F238E27FC236}">
+                <a16:creationId xmlns:a16="http://schemas.microsoft.com/office/drawing/2014/main" id="{DF4F8CDB-E8E5-D0CD-63D3-8676D65222B9}"/>
+              </a:ext>
+            </a:extLst>
+          </p:cNvPr>
+          <p:cNvPicPr>
+            <a:picLocks noChangeAspect="1"/>
+          </p:cNvPicPr>
+          <p:nvPr/>
+        </p:nvPicPr>
+        <p:blipFill>
+          <a:blip r:embed="rId3"/>
+          <a:stretch>
+            <a:fillRect/>
+          </a:stretch>
+        </p:blipFill>
+        <p:spPr>
+          <a:xfrm>
+            <a:off x="152399" y="4711079"/>
+            <a:ext cx="4630003" cy="1624022"/>
+          </a:xfrm>
+          <a:prstGeom prst="rect">
+            <a:avLst/>
+          </a:prstGeom>
+        </p:spPr>
+      </p:pic>
     </p:spTree>
     <p:extLst>
       <p:ext uri="{BB962C8B-B14F-4D97-AF65-F5344CB8AC3E}">
@@ -5983,7 +6148,7 @@
 </p:sld>
 </file>
 
-<file path=ppt/slides/slide6.xml><?xml version="1.0" encoding="utf-8"?>
+<file path=ppt/slides/slide7.xml><?xml version="1.0" encoding="utf-8"?>
 <p:sld xmlns:a="http://schemas.openxmlformats.org/drawingml/2006/main" xmlns:r="http://schemas.openxmlformats.org/officeDocument/2006/relationships" xmlns:p="http://schemas.openxmlformats.org/presentationml/2006/main">
   <p:cSld>
     <p:spTree>
@@ -6595,7 +6760,7 @@
 </p:sld>
 </file>
 
-<file path=ppt/slides/slide7.xml><?xml version="1.0" encoding="utf-8"?>
+<file path=ppt/slides/slide8.xml><?xml version="1.0" encoding="utf-8"?>
 <p:sld xmlns:a="http://schemas.openxmlformats.org/drawingml/2006/main" xmlns:r="http://schemas.openxmlformats.org/officeDocument/2006/relationships" xmlns:p="http://schemas.openxmlformats.org/presentationml/2006/main">
   <p:cSld>
     <p:spTree>
@@ -8670,7 +8835,7 @@
 </p:sld>
 </file>
 
-<file path=ppt/slides/slide8.xml><?xml version="1.0" encoding="utf-8"?>
+<file path=ppt/slides/slide9.xml><?xml version="1.0" encoding="utf-8"?>
 <p:sld xmlns:a="http://schemas.openxmlformats.org/drawingml/2006/main" xmlns:r="http://schemas.openxmlformats.org/officeDocument/2006/relationships" xmlns:p="http://schemas.openxmlformats.org/presentationml/2006/main">
   <p:cSld>
     <p:spTree>
@@ -8882,86 +9047,6 @@
     <p:extLst>
       <p:ext uri="{BB962C8B-B14F-4D97-AF65-F5344CB8AC3E}">
         <p14:creationId xmlns:p14="http://schemas.microsoft.com/office/powerpoint/2010/main" val="799570753"/>
-      </p:ext>
-    </p:extLst>
-  </p:cSld>
-  <p:clrMapOvr>
-    <a:masterClrMapping/>
-  </p:clrMapOvr>
-</p:sld>
-</file>
-
-<file path=ppt/slides/slide9.xml><?xml version="1.0" encoding="utf-8"?>
-<p:sld xmlns:a="http://schemas.openxmlformats.org/drawingml/2006/main" xmlns:r="http://schemas.openxmlformats.org/officeDocument/2006/relationships" xmlns:p="http://schemas.openxmlformats.org/presentationml/2006/main">
-  <p:cSld>
-    <p:spTree>
-      <p:nvGrpSpPr>
-        <p:cNvPr id="1" name=""/>
-        <p:cNvGrpSpPr/>
-        <p:nvPr/>
-      </p:nvGrpSpPr>
-      <p:grpSpPr>
-        <a:xfrm>
-          <a:off x="0" y="0"/>
-          <a:ext cx="0" cy="0"/>
-          <a:chOff x="0" y="0"/>
-          <a:chExt cx="0" cy="0"/>
-        </a:xfrm>
-      </p:grpSpPr>
-      <p:sp>
-        <p:nvSpPr>
-          <p:cNvPr id="2" name="Title 1">
-            <a:extLst>
-              <a:ext uri="{FF2B5EF4-FFF2-40B4-BE49-F238E27FC236}">
-                <a16:creationId xmlns:a16="http://schemas.microsoft.com/office/drawing/2014/main" id="{FAD24512-80B2-B900-EEFB-6DA1FDBD6E4C}"/>
-              </a:ext>
-            </a:extLst>
-          </p:cNvPr>
-          <p:cNvSpPr>
-            <a:spLocks noGrp="1"/>
-          </p:cNvSpPr>
-          <p:nvPr>
-            <p:ph type="title"/>
-          </p:nvPr>
-        </p:nvSpPr>
-        <p:spPr/>
-        <p:txBody>
-          <a:bodyPr/>
-          <a:lstStyle/>
-          <a:p>
-            <a:endParaRPr lang="en-US"/>
-          </a:p>
-        </p:txBody>
-      </p:sp>
-      <p:sp>
-        <p:nvSpPr>
-          <p:cNvPr id="3" name="Content Placeholder 2">
-            <a:extLst>
-              <a:ext uri="{FF2B5EF4-FFF2-40B4-BE49-F238E27FC236}">
-                <a16:creationId xmlns:a16="http://schemas.microsoft.com/office/drawing/2014/main" id="{C523E400-7819-3761-12DD-799D9CB7C520}"/>
-              </a:ext>
-            </a:extLst>
-          </p:cNvPr>
-          <p:cNvSpPr>
-            <a:spLocks noGrp="1"/>
-          </p:cNvSpPr>
-          <p:nvPr>
-            <p:ph idx="1"/>
-          </p:nvPr>
-        </p:nvSpPr>
-        <p:spPr/>
-        <p:txBody>
-          <a:bodyPr/>
-          <a:lstStyle/>
-          <a:p>
-            <a:endParaRPr lang="en-US"/>
-          </a:p>
-        </p:txBody>
-      </p:sp>
-    </p:spTree>
-    <p:extLst>
-      <p:ext uri="{BB962C8B-B14F-4D97-AF65-F5344CB8AC3E}">
-        <p14:creationId xmlns:p14="http://schemas.microsoft.com/office/powerpoint/2010/main" val="4005888287"/>
       </p:ext>
     </p:extLst>
   </p:cSld>

--- a/slides/2.Models.pptx
+++ b/slides/2.Models.pptx
@@ -220,7 +220,7 @@
           <a:p>
             <a:fld id="{1832866B-A228-A54E-B5D8-00FBC732E1AE}" type="datetimeFigureOut">
               <a:rPr lang="en-US" smtClean="0"/>
-              <a:t>6/14/22</a:t>
+              <a:t>6/15/22</a:t>
             </a:fld>
             <a:endParaRPr lang="en-US"/>
           </a:p>
@@ -754,7 +754,7 @@
           <a:p>
             <a:fld id="{241EB5C9-1307-BA42-ABA2-0BC069CD8E7F}" type="datetimeFigureOut">
               <a:rPr lang="en-US" smtClean="0"/>
-              <a:t>6/14/22</a:t>
+              <a:t>6/15/22</a:t>
             </a:fld>
             <a:endParaRPr lang="en-US"/>
           </a:p>
@@ -922,7 +922,7 @@
           <a:p>
             <a:fld id="{241EB5C9-1307-BA42-ABA2-0BC069CD8E7F}" type="datetimeFigureOut">
               <a:rPr lang="en-US" smtClean="0"/>
-              <a:t>6/14/22</a:t>
+              <a:t>6/15/22</a:t>
             </a:fld>
             <a:endParaRPr lang="en-US"/>
           </a:p>
@@ -1100,7 +1100,7 @@
           <a:p>
             <a:fld id="{241EB5C9-1307-BA42-ABA2-0BC069CD8E7F}" type="datetimeFigureOut">
               <a:rPr lang="en-US" smtClean="0"/>
-              <a:t>6/14/22</a:t>
+              <a:t>6/15/22</a:t>
             </a:fld>
             <a:endParaRPr lang="en-US"/>
           </a:p>
@@ -1268,7 +1268,7 @@
           <a:p>
             <a:fld id="{241EB5C9-1307-BA42-ABA2-0BC069CD8E7F}" type="datetimeFigureOut">
               <a:rPr lang="en-US" smtClean="0"/>
-              <a:t>6/14/22</a:t>
+              <a:t>6/15/22</a:t>
             </a:fld>
             <a:endParaRPr lang="en-US"/>
           </a:p>
@@ -1513,7 +1513,7 @@
           <a:p>
             <a:fld id="{241EB5C9-1307-BA42-ABA2-0BC069CD8E7F}" type="datetimeFigureOut">
               <a:rPr lang="en-US" smtClean="0"/>
-              <a:t>6/14/22</a:t>
+              <a:t>6/15/22</a:t>
             </a:fld>
             <a:endParaRPr lang="en-US"/>
           </a:p>
@@ -1798,7 +1798,7 @@
           <a:p>
             <a:fld id="{241EB5C9-1307-BA42-ABA2-0BC069CD8E7F}" type="datetimeFigureOut">
               <a:rPr lang="en-US" smtClean="0"/>
-              <a:t>6/14/22</a:t>
+              <a:t>6/15/22</a:t>
             </a:fld>
             <a:endParaRPr lang="en-US"/>
           </a:p>
@@ -2217,7 +2217,7 @@
           <a:p>
             <a:fld id="{241EB5C9-1307-BA42-ABA2-0BC069CD8E7F}" type="datetimeFigureOut">
               <a:rPr lang="en-US" smtClean="0"/>
-              <a:t>6/14/22</a:t>
+              <a:t>6/15/22</a:t>
             </a:fld>
             <a:endParaRPr lang="en-US"/>
           </a:p>
@@ -2334,7 +2334,7 @@
           <a:p>
             <a:fld id="{241EB5C9-1307-BA42-ABA2-0BC069CD8E7F}" type="datetimeFigureOut">
               <a:rPr lang="en-US" smtClean="0"/>
-              <a:t>6/14/22</a:t>
+              <a:t>6/15/22</a:t>
             </a:fld>
             <a:endParaRPr lang="en-US"/>
           </a:p>
@@ -2429,7 +2429,7 @@
           <a:p>
             <a:fld id="{241EB5C9-1307-BA42-ABA2-0BC069CD8E7F}" type="datetimeFigureOut">
               <a:rPr lang="en-US" smtClean="0"/>
-              <a:t>6/14/22</a:t>
+              <a:t>6/15/22</a:t>
             </a:fld>
             <a:endParaRPr lang="en-US"/>
           </a:p>
@@ -2704,7 +2704,7 @@
           <a:p>
             <a:fld id="{241EB5C9-1307-BA42-ABA2-0BC069CD8E7F}" type="datetimeFigureOut">
               <a:rPr lang="en-US" smtClean="0"/>
-              <a:t>6/14/22</a:t>
+              <a:t>6/15/22</a:t>
             </a:fld>
             <a:endParaRPr lang="en-US"/>
           </a:p>
@@ -2956,7 +2956,7 @@
           <a:p>
             <a:fld id="{241EB5C9-1307-BA42-ABA2-0BC069CD8E7F}" type="datetimeFigureOut">
               <a:rPr lang="en-US" smtClean="0"/>
-              <a:t>6/14/22</a:t>
+              <a:t>6/15/22</a:t>
             </a:fld>
             <a:endParaRPr lang="en-US"/>
           </a:p>
@@ -3167,7 +3167,7 @@
           <a:p>
             <a:fld id="{241EB5C9-1307-BA42-ABA2-0BC069CD8E7F}" type="datetimeFigureOut">
               <a:rPr lang="en-US" smtClean="0"/>
-              <a:t>6/14/22</a:t>
+              <a:t>6/15/22</a:t>
             </a:fld>
             <a:endParaRPr lang="en-US"/>
           </a:p>
@@ -3554,7 +3554,7 @@
         </p:nvSpPr>
         <p:spPr>
           <a:xfrm>
-            <a:off x="-18867" y="5794317"/>
+            <a:off x="-15499" y="5312680"/>
             <a:ext cx="9174996" cy="794423"/>
           </a:xfrm>
         </p:spPr>
@@ -3620,7 +3620,7 @@
         </p:blipFill>
         <p:spPr>
           <a:xfrm>
-            <a:off x="5251979" y="2573565"/>
+            <a:off x="5083444" y="2313252"/>
             <a:ext cx="3252251" cy="2473609"/>
           </a:xfrm>
           <a:prstGeom prst="rect">
@@ -3642,7 +3642,7 @@
         </p:nvSpPr>
         <p:spPr>
           <a:xfrm>
-            <a:off x="6031187" y="5158353"/>
+            <a:off x="5862652" y="4898040"/>
             <a:ext cx="1911459" cy="338554"/>
           </a:xfrm>
           <a:prstGeom prst="rect">
@@ -3699,7 +3699,7 @@
         </p:blipFill>
         <p:spPr>
           <a:xfrm>
-            <a:off x="587611" y="2431432"/>
+            <a:off x="419076" y="2171119"/>
             <a:ext cx="4286597" cy="2597396"/>
           </a:xfrm>
           <a:prstGeom prst="rect">
@@ -3721,7 +3721,7 @@
         </p:nvSpPr>
         <p:spPr>
           <a:xfrm>
-            <a:off x="2024690" y="5158353"/>
+            <a:off x="1856155" y="4898040"/>
             <a:ext cx="2658820" cy="338554"/>
           </a:xfrm>
           <a:prstGeom prst="rect">
@@ -3858,6 +3858,187 @@
           </a:p>
         </p:txBody>
       </p:sp>
+      <p:grpSp>
+        <p:nvGrpSpPr>
+          <p:cNvPr id="13" name="Group 12">
+            <a:extLst>
+              <a:ext uri="{FF2B5EF4-FFF2-40B4-BE49-F238E27FC236}">
+                <a16:creationId xmlns:a16="http://schemas.microsoft.com/office/drawing/2014/main" id="{C9560C5D-6344-508E-9D9C-E454CD78E396}"/>
+              </a:ext>
+            </a:extLst>
+          </p:cNvPr>
+          <p:cNvGrpSpPr/>
+          <p:nvPr/>
+        </p:nvGrpSpPr>
+        <p:grpSpPr>
+          <a:xfrm>
+            <a:off x="276831" y="6292960"/>
+            <a:ext cx="2445189" cy="400110"/>
+            <a:chOff x="540022" y="6074125"/>
+            <a:chExt cx="2445189" cy="400110"/>
+          </a:xfrm>
+        </p:grpSpPr>
+        <p:sp>
+          <p:nvSpPr>
+            <p:cNvPr id="14" name="TextBox 13">
+              <a:extLst>
+                <a:ext uri="{FF2B5EF4-FFF2-40B4-BE49-F238E27FC236}">
+                  <a16:creationId xmlns:a16="http://schemas.microsoft.com/office/drawing/2014/main" id="{B8EDCD62-5C56-4026-3D8D-911E2D2FCC11}"/>
+                </a:ext>
+              </a:extLst>
+            </p:cNvPr>
+            <p:cNvSpPr txBox="1"/>
+            <p:nvPr/>
+          </p:nvSpPr>
+          <p:spPr>
+            <a:xfrm>
+              <a:off x="838046" y="6074125"/>
+              <a:ext cx="2147165" cy="400110"/>
+            </a:xfrm>
+            <a:prstGeom prst="rect">
+              <a:avLst/>
+            </a:prstGeom>
+            <a:noFill/>
+          </p:spPr>
+          <p:txBody>
+            <a:bodyPr wrap="square">
+              <a:spAutoFit/>
+            </a:bodyPr>
+            <a:lstStyle/>
+            <a:p>
+              <a:r>
+                <a:rPr lang="en-AU" sz="2000" dirty="0">
+                  <a:solidFill>
+                    <a:schemeClr val="tx1">
+                      <a:lumMod val="85000"/>
+                      <a:lumOff val="15000"/>
+                    </a:schemeClr>
+                  </a:solidFill>
+                </a:rPr>
+                <a:t>#SEBmeta</a:t>
+              </a:r>
+            </a:p>
+          </p:txBody>
+        </p:sp>
+        <p:pic>
+          <p:nvPicPr>
+            <p:cNvPr id="15" name="Graphic 14">
+              <a:extLst>
+                <a:ext uri="{FF2B5EF4-FFF2-40B4-BE49-F238E27FC236}">
+                  <a16:creationId xmlns:a16="http://schemas.microsoft.com/office/drawing/2014/main" id="{D758EFAF-A90C-C24C-0AF4-A94F490E5F70}"/>
+                </a:ext>
+              </a:extLst>
+            </p:cNvPr>
+            <p:cNvPicPr>
+              <a:picLocks noChangeAspect="1"/>
+            </p:cNvPicPr>
+            <p:nvPr/>
+          </p:nvPicPr>
+          <p:blipFill>
+            <a:blip r:embed="rId6">
+              <a:extLst>
+                <a:ext uri="{96DAC541-7B7A-43D3-8B79-37D633B846F1}">
+                  <asvg:svgBlip xmlns:asvg="http://schemas.microsoft.com/office/drawing/2016/SVG/main" r:embed="rId7"/>
+                </a:ext>
+              </a:extLst>
+            </a:blip>
+            <a:stretch>
+              <a:fillRect/>
+            </a:stretch>
+          </p:blipFill>
+          <p:spPr>
+            <a:xfrm>
+              <a:off x="540022" y="6150211"/>
+              <a:ext cx="354923" cy="287674"/>
+            </a:xfrm>
+            <a:prstGeom prst="rect">
+              <a:avLst/>
+            </a:prstGeom>
+          </p:spPr>
+        </p:pic>
+      </p:grpSp>
+      <p:pic>
+        <p:nvPicPr>
+          <p:cNvPr id="16" name="Picture 15" descr="Logo, company name&#10;&#10;Description automatically generated">
+            <a:extLst>
+              <a:ext uri="{FF2B5EF4-FFF2-40B4-BE49-F238E27FC236}">
+                <a16:creationId xmlns:a16="http://schemas.microsoft.com/office/drawing/2014/main" id="{35AD8716-A758-84D4-94B4-9F0716B33FB1}"/>
+              </a:ext>
+            </a:extLst>
+          </p:cNvPr>
+          <p:cNvPicPr>
+            <a:picLocks noChangeAspect="1"/>
+          </p:cNvPicPr>
+          <p:nvPr/>
+        </p:nvPicPr>
+        <p:blipFill>
+          <a:blip r:embed="rId8">
+            <a:clrChange>
+              <a:clrFrom>
+                <a:srgbClr val="FFFFFF"/>
+              </a:clrFrom>
+              <a:clrTo>
+                <a:srgbClr val="FFFFFF">
+                  <a:alpha val="0"/>
+                </a:srgbClr>
+              </a:clrTo>
+            </a:clrChange>
+          </a:blip>
+          <a:stretch>
+            <a:fillRect/>
+          </a:stretch>
+        </p:blipFill>
+        <p:spPr>
+          <a:xfrm>
+            <a:off x="6132293" y="5985646"/>
+            <a:ext cx="1376147" cy="794424"/>
+          </a:xfrm>
+          <a:prstGeom prst="rect">
+            <a:avLst/>
+          </a:prstGeom>
+        </p:spPr>
+      </p:pic>
+      <p:pic>
+        <p:nvPicPr>
+          <p:cNvPr id="17" name="Picture 16" descr="A picture containing text, clock, clipart&#10;&#10;Description automatically generated">
+            <a:extLst>
+              <a:ext uri="{FF2B5EF4-FFF2-40B4-BE49-F238E27FC236}">
+                <a16:creationId xmlns:a16="http://schemas.microsoft.com/office/drawing/2014/main" id="{C49CE773-F90E-2CAE-AAD5-E179C6895DED}"/>
+              </a:ext>
+            </a:extLst>
+          </p:cNvPr>
+          <p:cNvPicPr>
+            <a:picLocks noChangeAspect="1"/>
+          </p:cNvPicPr>
+          <p:nvPr/>
+        </p:nvPicPr>
+        <p:blipFill>
+          <a:blip r:embed="rId9">
+            <a:clrChange>
+              <a:clrFrom>
+                <a:srgbClr val="FFFFFF"/>
+              </a:clrFrom>
+              <a:clrTo>
+                <a:srgbClr val="FFFFFF">
+                  <a:alpha val="0"/>
+                </a:srgbClr>
+              </a:clrTo>
+            </a:clrChange>
+          </a:blip>
+          <a:stretch>
+            <a:fillRect/>
+          </a:stretch>
+        </p:blipFill>
+        <p:spPr>
+          <a:xfrm>
+            <a:off x="7691664" y="6330338"/>
+            <a:ext cx="1259980" cy="403066"/>
+          </a:xfrm>
+          <a:prstGeom prst="rect">
+            <a:avLst/>
+          </a:prstGeom>
+        </p:spPr>
+      </p:pic>
     </p:spTree>
   </p:cSld>
   <p:clrMapOvr>

--- a/slides/2.Models.pptx
+++ b/slides/2.Models.pptx
@@ -8,7 +8,7 @@
     <p:notesMasterId r:id="rId15"/>
   </p:notesMasterIdLst>
   <p:sldIdLst>
-    <p:sldId id="256" r:id="rId2"/>
+    <p:sldId id="317" r:id="rId2"/>
     <p:sldId id="292" r:id="rId3"/>
     <p:sldId id="258" r:id="rId4"/>
     <p:sldId id="294" r:id="rId5"/>
@@ -220,7 +220,7 @@
           <a:p>
             <a:fld id="{1832866B-A228-A54E-B5D8-00FBC732E1AE}" type="datetimeFigureOut">
               <a:rPr lang="en-US" smtClean="0"/>
-              <a:t>6/15/22</a:t>
+              <a:t>6/17/22</a:t>
             </a:fld>
             <a:endParaRPr lang="en-US"/>
           </a:p>
@@ -754,7 +754,7 @@
           <a:p>
             <a:fld id="{241EB5C9-1307-BA42-ABA2-0BC069CD8E7F}" type="datetimeFigureOut">
               <a:rPr lang="en-US" smtClean="0"/>
-              <a:t>6/15/22</a:t>
+              <a:t>6/17/22</a:t>
             </a:fld>
             <a:endParaRPr lang="en-US"/>
           </a:p>
@@ -922,7 +922,7 @@
           <a:p>
             <a:fld id="{241EB5C9-1307-BA42-ABA2-0BC069CD8E7F}" type="datetimeFigureOut">
               <a:rPr lang="en-US" smtClean="0"/>
-              <a:t>6/15/22</a:t>
+              <a:t>6/17/22</a:t>
             </a:fld>
             <a:endParaRPr lang="en-US"/>
           </a:p>
@@ -1100,7 +1100,7 @@
           <a:p>
             <a:fld id="{241EB5C9-1307-BA42-ABA2-0BC069CD8E7F}" type="datetimeFigureOut">
               <a:rPr lang="en-US" smtClean="0"/>
-              <a:t>6/15/22</a:t>
+              <a:t>6/17/22</a:t>
             </a:fld>
             <a:endParaRPr lang="en-US"/>
           </a:p>
@@ -1268,7 +1268,7 @@
           <a:p>
             <a:fld id="{241EB5C9-1307-BA42-ABA2-0BC069CD8E7F}" type="datetimeFigureOut">
               <a:rPr lang="en-US" smtClean="0"/>
-              <a:t>6/15/22</a:t>
+              <a:t>6/17/22</a:t>
             </a:fld>
             <a:endParaRPr lang="en-US"/>
           </a:p>
@@ -1513,7 +1513,7 @@
           <a:p>
             <a:fld id="{241EB5C9-1307-BA42-ABA2-0BC069CD8E7F}" type="datetimeFigureOut">
               <a:rPr lang="en-US" smtClean="0"/>
-              <a:t>6/15/22</a:t>
+              <a:t>6/17/22</a:t>
             </a:fld>
             <a:endParaRPr lang="en-US"/>
           </a:p>
@@ -1798,7 +1798,7 @@
           <a:p>
             <a:fld id="{241EB5C9-1307-BA42-ABA2-0BC069CD8E7F}" type="datetimeFigureOut">
               <a:rPr lang="en-US" smtClean="0"/>
-              <a:t>6/15/22</a:t>
+              <a:t>6/17/22</a:t>
             </a:fld>
             <a:endParaRPr lang="en-US"/>
           </a:p>
@@ -2217,7 +2217,7 @@
           <a:p>
             <a:fld id="{241EB5C9-1307-BA42-ABA2-0BC069CD8E7F}" type="datetimeFigureOut">
               <a:rPr lang="en-US" smtClean="0"/>
-              <a:t>6/15/22</a:t>
+              <a:t>6/17/22</a:t>
             </a:fld>
             <a:endParaRPr lang="en-US"/>
           </a:p>
@@ -2334,7 +2334,7 @@
           <a:p>
             <a:fld id="{241EB5C9-1307-BA42-ABA2-0BC069CD8E7F}" type="datetimeFigureOut">
               <a:rPr lang="en-US" smtClean="0"/>
-              <a:t>6/15/22</a:t>
+              <a:t>6/17/22</a:t>
             </a:fld>
             <a:endParaRPr lang="en-US"/>
           </a:p>
@@ -2429,7 +2429,7 @@
           <a:p>
             <a:fld id="{241EB5C9-1307-BA42-ABA2-0BC069CD8E7F}" type="datetimeFigureOut">
               <a:rPr lang="en-US" smtClean="0"/>
-              <a:t>6/15/22</a:t>
+              <a:t>6/17/22</a:t>
             </a:fld>
             <a:endParaRPr lang="en-US"/>
           </a:p>
@@ -2704,7 +2704,7 @@
           <a:p>
             <a:fld id="{241EB5C9-1307-BA42-ABA2-0BC069CD8E7F}" type="datetimeFigureOut">
               <a:rPr lang="en-US" smtClean="0"/>
-              <a:t>6/15/22</a:t>
+              <a:t>6/17/22</a:t>
             </a:fld>
             <a:endParaRPr lang="en-US"/>
           </a:p>
@@ -2956,7 +2956,7 @@
           <a:p>
             <a:fld id="{241EB5C9-1307-BA42-ABA2-0BC069CD8E7F}" type="datetimeFigureOut">
               <a:rPr lang="en-US" smtClean="0"/>
-              <a:t>6/15/22</a:t>
+              <a:t>6/17/22</a:t>
             </a:fld>
             <a:endParaRPr lang="en-US"/>
           </a:p>
@@ -3167,7 +3167,7 @@
           <a:p>
             <a:fld id="{241EB5C9-1307-BA42-ABA2-0BC069CD8E7F}" type="datetimeFigureOut">
               <a:rPr lang="en-US" smtClean="0"/>
-              <a:t>6/15/22</a:t>
+              <a:t>6/17/22</a:t>
             </a:fld>
             <a:endParaRPr lang="en-US"/>
           </a:p>
@@ -3554,7 +3554,7 @@
         </p:nvSpPr>
         <p:spPr>
           <a:xfrm>
-            <a:off x="-15499" y="5312680"/>
+            <a:off x="0" y="4777069"/>
             <a:ext cx="9174996" cy="794423"/>
           </a:xfrm>
         </p:spPr>
@@ -3567,33 +3567,6 @@
             <a:r>
               <a:rPr dirty="0"/>
               <a:t>Daniel Noble, Nicholas Wu, Essie Rodgers, Patrice Pottier</a:t>
-            </a:r>
-          </a:p>
-        </p:txBody>
-      </p:sp>
-      <p:sp>
-        <p:nvSpPr>
-          <p:cNvPr id="4" name="Date Placeholder 3"/>
-          <p:cNvSpPr>
-            <a:spLocks noGrp="1"/>
-          </p:cNvSpPr>
-          <p:nvPr>
-            <p:ph type="dt" sz="half" idx="10"/>
-          </p:nvPr>
-        </p:nvSpPr>
-        <p:spPr>
-          <a:xfrm>
-            <a:off x="4060556" y="6373814"/>
-            <a:ext cx="1022888" cy="365125"/>
-          </a:xfrm>
-        </p:spPr>
-        <p:txBody>
-          <a:bodyPr/>
-          <a:lstStyle/>
-          <a:p>
-            <a:r>
-              <a:rPr dirty="0"/>
-              <a:t>2022-06-06</a:t>
             </a:r>
           </a:p>
         </p:txBody>
@@ -3620,8 +3593,8 @@
         </p:blipFill>
         <p:spPr>
           <a:xfrm>
-            <a:off x="5083444" y="2313252"/>
-            <a:ext cx="3252251" cy="2473609"/>
+            <a:off x="5083444" y="2501717"/>
+            <a:ext cx="2424996" cy="1844412"/>
           </a:xfrm>
           <a:prstGeom prst="rect">
             <a:avLst/>
@@ -3642,7 +3615,7 @@
         </p:nvSpPr>
         <p:spPr>
           <a:xfrm>
-            <a:off x="5862652" y="4898040"/>
+            <a:off x="5862652" y="4346257"/>
             <a:ext cx="1911459" cy="338554"/>
           </a:xfrm>
           <a:prstGeom prst="rect">
@@ -3699,8 +3672,8 @@
         </p:blipFill>
         <p:spPr>
           <a:xfrm>
-            <a:off x="419076" y="2171119"/>
-            <a:ext cx="4286597" cy="2597396"/>
+            <a:off x="1319748" y="2387149"/>
+            <a:ext cx="3252252" cy="1970651"/>
           </a:xfrm>
           <a:prstGeom prst="rect">
             <a:avLst/>
@@ -3721,7 +3694,7 @@
         </p:nvSpPr>
         <p:spPr>
           <a:xfrm>
-            <a:off x="1856155" y="4898040"/>
+            <a:off x="1856155" y="4346257"/>
             <a:ext cx="2658820" cy="338554"/>
           </a:xfrm>
           <a:prstGeom prst="rect">
@@ -3757,113 +3730,12 @@
           </a:p>
         </p:txBody>
       </p:sp>
-      <p:sp>
-        <p:nvSpPr>
-          <p:cNvPr id="12" name="Title 1">
+      <p:grpSp>
+        <p:nvGrpSpPr>
+          <p:cNvPr id="9" name="Group 8">
             <a:extLst>
               <a:ext uri="{FF2B5EF4-FFF2-40B4-BE49-F238E27FC236}">
-                <a16:creationId xmlns:a16="http://schemas.microsoft.com/office/drawing/2014/main" id="{D7948484-FA9A-8ED0-34E2-1EE1A43C6B8D}"/>
-              </a:ext>
-            </a:extLst>
-          </p:cNvPr>
-          <p:cNvSpPr txBox="1">
-            <a:spLocks/>
-          </p:cNvSpPr>
-          <p:nvPr/>
-        </p:nvSpPr>
-        <p:spPr>
-          <a:xfrm>
-            <a:off x="234593" y="269260"/>
-            <a:ext cx="8674813" cy="830056"/>
-          </a:xfrm>
-          <a:prstGeom prst="rect">
-            <a:avLst/>
-          </a:prstGeom>
-        </p:spPr>
-        <p:txBody>
-          <a:bodyPr vert="horz" lIns="91440" tIns="45720" rIns="91440" bIns="45720" rtlCol="0" anchor="ctr">
-            <a:normAutofit fontScale="97500"/>
-          </a:bodyPr>
-          <a:lstStyle>
-            <a:lvl1pPr algn="ctr" defTabSz="457189" rtl="0" eaLnBrk="1" latinLnBrk="0" hangingPunct="1">
-              <a:spcBef>
-                <a:spcPct val="0"/>
-              </a:spcBef>
-              <a:buNone/>
-              <a:defRPr sz="4400" kern="1200">
-                <a:solidFill>
-                  <a:schemeClr val="tx1"/>
-                </a:solidFill>
-                <a:latin typeface="+mj-lt"/>
-                <a:ea typeface="+mj-ea"/>
-                <a:cs typeface="+mj-cs"/>
-              </a:defRPr>
-            </a:lvl1pPr>
-          </a:lstStyle>
-          <a:p>
-            <a:r>
-              <a:rPr lang="en-AU" sz="3600" b="1" dirty="0"/>
-              <a:t>Meta-analysis in Comparative Physiology</a:t>
-            </a:r>
-            <a:endParaRPr lang="en-AU" sz="3200" b="1" dirty="0">
-              <a:solidFill>
-                <a:schemeClr val="bg1">
-                  <a:lumMod val="65000"/>
-                </a:schemeClr>
-              </a:solidFill>
-            </a:endParaRPr>
-          </a:p>
-        </p:txBody>
-      </p:sp>
-      <p:sp>
-        <p:nvSpPr>
-          <p:cNvPr id="10" name="TextBox 9">
-            <a:extLst>
-              <a:ext uri="{FF2B5EF4-FFF2-40B4-BE49-F238E27FC236}">
-                <a16:creationId xmlns:a16="http://schemas.microsoft.com/office/drawing/2014/main" id="{0A4D02F5-911B-FFCC-D357-FA64759C4253}"/>
-              </a:ext>
-            </a:extLst>
-          </p:cNvPr>
-          <p:cNvSpPr txBox="1"/>
-          <p:nvPr/>
-        </p:nvSpPr>
-        <p:spPr>
-          <a:xfrm>
-            <a:off x="887364" y="1179916"/>
-            <a:ext cx="7426037" cy="954107"/>
-          </a:xfrm>
-          <a:prstGeom prst="rect">
-            <a:avLst/>
-          </a:prstGeom>
-          <a:noFill/>
-        </p:spPr>
-        <p:txBody>
-          <a:bodyPr wrap="square" rtlCol="0">
-            <a:spAutoFit/>
-          </a:bodyPr>
-          <a:lstStyle/>
-          <a:p>
-            <a:pPr algn="ctr"/>
-            <a:r>
-              <a:rPr lang="en-AU" sz="2800" b="1" dirty="0">
-                <a:solidFill>
-                  <a:schemeClr val="bg1">
-                    <a:lumMod val="65000"/>
-                  </a:schemeClr>
-                </a:solidFill>
-              </a:rPr>
-              <a:t>PART 2: Introduction to meta-analytic modelling: common challenges and advanced concepts</a:t>
-            </a:r>
-            <a:endParaRPr lang="en-US" sz="2800" dirty="0"/>
-          </a:p>
-        </p:txBody>
-      </p:sp>
-      <p:grpSp>
-        <p:nvGrpSpPr>
-          <p:cNvPr id="13" name="Group 12">
-            <a:extLst>
-              <a:ext uri="{FF2B5EF4-FFF2-40B4-BE49-F238E27FC236}">
-                <a16:creationId xmlns:a16="http://schemas.microsoft.com/office/drawing/2014/main" id="{C9560C5D-6344-508E-9D9C-E454CD78E396}"/>
+                <a16:creationId xmlns:a16="http://schemas.microsoft.com/office/drawing/2014/main" id="{C2616371-10BB-4137-91D5-D89CD72E20A7}"/>
               </a:ext>
             </a:extLst>
           </p:cNvPr>
@@ -3872,18 +3744,18 @@
         </p:nvGrpSpPr>
         <p:grpSpPr>
           <a:xfrm>
-            <a:off x="276831" y="6292960"/>
-            <a:ext cx="2445189" cy="400110"/>
-            <a:chOff x="540022" y="6074125"/>
-            <a:chExt cx="2445189" cy="400110"/>
+            <a:off x="354923" y="313795"/>
+            <a:ext cx="2720640" cy="522996"/>
+            <a:chOff x="540022" y="6114755"/>
+            <a:chExt cx="2502088" cy="400110"/>
           </a:xfrm>
         </p:grpSpPr>
         <p:sp>
           <p:nvSpPr>
-            <p:cNvPr id="14" name="TextBox 13">
+            <p:cNvPr id="10" name="TextBox 9">
               <a:extLst>
                 <a:ext uri="{FF2B5EF4-FFF2-40B4-BE49-F238E27FC236}">
-                  <a16:creationId xmlns:a16="http://schemas.microsoft.com/office/drawing/2014/main" id="{B8EDCD62-5C56-4026-3D8D-911E2D2FCC11}"/>
+                  <a16:creationId xmlns:a16="http://schemas.microsoft.com/office/drawing/2014/main" id="{416EE04C-7539-4458-9206-E23A8D5CACA8}"/>
                 </a:ext>
               </a:extLst>
             </p:cNvPr>
@@ -3892,7 +3764,7 @@
           </p:nvSpPr>
           <p:spPr>
             <a:xfrm>
-              <a:off x="838046" y="6074125"/>
+              <a:off x="894945" y="6114755"/>
               <a:ext cx="2147165" cy="400110"/>
             </a:xfrm>
             <a:prstGeom prst="rect">
@@ -3922,10 +3794,10 @@
         </p:sp>
         <p:pic>
           <p:nvPicPr>
-            <p:cNvPr id="15" name="Graphic 14">
+            <p:cNvPr id="12" name="Graphic 11">
               <a:extLst>
                 <a:ext uri="{FF2B5EF4-FFF2-40B4-BE49-F238E27FC236}">
-                  <a16:creationId xmlns:a16="http://schemas.microsoft.com/office/drawing/2014/main" id="{D758EFAF-A90C-C24C-0AF4-A94F490E5F70}"/>
+                  <a16:creationId xmlns:a16="http://schemas.microsoft.com/office/drawing/2014/main" id="{ABA82549-1A16-4DD0-9CC6-87B87EEB7C8A}"/>
                 </a:ext>
               </a:extLst>
             </p:cNvPr>
@@ -3959,10 +3831,10 @@
       </p:grpSp>
       <p:pic>
         <p:nvPicPr>
-          <p:cNvPr id="16" name="Picture 15" descr="Logo, company name&#10;&#10;Description automatically generated">
+          <p:cNvPr id="13" name="Picture 12" descr="Logo, company name&#10;&#10;Description automatically generated">
             <a:extLst>
               <a:ext uri="{FF2B5EF4-FFF2-40B4-BE49-F238E27FC236}">
-                <a16:creationId xmlns:a16="http://schemas.microsoft.com/office/drawing/2014/main" id="{35AD8716-A758-84D4-94B4-9F0716B33FB1}"/>
+                <a16:creationId xmlns:a16="http://schemas.microsoft.com/office/drawing/2014/main" id="{906216B2-1998-41A8-BDC9-83DFCFECD5CC}"/>
               </a:ext>
             </a:extLst>
           </p:cNvPr>
@@ -3990,7 +3862,7 @@
         </p:blipFill>
         <p:spPr>
           <a:xfrm>
-            <a:off x="6132293" y="5985646"/>
+            <a:off x="6130307" y="16831"/>
             <a:ext cx="1376147" cy="794424"/>
           </a:xfrm>
           <a:prstGeom prst="rect">
@@ -4000,10 +3872,10 @@
       </p:pic>
       <p:pic>
         <p:nvPicPr>
-          <p:cNvPr id="17" name="Picture 16" descr="A picture containing text, clock, clipart&#10;&#10;Description automatically generated">
+          <p:cNvPr id="15" name="Picture 14" descr="A picture containing text, clock, clipart&#10;&#10;Description automatically generated">
             <a:extLst>
               <a:ext uri="{FF2B5EF4-FFF2-40B4-BE49-F238E27FC236}">
-                <a16:creationId xmlns:a16="http://schemas.microsoft.com/office/drawing/2014/main" id="{C49CE773-F90E-2CAE-AAD5-E179C6895DED}"/>
+                <a16:creationId xmlns:a16="http://schemas.microsoft.com/office/drawing/2014/main" id="{1E9A8D3A-CDA3-46E6-B11F-02A708EB1D2B}"/>
               </a:ext>
             </a:extLst>
           </p:cNvPr>
@@ -4031,8 +3903,225 @@
         </p:blipFill>
         <p:spPr>
           <a:xfrm>
-            <a:off x="7691664" y="6330338"/>
+            <a:off x="7769756" y="274303"/>
             <a:ext cx="1259980" cy="403066"/>
+          </a:xfrm>
+          <a:prstGeom prst="rect">
+            <a:avLst/>
+          </a:prstGeom>
+        </p:spPr>
+      </p:pic>
+      <p:sp>
+        <p:nvSpPr>
+          <p:cNvPr id="16" name="Title 1">
+            <a:extLst>
+              <a:ext uri="{FF2B5EF4-FFF2-40B4-BE49-F238E27FC236}">
+                <a16:creationId xmlns:a16="http://schemas.microsoft.com/office/drawing/2014/main" id="{12F26968-84F1-CDA4-6482-F08B9F216028}"/>
+              </a:ext>
+            </a:extLst>
+          </p:cNvPr>
+          <p:cNvSpPr txBox="1">
+            <a:spLocks/>
+          </p:cNvSpPr>
+          <p:nvPr/>
+        </p:nvSpPr>
+        <p:spPr>
+          <a:xfrm>
+            <a:off x="354923" y="840018"/>
+            <a:ext cx="8674813" cy="1717907"/>
+          </a:xfrm>
+          <a:prstGeom prst="rect">
+            <a:avLst/>
+          </a:prstGeom>
+        </p:spPr>
+        <p:txBody>
+          <a:bodyPr vert="horz" lIns="91440" tIns="45720" rIns="91440" bIns="45720" rtlCol="0" anchor="ctr">
+            <a:normAutofit fontScale="97500"/>
+          </a:bodyPr>
+          <a:lstStyle>
+            <a:lvl1pPr algn="ctr" defTabSz="457189" rtl="0" eaLnBrk="1" latinLnBrk="0" hangingPunct="1">
+              <a:spcBef>
+                <a:spcPct val="0"/>
+              </a:spcBef>
+              <a:buNone/>
+              <a:defRPr sz="4400" kern="1200">
+                <a:solidFill>
+                  <a:schemeClr val="tx1"/>
+                </a:solidFill>
+                <a:latin typeface="+mj-lt"/>
+                <a:ea typeface="+mj-ea"/>
+                <a:cs typeface="+mj-cs"/>
+              </a:defRPr>
+            </a:lvl1pPr>
+          </a:lstStyle>
+          <a:p>
+            <a:r>
+              <a:rPr lang="en-AU" sz="3200" b="1" dirty="0"/>
+              <a:t>Meta-analysis in Comparative Physiology</a:t>
+            </a:r>
+            <a:br>
+              <a:rPr lang="en-AU" sz="3200" b="1" dirty="0"/>
+            </a:br>
+            <a:r>
+              <a:rPr lang="en-AU" sz="3200" b="1" dirty="0">
+                <a:solidFill>
+                  <a:schemeClr val="bg1">
+                    <a:lumMod val="65000"/>
+                  </a:schemeClr>
+                </a:solidFill>
+              </a:rPr>
+              <a:t>PART 2: Introduction to meta-analytic modelling: common challenges and advanced concepts</a:t>
+            </a:r>
+            <a:endParaRPr lang="en-US" sz="3200" dirty="0"/>
+          </a:p>
+        </p:txBody>
+      </p:sp>
+      <p:sp>
+        <p:nvSpPr>
+          <p:cNvPr id="2" name="TextBox 1">
+            <a:extLst>
+              <a:ext uri="{FF2B5EF4-FFF2-40B4-BE49-F238E27FC236}">
+                <a16:creationId xmlns:a16="http://schemas.microsoft.com/office/drawing/2014/main" id="{A73F7515-7B9A-43FA-DE18-7941E1A1A6F7}"/>
+              </a:ext>
+            </a:extLst>
+          </p:cNvPr>
+          <p:cNvSpPr txBox="1"/>
+          <p:nvPr/>
+        </p:nvSpPr>
+        <p:spPr>
+          <a:xfrm>
+            <a:off x="-900332" y="1786597"/>
+            <a:ext cx="184731" cy="369332"/>
+          </a:xfrm>
+          <a:prstGeom prst="rect">
+            <a:avLst/>
+          </a:prstGeom>
+          <a:noFill/>
+        </p:spPr>
+        <p:txBody>
+          <a:bodyPr wrap="none" rtlCol="0">
+            <a:spAutoFit/>
+          </a:bodyPr>
+          <a:lstStyle/>
+          <a:p>
+            <a:endParaRPr lang="en-US"/>
+          </a:p>
+        </p:txBody>
+      </p:sp>
+      <p:pic>
+        <p:nvPicPr>
+          <p:cNvPr id="5" name="Picture 4">
+            <a:extLst>
+              <a:ext uri="{FF2B5EF4-FFF2-40B4-BE49-F238E27FC236}">
+                <a16:creationId xmlns:a16="http://schemas.microsoft.com/office/drawing/2014/main" id="{9EC88816-CA75-F23C-1785-73FAFF81BFAC}"/>
+              </a:ext>
+            </a:extLst>
+          </p:cNvPr>
+          <p:cNvPicPr>
+            <a:picLocks noChangeAspect="1"/>
+          </p:cNvPicPr>
+          <p:nvPr/>
+        </p:nvPicPr>
+        <p:blipFill>
+          <a:blip r:embed="rId10"/>
+          <a:stretch>
+            <a:fillRect/>
+          </a:stretch>
+        </p:blipFill>
+        <p:spPr>
+          <a:xfrm>
+            <a:off x="592673" y="5327983"/>
+            <a:ext cx="1454149" cy="1454149"/>
+          </a:xfrm>
+          <a:prstGeom prst="rect">
+            <a:avLst/>
+          </a:prstGeom>
+        </p:spPr>
+      </p:pic>
+      <p:pic>
+        <p:nvPicPr>
+          <p:cNvPr id="14" name="Picture 13">
+            <a:extLst>
+              <a:ext uri="{FF2B5EF4-FFF2-40B4-BE49-F238E27FC236}">
+                <a16:creationId xmlns:a16="http://schemas.microsoft.com/office/drawing/2014/main" id="{A4A68A49-60D2-DC07-E06B-BE71E8F4CE3F}"/>
+              </a:ext>
+            </a:extLst>
+          </p:cNvPr>
+          <p:cNvPicPr>
+            <a:picLocks noChangeAspect="1"/>
+          </p:cNvPicPr>
+          <p:nvPr/>
+        </p:nvPicPr>
+        <p:blipFill>
+          <a:blip r:embed="rId11"/>
+          <a:stretch>
+            <a:fillRect/>
+          </a:stretch>
+        </p:blipFill>
+        <p:spPr>
+          <a:xfrm>
+            <a:off x="2302331" y="5631177"/>
+            <a:ext cx="2067689" cy="886153"/>
+          </a:xfrm>
+          <a:prstGeom prst="rect">
+            <a:avLst/>
+          </a:prstGeom>
+        </p:spPr>
+      </p:pic>
+      <p:pic>
+        <p:nvPicPr>
+          <p:cNvPr id="17" name="Picture 16">
+            <a:extLst>
+              <a:ext uri="{FF2B5EF4-FFF2-40B4-BE49-F238E27FC236}">
+                <a16:creationId xmlns:a16="http://schemas.microsoft.com/office/drawing/2014/main" id="{ED4DF081-39C3-AC25-DDB4-BA78ADCF159C}"/>
+              </a:ext>
+            </a:extLst>
+          </p:cNvPr>
+          <p:cNvPicPr>
+            <a:picLocks noChangeAspect="1"/>
+          </p:cNvPicPr>
+          <p:nvPr/>
+        </p:nvPicPr>
+        <p:blipFill>
+          <a:blip r:embed="rId12"/>
+          <a:stretch>
+            <a:fillRect/>
+          </a:stretch>
+        </p:blipFill>
+        <p:spPr>
+          <a:xfrm>
+            <a:off x="4834069" y="5463221"/>
+            <a:ext cx="1553679" cy="1222064"/>
+          </a:xfrm>
+          <a:prstGeom prst="rect">
+            <a:avLst/>
+          </a:prstGeom>
+        </p:spPr>
+      </p:pic>
+      <p:pic>
+        <p:nvPicPr>
+          <p:cNvPr id="18" name="Picture 17">
+            <a:extLst>
+              <a:ext uri="{FF2B5EF4-FFF2-40B4-BE49-F238E27FC236}">
+                <a16:creationId xmlns:a16="http://schemas.microsoft.com/office/drawing/2014/main" id="{9FD60CE3-7F6D-9387-78F1-5D0677C309AB}"/>
+              </a:ext>
+            </a:extLst>
+          </p:cNvPr>
+          <p:cNvPicPr>
+            <a:picLocks noChangeAspect="1"/>
+          </p:cNvPicPr>
+          <p:nvPr/>
+        </p:nvPicPr>
+        <p:blipFill>
+          <a:blip r:embed="rId13"/>
+          <a:stretch>
+            <a:fillRect/>
+          </a:stretch>
+        </p:blipFill>
+        <p:spPr>
+          <a:xfrm>
+            <a:off x="7340773" y="5359037"/>
+            <a:ext cx="1430432" cy="1430432"/>
           </a:xfrm>
           <a:prstGeom prst="rect">
             <a:avLst/>

--- a/slides/2.Models.pptx
+++ b/slides/2.Models.pptx
@@ -5,7 +5,7 @@
     <p:sldMasterId id="2147483648" r:id="rId1"/>
   </p:sldMasterIdLst>
   <p:notesMasterIdLst>
-    <p:notesMasterId r:id="rId15"/>
+    <p:notesMasterId r:id="rId28"/>
   </p:notesMasterIdLst>
   <p:sldIdLst>
     <p:sldId id="317" r:id="rId2"/>
@@ -16,11 +16,24 @@
     <p:sldId id="293" r:id="rId7"/>
     <p:sldId id="308" r:id="rId8"/>
     <p:sldId id="307" r:id="rId9"/>
-    <p:sldId id="316" r:id="rId10"/>
-    <p:sldId id="295" r:id="rId11"/>
-    <p:sldId id="296" r:id="rId12"/>
-    <p:sldId id="297" r:id="rId13"/>
-    <p:sldId id="298" r:id="rId14"/>
+    <p:sldId id="276" r:id="rId10"/>
+    <p:sldId id="277" r:id="rId11"/>
+    <p:sldId id="278" r:id="rId12"/>
+    <p:sldId id="318" r:id="rId13"/>
+    <p:sldId id="320" r:id="rId14"/>
+    <p:sldId id="321" r:id="rId15"/>
+    <p:sldId id="319" r:id="rId16"/>
+    <p:sldId id="279" r:id="rId17"/>
+    <p:sldId id="280" r:id="rId18"/>
+    <p:sldId id="282" r:id="rId19"/>
+    <p:sldId id="283" r:id="rId20"/>
+    <p:sldId id="284" r:id="rId21"/>
+    <p:sldId id="262" r:id="rId22"/>
+    <p:sldId id="316" r:id="rId23"/>
+    <p:sldId id="295" r:id="rId24"/>
+    <p:sldId id="296" r:id="rId25"/>
+    <p:sldId id="297" r:id="rId26"/>
+    <p:sldId id="298" r:id="rId27"/>
   </p:sldIdLst>
   <p:sldSz cx="9144000" cy="6858000" type="screen4x3"/>
   <p:notesSz cx="6858000" cy="9144000"/>
@@ -566,6 +579,123 @@
     <p:extLst>
       <p:ext uri="{BB962C8B-B14F-4D97-AF65-F5344CB8AC3E}">
         <p14:creationId xmlns:p14="http://schemas.microsoft.com/office/powerpoint/2010/main" val="650261798"/>
+      </p:ext>
+    </p:extLst>
+  </p:cSld>
+  <p:clrMapOvr>
+    <a:masterClrMapping/>
+  </p:clrMapOvr>
+</p:notes>
+</file>
+
+<file path=ppt/notesSlides/notesSlide2.xml><?xml version="1.0" encoding="utf-8"?>
+<p:notes xmlns:a="http://schemas.openxmlformats.org/drawingml/2006/main" xmlns:r="http://schemas.openxmlformats.org/officeDocument/2006/relationships" xmlns:p="http://schemas.openxmlformats.org/presentationml/2006/main">
+  <p:cSld>
+    <p:spTree>
+      <p:nvGrpSpPr>
+        <p:cNvPr id="1" name=""/>
+        <p:cNvGrpSpPr/>
+        <p:nvPr/>
+      </p:nvGrpSpPr>
+      <p:grpSpPr>
+        <a:xfrm>
+          <a:off x="0" y="0"/>
+          <a:ext cx="0" cy="0"/>
+          <a:chOff x="0" y="0"/>
+          <a:chExt cx="0" cy="0"/>
+        </a:xfrm>
+      </p:grpSpPr>
+      <p:sp>
+        <p:nvSpPr>
+          <p:cNvPr id="2" name="Slide Image Placeholder 1"/>
+          <p:cNvSpPr>
+            <a:spLocks noGrp="1" noRot="1" noChangeAspect="1"/>
+          </p:cNvSpPr>
+          <p:nvPr>
+            <p:ph type="sldImg"/>
+          </p:nvPr>
+        </p:nvSpPr>
+        <p:spPr/>
+      </p:sp>
+      <p:sp>
+        <p:nvSpPr>
+          <p:cNvPr id="3" name="Notes Placeholder 2"/>
+          <p:cNvSpPr>
+            <a:spLocks noGrp="1"/>
+          </p:cNvSpPr>
+          <p:nvPr>
+            <p:ph type="body" idx="1"/>
+          </p:nvPr>
+        </p:nvSpPr>
+        <p:spPr/>
+        <p:txBody>
+          <a:bodyPr/>
+          <a:lstStyle/>
+          <a:p>
+            <a:endParaRPr lang="en-US" dirty="0"/>
+          </a:p>
+          <a:p>
+            <a:r>
+              <a:rPr lang="en-US" dirty="0"/>
+              <a:t>2.073105 / 0.09944903 gets you the </a:t>
+            </a:r>
+            <a:r>
+              <a:rPr lang="en-US" dirty="0" err="1"/>
+              <a:t>zval</a:t>
+            </a:r>
+            <a:endParaRPr lang="en-US" dirty="0"/>
+          </a:p>
+          <a:p>
+            <a:r>
+              <a:rPr lang="en-US" dirty="0"/>
+              <a:t>2*</a:t>
+            </a:r>
+            <a:r>
+              <a:rPr lang="en-US" dirty="0" err="1"/>
+              <a:t>pnorm</a:t>
+            </a:r>
+            <a:r>
+              <a:rPr lang="en-US" dirty="0"/>
+              <a:t>(20.8459, </a:t>
+            </a:r>
+            <a:r>
+              <a:rPr lang="en-US" dirty="0" err="1"/>
+              <a:t>lower.tail</a:t>
+            </a:r>
+            <a:r>
+              <a:rPr lang="en-US" dirty="0"/>
+              <a:t> = FALSE) gets you the p-value for this</a:t>
+            </a:r>
+          </a:p>
+        </p:txBody>
+      </p:sp>
+      <p:sp>
+        <p:nvSpPr>
+          <p:cNvPr id="4" name="Slide Number Placeholder 3"/>
+          <p:cNvSpPr>
+            <a:spLocks noGrp="1"/>
+          </p:cNvSpPr>
+          <p:nvPr>
+            <p:ph type="sldNum" sz="quarter" idx="5"/>
+          </p:nvPr>
+        </p:nvSpPr>
+        <p:spPr/>
+        <p:txBody>
+          <a:bodyPr/>
+          <a:lstStyle/>
+          <a:p>
+            <a:fld id="{77560A3C-BC96-E241-926B-90F1DDABEEBC}" type="slidenum">
+              <a:rPr lang="en-US" smtClean="0"/>
+              <a:t>15</a:t>
+            </a:fld>
+            <a:endParaRPr lang="en-US"/>
+          </a:p>
+        </p:txBody>
+      </p:sp>
+    </p:spTree>
+    <p:extLst>
+      <p:ext uri="{BB962C8B-B14F-4D97-AF65-F5344CB8AC3E}">
+        <p14:creationId xmlns:p14="http://schemas.microsoft.com/office/powerpoint/2010/main" val="1188416412"/>
       </p:ext>
     </p:extLst>
   </p:cSld>
@@ -3927,7 +4057,7 @@
         </p:nvSpPr>
         <p:spPr>
           <a:xfrm>
-            <a:off x="354923" y="840018"/>
+            <a:off x="354923" y="769627"/>
             <a:ext cx="8674813" cy="1717907"/>
           </a:xfrm>
           <a:prstGeom prst="rect">
@@ -4155,13 +4285,7 @@
       </p:grpSpPr>
       <p:sp>
         <p:nvSpPr>
-          <p:cNvPr id="2" name="Title 1">
-            <a:extLst>
-              <a:ext uri="{FF2B5EF4-FFF2-40B4-BE49-F238E27FC236}">
-                <a16:creationId xmlns:a16="http://schemas.microsoft.com/office/drawing/2014/main" id="{712AA24F-B15A-0E01-ADF4-8CE2D9096950}"/>
-              </a:ext>
-            </a:extLst>
-          </p:cNvPr>
+          <p:cNvPr id="2" name="Title 1"/>
           <p:cNvSpPr>
             <a:spLocks noGrp="1"/>
           </p:cNvSpPr>
@@ -4174,41 +4298,44 @@
           <a:bodyPr/>
           <a:lstStyle/>
           <a:p>
-            <a:endParaRPr lang="en-US"/>
+            <a:r>
+              <a:rPr lang="en-AU" b="1" dirty="0"/>
+              <a:t>Fixed effects model data…</a:t>
+            </a:r>
+            <a:endParaRPr b="1" dirty="0"/>
           </a:p>
         </p:txBody>
       </p:sp>
-      <p:sp>
-        <p:nvSpPr>
-          <p:cNvPr id="3" name="Content Placeholder 2">
-            <a:extLst>
-              <a:ext uri="{FF2B5EF4-FFF2-40B4-BE49-F238E27FC236}">
-                <a16:creationId xmlns:a16="http://schemas.microsoft.com/office/drawing/2014/main" id="{FFC42543-4733-C3C5-21CA-6659EBA30523}"/>
-              </a:ext>
-            </a:extLst>
-          </p:cNvPr>
-          <p:cNvSpPr>
-            <a:spLocks noGrp="1"/>
-          </p:cNvSpPr>
-          <p:nvPr>
-            <p:ph idx="1"/>
-          </p:nvPr>
-        </p:nvSpPr>
-        <p:spPr/>
-        <p:txBody>
-          <a:bodyPr/>
-          <a:lstStyle/>
-          <a:p>
-            <a:endParaRPr lang="en-US"/>
-          </a:p>
-        </p:txBody>
-      </p:sp>
+      <p:pic>
+        <p:nvPicPr>
+          <p:cNvPr id="3" name="Picture 1" descr="code_slides_files/figure-pptx/fePLOT-1.png"/>
+          <p:cNvPicPr>
+            <a:picLocks noGrp="1" noChangeAspect="1"/>
+          </p:cNvPicPr>
+          <p:nvPr/>
+        </p:nvPicPr>
+        <p:blipFill rotWithShape="1">
+          <a:blip r:embed="rId2"/>
+          <a:srcRect t="19234" r="6193" b="3930"/>
+          <a:stretch/>
+        </p:blipFill>
+        <p:spPr bwMode="auto">
+          <a:xfrm>
+            <a:off x="202556" y="1417639"/>
+            <a:ext cx="8229600" cy="5388515"/>
+          </a:xfrm>
+          <a:prstGeom prst="rect">
+            <a:avLst/>
+          </a:prstGeom>
+          <a:noFill/>
+          <a:ln w="9525">
+            <a:noFill/>
+            <a:headEnd/>
+            <a:tailEnd/>
+          </a:ln>
+        </p:spPr>
+      </p:pic>
     </p:spTree>
-    <p:extLst>
-      <p:ext uri="{BB962C8B-B14F-4D97-AF65-F5344CB8AC3E}">
-        <p14:creationId xmlns:p14="http://schemas.microsoft.com/office/powerpoint/2010/main" val="2465183645"/>
-      </p:ext>
-    </p:extLst>
   </p:cSld>
   <p:clrMapOvr>
     <a:masterClrMapping/>
@@ -4235,13 +4362,7 @@
       </p:grpSpPr>
       <p:sp>
         <p:nvSpPr>
-          <p:cNvPr id="2" name="Title 1">
-            <a:extLst>
-              <a:ext uri="{FF2B5EF4-FFF2-40B4-BE49-F238E27FC236}">
-                <a16:creationId xmlns:a16="http://schemas.microsoft.com/office/drawing/2014/main" id="{71B46F8A-26DC-E57E-0213-3B37F44C99A8}"/>
-              </a:ext>
-            </a:extLst>
-          </p:cNvPr>
+          <p:cNvPr id="2" name="Title 1"/>
           <p:cNvSpPr>
             <a:spLocks noGrp="1"/>
           </p:cNvSpPr>
@@ -4254,19 +4375,21 @@
           <a:bodyPr/>
           <a:lstStyle/>
           <a:p>
-            <a:endParaRPr lang="en-US"/>
+            <a:r>
+              <a:rPr b="1" dirty="0"/>
+              <a:t>Fixed effect model</a:t>
+            </a:r>
+            <a:r>
+              <a:rPr lang="en-AU" b="1" dirty="0"/>
+              <a:t> meta-analysis..</a:t>
+            </a:r>
+            <a:endParaRPr b="1" dirty="0"/>
           </a:p>
         </p:txBody>
       </p:sp>
       <p:sp>
         <p:nvSpPr>
-          <p:cNvPr id="3" name="Content Placeholder 2">
-            <a:extLst>
-              <a:ext uri="{FF2B5EF4-FFF2-40B4-BE49-F238E27FC236}">
-                <a16:creationId xmlns:a16="http://schemas.microsoft.com/office/drawing/2014/main" id="{14693B8B-F150-52E4-B95F-0F301551BB07}"/>
-              </a:ext>
-            </a:extLst>
-          </p:cNvPr>
+          <p:cNvPr id="3" name="Content Placeholder 2"/>
           <p:cNvSpPr>
             <a:spLocks noGrp="1"/>
           </p:cNvSpPr>
@@ -4276,19 +4399,320 @@
         </p:nvSpPr>
         <p:spPr/>
         <p:txBody>
-          <a:bodyPr/>
+          <a:bodyPr>
+            <a:normAutofit fontScale="47500" lnSpcReduction="20000"/>
+          </a:bodyPr>
           <a:lstStyle/>
           <a:p>
-            <a:endParaRPr lang="en-US"/>
+            <a:pPr indent="0">
+              <a:buNone/>
+            </a:pPr>
+            <a:r>
+              <a:rPr i="1" dirty="0">
+                <a:solidFill>
+                  <a:srgbClr val="60A0B0"/>
+                </a:solidFill>
+                <a:latin typeface="Courier"/>
+              </a:rPr>
+              <a:t># Run a fixed effect meta-analysis using the FE dataset. </a:t>
+            </a:r>
+            <a:br>
+              <a:rPr dirty="0"/>
+            </a:br>
+            <a:r>
+              <a:rPr dirty="0">
+                <a:latin typeface="Courier"/>
+              </a:rPr>
+              <a:t>    </a:t>
+            </a:r>
+            <a:r>
+              <a:rPr dirty="0" err="1">
+                <a:latin typeface="Courier"/>
+              </a:rPr>
+              <a:t>metafor</a:t>
+            </a:r>
+            <a:r>
+              <a:rPr dirty="0">
+                <a:solidFill>
+                  <a:srgbClr val="4070A0"/>
+                </a:solidFill>
+                <a:latin typeface="Courier"/>
+              </a:rPr>
+              <a:t>::</a:t>
+            </a:r>
+            <a:r>
+              <a:rPr dirty="0" err="1">
+                <a:solidFill>
+                  <a:srgbClr val="06287E"/>
+                </a:solidFill>
+                <a:latin typeface="Courier"/>
+              </a:rPr>
+              <a:t>rma</a:t>
+            </a:r>
+            <a:r>
+              <a:rPr dirty="0">
+                <a:latin typeface="Courier"/>
+              </a:rPr>
+              <a:t>(</a:t>
+            </a:r>
+            <a:r>
+              <a:rPr dirty="0" err="1">
+                <a:solidFill>
+                  <a:srgbClr val="7D9029"/>
+                </a:solidFill>
+                <a:latin typeface="Courier"/>
+              </a:rPr>
+              <a:t>yi</a:t>
+            </a:r>
+            <a:r>
+              <a:rPr dirty="0">
+                <a:solidFill>
+                  <a:srgbClr val="7D9029"/>
+                </a:solidFill>
+                <a:latin typeface="Courier"/>
+              </a:rPr>
+              <a:t> =</a:t>
+            </a:r>
+            <a:r>
+              <a:rPr dirty="0">
+                <a:latin typeface="Courier"/>
+              </a:rPr>
+              <a:t> es, </a:t>
+            </a:r>
+            <a:r>
+              <a:rPr dirty="0">
+                <a:solidFill>
+                  <a:srgbClr val="7D9029"/>
+                </a:solidFill>
+                <a:latin typeface="Courier"/>
+              </a:rPr>
+              <a:t>vi =</a:t>
+            </a:r>
+            <a:r>
+              <a:rPr dirty="0">
+                <a:latin typeface="Courier"/>
+              </a:rPr>
+              <a:t> </a:t>
+            </a:r>
+            <a:r>
+              <a:rPr dirty="0" err="1">
+                <a:latin typeface="Courier"/>
+              </a:rPr>
+              <a:t>Ves</a:t>
+            </a:r>
+            <a:r>
+              <a:rPr dirty="0">
+                <a:latin typeface="Courier"/>
+              </a:rPr>
+              <a:t>, </a:t>
+            </a:r>
+            <a:r>
+              <a:rPr dirty="0">
+                <a:solidFill>
+                  <a:srgbClr val="7D9029"/>
+                </a:solidFill>
+                <a:latin typeface="Courier"/>
+              </a:rPr>
+              <a:t>method =</a:t>
+            </a:r>
+            <a:r>
+              <a:rPr dirty="0">
+                <a:latin typeface="Courier"/>
+              </a:rPr>
+              <a:t> </a:t>
+            </a:r>
+            <a:r>
+              <a:rPr dirty="0">
+                <a:solidFill>
+                  <a:srgbClr val="4070A0"/>
+                </a:solidFill>
+                <a:latin typeface="Courier"/>
+              </a:rPr>
+              <a:t>"FE"</a:t>
+            </a:r>
+            <a:r>
+              <a:rPr dirty="0">
+                <a:latin typeface="Courier"/>
+              </a:rPr>
+              <a:t>, </a:t>
+            </a:r>
+            <a:r>
+              <a:rPr dirty="0">
+                <a:solidFill>
+                  <a:srgbClr val="7D9029"/>
+                </a:solidFill>
+                <a:latin typeface="Courier"/>
+              </a:rPr>
+              <a:t>data =</a:t>
+            </a:r>
+            <a:r>
+              <a:rPr dirty="0">
+                <a:latin typeface="Courier"/>
+              </a:rPr>
+              <a:t> </a:t>
+            </a:r>
+            <a:r>
+              <a:rPr dirty="0" err="1">
+                <a:latin typeface="Courier"/>
+              </a:rPr>
+              <a:t>dataFE</a:t>
+            </a:r>
+            <a:r>
+              <a:rPr dirty="0">
+                <a:latin typeface="Courier"/>
+              </a:rPr>
+              <a:t>)</a:t>
+            </a:r>
+          </a:p>
+          <a:p>
+            <a:pPr indent="0">
+              <a:buNone/>
+            </a:pPr>
+            <a:r>
+              <a:rPr dirty="0">
+                <a:latin typeface="Courier"/>
+              </a:rPr>
+              <a:t>## 
+## Fixed-Effects Model (k = 5)
+## 
+</a:t>
+            </a:r>
+            <a:r>
+              <a:rPr b="1" dirty="0">
+                <a:latin typeface="Courier"/>
+              </a:rPr>
+              <a:t>## I^2 (total heterogeneity / total variability):   0.00%</a:t>
+            </a:r>
+            <a:r>
+              <a:rPr dirty="0">
+                <a:latin typeface="Courier"/>
+              </a:rPr>
+              <a:t>
+## H^2 (total variability / sampling variability):  0.56
+## 
+</a:t>
+            </a:r>
+            <a:r>
+              <a:rPr b="1" dirty="0">
+                <a:latin typeface="Courier"/>
+              </a:rPr>
+              <a:t>## Test for Heterogeneity:
+## Q(</a:t>
+            </a:r>
+            <a:r>
+              <a:rPr b="1" dirty="0" err="1">
+                <a:latin typeface="Courier"/>
+              </a:rPr>
+              <a:t>df</a:t>
+            </a:r>
+            <a:r>
+              <a:rPr b="1" dirty="0">
+                <a:latin typeface="Courier"/>
+              </a:rPr>
+              <a:t> = 4) = 2.2340, p-</a:t>
+            </a:r>
+            <a:r>
+              <a:rPr b="1" dirty="0" err="1">
+                <a:latin typeface="Courier"/>
+              </a:rPr>
+              <a:t>val</a:t>
+            </a:r>
+            <a:r>
+              <a:rPr b="1" dirty="0">
+                <a:latin typeface="Courier"/>
+              </a:rPr>
+              <a:t> = 0.6928</a:t>
+            </a:r>
+            <a:r>
+              <a:rPr dirty="0">
+                <a:latin typeface="Courier"/>
+              </a:rPr>
+              <a:t>
+## 
+## Model Results:
+## 
+## estimate      se     </a:t>
+            </a:r>
+            <a:r>
+              <a:rPr dirty="0" err="1">
+                <a:latin typeface="Courier"/>
+              </a:rPr>
+              <a:t>zval</a:t>
+            </a:r>
+            <a:r>
+              <a:rPr dirty="0">
+                <a:latin typeface="Courier"/>
+              </a:rPr>
+              <a:t>    </a:t>
+            </a:r>
+            <a:r>
+              <a:rPr dirty="0" err="1">
+                <a:latin typeface="Courier"/>
+              </a:rPr>
+              <a:t>pval</a:t>
+            </a:r>
+            <a:r>
+              <a:rPr dirty="0">
+                <a:latin typeface="Courier"/>
+              </a:rPr>
+              <a:t>   </a:t>
+            </a:r>
+            <a:r>
+              <a:rPr dirty="0" err="1">
+                <a:latin typeface="Courier"/>
+              </a:rPr>
+              <a:t>ci.lb</a:t>
+            </a:r>
+            <a:r>
+              <a:rPr dirty="0">
+                <a:latin typeface="Courier"/>
+              </a:rPr>
+              <a:t>   </a:t>
+            </a:r>
+            <a:r>
+              <a:rPr dirty="0" err="1">
+                <a:latin typeface="Courier"/>
+              </a:rPr>
+              <a:t>ci.ub</a:t>
+            </a:r>
+            <a:r>
+              <a:rPr dirty="0">
+                <a:latin typeface="Courier"/>
+              </a:rPr>
+              <a:t>     ​ 
+</a:t>
+            </a:r>
+            <a:r>
+              <a:rPr b="1" dirty="0">
+                <a:latin typeface="Courier"/>
+              </a:rPr>
+              <a:t>##   2.0731  </a:t>
+            </a:r>
+            <a:r>
+              <a:rPr dirty="0">
+                <a:latin typeface="Courier"/>
+              </a:rPr>
+              <a:t>0.0994  20.8459  &lt;.0001  1.8782  2.2680  *** 
+## 
+## ---
+## </a:t>
+            </a:r>
+            <a:r>
+              <a:rPr dirty="0" err="1">
+                <a:latin typeface="Courier"/>
+              </a:rPr>
+              <a:t>Signif</a:t>
+            </a:r>
+            <a:r>
+              <a:rPr dirty="0">
+                <a:latin typeface="Courier"/>
+              </a:rPr>
+              <a:t>. codes:  0 '***' 0.001 '**' 0.01 '*' 0.05 '.' 0.1 ' ' 1</a:t>
+            </a:r>
           </a:p>
         </p:txBody>
       </p:sp>
     </p:spTree>
-    <p:extLst>
-      <p:ext uri="{BB962C8B-B14F-4D97-AF65-F5344CB8AC3E}">
-        <p14:creationId xmlns:p14="http://schemas.microsoft.com/office/powerpoint/2010/main" val="3691303264"/>
-      </p:ext>
-    </p:extLst>
   </p:cSld>
   <p:clrMapOvr>
     <a:masterClrMapping/>
@@ -4315,13 +4739,7 @@
       </p:grpSpPr>
       <p:sp>
         <p:nvSpPr>
-          <p:cNvPr id="2" name="Title 1">
-            <a:extLst>
-              <a:ext uri="{FF2B5EF4-FFF2-40B4-BE49-F238E27FC236}">
-                <a16:creationId xmlns:a16="http://schemas.microsoft.com/office/drawing/2014/main" id="{952DEC3B-66BA-4845-C2C7-8F3B5D684FB8}"/>
-              </a:ext>
-            </a:extLst>
-          </p:cNvPr>
+          <p:cNvPr id="2" name="Title 1"/>
           <p:cNvSpPr>
             <a:spLocks noGrp="1"/>
           </p:cNvSpPr>
@@ -4331,44 +4749,1001 @@
         </p:nvSpPr>
         <p:spPr/>
         <p:txBody>
-          <a:bodyPr/>
+          <a:bodyPr>
+            <a:normAutofit fontScale="90000"/>
+          </a:bodyPr>
           <a:lstStyle/>
           <a:p>
-            <a:endParaRPr lang="en-US"/>
+            <a:r>
+              <a:rPr dirty="0"/>
+              <a:t>Now </a:t>
+            </a:r>
+            <a:r>
+              <a:rPr lang="en-AU" dirty="0"/>
+              <a:t>a fixed effect analysis by hand…</a:t>
+            </a:r>
+            <a:endParaRPr dirty="0"/>
+          </a:p>
+        </p:txBody>
+      </p:sp>
+      <mc:AlternateContent xmlns:mc="http://schemas.openxmlformats.org/markup-compatibility/2006">
+        <mc:Choice xmlns:a14="http://schemas.microsoft.com/office/drawing/2010/main" Requires="a14">
+          <p:sp>
+            <p:nvSpPr>
+              <p:cNvPr id="3" name="Content Placeholder 2"/>
+              <p:cNvSpPr>
+                <a:spLocks noGrp="1"/>
+              </p:cNvSpPr>
+              <p:nvPr>
+                <p:ph idx="1"/>
+              </p:nvPr>
+            </p:nvSpPr>
+            <p:spPr>
+              <a:xfrm>
+                <a:off x="457200" y="1417639"/>
+                <a:ext cx="8229600" cy="4525963"/>
+              </a:xfrm>
+            </p:spPr>
+            <p:txBody>
+              <a:bodyPr>
+                <a:normAutofit fontScale="47500" lnSpcReduction="20000"/>
+              </a:bodyPr>
+              <a:lstStyle/>
+              <a:p>
+                <a:pPr marL="0" indent="0">
+                  <a:buNone/>
+                </a:pPr>
+                <a:r>
+                  <a:rPr sz="3800" dirty="0"/>
+                  <a:t>We can even do all the seemingly fancy stuff </a:t>
+                </a:r>
+                <a:r>
+                  <a:rPr sz="3800" dirty="0" err="1">
+                    <a:latin typeface="Courier"/>
+                  </a:rPr>
+                  <a:t>metafor</a:t>
+                </a:r>
+                <a:r>
+                  <a:rPr sz="3800" dirty="0"/>
+                  <a:t> is doing ourselves if we want….we just need to know the equations:</a:t>
+                </a:r>
+                <a:endParaRPr lang="en-AU" sz="3800" dirty="0"/>
+              </a:p>
+              <a:p>
+                <a:pPr marL="0" indent="0">
+                  <a:buNone/>
+                </a:pPr>
+                <a:endParaRPr dirty="0"/>
+              </a:p>
+              <a:p>
+                <a:pPr marL="0" indent="0">
+                  <a:buNone/>
+                </a:pPr>
+                <a14:m>
+                  <m:oMathPara xmlns:m="http://schemas.openxmlformats.org/officeDocument/2006/math">
+                    <m:oMathParaPr>
+                      <m:jc m:val="center"/>
+                    </m:oMathParaPr>
+                    <m:oMath xmlns:m="http://schemas.openxmlformats.org/officeDocument/2006/math">
+                      <m:acc>
+                        <m:accPr>
+                          <m:chr m:val="‾"/>
+                          <m:ctrlPr>
+                            <a:rPr>
+                              <a:latin typeface="Cambria Math" panose="02040503050406030204" pitchFamily="18" charset="0"/>
+                            </a:rPr>
+                          </m:ctrlPr>
+                        </m:accPr>
+                        <m:e>
+                          <m:r>
+                            <a:rPr>
+                              <a:latin typeface="Cambria Math" panose="02040503050406030204" pitchFamily="18" charset="0"/>
+                            </a:rPr>
+                            <m:t>𝐸𝑆</m:t>
+                          </m:r>
+                        </m:e>
+                      </m:acc>
+                      <m:r>
+                        <a:rPr>
+                          <a:latin typeface="Cambria Math" panose="02040503050406030204" pitchFamily="18" charset="0"/>
+                        </a:rPr>
+                        <m:t>=∑</m:t>
+                      </m:r>
+                      <m:d>
+                        <m:dPr>
+                          <m:ctrlPr>
+                            <a:rPr i="1">
+                              <a:latin typeface="Cambria Math" panose="02040503050406030204" pitchFamily="18" charset="0"/>
+                            </a:rPr>
+                          </m:ctrlPr>
+                        </m:dPr>
+                        <m:e>
+                          <m:r>
+                            <a:rPr>
+                              <a:latin typeface="Cambria Math" panose="02040503050406030204" pitchFamily="18" charset="0"/>
+                            </a:rPr>
+                            <m:t>𝑊</m:t>
+                          </m:r>
+                          <m:r>
+                            <a:rPr>
+                              <a:latin typeface="Cambria Math" panose="02040503050406030204" pitchFamily="18" charset="0"/>
+                            </a:rPr>
+                            <m:t>∗</m:t>
+                          </m:r>
+                          <m:r>
+                            <a:rPr>
+                              <a:latin typeface="Cambria Math" panose="02040503050406030204" pitchFamily="18" charset="0"/>
+                            </a:rPr>
+                            <m:t>𝐸𝑆</m:t>
+                          </m:r>
+                        </m:e>
+                      </m:d>
+                      <m:r>
+                        <a:rPr>
+                          <a:latin typeface="Cambria Math" panose="02040503050406030204" pitchFamily="18" charset="0"/>
+                        </a:rPr>
+                        <m:t>/∑</m:t>
+                      </m:r>
+                      <m:r>
+                        <a:rPr>
+                          <a:latin typeface="Cambria Math" panose="02040503050406030204" pitchFamily="18" charset="0"/>
+                        </a:rPr>
+                        <m:t>𝑊</m:t>
+                      </m:r>
+                    </m:oMath>
+                  </m:oMathPara>
+                </a14:m>
+                <a:endParaRPr dirty="0"/>
+              </a:p>
+              <a:p>
+                <a:pPr marL="0" indent="0">
+                  <a:buNone/>
+                </a:pPr>
+                <a14:m>
+                  <m:oMathPara xmlns:m="http://schemas.openxmlformats.org/officeDocument/2006/math">
+                    <m:oMathParaPr>
+                      <m:jc m:val="center"/>
+                    </m:oMathParaPr>
+                    <m:oMath xmlns:m="http://schemas.openxmlformats.org/officeDocument/2006/math">
+                      <m:sSubSup>
+                        <m:sSubSupPr>
+                          <m:ctrlPr>
+                            <a:rPr>
+                              <a:latin typeface="Cambria Math" panose="02040503050406030204" pitchFamily="18" charset="0"/>
+                            </a:rPr>
+                          </m:ctrlPr>
+                        </m:sSubSupPr>
+                        <m:e>
+                          <m:r>
+                            <a:rPr>
+                              <a:latin typeface="Cambria Math" panose="02040503050406030204" pitchFamily="18" charset="0"/>
+                            </a:rPr>
+                            <m:t>𝜎</m:t>
+                          </m:r>
+                        </m:e>
+                        <m:sub>
+                          <m:acc>
+                            <m:accPr>
+                              <m:chr m:val="‾"/>
+                              <m:ctrlPr>
+                                <a:rPr i="1">
+                                  <a:latin typeface="Cambria Math" panose="02040503050406030204" pitchFamily="18" charset="0"/>
+                                </a:rPr>
+                              </m:ctrlPr>
+                            </m:accPr>
+                            <m:e>
+                              <m:r>
+                                <a:rPr>
+                                  <a:latin typeface="Cambria Math" panose="02040503050406030204" pitchFamily="18" charset="0"/>
+                                </a:rPr>
+                                <m:t>𝐸𝑆</m:t>
+                              </m:r>
+                            </m:e>
+                          </m:acc>
+                        </m:sub>
+                        <m:sup>
+                          <m:r>
+                            <a:rPr>
+                              <a:latin typeface="Cambria Math" panose="02040503050406030204" pitchFamily="18" charset="0"/>
+                            </a:rPr>
+                            <m:t>2</m:t>
+                          </m:r>
+                        </m:sup>
+                      </m:sSubSup>
+                      <m:r>
+                        <a:rPr>
+                          <a:latin typeface="Cambria Math" panose="02040503050406030204" pitchFamily="18" charset="0"/>
+                        </a:rPr>
+                        <m:t>=</m:t>
+                      </m:r>
+                      <m:f>
+                        <m:fPr>
+                          <m:ctrlPr>
+                            <a:rPr i="1">
+                              <a:latin typeface="Cambria Math" panose="02040503050406030204" pitchFamily="18" charset="0"/>
+                            </a:rPr>
+                          </m:ctrlPr>
+                        </m:fPr>
+                        <m:num>
+                          <m:r>
+                            <a:rPr>
+                              <a:latin typeface="Cambria Math" panose="02040503050406030204" pitchFamily="18" charset="0"/>
+                            </a:rPr>
+                            <m:t>1</m:t>
+                          </m:r>
+                        </m:num>
+                        <m:den>
+                          <m:r>
+                            <a:rPr>
+                              <a:latin typeface="Cambria Math" panose="02040503050406030204" pitchFamily="18" charset="0"/>
+                            </a:rPr>
+                            <m:t>∑</m:t>
+                          </m:r>
+                          <m:r>
+                            <a:rPr>
+                              <a:latin typeface="Cambria Math" panose="02040503050406030204" pitchFamily="18" charset="0"/>
+                            </a:rPr>
+                            <m:t>𝑊</m:t>
+                          </m:r>
+                        </m:den>
+                      </m:f>
+                    </m:oMath>
+                  </m:oMathPara>
+                </a14:m>
+                <a:endParaRPr dirty="0"/>
+              </a:p>
+              <a:p>
+                <a:pPr indent="0">
+                  <a:buNone/>
+                </a:pPr>
+                <a:r>
+                  <a:rPr i="1" dirty="0">
+                    <a:solidFill>
+                      <a:srgbClr val="60A0B0"/>
+                    </a:solidFill>
+                    <a:latin typeface="Courier"/>
+                  </a:rPr>
+                  <a:t># Calculate pooled effect size</a:t>
+                </a:r>
+                <a:br>
+                  <a:rPr dirty="0"/>
+                </a:br>
+                <a:r>
+                  <a:rPr dirty="0">
+                    <a:latin typeface="Courier"/>
+                  </a:rPr>
+                  <a:t>       </a:t>
+                </a:r>
+                <a:r>
+                  <a:rPr dirty="0" err="1">
+                    <a:latin typeface="Courier"/>
+                  </a:rPr>
+                  <a:t>EsP.FE</a:t>
+                </a:r>
+                <a:r>
+                  <a:rPr dirty="0">
+                    <a:latin typeface="Courier"/>
+                  </a:rPr>
+                  <a:t> </a:t>
+                </a:r>
+                <a:r>
+                  <a:rPr dirty="0">
+                    <a:solidFill>
+                      <a:srgbClr val="007020"/>
+                    </a:solidFill>
+                    <a:latin typeface="Courier"/>
+                  </a:rPr>
+                  <a:t>&lt;-</a:t>
+                </a:r>
+                <a:r>
+                  <a:rPr dirty="0">
+                    <a:latin typeface="Courier"/>
+                  </a:rPr>
+                  <a:t> </a:t>
+                </a:r>
+                <a:r>
+                  <a:rPr dirty="0">
+                    <a:solidFill>
+                      <a:srgbClr val="06287E"/>
+                    </a:solidFill>
+                    <a:latin typeface="Courier"/>
+                  </a:rPr>
+                  <a:t>sum</a:t>
+                </a:r>
+                <a:r>
+                  <a:rPr dirty="0">
+                    <a:latin typeface="Courier"/>
+                  </a:rPr>
+                  <a:t>(W</a:t>
+                </a:r>
+                <a:r>
+                  <a:rPr dirty="0">
+                    <a:solidFill>
+                      <a:srgbClr val="4070A0"/>
+                    </a:solidFill>
+                    <a:latin typeface="Courier"/>
+                  </a:rPr>
+                  <a:t>*</a:t>
+                </a:r>
+                <a:r>
+                  <a:rPr dirty="0" err="1">
+                    <a:latin typeface="Courier"/>
+                  </a:rPr>
+                  <a:t>dataFE</a:t>
+                </a:r>
+                <a:r>
+                  <a:rPr dirty="0" err="1">
+                    <a:solidFill>
+                      <a:srgbClr val="4070A0"/>
+                    </a:solidFill>
+                    <a:latin typeface="Courier"/>
+                  </a:rPr>
+                  <a:t>$</a:t>
+                </a:r>
+                <a:r>
+                  <a:rPr dirty="0" err="1">
+                    <a:latin typeface="Courier"/>
+                  </a:rPr>
+                  <a:t>es</a:t>
+                </a:r>
+                <a:r>
+                  <a:rPr dirty="0">
+                    <a:latin typeface="Courier"/>
+                  </a:rPr>
+                  <a:t>) </a:t>
+                </a:r>
+                <a:r>
+                  <a:rPr dirty="0">
+                    <a:solidFill>
+                      <a:srgbClr val="4070A0"/>
+                    </a:solidFill>
+                    <a:latin typeface="Courier"/>
+                  </a:rPr>
+                  <a:t>/</a:t>
+                </a:r>
+                <a:r>
+                  <a:rPr dirty="0">
+                    <a:latin typeface="Courier"/>
+                  </a:rPr>
+                  <a:t> </a:t>
+                </a:r>
+                <a:r>
+                  <a:rPr dirty="0">
+                    <a:solidFill>
+                      <a:srgbClr val="06287E"/>
+                    </a:solidFill>
+                    <a:latin typeface="Courier"/>
+                  </a:rPr>
+                  <a:t>sum</a:t>
+                </a:r>
+                <a:r>
+                  <a:rPr dirty="0">
+                    <a:latin typeface="Courier"/>
+                  </a:rPr>
+                  <a:t>(W)</a:t>
+                </a:r>
+                <a:br>
+                  <a:rPr dirty="0"/>
+                </a:br>
+                <a:r>
+                  <a:rPr dirty="0">
+                    <a:latin typeface="Courier"/>
+                  </a:rPr>
+                  <a:t>       </a:t>
+                </a:r>
+                <a:r>
+                  <a:rPr dirty="0" err="1">
+                    <a:latin typeface="Courier"/>
+                  </a:rPr>
+                  <a:t>EsP.FE</a:t>
+                </a:r>
+                <a:endParaRPr dirty="0">
+                  <a:latin typeface="Courier"/>
+                </a:endParaRPr>
+              </a:p>
+              <a:p>
+                <a:pPr indent="0">
+                  <a:buNone/>
+                </a:pPr>
+                <a:r>
+                  <a:rPr dirty="0">
+                    <a:latin typeface="Courier"/>
+                  </a:rPr>
+                  <a:t>## [1] 2.073105</a:t>
+                </a:r>
+              </a:p>
+              <a:p>
+                <a:pPr indent="0">
+                  <a:buNone/>
+                </a:pPr>
+                <a:r>
+                  <a:rPr i="1" dirty="0">
+                    <a:solidFill>
+                      <a:srgbClr val="60A0B0"/>
+                    </a:solidFill>
+                    <a:latin typeface="Courier"/>
+                  </a:rPr>
+                  <a:t># Calculate the pooled variance around estimate</a:t>
+                </a:r>
+                <a:br>
+                  <a:rPr dirty="0"/>
+                </a:br>
+                <a:r>
+                  <a:rPr dirty="0">
+                    <a:latin typeface="Courier"/>
+                  </a:rPr>
+                  <a:t>    </a:t>
+                </a:r>
+                <a:r>
+                  <a:rPr dirty="0" err="1">
+                    <a:latin typeface="Courier"/>
+                  </a:rPr>
+                  <a:t>VarEsP.FE</a:t>
+                </a:r>
+                <a:r>
+                  <a:rPr dirty="0">
+                    <a:latin typeface="Courier"/>
+                  </a:rPr>
+                  <a:t> </a:t>
+                </a:r>
+                <a:r>
+                  <a:rPr dirty="0">
+                    <a:solidFill>
+                      <a:srgbClr val="007020"/>
+                    </a:solidFill>
+                    <a:latin typeface="Courier"/>
+                  </a:rPr>
+                  <a:t>&lt;-</a:t>
+                </a:r>
+                <a:r>
+                  <a:rPr dirty="0">
+                    <a:latin typeface="Courier"/>
+                  </a:rPr>
+                  <a:t> </a:t>
+                </a:r>
+                <a:r>
+                  <a:rPr dirty="0">
+                    <a:solidFill>
+                      <a:srgbClr val="40A070"/>
+                    </a:solidFill>
+                    <a:latin typeface="Courier"/>
+                  </a:rPr>
+                  <a:t>1</a:t>
+                </a:r>
+                <a:r>
+                  <a:rPr dirty="0">
+                    <a:latin typeface="Courier"/>
+                  </a:rPr>
+                  <a:t> </a:t>
+                </a:r>
+                <a:r>
+                  <a:rPr dirty="0">
+                    <a:solidFill>
+                      <a:srgbClr val="4070A0"/>
+                    </a:solidFill>
+                    <a:latin typeface="Courier"/>
+                  </a:rPr>
+                  <a:t>/</a:t>
+                </a:r>
+                <a:r>
+                  <a:rPr dirty="0">
+                    <a:latin typeface="Courier"/>
+                  </a:rPr>
+                  <a:t> </a:t>
+                </a:r>
+                <a:r>
+                  <a:rPr dirty="0">
+                    <a:solidFill>
+                      <a:srgbClr val="06287E"/>
+                    </a:solidFill>
+                    <a:latin typeface="Courier"/>
+                  </a:rPr>
+                  <a:t>sum</a:t>
+                </a:r>
+                <a:r>
+                  <a:rPr dirty="0">
+                    <a:latin typeface="Courier"/>
+                  </a:rPr>
+                  <a:t>(W)</a:t>
+                </a:r>
+                <a:br>
+                  <a:rPr dirty="0"/>
+                </a:br>
+                <a:r>
+                  <a:rPr dirty="0">
+                    <a:latin typeface="Courier"/>
+                  </a:rPr>
+                  <a:t>    </a:t>
+                </a:r>
+                <a:r>
+                  <a:rPr dirty="0" err="1">
+                    <a:latin typeface="Courier"/>
+                  </a:rPr>
+                  <a:t>VarEsP.FE</a:t>
+                </a:r>
+                <a:endParaRPr dirty="0">
+                  <a:latin typeface="Courier"/>
+                </a:endParaRPr>
+              </a:p>
+              <a:p>
+                <a:pPr indent="0">
+                  <a:buNone/>
+                </a:pPr>
+                <a:r>
+                  <a:rPr dirty="0">
+                    <a:latin typeface="Courier"/>
+                  </a:rPr>
+                  <a:t>## [1] 0.00989011</a:t>
+                </a:r>
+              </a:p>
+              <a:p>
+                <a:pPr indent="0">
+                  <a:buNone/>
+                </a:pPr>
+                <a:r>
+                  <a:rPr i="1" dirty="0">
+                    <a:solidFill>
+                      <a:srgbClr val="60A0B0"/>
+                    </a:solidFill>
+                    <a:latin typeface="Courier"/>
+                  </a:rPr>
+                  <a:t># Calculate the standard error around estimate</a:t>
+                </a:r>
+                <a:br>
+                  <a:rPr dirty="0"/>
+                </a:br>
+                <a:r>
+                  <a:rPr dirty="0">
+                    <a:latin typeface="Courier"/>
+                  </a:rPr>
+                  <a:t>    </a:t>
+                </a:r>
+                <a:r>
+                  <a:rPr dirty="0" err="1">
+                    <a:latin typeface="Courier"/>
+                  </a:rPr>
+                  <a:t>SE.EsP.FE</a:t>
+                </a:r>
+                <a:r>
+                  <a:rPr dirty="0">
+                    <a:latin typeface="Courier"/>
+                  </a:rPr>
+                  <a:t> </a:t>
+                </a:r>
+                <a:r>
+                  <a:rPr dirty="0">
+                    <a:solidFill>
+                      <a:srgbClr val="007020"/>
+                    </a:solidFill>
+                    <a:latin typeface="Courier"/>
+                  </a:rPr>
+                  <a:t>&lt;-</a:t>
+                </a:r>
+                <a:r>
+                  <a:rPr dirty="0">
+                    <a:latin typeface="Courier"/>
+                  </a:rPr>
+                  <a:t> </a:t>
+                </a:r>
+                <a:r>
+                  <a:rPr dirty="0">
+                    <a:solidFill>
+                      <a:srgbClr val="06287E"/>
+                    </a:solidFill>
+                    <a:latin typeface="Courier"/>
+                  </a:rPr>
+                  <a:t>sqrt</a:t>
+                </a:r>
+                <a:r>
+                  <a:rPr dirty="0">
+                    <a:latin typeface="Courier"/>
+                  </a:rPr>
+                  <a:t>(</a:t>
+                </a:r>
+                <a:r>
+                  <a:rPr dirty="0" err="1">
+                    <a:latin typeface="Courier"/>
+                  </a:rPr>
+                  <a:t>VarEsP.FE</a:t>
+                </a:r>
+                <a:r>
+                  <a:rPr dirty="0">
+                    <a:latin typeface="Courier"/>
+                  </a:rPr>
+                  <a:t>)</a:t>
+                </a:r>
+                <a:br>
+                  <a:rPr dirty="0"/>
+                </a:br>
+                <a:r>
+                  <a:rPr dirty="0">
+                    <a:latin typeface="Courier"/>
+                  </a:rPr>
+                  <a:t>    </a:t>
+                </a:r>
+                <a:r>
+                  <a:rPr dirty="0" err="1">
+                    <a:latin typeface="Courier"/>
+                  </a:rPr>
+                  <a:t>SE.EsP.FE</a:t>
+                </a:r>
+                <a:endParaRPr dirty="0">
+                  <a:latin typeface="Courier"/>
+                </a:endParaRPr>
+              </a:p>
+              <a:p>
+                <a:pPr indent="0">
+                  <a:buNone/>
+                </a:pPr>
+                <a:r>
+                  <a:rPr dirty="0">
+                    <a:latin typeface="Courier"/>
+                  </a:rPr>
+                  <a:t>## [1] 0.09944903</a:t>
+                </a:r>
+              </a:p>
+            </p:txBody>
+          </p:sp>
+        </mc:Choice>
+        <mc:Fallback>
+          <p:sp>
+            <p:nvSpPr>
+              <p:cNvPr id="3" name="Content Placeholder 2"/>
+              <p:cNvSpPr>
+                <a:spLocks noGrp="1" noRot="1" noChangeAspect="1" noMove="1" noResize="1" noEditPoints="1" noAdjustHandles="1" noChangeArrowheads="1" noChangeShapeType="1" noTextEdit="1"/>
+              </p:cNvSpPr>
+              <p:nvPr>
+                <p:ph idx="1"/>
+              </p:nvPr>
+            </p:nvSpPr>
+            <p:spPr>
+              <a:xfrm>
+                <a:off x="457200" y="1417639"/>
+                <a:ext cx="8229600" cy="4525963"/>
+              </a:xfrm>
+              <a:blipFill>
+                <a:blip r:embed="rId2"/>
+                <a:stretch>
+                  <a:fillRect l="-617" t="-1676"/>
+                </a:stretch>
+              </a:blipFill>
+            </p:spPr>
+            <p:txBody>
+              <a:bodyPr/>
+              <a:lstStyle/>
+              <a:p>
+                <a:r>
+                  <a:rPr lang="en-US">
+                    <a:noFill/>
+                  </a:rPr>
+                  <a:t> </a:t>
+                </a:r>
+              </a:p>
+            </p:txBody>
+          </p:sp>
+        </mc:Fallback>
+      </mc:AlternateContent>
+      <p:sp>
+        <p:nvSpPr>
+          <p:cNvPr id="5" name="TextBox 4">
+            <a:extLst>
+              <a:ext uri="{FF2B5EF4-FFF2-40B4-BE49-F238E27FC236}">
+                <a16:creationId xmlns:a16="http://schemas.microsoft.com/office/drawing/2014/main" id="{02626239-739F-B63B-6E22-154725F8397D}"/>
+              </a:ext>
+            </a:extLst>
+          </p:cNvPr>
+          <p:cNvSpPr txBox="1"/>
+          <p:nvPr/>
+        </p:nvSpPr>
+        <p:spPr>
+          <a:xfrm>
+            <a:off x="677119" y="5760126"/>
+            <a:ext cx="8229600" cy="646331"/>
+          </a:xfrm>
+          <a:prstGeom prst="rect">
+            <a:avLst/>
+          </a:prstGeom>
+          <a:noFill/>
+        </p:spPr>
+        <p:txBody>
+          <a:bodyPr wrap="square">
+            <a:spAutoFit/>
+          </a:bodyPr>
+          <a:lstStyle/>
+          <a:p>
+            <a:r>
+              <a:rPr lang="en-AU" dirty="0">
+                <a:latin typeface="Courier"/>
+              </a:rPr>
+              <a:t>## estimate      se     </a:t>
+            </a:r>
+            <a:r>
+              <a:rPr lang="en-AU" dirty="0" err="1">
+                <a:latin typeface="Courier"/>
+              </a:rPr>
+              <a:t>zval</a:t>
+            </a:r>
+            <a:r>
+              <a:rPr lang="en-AU" dirty="0">
+                <a:latin typeface="Courier"/>
+              </a:rPr>
+              <a:t>    </a:t>
+            </a:r>
+            <a:r>
+              <a:rPr lang="en-AU" dirty="0" err="1">
+                <a:latin typeface="Courier"/>
+              </a:rPr>
+              <a:t>pval</a:t>
+            </a:r>
+            <a:r>
+              <a:rPr lang="en-AU" dirty="0">
+                <a:latin typeface="Courier"/>
+              </a:rPr>
+              <a:t>   </a:t>
+            </a:r>
+            <a:r>
+              <a:rPr lang="en-AU" dirty="0" err="1">
+                <a:latin typeface="Courier"/>
+              </a:rPr>
+              <a:t>ci.lb</a:t>
+            </a:r>
+            <a:r>
+              <a:rPr lang="en-AU" dirty="0">
+                <a:latin typeface="Courier"/>
+              </a:rPr>
+              <a:t>   </a:t>
+            </a:r>
+            <a:r>
+              <a:rPr lang="en-AU" dirty="0" err="1">
+                <a:latin typeface="Courier"/>
+              </a:rPr>
+              <a:t>ci.ub</a:t>
+            </a:r>
+            <a:r>
+              <a:rPr lang="en-AU" dirty="0">
+                <a:latin typeface="Courier"/>
+              </a:rPr>
+              <a:t>     ​ 
+</a:t>
+            </a:r>
+            <a:r>
+              <a:rPr lang="en-AU" b="1" dirty="0">
+                <a:latin typeface="Courier"/>
+              </a:rPr>
+              <a:t>##   2.0731  </a:t>
+            </a:r>
+            <a:r>
+              <a:rPr lang="en-AU" dirty="0">
+                <a:latin typeface="Courier"/>
+              </a:rPr>
+              <a:t>0.0994  20.8459  &lt;.0001  1.8782  2.2680  *** </a:t>
+            </a:r>
+            <a:endParaRPr lang="en-US" dirty="0"/>
           </a:p>
         </p:txBody>
       </p:sp>
       <p:sp>
         <p:nvSpPr>
-          <p:cNvPr id="3" name="Content Placeholder 2">
+          <p:cNvPr id="7" name="TextBox 6">
             <a:extLst>
               <a:ext uri="{FF2B5EF4-FFF2-40B4-BE49-F238E27FC236}">
-                <a16:creationId xmlns:a16="http://schemas.microsoft.com/office/drawing/2014/main" id="{B3AF0CBD-E710-3B93-C22E-40258D7532F2}"/>
+                <a16:creationId xmlns:a16="http://schemas.microsoft.com/office/drawing/2014/main" id="{608FB52E-14FB-37A4-9552-02BB3708A6F5}"/>
               </a:ext>
             </a:extLst>
           </p:cNvPr>
-          <p:cNvSpPr>
-            <a:spLocks noGrp="1"/>
-          </p:cNvSpPr>
-          <p:nvPr>
-            <p:ph idx="1"/>
-          </p:nvPr>
+          <p:cNvSpPr txBox="1"/>
+          <p:nvPr/>
         </p:nvSpPr>
-        <p:spPr/>
+        <p:spPr>
+          <a:xfrm>
+            <a:off x="5972537" y="1810993"/>
+            <a:ext cx="3067291" cy="1200329"/>
+          </a:xfrm>
+          <a:prstGeom prst="rect">
+            <a:avLst/>
+          </a:prstGeom>
+          <a:noFill/>
+        </p:spPr>
         <p:txBody>
-          <a:bodyPr/>
+          <a:bodyPr wrap="square">
+            <a:spAutoFit/>
+          </a:bodyPr>
           <a:lstStyle/>
           <a:p>
+            <a:r>
+              <a:rPr lang="en-AU" i="1" dirty="0">
+                <a:solidFill>
+                  <a:srgbClr val="60A0B0"/>
+                </a:solidFill>
+                <a:latin typeface="Courier"/>
+              </a:rPr>
+              <a:t># We'll need this later but these are weights</a:t>
+            </a:r>
+            <a:br>
+              <a:rPr lang="en-AU" dirty="0"/>
+            </a:br>
+            <a:r>
+              <a:rPr lang="en-AU" dirty="0">
+                <a:latin typeface="Courier"/>
+              </a:rPr>
+              <a:t>    W     </a:t>
+            </a:r>
+            <a:r>
+              <a:rPr lang="en-AU" dirty="0">
+                <a:solidFill>
+                  <a:srgbClr val="007020"/>
+                </a:solidFill>
+                <a:latin typeface="Courier"/>
+              </a:rPr>
+              <a:t>&lt;-</a:t>
+            </a:r>
+            <a:r>
+              <a:rPr lang="en-AU" dirty="0">
+                <a:latin typeface="Courier"/>
+              </a:rPr>
+              <a:t> </a:t>
+            </a:r>
+            <a:r>
+              <a:rPr lang="en-AU" dirty="0">
+                <a:solidFill>
+                  <a:srgbClr val="40A070"/>
+                </a:solidFill>
+                <a:latin typeface="Courier"/>
+              </a:rPr>
+              <a:t>1</a:t>
+            </a:r>
+            <a:r>
+              <a:rPr lang="en-AU" dirty="0">
+                <a:latin typeface="Courier"/>
+              </a:rPr>
+              <a:t> </a:t>
+            </a:r>
+            <a:r>
+              <a:rPr lang="en-AU" dirty="0">
+                <a:solidFill>
+                  <a:srgbClr val="4070A0"/>
+                </a:solidFill>
+                <a:latin typeface="Courier"/>
+              </a:rPr>
+              <a:t>/</a:t>
+            </a:r>
+            <a:r>
+              <a:rPr lang="en-AU" dirty="0">
+                <a:latin typeface="Courier"/>
+              </a:rPr>
+              <a:t> </a:t>
+            </a:r>
+            <a:r>
+              <a:rPr lang="en-AU" dirty="0" err="1">
+                <a:latin typeface="Courier"/>
+              </a:rPr>
+              <a:t>Ves</a:t>
+            </a:r>
+            <a:r>
+              <a:rPr lang="en-AU" dirty="0">
+                <a:latin typeface="Courier"/>
+              </a:rPr>
+              <a:t> </a:t>
+            </a:r>
+            <a:endParaRPr lang="en-US" dirty="0"/>
+          </a:p>
+        </p:txBody>
+      </p:sp>
+      <p:sp>
+        <p:nvSpPr>
+          <p:cNvPr id="8" name="Rectangle 7">
+            <a:extLst>
+              <a:ext uri="{FF2B5EF4-FFF2-40B4-BE49-F238E27FC236}">
+                <a16:creationId xmlns:a16="http://schemas.microsoft.com/office/drawing/2014/main" id="{CB627119-866D-7F3A-A58E-EC70F304A413}"/>
+              </a:ext>
+            </a:extLst>
+          </p:cNvPr>
+          <p:cNvSpPr/>
+          <p:nvPr/>
+        </p:nvSpPr>
+        <p:spPr>
+          <a:xfrm>
+            <a:off x="5868365" y="1810993"/>
+            <a:ext cx="3275635" cy="1325746"/>
+          </a:xfrm>
+          <a:prstGeom prst="rect">
+            <a:avLst/>
+          </a:prstGeom>
+          <a:solidFill>
+            <a:schemeClr val="bg1"/>
+          </a:solidFill>
+          <a:ln>
+            <a:solidFill>
+              <a:schemeClr val="bg1"/>
+            </a:solidFill>
+          </a:ln>
+          <a:effectLst>
+            <a:outerShdw dist="23000" sx="1000" sy="1000" rotWithShape="0">
+              <a:srgbClr val="000000"/>
+            </a:outerShdw>
+          </a:effectLst>
+        </p:spPr>
+        <p:style>
+          <a:lnRef idx="1">
+            <a:schemeClr val="accent1"/>
+          </a:lnRef>
+          <a:fillRef idx="3">
+            <a:schemeClr val="accent1"/>
+          </a:fillRef>
+          <a:effectRef idx="2">
+            <a:schemeClr val="accent1"/>
+          </a:effectRef>
+          <a:fontRef idx="minor">
+            <a:schemeClr val="lt1"/>
+          </a:fontRef>
+        </p:style>
+        <p:txBody>
+          <a:bodyPr rtlCol="0" anchor="ctr"/>
+          <a:lstStyle/>
+          <a:p>
+            <a:pPr algn="ctr"/>
+            <a:endParaRPr lang="en-US"/>
+          </a:p>
+        </p:txBody>
+      </p:sp>
+      <p:sp>
+        <p:nvSpPr>
+          <p:cNvPr id="10" name="Rectangle 9">
+            <a:extLst>
+              <a:ext uri="{FF2B5EF4-FFF2-40B4-BE49-F238E27FC236}">
+                <a16:creationId xmlns:a16="http://schemas.microsoft.com/office/drawing/2014/main" id="{BF1151AC-740E-3813-410C-D9084B7C42D8}"/>
+              </a:ext>
+            </a:extLst>
+          </p:cNvPr>
+          <p:cNvSpPr/>
+          <p:nvPr/>
+        </p:nvSpPr>
+        <p:spPr>
+          <a:xfrm>
+            <a:off x="237281" y="2847150"/>
+            <a:ext cx="8669438" cy="3640330"/>
+          </a:xfrm>
+          <a:prstGeom prst="rect">
+            <a:avLst/>
+          </a:prstGeom>
+          <a:solidFill>
+            <a:schemeClr val="bg1"/>
+          </a:solidFill>
+          <a:ln>
+            <a:solidFill>
+              <a:schemeClr val="bg1"/>
+            </a:solidFill>
+          </a:ln>
+          <a:effectLst>
+            <a:outerShdw dist="23000" sx="1000" sy="1000" rotWithShape="0">
+              <a:srgbClr val="000000"/>
+            </a:outerShdw>
+          </a:effectLst>
+        </p:spPr>
+        <p:style>
+          <a:lnRef idx="1">
+            <a:schemeClr val="accent1"/>
+          </a:lnRef>
+          <a:fillRef idx="3">
+            <a:schemeClr val="accent1"/>
+          </a:fillRef>
+          <a:effectRef idx="2">
+            <a:schemeClr val="accent1"/>
+          </a:effectRef>
+          <a:fontRef idx="minor">
+            <a:schemeClr val="lt1"/>
+          </a:fontRef>
+        </p:style>
+        <p:txBody>
+          <a:bodyPr rtlCol="0" anchor="ctr"/>
+          <a:lstStyle/>
+          <a:p>
+            <a:pPr algn="ctr"/>
             <a:endParaRPr lang="en-US"/>
           </a:p>
         </p:txBody>
       </p:sp>
     </p:spTree>
-    <p:extLst>
-      <p:ext uri="{BB962C8B-B14F-4D97-AF65-F5344CB8AC3E}">
-        <p14:creationId xmlns:p14="http://schemas.microsoft.com/office/powerpoint/2010/main" val="1993766102"/>
-      </p:ext>
-    </p:extLst>
   </p:cSld>
   <p:clrMapOvr>
     <a:masterClrMapping/>
@@ -4395,13 +5770,2875 @@
       </p:grpSpPr>
       <p:sp>
         <p:nvSpPr>
-          <p:cNvPr id="2" name="Title 1">
+          <p:cNvPr id="2" name="Title 1"/>
+          <p:cNvSpPr>
+            <a:spLocks noGrp="1"/>
+          </p:cNvSpPr>
+          <p:nvPr>
+            <p:ph type="title"/>
+          </p:nvPr>
+        </p:nvSpPr>
+        <p:spPr/>
+        <p:txBody>
+          <a:bodyPr>
+            <a:normAutofit fontScale="90000"/>
+          </a:bodyPr>
+          <a:lstStyle/>
+          <a:p>
+            <a:r>
+              <a:rPr dirty="0"/>
+              <a:t>Now </a:t>
+            </a:r>
+            <a:r>
+              <a:rPr lang="en-AU" dirty="0"/>
+              <a:t>a fixed effect analysis by hand…</a:t>
+            </a:r>
+            <a:endParaRPr dirty="0"/>
+          </a:p>
+        </p:txBody>
+      </p:sp>
+      <mc:AlternateContent xmlns:mc="http://schemas.openxmlformats.org/markup-compatibility/2006">
+        <mc:Choice xmlns:a14="http://schemas.microsoft.com/office/drawing/2010/main" Requires="a14">
+          <p:sp>
+            <p:nvSpPr>
+              <p:cNvPr id="3" name="Content Placeholder 2"/>
+              <p:cNvSpPr>
+                <a:spLocks noGrp="1"/>
+              </p:cNvSpPr>
+              <p:nvPr>
+                <p:ph idx="1"/>
+              </p:nvPr>
+            </p:nvSpPr>
+            <p:spPr>
+              <a:xfrm>
+                <a:off x="457200" y="1417639"/>
+                <a:ext cx="8229600" cy="4525963"/>
+              </a:xfrm>
+            </p:spPr>
+            <p:txBody>
+              <a:bodyPr>
+                <a:normAutofit fontScale="47500" lnSpcReduction="20000"/>
+              </a:bodyPr>
+              <a:lstStyle/>
+              <a:p>
+                <a:pPr marL="0" indent="0">
+                  <a:buNone/>
+                </a:pPr>
+                <a:r>
+                  <a:rPr sz="3800" dirty="0"/>
+                  <a:t>We can even do all the seemingly fancy stuff </a:t>
+                </a:r>
+                <a:r>
+                  <a:rPr sz="3800" dirty="0" err="1">
+                    <a:latin typeface="Courier"/>
+                  </a:rPr>
+                  <a:t>metafor</a:t>
+                </a:r>
+                <a:r>
+                  <a:rPr sz="3800" dirty="0"/>
+                  <a:t> is doing ourselves if we want….we just need to know the equations:</a:t>
+                </a:r>
+                <a:endParaRPr lang="en-AU" sz="3800" dirty="0"/>
+              </a:p>
+              <a:p>
+                <a:pPr marL="0" indent="0">
+                  <a:buNone/>
+                </a:pPr>
+                <a:endParaRPr dirty="0"/>
+              </a:p>
+              <a:p>
+                <a:pPr marL="0" indent="0">
+                  <a:buNone/>
+                </a:pPr>
+                <a14:m>
+                  <m:oMathPara xmlns:m="http://schemas.openxmlformats.org/officeDocument/2006/math">
+                    <m:oMathParaPr>
+                      <m:jc m:val="center"/>
+                    </m:oMathParaPr>
+                    <m:oMath xmlns:m="http://schemas.openxmlformats.org/officeDocument/2006/math">
+                      <m:acc>
+                        <m:accPr>
+                          <m:chr m:val="‾"/>
+                          <m:ctrlPr>
+                            <a:rPr>
+                              <a:latin typeface="Cambria Math" panose="02040503050406030204" pitchFamily="18" charset="0"/>
+                            </a:rPr>
+                          </m:ctrlPr>
+                        </m:accPr>
+                        <m:e>
+                          <m:r>
+                            <a:rPr>
+                              <a:latin typeface="Cambria Math" panose="02040503050406030204" pitchFamily="18" charset="0"/>
+                            </a:rPr>
+                            <m:t>𝐸𝑆</m:t>
+                          </m:r>
+                        </m:e>
+                      </m:acc>
+                      <m:r>
+                        <a:rPr>
+                          <a:latin typeface="Cambria Math" panose="02040503050406030204" pitchFamily="18" charset="0"/>
+                        </a:rPr>
+                        <m:t>=∑</m:t>
+                      </m:r>
+                      <m:d>
+                        <m:dPr>
+                          <m:ctrlPr>
+                            <a:rPr i="1">
+                              <a:latin typeface="Cambria Math" panose="02040503050406030204" pitchFamily="18" charset="0"/>
+                            </a:rPr>
+                          </m:ctrlPr>
+                        </m:dPr>
+                        <m:e>
+                          <m:r>
+                            <a:rPr>
+                              <a:latin typeface="Cambria Math" panose="02040503050406030204" pitchFamily="18" charset="0"/>
+                            </a:rPr>
+                            <m:t>𝑊</m:t>
+                          </m:r>
+                          <m:r>
+                            <a:rPr>
+                              <a:latin typeface="Cambria Math" panose="02040503050406030204" pitchFamily="18" charset="0"/>
+                            </a:rPr>
+                            <m:t>∗</m:t>
+                          </m:r>
+                          <m:r>
+                            <a:rPr>
+                              <a:latin typeface="Cambria Math" panose="02040503050406030204" pitchFamily="18" charset="0"/>
+                            </a:rPr>
+                            <m:t>𝐸𝑆</m:t>
+                          </m:r>
+                        </m:e>
+                      </m:d>
+                      <m:r>
+                        <a:rPr>
+                          <a:latin typeface="Cambria Math" panose="02040503050406030204" pitchFamily="18" charset="0"/>
+                        </a:rPr>
+                        <m:t>/∑</m:t>
+                      </m:r>
+                      <m:r>
+                        <a:rPr>
+                          <a:latin typeface="Cambria Math" panose="02040503050406030204" pitchFamily="18" charset="0"/>
+                        </a:rPr>
+                        <m:t>𝑊</m:t>
+                      </m:r>
+                    </m:oMath>
+                  </m:oMathPara>
+                </a14:m>
+                <a:endParaRPr dirty="0"/>
+              </a:p>
+              <a:p>
+                <a:pPr marL="0" indent="0">
+                  <a:buNone/>
+                </a:pPr>
+                <a14:m>
+                  <m:oMathPara xmlns:m="http://schemas.openxmlformats.org/officeDocument/2006/math">
+                    <m:oMathParaPr>
+                      <m:jc m:val="center"/>
+                    </m:oMathParaPr>
+                    <m:oMath xmlns:m="http://schemas.openxmlformats.org/officeDocument/2006/math">
+                      <m:sSubSup>
+                        <m:sSubSupPr>
+                          <m:ctrlPr>
+                            <a:rPr>
+                              <a:latin typeface="Cambria Math" panose="02040503050406030204" pitchFamily="18" charset="0"/>
+                            </a:rPr>
+                          </m:ctrlPr>
+                        </m:sSubSupPr>
+                        <m:e>
+                          <m:r>
+                            <a:rPr>
+                              <a:latin typeface="Cambria Math" panose="02040503050406030204" pitchFamily="18" charset="0"/>
+                            </a:rPr>
+                            <m:t>𝜎</m:t>
+                          </m:r>
+                        </m:e>
+                        <m:sub>
+                          <m:acc>
+                            <m:accPr>
+                              <m:chr m:val="‾"/>
+                              <m:ctrlPr>
+                                <a:rPr i="1">
+                                  <a:latin typeface="Cambria Math" panose="02040503050406030204" pitchFamily="18" charset="0"/>
+                                </a:rPr>
+                              </m:ctrlPr>
+                            </m:accPr>
+                            <m:e>
+                              <m:r>
+                                <a:rPr>
+                                  <a:latin typeface="Cambria Math" panose="02040503050406030204" pitchFamily="18" charset="0"/>
+                                </a:rPr>
+                                <m:t>𝐸𝑆</m:t>
+                              </m:r>
+                            </m:e>
+                          </m:acc>
+                        </m:sub>
+                        <m:sup>
+                          <m:r>
+                            <a:rPr>
+                              <a:latin typeface="Cambria Math" panose="02040503050406030204" pitchFamily="18" charset="0"/>
+                            </a:rPr>
+                            <m:t>2</m:t>
+                          </m:r>
+                        </m:sup>
+                      </m:sSubSup>
+                      <m:r>
+                        <a:rPr>
+                          <a:latin typeface="Cambria Math" panose="02040503050406030204" pitchFamily="18" charset="0"/>
+                        </a:rPr>
+                        <m:t>=</m:t>
+                      </m:r>
+                      <m:f>
+                        <m:fPr>
+                          <m:ctrlPr>
+                            <a:rPr i="1">
+                              <a:latin typeface="Cambria Math" panose="02040503050406030204" pitchFamily="18" charset="0"/>
+                            </a:rPr>
+                          </m:ctrlPr>
+                        </m:fPr>
+                        <m:num>
+                          <m:r>
+                            <a:rPr>
+                              <a:latin typeface="Cambria Math" panose="02040503050406030204" pitchFamily="18" charset="0"/>
+                            </a:rPr>
+                            <m:t>1</m:t>
+                          </m:r>
+                        </m:num>
+                        <m:den>
+                          <m:r>
+                            <a:rPr>
+                              <a:latin typeface="Cambria Math" panose="02040503050406030204" pitchFamily="18" charset="0"/>
+                            </a:rPr>
+                            <m:t>∑</m:t>
+                          </m:r>
+                          <m:r>
+                            <a:rPr>
+                              <a:latin typeface="Cambria Math" panose="02040503050406030204" pitchFamily="18" charset="0"/>
+                            </a:rPr>
+                            <m:t>𝑊</m:t>
+                          </m:r>
+                        </m:den>
+                      </m:f>
+                    </m:oMath>
+                  </m:oMathPara>
+                </a14:m>
+                <a:endParaRPr dirty="0"/>
+              </a:p>
+              <a:p>
+                <a:pPr indent="0">
+                  <a:buNone/>
+                </a:pPr>
+                <a:r>
+                  <a:rPr i="1" dirty="0">
+                    <a:solidFill>
+                      <a:srgbClr val="60A0B0"/>
+                    </a:solidFill>
+                    <a:latin typeface="Courier"/>
+                  </a:rPr>
+                  <a:t># Calculate pooled effect size</a:t>
+                </a:r>
+                <a:br>
+                  <a:rPr dirty="0"/>
+                </a:br>
+                <a:r>
+                  <a:rPr dirty="0">
+                    <a:latin typeface="Courier"/>
+                  </a:rPr>
+                  <a:t>       </a:t>
+                </a:r>
+                <a:r>
+                  <a:rPr dirty="0" err="1">
+                    <a:latin typeface="Courier"/>
+                  </a:rPr>
+                  <a:t>EsP.FE</a:t>
+                </a:r>
+                <a:r>
+                  <a:rPr dirty="0">
+                    <a:latin typeface="Courier"/>
+                  </a:rPr>
+                  <a:t> </a:t>
+                </a:r>
+                <a:r>
+                  <a:rPr dirty="0">
+                    <a:solidFill>
+                      <a:srgbClr val="007020"/>
+                    </a:solidFill>
+                    <a:latin typeface="Courier"/>
+                  </a:rPr>
+                  <a:t>&lt;-</a:t>
+                </a:r>
+                <a:r>
+                  <a:rPr dirty="0">
+                    <a:latin typeface="Courier"/>
+                  </a:rPr>
+                  <a:t> </a:t>
+                </a:r>
+                <a:r>
+                  <a:rPr dirty="0">
+                    <a:solidFill>
+                      <a:srgbClr val="06287E"/>
+                    </a:solidFill>
+                    <a:latin typeface="Courier"/>
+                  </a:rPr>
+                  <a:t>sum</a:t>
+                </a:r>
+                <a:r>
+                  <a:rPr dirty="0">
+                    <a:latin typeface="Courier"/>
+                  </a:rPr>
+                  <a:t>(W</a:t>
+                </a:r>
+                <a:r>
+                  <a:rPr dirty="0">
+                    <a:solidFill>
+                      <a:srgbClr val="4070A0"/>
+                    </a:solidFill>
+                    <a:latin typeface="Courier"/>
+                  </a:rPr>
+                  <a:t>*</a:t>
+                </a:r>
+                <a:r>
+                  <a:rPr dirty="0" err="1">
+                    <a:latin typeface="Courier"/>
+                  </a:rPr>
+                  <a:t>dataFE</a:t>
+                </a:r>
+                <a:r>
+                  <a:rPr dirty="0" err="1">
+                    <a:solidFill>
+                      <a:srgbClr val="4070A0"/>
+                    </a:solidFill>
+                    <a:latin typeface="Courier"/>
+                  </a:rPr>
+                  <a:t>$</a:t>
+                </a:r>
+                <a:r>
+                  <a:rPr dirty="0" err="1">
+                    <a:latin typeface="Courier"/>
+                  </a:rPr>
+                  <a:t>es</a:t>
+                </a:r>
+                <a:r>
+                  <a:rPr dirty="0">
+                    <a:latin typeface="Courier"/>
+                  </a:rPr>
+                  <a:t>) </a:t>
+                </a:r>
+                <a:r>
+                  <a:rPr dirty="0">
+                    <a:solidFill>
+                      <a:srgbClr val="4070A0"/>
+                    </a:solidFill>
+                    <a:latin typeface="Courier"/>
+                  </a:rPr>
+                  <a:t>/</a:t>
+                </a:r>
+                <a:r>
+                  <a:rPr dirty="0">
+                    <a:latin typeface="Courier"/>
+                  </a:rPr>
+                  <a:t> </a:t>
+                </a:r>
+                <a:r>
+                  <a:rPr dirty="0">
+                    <a:solidFill>
+                      <a:srgbClr val="06287E"/>
+                    </a:solidFill>
+                    <a:latin typeface="Courier"/>
+                  </a:rPr>
+                  <a:t>sum</a:t>
+                </a:r>
+                <a:r>
+                  <a:rPr dirty="0">
+                    <a:latin typeface="Courier"/>
+                  </a:rPr>
+                  <a:t>(W)</a:t>
+                </a:r>
+                <a:br>
+                  <a:rPr dirty="0"/>
+                </a:br>
+                <a:r>
+                  <a:rPr dirty="0">
+                    <a:latin typeface="Courier"/>
+                  </a:rPr>
+                  <a:t>       </a:t>
+                </a:r>
+                <a:r>
+                  <a:rPr dirty="0" err="1">
+                    <a:latin typeface="Courier"/>
+                  </a:rPr>
+                  <a:t>EsP.FE</a:t>
+                </a:r>
+                <a:endParaRPr dirty="0">
+                  <a:latin typeface="Courier"/>
+                </a:endParaRPr>
+              </a:p>
+              <a:p>
+                <a:pPr indent="0">
+                  <a:buNone/>
+                </a:pPr>
+                <a:r>
+                  <a:rPr dirty="0">
+                    <a:latin typeface="Courier"/>
+                  </a:rPr>
+                  <a:t>## [1] 2.073105</a:t>
+                </a:r>
+              </a:p>
+              <a:p>
+                <a:pPr indent="0">
+                  <a:buNone/>
+                </a:pPr>
+                <a:r>
+                  <a:rPr i="1" dirty="0">
+                    <a:solidFill>
+                      <a:srgbClr val="60A0B0"/>
+                    </a:solidFill>
+                    <a:latin typeface="Courier"/>
+                  </a:rPr>
+                  <a:t># Calculate the pooled variance around estimate</a:t>
+                </a:r>
+                <a:br>
+                  <a:rPr dirty="0"/>
+                </a:br>
+                <a:r>
+                  <a:rPr dirty="0">
+                    <a:latin typeface="Courier"/>
+                  </a:rPr>
+                  <a:t>    </a:t>
+                </a:r>
+                <a:r>
+                  <a:rPr dirty="0" err="1">
+                    <a:latin typeface="Courier"/>
+                  </a:rPr>
+                  <a:t>VarEsP.FE</a:t>
+                </a:r>
+                <a:r>
+                  <a:rPr dirty="0">
+                    <a:latin typeface="Courier"/>
+                  </a:rPr>
+                  <a:t> </a:t>
+                </a:r>
+                <a:r>
+                  <a:rPr dirty="0">
+                    <a:solidFill>
+                      <a:srgbClr val="007020"/>
+                    </a:solidFill>
+                    <a:latin typeface="Courier"/>
+                  </a:rPr>
+                  <a:t>&lt;-</a:t>
+                </a:r>
+                <a:r>
+                  <a:rPr dirty="0">
+                    <a:latin typeface="Courier"/>
+                  </a:rPr>
+                  <a:t> </a:t>
+                </a:r>
+                <a:r>
+                  <a:rPr dirty="0">
+                    <a:solidFill>
+                      <a:srgbClr val="40A070"/>
+                    </a:solidFill>
+                    <a:latin typeface="Courier"/>
+                  </a:rPr>
+                  <a:t>1</a:t>
+                </a:r>
+                <a:r>
+                  <a:rPr dirty="0">
+                    <a:latin typeface="Courier"/>
+                  </a:rPr>
+                  <a:t> </a:t>
+                </a:r>
+                <a:r>
+                  <a:rPr dirty="0">
+                    <a:solidFill>
+                      <a:srgbClr val="4070A0"/>
+                    </a:solidFill>
+                    <a:latin typeface="Courier"/>
+                  </a:rPr>
+                  <a:t>/</a:t>
+                </a:r>
+                <a:r>
+                  <a:rPr dirty="0">
+                    <a:latin typeface="Courier"/>
+                  </a:rPr>
+                  <a:t> </a:t>
+                </a:r>
+                <a:r>
+                  <a:rPr dirty="0">
+                    <a:solidFill>
+                      <a:srgbClr val="06287E"/>
+                    </a:solidFill>
+                    <a:latin typeface="Courier"/>
+                  </a:rPr>
+                  <a:t>sum</a:t>
+                </a:r>
+                <a:r>
+                  <a:rPr dirty="0">
+                    <a:latin typeface="Courier"/>
+                  </a:rPr>
+                  <a:t>(W)</a:t>
+                </a:r>
+                <a:br>
+                  <a:rPr dirty="0"/>
+                </a:br>
+                <a:r>
+                  <a:rPr dirty="0">
+                    <a:latin typeface="Courier"/>
+                  </a:rPr>
+                  <a:t>    </a:t>
+                </a:r>
+                <a:r>
+                  <a:rPr dirty="0" err="1">
+                    <a:latin typeface="Courier"/>
+                  </a:rPr>
+                  <a:t>VarEsP.FE</a:t>
+                </a:r>
+                <a:endParaRPr dirty="0">
+                  <a:latin typeface="Courier"/>
+                </a:endParaRPr>
+              </a:p>
+              <a:p>
+                <a:pPr indent="0">
+                  <a:buNone/>
+                </a:pPr>
+                <a:r>
+                  <a:rPr dirty="0">
+                    <a:latin typeface="Courier"/>
+                  </a:rPr>
+                  <a:t>## [1] 0.00989011</a:t>
+                </a:r>
+              </a:p>
+              <a:p>
+                <a:pPr indent="0">
+                  <a:buNone/>
+                </a:pPr>
+                <a:r>
+                  <a:rPr i="1" dirty="0">
+                    <a:solidFill>
+                      <a:srgbClr val="60A0B0"/>
+                    </a:solidFill>
+                    <a:latin typeface="Courier"/>
+                  </a:rPr>
+                  <a:t># Calculate the standard error around estimate</a:t>
+                </a:r>
+                <a:br>
+                  <a:rPr dirty="0"/>
+                </a:br>
+                <a:r>
+                  <a:rPr dirty="0">
+                    <a:latin typeface="Courier"/>
+                  </a:rPr>
+                  <a:t>    </a:t>
+                </a:r>
+                <a:r>
+                  <a:rPr dirty="0" err="1">
+                    <a:latin typeface="Courier"/>
+                  </a:rPr>
+                  <a:t>SE.EsP.FE</a:t>
+                </a:r>
+                <a:r>
+                  <a:rPr dirty="0">
+                    <a:latin typeface="Courier"/>
+                  </a:rPr>
+                  <a:t> </a:t>
+                </a:r>
+                <a:r>
+                  <a:rPr dirty="0">
+                    <a:solidFill>
+                      <a:srgbClr val="007020"/>
+                    </a:solidFill>
+                    <a:latin typeface="Courier"/>
+                  </a:rPr>
+                  <a:t>&lt;-</a:t>
+                </a:r>
+                <a:r>
+                  <a:rPr dirty="0">
+                    <a:latin typeface="Courier"/>
+                  </a:rPr>
+                  <a:t> </a:t>
+                </a:r>
+                <a:r>
+                  <a:rPr dirty="0">
+                    <a:solidFill>
+                      <a:srgbClr val="06287E"/>
+                    </a:solidFill>
+                    <a:latin typeface="Courier"/>
+                  </a:rPr>
+                  <a:t>sqrt</a:t>
+                </a:r>
+                <a:r>
+                  <a:rPr dirty="0">
+                    <a:latin typeface="Courier"/>
+                  </a:rPr>
+                  <a:t>(</a:t>
+                </a:r>
+                <a:r>
+                  <a:rPr dirty="0" err="1">
+                    <a:latin typeface="Courier"/>
+                  </a:rPr>
+                  <a:t>VarEsP.FE</a:t>
+                </a:r>
+                <a:r>
+                  <a:rPr dirty="0">
+                    <a:latin typeface="Courier"/>
+                  </a:rPr>
+                  <a:t>)</a:t>
+                </a:r>
+                <a:br>
+                  <a:rPr dirty="0"/>
+                </a:br>
+                <a:r>
+                  <a:rPr dirty="0">
+                    <a:latin typeface="Courier"/>
+                  </a:rPr>
+                  <a:t>    </a:t>
+                </a:r>
+                <a:r>
+                  <a:rPr dirty="0" err="1">
+                    <a:latin typeface="Courier"/>
+                  </a:rPr>
+                  <a:t>SE.EsP.FE</a:t>
+                </a:r>
+                <a:endParaRPr dirty="0">
+                  <a:latin typeface="Courier"/>
+                </a:endParaRPr>
+              </a:p>
+              <a:p>
+                <a:pPr indent="0">
+                  <a:buNone/>
+                </a:pPr>
+                <a:r>
+                  <a:rPr dirty="0">
+                    <a:latin typeface="Courier"/>
+                  </a:rPr>
+                  <a:t>## [1] 0.09944903</a:t>
+                </a:r>
+              </a:p>
+            </p:txBody>
+          </p:sp>
+        </mc:Choice>
+        <mc:Fallback>
+          <p:sp>
+            <p:nvSpPr>
+              <p:cNvPr id="3" name="Content Placeholder 2"/>
+              <p:cNvSpPr>
+                <a:spLocks noGrp="1" noRot="1" noChangeAspect="1" noMove="1" noResize="1" noEditPoints="1" noAdjustHandles="1" noChangeArrowheads="1" noChangeShapeType="1" noTextEdit="1"/>
+              </p:cNvSpPr>
+              <p:nvPr>
+                <p:ph idx="1"/>
+              </p:nvPr>
+            </p:nvSpPr>
+            <p:spPr>
+              <a:xfrm>
+                <a:off x="457200" y="1417639"/>
+                <a:ext cx="8229600" cy="4525963"/>
+              </a:xfrm>
+              <a:blipFill>
+                <a:blip r:embed="rId2"/>
+                <a:stretch>
+                  <a:fillRect l="-617" t="-1676"/>
+                </a:stretch>
+              </a:blipFill>
+            </p:spPr>
+            <p:txBody>
+              <a:bodyPr/>
+              <a:lstStyle/>
+              <a:p>
+                <a:r>
+                  <a:rPr lang="en-US">
+                    <a:noFill/>
+                  </a:rPr>
+                  <a:t> </a:t>
+                </a:r>
+              </a:p>
+            </p:txBody>
+          </p:sp>
+        </mc:Fallback>
+      </mc:AlternateContent>
+      <p:sp>
+        <p:nvSpPr>
+          <p:cNvPr id="5" name="TextBox 4">
             <a:extLst>
               <a:ext uri="{FF2B5EF4-FFF2-40B4-BE49-F238E27FC236}">
-                <a16:creationId xmlns:a16="http://schemas.microsoft.com/office/drawing/2014/main" id="{F515B92A-F80A-6901-A341-D6F2A111D7CD}"/>
+                <a16:creationId xmlns:a16="http://schemas.microsoft.com/office/drawing/2014/main" id="{02626239-739F-B63B-6E22-154725F8397D}"/>
               </a:ext>
             </a:extLst>
           </p:cNvPr>
+          <p:cNvSpPr txBox="1"/>
+          <p:nvPr/>
+        </p:nvSpPr>
+        <p:spPr>
+          <a:xfrm>
+            <a:off x="677119" y="5760126"/>
+            <a:ext cx="8229600" cy="646331"/>
+          </a:xfrm>
+          <a:prstGeom prst="rect">
+            <a:avLst/>
+          </a:prstGeom>
+          <a:noFill/>
+        </p:spPr>
+        <p:txBody>
+          <a:bodyPr wrap="square">
+            <a:spAutoFit/>
+          </a:bodyPr>
+          <a:lstStyle/>
+          <a:p>
+            <a:r>
+              <a:rPr lang="en-AU" dirty="0">
+                <a:latin typeface="Courier"/>
+              </a:rPr>
+              <a:t>## estimate      se     </a:t>
+            </a:r>
+            <a:r>
+              <a:rPr lang="en-AU" dirty="0" err="1">
+                <a:latin typeface="Courier"/>
+              </a:rPr>
+              <a:t>zval</a:t>
+            </a:r>
+            <a:r>
+              <a:rPr lang="en-AU" dirty="0">
+                <a:latin typeface="Courier"/>
+              </a:rPr>
+              <a:t>    </a:t>
+            </a:r>
+            <a:r>
+              <a:rPr lang="en-AU" dirty="0" err="1">
+                <a:latin typeface="Courier"/>
+              </a:rPr>
+              <a:t>pval</a:t>
+            </a:r>
+            <a:r>
+              <a:rPr lang="en-AU" dirty="0">
+                <a:latin typeface="Courier"/>
+              </a:rPr>
+              <a:t>   </a:t>
+            </a:r>
+            <a:r>
+              <a:rPr lang="en-AU" dirty="0" err="1">
+                <a:latin typeface="Courier"/>
+              </a:rPr>
+              <a:t>ci.lb</a:t>
+            </a:r>
+            <a:r>
+              <a:rPr lang="en-AU" dirty="0">
+                <a:latin typeface="Courier"/>
+              </a:rPr>
+              <a:t>   </a:t>
+            </a:r>
+            <a:r>
+              <a:rPr lang="en-AU" dirty="0" err="1">
+                <a:latin typeface="Courier"/>
+              </a:rPr>
+              <a:t>ci.ub</a:t>
+            </a:r>
+            <a:r>
+              <a:rPr lang="en-AU" dirty="0">
+                <a:latin typeface="Courier"/>
+              </a:rPr>
+              <a:t>     ​ 
+</a:t>
+            </a:r>
+            <a:r>
+              <a:rPr lang="en-AU" b="1" dirty="0">
+                <a:latin typeface="Courier"/>
+              </a:rPr>
+              <a:t>##   2.0731  </a:t>
+            </a:r>
+            <a:r>
+              <a:rPr lang="en-AU" dirty="0">
+                <a:latin typeface="Courier"/>
+              </a:rPr>
+              <a:t>0.0994  20.8459  &lt;.0001  1.8782  2.2680  *** </a:t>
+            </a:r>
+            <a:endParaRPr lang="en-US" dirty="0"/>
+          </a:p>
+        </p:txBody>
+      </p:sp>
+      <p:sp>
+        <p:nvSpPr>
+          <p:cNvPr id="7" name="TextBox 6">
+            <a:extLst>
+              <a:ext uri="{FF2B5EF4-FFF2-40B4-BE49-F238E27FC236}">
+                <a16:creationId xmlns:a16="http://schemas.microsoft.com/office/drawing/2014/main" id="{608FB52E-14FB-37A4-9552-02BB3708A6F5}"/>
+              </a:ext>
+            </a:extLst>
+          </p:cNvPr>
+          <p:cNvSpPr txBox="1"/>
+          <p:nvPr/>
+        </p:nvSpPr>
+        <p:spPr>
+          <a:xfrm>
+            <a:off x="5949387" y="1721288"/>
+            <a:ext cx="3067291" cy="1200329"/>
+          </a:xfrm>
+          <a:prstGeom prst="rect">
+            <a:avLst/>
+          </a:prstGeom>
+          <a:noFill/>
+        </p:spPr>
+        <p:txBody>
+          <a:bodyPr wrap="square">
+            <a:spAutoFit/>
+          </a:bodyPr>
+          <a:lstStyle/>
+          <a:p>
+            <a:r>
+              <a:rPr lang="en-AU" i="1" dirty="0">
+                <a:solidFill>
+                  <a:srgbClr val="60A0B0"/>
+                </a:solidFill>
+                <a:latin typeface="Courier"/>
+              </a:rPr>
+              <a:t># We'll need this later but these are weights</a:t>
+            </a:r>
+            <a:br>
+              <a:rPr lang="en-AU" dirty="0"/>
+            </a:br>
+            <a:r>
+              <a:rPr lang="en-AU" dirty="0">
+                <a:latin typeface="Courier"/>
+              </a:rPr>
+              <a:t>    W     </a:t>
+            </a:r>
+            <a:r>
+              <a:rPr lang="en-AU" dirty="0">
+                <a:solidFill>
+                  <a:srgbClr val="007020"/>
+                </a:solidFill>
+                <a:latin typeface="Courier"/>
+              </a:rPr>
+              <a:t>&lt;-</a:t>
+            </a:r>
+            <a:r>
+              <a:rPr lang="en-AU" dirty="0">
+                <a:latin typeface="Courier"/>
+              </a:rPr>
+              <a:t> </a:t>
+            </a:r>
+            <a:r>
+              <a:rPr lang="en-AU" dirty="0">
+                <a:solidFill>
+                  <a:srgbClr val="40A070"/>
+                </a:solidFill>
+                <a:latin typeface="Courier"/>
+              </a:rPr>
+              <a:t>1</a:t>
+            </a:r>
+            <a:r>
+              <a:rPr lang="en-AU" dirty="0">
+                <a:latin typeface="Courier"/>
+              </a:rPr>
+              <a:t> </a:t>
+            </a:r>
+            <a:r>
+              <a:rPr lang="en-AU" dirty="0">
+                <a:solidFill>
+                  <a:srgbClr val="4070A0"/>
+                </a:solidFill>
+                <a:latin typeface="Courier"/>
+              </a:rPr>
+              <a:t>/</a:t>
+            </a:r>
+            <a:r>
+              <a:rPr lang="en-AU" dirty="0">
+                <a:latin typeface="Courier"/>
+              </a:rPr>
+              <a:t> </a:t>
+            </a:r>
+            <a:r>
+              <a:rPr lang="en-AU" dirty="0" err="1">
+                <a:latin typeface="Courier"/>
+              </a:rPr>
+              <a:t>Ves</a:t>
+            </a:r>
+            <a:r>
+              <a:rPr lang="en-AU" dirty="0">
+                <a:latin typeface="Courier"/>
+              </a:rPr>
+              <a:t> </a:t>
+            </a:r>
+            <a:endParaRPr lang="en-US" dirty="0"/>
+          </a:p>
+        </p:txBody>
+      </p:sp>
+      <p:sp>
+        <p:nvSpPr>
+          <p:cNvPr id="10" name="Rectangle 9">
+            <a:extLst>
+              <a:ext uri="{FF2B5EF4-FFF2-40B4-BE49-F238E27FC236}">
+                <a16:creationId xmlns:a16="http://schemas.microsoft.com/office/drawing/2014/main" id="{BF1151AC-740E-3813-410C-D9084B7C42D8}"/>
+              </a:ext>
+            </a:extLst>
+          </p:cNvPr>
+          <p:cNvSpPr/>
+          <p:nvPr/>
+        </p:nvSpPr>
+        <p:spPr>
+          <a:xfrm>
+            <a:off x="237281" y="2858946"/>
+            <a:ext cx="8669438" cy="3628533"/>
+          </a:xfrm>
+          <a:prstGeom prst="rect">
+            <a:avLst/>
+          </a:prstGeom>
+          <a:solidFill>
+            <a:schemeClr val="bg1"/>
+          </a:solidFill>
+          <a:ln>
+            <a:solidFill>
+              <a:schemeClr val="bg1"/>
+            </a:solidFill>
+          </a:ln>
+          <a:effectLst>
+            <a:outerShdw dist="23000" sx="1000" sy="1000" rotWithShape="0">
+              <a:srgbClr val="000000"/>
+            </a:outerShdw>
+          </a:effectLst>
+        </p:spPr>
+        <p:style>
+          <a:lnRef idx="1">
+            <a:schemeClr val="accent1"/>
+          </a:lnRef>
+          <a:fillRef idx="3">
+            <a:schemeClr val="accent1"/>
+          </a:fillRef>
+          <a:effectRef idx="2">
+            <a:schemeClr val="accent1"/>
+          </a:effectRef>
+          <a:fontRef idx="minor">
+            <a:schemeClr val="lt1"/>
+          </a:fontRef>
+        </p:style>
+        <p:txBody>
+          <a:bodyPr rtlCol="0" anchor="ctr"/>
+          <a:lstStyle/>
+          <a:p>
+            <a:pPr algn="ctr"/>
+            <a:endParaRPr lang="en-US"/>
+          </a:p>
+        </p:txBody>
+      </p:sp>
+    </p:spTree>
+    <p:extLst>
+      <p:ext uri="{BB962C8B-B14F-4D97-AF65-F5344CB8AC3E}">
+        <p14:creationId xmlns:p14="http://schemas.microsoft.com/office/powerpoint/2010/main" val="2223674171"/>
+      </p:ext>
+    </p:extLst>
+  </p:cSld>
+  <p:clrMapOvr>
+    <a:masterClrMapping/>
+  </p:clrMapOvr>
+</p:sld>
+</file>
+
+<file path=ppt/slides/slide14.xml><?xml version="1.0" encoding="utf-8"?>
+<p:sld xmlns:a="http://schemas.openxmlformats.org/drawingml/2006/main" xmlns:r="http://schemas.openxmlformats.org/officeDocument/2006/relationships" xmlns:p="http://schemas.openxmlformats.org/presentationml/2006/main">
+  <p:cSld>
+    <p:spTree>
+      <p:nvGrpSpPr>
+        <p:cNvPr id="1" name=""/>
+        <p:cNvGrpSpPr/>
+        <p:nvPr/>
+      </p:nvGrpSpPr>
+      <p:grpSpPr>
+        <a:xfrm>
+          <a:off x="0" y="0"/>
+          <a:ext cx="0" cy="0"/>
+          <a:chOff x="0" y="0"/>
+          <a:chExt cx="0" cy="0"/>
+        </a:xfrm>
+      </p:grpSpPr>
+      <p:sp>
+        <p:nvSpPr>
+          <p:cNvPr id="2" name="Title 1"/>
+          <p:cNvSpPr>
+            <a:spLocks noGrp="1"/>
+          </p:cNvSpPr>
+          <p:nvPr>
+            <p:ph type="title"/>
+          </p:nvPr>
+        </p:nvSpPr>
+        <p:spPr/>
+        <p:txBody>
+          <a:bodyPr>
+            <a:normAutofit fontScale="90000"/>
+          </a:bodyPr>
+          <a:lstStyle/>
+          <a:p>
+            <a:r>
+              <a:rPr dirty="0"/>
+              <a:t>Now </a:t>
+            </a:r>
+            <a:r>
+              <a:rPr lang="en-AU" dirty="0"/>
+              <a:t>a fixed effect analysis by hand…</a:t>
+            </a:r>
+            <a:endParaRPr dirty="0"/>
+          </a:p>
+        </p:txBody>
+      </p:sp>
+      <mc:AlternateContent xmlns:mc="http://schemas.openxmlformats.org/markup-compatibility/2006">
+        <mc:Choice xmlns:a14="http://schemas.microsoft.com/office/drawing/2010/main" Requires="a14">
+          <p:sp>
+            <p:nvSpPr>
+              <p:cNvPr id="3" name="Content Placeholder 2"/>
+              <p:cNvSpPr>
+                <a:spLocks noGrp="1"/>
+              </p:cNvSpPr>
+              <p:nvPr>
+                <p:ph idx="1"/>
+              </p:nvPr>
+            </p:nvSpPr>
+            <p:spPr>
+              <a:xfrm>
+                <a:off x="457200" y="1417639"/>
+                <a:ext cx="8229600" cy="4525963"/>
+              </a:xfrm>
+            </p:spPr>
+            <p:txBody>
+              <a:bodyPr>
+                <a:normAutofit fontScale="47500" lnSpcReduction="20000"/>
+              </a:bodyPr>
+              <a:lstStyle/>
+              <a:p>
+                <a:pPr marL="0" indent="0">
+                  <a:buNone/>
+                </a:pPr>
+                <a:r>
+                  <a:rPr sz="3800" dirty="0"/>
+                  <a:t>We can even do all the seemingly fancy stuff </a:t>
+                </a:r>
+                <a:r>
+                  <a:rPr sz="3800" dirty="0" err="1">
+                    <a:latin typeface="Courier"/>
+                  </a:rPr>
+                  <a:t>metafor</a:t>
+                </a:r>
+                <a:r>
+                  <a:rPr sz="3800" dirty="0"/>
+                  <a:t> is doing ourselves if we want….we just need to know the equations:</a:t>
+                </a:r>
+                <a:endParaRPr lang="en-AU" sz="3800" dirty="0"/>
+              </a:p>
+              <a:p>
+                <a:pPr marL="0" indent="0">
+                  <a:buNone/>
+                </a:pPr>
+                <a:endParaRPr dirty="0"/>
+              </a:p>
+              <a:p>
+                <a:pPr marL="0" indent="0">
+                  <a:buNone/>
+                </a:pPr>
+                <a14:m>
+                  <m:oMathPara xmlns:m="http://schemas.openxmlformats.org/officeDocument/2006/math">
+                    <m:oMathParaPr>
+                      <m:jc m:val="center"/>
+                    </m:oMathParaPr>
+                    <m:oMath xmlns:m="http://schemas.openxmlformats.org/officeDocument/2006/math">
+                      <m:acc>
+                        <m:accPr>
+                          <m:chr m:val="‾"/>
+                          <m:ctrlPr>
+                            <a:rPr>
+                              <a:latin typeface="Cambria Math" panose="02040503050406030204" pitchFamily="18" charset="0"/>
+                            </a:rPr>
+                          </m:ctrlPr>
+                        </m:accPr>
+                        <m:e>
+                          <m:r>
+                            <a:rPr>
+                              <a:latin typeface="Cambria Math" panose="02040503050406030204" pitchFamily="18" charset="0"/>
+                            </a:rPr>
+                            <m:t>𝐸𝑆</m:t>
+                          </m:r>
+                        </m:e>
+                      </m:acc>
+                      <m:r>
+                        <a:rPr>
+                          <a:latin typeface="Cambria Math" panose="02040503050406030204" pitchFamily="18" charset="0"/>
+                        </a:rPr>
+                        <m:t>=∑</m:t>
+                      </m:r>
+                      <m:d>
+                        <m:dPr>
+                          <m:ctrlPr>
+                            <a:rPr i="1">
+                              <a:latin typeface="Cambria Math" panose="02040503050406030204" pitchFamily="18" charset="0"/>
+                            </a:rPr>
+                          </m:ctrlPr>
+                        </m:dPr>
+                        <m:e>
+                          <m:r>
+                            <a:rPr>
+                              <a:latin typeface="Cambria Math" panose="02040503050406030204" pitchFamily="18" charset="0"/>
+                            </a:rPr>
+                            <m:t>𝑊</m:t>
+                          </m:r>
+                          <m:r>
+                            <a:rPr>
+                              <a:latin typeface="Cambria Math" panose="02040503050406030204" pitchFamily="18" charset="0"/>
+                            </a:rPr>
+                            <m:t>∗</m:t>
+                          </m:r>
+                          <m:r>
+                            <a:rPr>
+                              <a:latin typeface="Cambria Math" panose="02040503050406030204" pitchFamily="18" charset="0"/>
+                            </a:rPr>
+                            <m:t>𝐸𝑆</m:t>
+                          </m:r>
+                        </m:e>
+                      </m:d>
+                      <m:r>
+                        <a:rPr>
+                          <a:latin typeface="Cambria Math" panose="02040503050406030204" pitchFamily="18" charset="0"/>
+                        </a:rPr>
+                        <m:t>/∑</m:t>
+                      </m:r>
+                      <m:r>
+                        <a:rPr>
+                          <a:latin typeface="Cambria Math" panose="02040503050406030204" pitchFamily="18" charset="0"/>
+                        </a:rPr>
+                        <m:t>𝑊</m:t>
+                      </m:r>
+                    </m:oMath>
+                  </m:oMathPara>
+                </a14:m>
+                <a:endParaRPr dirty="0"/>
+              </a:p>
+              <a:p>
+                <a:pPr marL="0" indent="0">
+                  <a:buNone/>
+                </a:pPr>
+                <a14:m>
+                  <m:oMathPara xmlns:m="http://schemas.openxmlformats.org/officeDocument/2006/math">
+                    <m:oMathParaPr>
+                      <m:jc m:val="center"/>
+                    </m:oMathParaPr>
+                    <m:oMath xmlns:m="http://schemas.openxmlformats.org/officeDocument/2006/math">
+                      <m:sSubSup>
+                        <m:sSubSupPr>
+                          <m:ctrlPr>
+                            <a:rPr>
+                              <a:latin typeface="Cambria Math" panose="02040503050406030204" pitchFamily="18" charset="0"/>
+                            </a:rPr>
+                          </m:ctrlPr>
+                        </m:sSubSupPr>
+                        <m:e>
+                          <m:r>
+                            <a:rPr>
+                              <a:latin typeface="Cambria Math" panose="02040503050406030204" pitchFamily="18" charset="0"/>
+                            </a:rPr>
+                            <m:t>𝜎</m:t>
+                          </m:r>
+                        </m:e>
+                        <m:sub>
+                          <m:acc>
+                            <m:accPr>
+                              <m:chr m:val="‾"/>
+                              <m:ctrlPr>
+                                <a:rPr i="1">
+                                  <a:latin typeface="Cambria Math" panose="02040503050406030204" pitchFamily="18" charset="0"/>
+                                </a:rPr>
+                              </m:ctrlPr>
+                            </m:accPr>
+                            <m:e>
+                              <m:r>
+                                <a:rPr>
+                                  <a:latin typeface="Cambria Math" panose="02040503050406030204" pitchFamily="18" charset="0"/>
+                                </a:rPr>
+                                <m:t>𝐸𝑆</m:t>
+                              </m:r>
+                            </m:e>
+                          </m:acc>
+                        </m:sub>
+                        <m:sup>
+                          <m:r>
+                            <a:rPr>
+                              <a:latin typeface="Cambria Math" panose="02040503050406030204" pitchFamily="18" charset="0"/>
+                            </a:rPr>
+                            <m:t>2</m:t>
+                          </m:r>
+                        </m:sup>
+                      </m:sSubSup>
+                      <m:r>
+                        <a:rPr>
+                          <a:latin typeface="Cambria Math" panose="02040503050406030204" pitchFamily="18" charset="0"/>
+                        </a:rPr>
+                        <m:t>=</m:t>
+                      </m:r>
+                      <m:f>
+                        <m:fPr>
+                          <m:ctrlPr>
+                            <a:rPr i="1">
+                              <a:latin typeface="Cambria Math" panose="02040503050406030204" pitchFamily="18" charset="0"/>
+                            </a:rPr>
+                          </m:ctrlPr>
+                        </m:fPr>
+                        <m:num>
+                          <m:r>
+                            <a:rPr>
+                              <a:latin typeface="Cambria Math" panose="02040503050406030204" pitchFamily="18" charset="0"/>
+                            </a:rPr>
+                            <m:t>1</m:t>
+                          </m:r>
+                        </m:num>
+                        <m:den>
+                          <m:r>
+                            <a:rPr>
+                              <a:latin typeface="Cambria Math" panose="02040503050406030204" pitchFamily="18" charset="0"/>
+                            </a:rPr>
+                            <m:t>∑</m:t>
+                          </m:r>
+                          <m:r>
+                            <a:rPr>
+                              <a:latin typeface="Cambria Math" panose="02040503050406030204" pitchFamily="18" charset="0"/>
+                            </a:rPr>
+                            <m:t>𝑊</m:t>
+                          </m:r>
+                        </m:den>
+                      </m:f>
+                    </m:oMath>
+                  </m:oMathPara>
+                </a14:m>
+                <a:endParaRPr dirty="0"/>
+              </a:p>
+              <a:p>
+                <a:pPr indent="0">
+                  <a:buNone/>
+                </a:pPr>
+                <a:r>
+                  <a:rPr i="1" dirty="0">
+                    <a:solidFill>
+                      <a:srgbClr val="60A0B0"/>
+                    </a:solidFill>
+                    <a:latin typeface="Courier"/>
+                  </a:rPr>
+                  <a:t># Calculate pooled effect size</a:t>
+                </a:r>
+                <a:br>
+                  <a:rPr dirty="0"/>
+                </a:br>
+                <a:r>
+                  <a:rPr dirty="0">
+                    <a:latin typeface="Courier"/>
+                  </a:rPr>
+                  <a:t>       </a:t>
+                </a:r>
+                <a:r>
+                  <a:rPr dirty="0" err="1">
+                    <a:latin typeface="Courier"/>
+                  </a:rPr>
+                  <a:t>EsP.FE</a:t>
+                </a:r>
+                <a:r>
+                  <a:rPr dirty="0">
+                    <a:latin typeface="Courier"/>
+                  </a:rPr>
+                  <a:t> </a:t>
+                </a:r>
+                <a:r>
+                  <a:rPr dirty="0">
+                    <a:solidFill>
+                      <a:srgbClr val="007020"/>
+                    </a:solidFill>
+                    <a:latin typeface="Courier"/>
+                  </a:rPr>
+                  <a:t>&lt;-</a:t>
+                </a:r>
+                <a:r>
+                  <a:rPr dirty="0">
+                    <a:latin typeface="Courier"/>
+                  </a:rPr>
+                  <a:t> </a:t>
+                </a:r>
+                <a:r>
+                  <a:rPr dirty="0">
+                    <a:solidFill>
+                      <a:srgbClr val="06287E"/>
+                    </a:solidFill>
+                    <a:latin typeface="Courier"/>
+                  </a:rPr>
+                  <a:t>sum</a:t>
+                </a:r>
+                <a:r>
+                  <a:rPr dirty="0">
+                    <a:latin typeface="Courier"/>
+                  </a:rPr>
+                  <a:t>(W</a:t>
+                </a:r>
+                <a:r>
+                  <a:rPr dirty="0">
+                    <a:solidFill>
+                      <a:srgbClr val="4070A0"/>
+                    </a:solidFill>
+                    <a:latin typeface="Courier"/>
+                  </a:rPr>
+                  <a:t>*</a:t>
+                </a:r>
+                <a:r>
+                  <a:rPr dirty="0" err="1">
+                    <a:latin typeface="Courier"/>
+                  </a:rPr>
+                  <a:t>dataFE</a:t>
+                </a:r>
+                <a:r>
+                  <a:rPr dirty="0" err="1">
+                    <a:solidFill>
+                      <a:srgbClr val="4070A0"/>
+                    </a:solidFill>
+                    <a:latin typeface="Courier"/>
+                  </a:rPr>
+                  <a:t>$</a:t>
+                </a:r>
+                <a:r>
+                  <a:rPr dirty="0" err="1">
+                    <a:latin typeface="Courier"/>
+                  </a:rPr>
+                  <a:t>es</a:t>
+                </a:r>
+                <a:r>
+                  <a:rPr dirty="0">
+                    <a:latin typeface="Courier"/>
+                  </a:rPr>
+                  <a:t>) </a:t>
+                </a:r>
+                <a:r>
+                  <a:rPr dirty="0">
+                    <a:solidFill>
+                      <a:srgbClr val="4070A0"/>
+                    </a:solidFill>
+                    <a:latin typeface="Courier"/>
+                  </a:rPr>
+                  <a:t>/</a:t>
+                </a:r>
+                <a:r>
+                  <a:rPr dirty="0">
+                    <a:latin typeface="Courier"/>
+                  </a:rPr>
+                  <a:t> </a:t>
+                </a:r>
+                <a:r>
+                  <a:rPr dirty="0">
+                    <a:solidFill>
+                      <a:srgbClr val="06287E"/>
+                    </a:solidFill>
+                    <a:latin typeface="Courier"/>
+                  </a:rPr>
+                  <a:t>sum</a:t>
+                </a:r>
+                <a:r>
+                  <a:rPr dirty="0">
+                    <a:latin typeface="Courier"/>
+                  </a:rPr>
+                  <a:t>(W)</a:t>
+                </a:r>
+                <a:br>
+                  <a:rPr dirty="0"/>
+                </a:br>
+                <a:r>
+                  <a:rPr dirty="0">
+                    <a:latin typeface="Courier"/>
+                  </a:rPr>
+                  <a:t>       </a:t>
+                </a:r>
+                <a:r>
+                  <a:rPr dirty="0" err="1">
+                    <a:latin typeface="Courier"/>
+                  </a:rPr>
+                  <a:t>EsP.FE</a:t>
+                </a:r>
+                <a:endParaRPr dirty="0">
+                  <a:latin typeface="Courier"/>
+                </a:endParaRPr>
+              </a:p>
+              <a:p>
+                <a:pPr indent="0">
+                  <a:buNone/>
+                </a:pPr>
+                <a:r>
+                  <a:rPr dirty="0">
+                    <a:latin typeface="Courier"/>
+                  </a:rPr>
+                  <a:t>## [1] 2.073105</a:t>
+                </a:r>
+              </a:p>
+              <a:p>
+                <a:pPr indent="0">
+                  <a:buNone/>
+                </a:pPr>
+                <a:r>
+                  <a:rPr i="1" dirty="0">
+                    <a:solidFill>
+                      <a:srgbClr val="60A0B0"/>
+                    </a:solidFill>
+                    <a:latin typeface="Courier"/>
+                  </a:rPr>
+                  <a:t># Calculate the pooled variance around estimate</a:t>
+                </a:r>
+                <a:br>
+                  <a:rPr dirty="0"/>
+                </a:br>
+                <a:r>
+                  <a:rPr dirty="0">
+                    <a:latin typeface="Courier"/>
+                  </a:rPr>
+                  <a:t>    </a:t>
+                </a:r>
+                <a:r>
+                  <a:rPr dirty="0" err="1">
+                    <a:latin typeface="Courier"/>
+                  </a:rPr>
+                  <a:t>VarEsP.FE</a:t>
+                </a:r>
+                <a:r>
+                  <a:rPr dirty="0">
+                    <a:latin typeface="Courier"/>
+                  </a:rPr>
+                  <a:t> </a:t>
+                </a:r>
+                <a:r>
+                  <a:rPr dirty="0">
+                    <a:solidFill>
+                      <a:srgbClr val="007020"/>
+                    </a:solidFill>
+                    <a:latin typeface="Courier"/>
+                  </a:rPr>
+                  <a:t>&lt;-</a:t>
+                </a:r>
+                <a:r>
+                  <a:rPr dirty="0">
+                    <a:latin typeface="Courier"/>
+                  </a:rPr>
+                  <a:t> </a:t>
+                </a:r>
+                <a:r>
+                  <a:rPr dirty="0">
+                    <a:solidFill>
+                      <a:srgbClr val="40A070"/>
+                    </a:solidFill>
+                    <a:latin typeface="Courier"/>
+                  </a:rPr>
+                  <a:t>1</a:t>
+                </a:r>
+                <a:r>
+                  <a:rPr dirty="0">
+                    <a:latin typeface="Courier"/>
+                  </a:rPr>
+                  <a:t> </a:t>
+                </a:r>
+                <a:r>
+                  <a:rPr dirty="0">
+                    <a:solidFill>
+                      <a:srgbClr val="4070A0"/>
+                    </a:solidFill>
+                    <a:latin typeface="Courier"/>
+                  </a:rPr>
+                  <a:t>/</a:t>
+                </a:r>
+                <a:r>
+                  <a:rPr dirty="0">
+                    <a:latin typeface="Courier"/>
+                  </a:rPr>
+                  <a:t> </a:t>
+                </a:r>
+                <a:r>
+                  <a:rPr dirty="0">
+                    <a:solidFill>
+                      <a:srgbClr val="06287E"/>
+                    </a:solidFill>
+                    <a:latin typeface="Courier"/>
+                  </a:rPr>
+                  <a:t>sum</a:t>
+                </a:r>
+                <a:r>
+                  <a:rPr dirty="0">
+                    <a:latin typeface="Courier"/>
+                  </a:rPr>
+                  <a:t>(W)</a:t>
+                </a:r>
+                <a:br>
+                  <a:rPr dirty="0"/>
+                </a:br>
+                <a:r>
+                  <a:rPr dirty="0">
+                    <a:latin typeface="Courier"/>
+                  </a:rPr>
+                  <a:t>    </a:t>
+                </a:r>
+                <a:r>
+                  <a:rPr dirty="0" err="1">
+                    <a:latin typeface="Courier"/>
+                  </a:rPr>
+                  <a:t>VarEsP.FE</a:t>
+                </a:r>
+                <a:endParaRPr dirty="0">
+                  <a:latin typeface="Courier"/>
+                </a:endParaRPr>
+              </a:p>
+              <a:p>
+                <a:pPr indent="0">
+                  <a:buNone/>
+                </a:pPr>
+                <a:r>
+                  <a:rPr dirty="0">
+                    <a:latin typeface="Courier"/>
+                  </a:rPr>
+                  <a:t>## [1] 0.00989011</a:t>
+                </a:r>
+              </a:p>
+              <a:p>
+                <a:pPr indent="0">
+                  <a:buNone/>
+                </a:pPr>
+                <a:r>
+                  <a:rPr i="1" dirty="0">
+                    <a:solidFill>
+                      <a:srgbClr val="60A0B0"/>
+                    </a:solidFill>
+                    <a:latin typeface="Courier"/>
+                  </a:rPr>
+                  <a:t># Calculate the standard error around estimate</a:t>
+                </a:r>
+                <a:br>
+                  <a:rPr dirty="0"/>
+                </a:br>
+                <a:r>
+                  <a:rPr dirty="0">
+                    <a:latin typeface="Courier"/>
+                  </a:rPr>
+                  <a:t>    </a:t>
+                </a:r>
+                <a:r>
+                  <a:rPr dirty="0" err="1">
+                    <a:latin typeface="Courier"/>
+                  </a:rPr>
+                  <a:t>SE.EsP.FE</a:t>
+                </a:r>
+                <a:r>
+                  <a:rPr dirty="0">
+                    <a:latin typeface="Courier"/>
+                  </a:rPr>
+                  <a:t> </a:t>
+                </a:r>
+                <a:r>
+                  <a:rPr dirty="0">
+                    <a:solidFill>
+                      <a:srgbClr val="007020"/>
+                    </a:solidFill>
+                    <a:latin typeface="Courier"/>
+                  </a:rPr>
+                  <a:t>&lt;-</a:t>
+                </a:r>
+                <a:r>
+                  <a:rPr dirty="0">
+                    <a:latin typeface="Courier"/>
+                  </a:rPr>
+                  <a:t> </a:t>
+                </a:r>
+                <a:r>
+                  <a:rPr dirty="0">
+                    <a:solidFill>
+                      <a:srgbClr val="06287E"/>
+                    </a:solidFill>
+                    <a:latin typeface="Courier"/>
+                  </a:rPr>
+                  <a:t>sqrt</a:t>
+                </a:r>
+                <a:r>
+                  <a:rPr dirty="0">
+                    <a:latin typeface="Courier"/>
+                  </a:rPr>
+                  <a:t>(</a:t>
+                </a:r>
+                <a:r>
+                  <a:rPr dirty="0" err="1">
+                    <a:latin typeface="Courier"/>
+                  </a:rPr>
+                  <a:t>VarEsP.FE</a:t>
+                </a:r>
+                <a:r>
+                  <a:rPr dirty="0">
+                    <a:latin typeface="Courier"/>
+                  </a:rPr>
+                  <a:t>)</a:t>
+                </a:r>
+                <a:br>
+                  <a:rPr dirty="0"/>
+                </a:br>
+                <a:r>
+                  <a:rPr dirty="0">
+                    <a:latin typeface="Courier"/>
+                  </a:rPr>
+                  <a:t>    </a:t>
+                </a:r>
+                <a:r>
+                  <a:rPr dirty="0" err="1">
+                    <a:latin typeface="Courier"/>
+                  </a:rPr>
+                  <a:t>SE.EsP.FE</a:t>
+                </a:r>
+                <a:endParaRPr dirty="0">
+                  <a:latin typeface="Courier"/>
+                </a:endParaRPr>
+              </a:p>
+              <a:p>
+                <a:pPr indent="0">
+                  <a:buNone/>
+                </a:pPr>
+                <a:r>
+                  <a:rPr dirty="0">
+                    <a:latin typeface="Courier"/>
+                  </a:rPr>
+                  <a:t>## [1] 0.09944903</a:t>
+                </a:r>
+              </a:p>
+            </p:txBody>
+          </p:sp>
+        </mc:Choice>
+        <mc:Fallback>
+          <p:sp>
+            <p:nvSpPr>
+              <p:cNvPr id="3" name="Content Placeholder 2"/>
+              <p:cNvSpPr>
+                <a:spLocks noGrp="1" noRot="1" noChangeAspect="1" noMove="1" noResize="1" noEditPoints="1" noAdjustHandles="1" noChangeArrowheads="1" noChangeShapeType="1" noTextEdit="1"/>
+              </p:cNvSpPr>
+              <p:nvPr>
+                <p:ph idx="1"/>
+              </p:nvPr>
+            </p:nvSpPr>
+            <p:spPr>
+              <a:xfrm>
+                <a:off x="457200" y="1417639"/>
+                <a:ext cx="8229600" cy="4525963"/>
+              </a:xfrm>
+              <a:blipFill>
+                <a:blip r:embed="rId2"/>
+                <a:stretch>
+                  <a:fillRect l="-617" t="-1676"/>
+                </a:stretch>
+              </a:blipFill>
+            </p:spPr>
+            <p:txBody>
+              <a:bodyPr/>
+              <a:lstStyle/>
+              <a:p>
+                <a:r>
+                  <a:rPr lang="en-US">
+                    <a:noFill/>
+                  </a:rPr>
+                  <a:t> </a:t>
+                </a:r>
+              </a:p>
+            </p:txBody>
+          </p:sp>
+        </mc:Fallback>
+      </mc:AlternateContent>
+      <p:sp>
+        <p:nvSpPr>
+          <p:cNvPr id="5" name="TextBox 4">
+            <a:extLst>
+              <a:ext uri="{FF2B5EF4-FFF2-40B4-BE49-F238E27FC236}">
+                <a16:creationId xmlns:a16="http://schemas.microsoft.com/office/drawing/2014/main" id="{02626239-739F-B63B-6E22-154725F8397D}"/>
+              </a:ext>
+            </a:extLst>
+          </p:cNvPr>
+          <p:cNvSpPr txBox="1"/>
+          <p:nvPr/>
+        </p:nvSpPr>
+        <p:spPr>
+          <a:xfrm>
+            <a:off x="677119" y="5760126"/>
+            <a:ext cx="8229600" cy="646331"/>
+          </a:xfrm>
+          <a:prstGeom prst="rect">
+            <a:avLst/>
+          </a:prstGeom>
+          <a:noFill/>
+        </p:spPr>
+        <p:txBody>
+          <a:bodyPr wrap="square">
+            <a:spAutoFit/>
+          </a:bodyPr>
+          <a:lstStyle/>
+          <a:p>
+            <a:r>
+              <a:rPr lang="en-AU" dirty="0">
+                <a:latin typeface="Courier"/>
+              </a:rPr>
+              <a:t>## estimate      se     </a:t>
+            </a:r>
+            <a:r>
+              <a:rPr lang="en-AU" dirty="0" err="1">
+                <a:latin typeface="Courier"/>
+              </a:rPr>
+              <a:t>zval</a:t>
+            </a:r>
+            <a:r>
+              <a:rPr lang="en-AU" dirty="0">
+                <a:latin typeface="Courier"/>
+              </a:rPr>
+              <a:t>    </a:t>
+            </a:r>
+            <a:r>
+              <a:rPr lang="en-AU" dirty="0" err="1">
+                <a:latin typeface="Courier"/>
+              </a:rPr>
+              <a:t>pval</a:t>
+            </a:r>
+            <a:r>
+              <a:rPr lang="en-AU" dirty="0">
+                <a:latin typeface="Courier"/>
+              </a:rPr>
+              <a:t>   </a:t>
+            </a:r>
+            <a:r>
+              <a:rPr lang="en-AU" dirty="0" err="1">
+                <a:latin typeface="Courier"/>
+              </a:rPr>
+              <a:t>ci.lb</a:t>
+            </a:r>
+            <a:r>
+              <a:rPr lang="en-AU" dirty="0">
+                <a:latin typeface="Courier"/>
+              </a:rPr>
+              <a:t>   </a:t>
+            </a:r>
+            <a:r>
+              <a:rPr lang="en-AU" dirty="0" err="1">
+                <a:latin typeface="Courier"/>
+              </a:rPr>
+              <a:t>ci.ub</a:t>
+            </a:r>
+            <a:r>
+              <a:rPr lang="en-AU" dirty="0">
+                <a:latin typeface="Courier"/>
+              </a:rPr>
+              <a:t>     ​ 
+</a:t>
+            </a:r>
+            <a:r>
+              <a:rPr lang="en-AU" b="1" dirty="0">
+                <a:latin typeface="Courier"/>
+              </a:rPr>
+              <a:t>##   2.0731  </a:t>
+            </a:r>
+            <a:r>
+              <a:rPr lang="en-AU" dirty="0">
+                <a:latin typeface="Courier"/>
+              </a:rPr>
+              <a:t>0.0994  20.8459  &lt;.0001  1.8782  2.2680  *** </a:t>
+            </a:r>
+            <a:endParaRPr lang="en-US" dirty="0"/>
+          </a:p>
+        </p:txBody>
+      </p:sp>
+      <p:sp>
+        <p:nvSpPr>
+          <p:cNvPr id="10" name="Rectangle 9">
+            <a:extLst>
+              <a:ext uri="{FF2B5EF4-FFF2-40B4-BE49-F238E27FC236}">
+                <a16:creationId xmlns:a16="http://schemas.microsoft.com/office/drawing/2014/main" id="{BF1151AC-740E-3813-410C-D9084B7C42D8}"/>
+              </a:ext>
+            </a:extLst>
+          </p:cNvPr>
+          <p:cNvSpPr/>
+          <p:nvPr/>
+        </p:nvSpPr>
+        <p:spPr>
+          <a:xfrm>
+            <a:off x="237281" y="5440361"/>
+            <a:ext cx="8669438" cy="1047118"/>
+          </a:xfrm>
+          <a:prstGeom prst="rect">
+            <a:avLst/>
+          </a:prstGeom>
+          <a:solidFill>
+            <a:schemeClr val="bg1"/>
+          </a:solidFill>
+          <a:ln>
+            <a:solidFill>
+              <a:schemeClr val="bg1"/>
+            </a:solidFill>
+          </a:ln>
+          <a:effectLst>
+            <a:outerShdw dist="23000" sx="1000" sy="1000" rotWithShape="0">
+              <a:srgbClr val="000000"/>
+            </a:outerShdw>
+          </a:effectLst>
+        </p:spPr>
+        <p:style>
+          <a:lnRef idx="1">
+            <a:schemeClr val="accent1"/>
+          </a:lnRef>
+          <a:fillRef idx="3">
+            <a:schemeClr val="accent1"/>
+          </a:fillRef>
+          <a:effectRef idx="2">
+            <a:schemeClr val="accent1"/>
+          </a:effectRef>
+          <a:fontRef idx="minor">
+            <a:schemeClr val="lt1"/>
+          </a:fontRef>
+        </p:style>
+        <p:txBody>
+          <a:bodyPr rtlCol="0" anchor="ctr"/>
+          <a:lstStyle/>
+          <a:p>
+            <a:pPr algn="ctr"/>
+            <a:endParaRPr lang="en-US"/>
+          </a:p>
+        </p:txBody>
+      </p:sp>
+    </p:spTree>
+    <p:extLst>
+      <p:ext uri="{BB962C8B-B14F-4D97-AF65-F5344CB8AC3E}">
+        <p14:creationId xmlns:p14="http://schemas.microsoft.com/office/powerpoint/2010/main" val="3503705625"/>
+      </p:ext>
+    </p:extLst>
+  </p:cSld>
+  <p:clrMapOvr>
+    <a:masterClrMapping/>
+  </p:clrMapOvr>
+</p:sld>
+</file>
+
+<file path=ppt/slides/slide15.xml><?xml version="1.0" encoding="utf-8"?>
+<p:sld xmlns:a="http://schemas.openxmlformats.org/drawingml/2006/main" xmlns:r="http://schemas.openxmlformats.org/officeDocument/2006/relationships" xmlns:p="http://schemas.openxmlformats.org/presentationml/2006/main">
+  <p:cSld>
+    <p:spTree>
+      <p:nvGrpSpPr>
+        <p:cNvPr id="1" name=""/>
+        <p:cNvGrpSpPr/>
+        <p:nvPr/>
+      </p:nvGrpSpPr>
+      <p:grpSpPr>
+        <a:xfrm>
+          <a:off x="0" y="0"/>
+          <a:ext cx="0" cy="0"/>
+          <a:chOff x="0" y="0"/>
+          <a:chExt cx="0" cy="0"/>
+        </a:xfrm>
+      </p:grpSpPr>
+      <p:sp>
+        <p:nvSpPr>
+          <p:cNvPr id="2" name="Title 1"/>
+          <p:cNvSpPr>
+            <a:spLocks noGrp="1"/>
+          </p:cNvSpPr>
+          <p:nvPr>
+            <p:ph type="title"/>
+          </p:nvPr>
+        </p:nvSpPr>
+        <p:spPr>
+          <a:xfrm>
+            <a:off x="457200" y="91164"/>
+            <a:ext cx="8229600" cy="1143000"/>
+          </a:xfrm>
+        </p:spPr>
+        <p:txBody>
+          <a:bodyPr>
+            <a:normAutofit fontScale="90000"/>
+          </a:bodyPr>
+          <a:lstStyle/>
+          <a:p>
+            <a:r>
+              <a:rPr dirty="0"/>
+              <a:t>Now </a:t>
+            </a:r>
+            <a:r>
+              <a:rPr lang="en-AU" dirty="0"/>
+              <a:t>a fixed effect analysis by hand…</a:t>
+            </a:r>
+            <a:endParaRPr dirty="0"/>
+          </a:p>
+        </p:txBody>
+      </p:sp>
+      <mc:AlternateContent xmlns:mc="http://schemas.openxmlformats.org/markup-compatibility/2006">
+        <mc:Choice xmlns:a14="http://schemas.microsoft.com/office/drawing/2010/main" Requires="a14">
+          <p:sp>
+            <p:nvSpPr>
+              <p:cNvPr id="3" name="Content Placeholder 2"/>
+              <p:cNvSpPr>
+                <a:spLocks noGrp="1"/>
+              </p:cNvSpPr>
+              <p:nvPr>
+                <p:ph idx="1"/>
+              </p:nvPr>
+            </p:nvSpPr>
+            <p:spPr>
+              <a:xfrm>
+                <a:off x="457200" y="1417639"/>
+                <a:ext cx="8229600" cy="4525963"/>
+              </a:xfrm>
+            </p:spPr>
+            <p:txBody>
+              <a:bodyPr>
+                <a:normAutofit fontScale="47500" lnSpcReduction="20000"/>
+              </a:bodyPr>
+              <a:lstStyle/>
+              <a:p>
+                <a:pPr marL="0" indent="0">
+                  <a:buNone/>
+                </a:pPr>
+                <a:r>
+                  <a:rPr sz="3800" dirty="0"/>
+                  <a:t>We can even do all the seemingly fancy stuff </a:t>
+                </a:r>
+                <a:r>
+                  <a:rPr sz="3800" b="1" dirty="0" err="1">
+                    <a:latin typeface="Courier"/>
+                  </a:rPr>
+                  <a:t>metafor</a:t>
+                </a:r>
+                <a:r>
+                  <a:rPr sz="3800" dirty="0"/>
+                  <a:t> is doing ourselves if we want….we just need to know the equations:</a:t>
+                </a:r>
+                <a:endParaRPr lang="en-AU" sz="3800" dirty="0"/>
+              </a:p>
+              <a:p>
+                <a:pPr marL="0" indent="0">
+                  <a:buNone/>
+                </a:pPr>
+                <a:endParaRPr dirty="0"/>
+              </a:p>
+              <a:p>
+                <a:pPr marL="0" indent="0">
+                  <a:buNone/>
+                </a:pPr>
+                <a14:m>
+                  <m:oMathPara xmlns:m="http://schemas.openxmlformats.org/officeDocument/2006/math">
+                    <m:oMathParaPr>
+                      <m:jc m:val="center"/>
+                    </m:oMathParaPr>
+                    <m:oMath xmlns:m="http://schemas.openxmlformats.org/officeDocument/2006/math">
+                      <m:acc>
+                        <m:accPr>
+                          <m:chr m:val="‾"/>
+                          <m:ctrlPr>
+                            <a:rPr>
+                              <a:latin typeface="Cambria Math" panose="02040503050406030204" pitchFamily="18" charset="0"/>
+                            </a:rPr>
+                          </m:ctrlPr>
+                        </m:accPr>
+                        <m:e>
+                          <m:r>
+                            <a:rPr>
+                              <a:latin typeface="Cambria Math" panose="02040503050406030204" pitchFamily="18" charset="0"/>
+                            </a:rPr>
+                            <m:t>𝐸𝑆</m:t>
+                          </m:r>
+                        </m:e>
+                      </m:acc>
+                      <m:r>
+                        <a:rPr>
+                          <a:latin typeface="Cambria Math" panose="02040503050406030204" pitchFamily="18" charset="0"/>
+                        </a:rPr>
+                        <m:t>=∑</m:t>
+                      </m:r>
+                      <m:d>
+                        <m:dPr>
+                          <m:ctrlPr>
+                            <a:rPr i="1">
+                              <a:latin typeface="Cambria Math" panose="02040503050406030204" pitchFamily="18" charset="0"/>
+                            </a:rPr>
+                          </m:ctrlPr>
+                        </m:dPr>
+                        <m:e>
+                          <m:r>
+                            <a:rPr>
+                              <a:latin typeface="Cambria Math" panose="02040503050406030204" pitchFamily="18" charset="0"/>
+                            </a:rPr>
+                            <m:t>𝑊</m:t>
+                          </m:r>
+                          <m:r>
+                            <a:rPr>
+                              <a:latin typeface="Cambria Math" panose="02040503050406030204" pitchFamily="18" charset="0"/>
+                            </a:rPr>
+                            <m:t>∗</m:t>
+                          </m:r>
+                          <m:r>
+                            <a:rPr>
+                              <a:latin typeface="Cambria Math" panose="02040503050406030204" pitchFamily="18" charset="0"/>
+                            </a:rPr>
+                            <m:t>𝐸𝑆</m:t>
+                          </m:r>
+                        </m:e>
+                      </m:d>
+                      <m:r>
+                        <a:rPr>
+                          <a:latin typeface="Cambria Math" panose="02040503050406030204" pitchFamily="18" charset="0"/>
+                        </a:rPr>
+                        <m:t>/∑</m:t>
+                      </m:r>
+                      <m:r>
+                        <a:rPr>
+                          <a:latin typeface="Cambria Math" panose="02040503050406030204" pitchFamily="18" charset="0"/>
+                        </a:rPr>
+                        <m:t>𝑊</m:t>
+                      </m:r>
+                    </m:oMath>
+                  </m:oMathPara>
+                </a14:m>
+                <a:endParaRPr dirty="0"/>
+              </a:p>
+              <a:p>
+                <a:pPr marL="0" indent="0">
+                  <a:buNone/>
+                </a:pPr>
+                <a14:m>
+                  <m:oMathPara xmlns:m="http://schemas.openxmlformats.org/officeDocument/2006/math">
+                    <m:oMathParaPr>
+                      <m:jc m:val="center"/>
+                    </m:oMathParaPr>
+                    <m:oMath xmlns:m="http://schemas.openxmlformats.org/officeDocument/2006/math">
+                      <m:sSubSup>
+                        <m:sSubSupPr>
+                          <m:ctrlPr>
+                            <a:rPr>
+                              <a:latin typeface="Cambria Math" panose="02040503050406030204" pitchFamily="18" charset="0"/>
+                            </a:rPr>
+                          </m:ctrlPr>
+                        </m:sSubSupPr>
+                        <m:e>
+                          <m:r>
+                            <a:rPr>
+                              <a:latin typeface="Cambria Math" panose="02040503050406030204" pitchFamily="18" charset="0"/>
+                            </a:rPr>
+                            <m:t>𝜎</m:t>
+                          </m:r>
+                        </m:e>
+                        <m:sub>
+                          <m:acc>
+                            <m:accPr>
+                              <m:chr m:val="‾"/>
+                              <m:ctrlPr>
+                                <a:rPr i="1">
+                                  <a:latin typeface="Cambria Math" panose="02040503050406030204" pitchFamily="18" charset="0"/>
+                                </a:rPr>
+                              </m:ctrlPr>
+                            </m:accPr>
+                            <m:e>
+                              <m:r>
+                                <a:rPr>
+                                  <a:latin typeface="Cambria Math" panose="02040503050406030204" pitchFamily="18" charset="0"/>
+                                </a:rPr>
+                                <m:t>𝐸𝑆</m:t>
+                              </m:r>
+                            </m:e>
+                          </m:acc>
+                        </m:sub>
+                        <m:sup>
+                          <m:r>
+                            <a:rPr>
+                              <a:latin typeface="Cambria Math" panose="02040503050406030204" pitchFamily="18" charset="0"/>
+                            </a:rPr>
+                            <m:t>2</m:t>
+                          </m:r>
+                        </m:sup>
+                      </m:sSubSup>
+                      <m:r>
+                        <a:rPr>
+                          <a:latin typeface="Cambria Math" panose="02040503050406030204" pitchFamily="18" charset="0"/>
+                        </a:rPr>
+                        <m:t>=</m:t>
+                      </m:r>
+                      <m:f>
+                        <m:fPr>
+                          <m:ctrlPr>
+                            <a:rPr i="1">
+                              <a:latin typeface="Cambria Math" panose="02040503050406030204" pitchFamily="18" charset="0"/>
+                            </a:rPr>
+                          </m:ctrlPr>
+                        </m:fPr>
+                        <m:num>
+                          <m:r>
+                            <a:rPr>
+                              <a:latin typeface="Cambria Math" panose="02040503050406030204" pitchFamily="18" charset="0"/>
+                            </a:rPr>
+                            <m:t>1</m:t>
+                          </m:r>
+                        </m:num>
+                        <m:den>
+                          <m:r>
+                            <a:rPr>
+                              <a:latin typeface="Cambria Math" panose="02040503050406030204" pitchFamily="18" charset="0"/>
+                            </a:rPr>
+                            <m:t>∑</m:t>
+                          </m:r>
+                          <m:r>
+                            <a:rPr>
+                              <a:latin typeface="Cambria Math" panose="02040503050406030204" pitchFamily="18" charset="0"/>
+                            </a:rPr>
+                            <m:t>𝑊</m:t>
+                          </m:r>
+                        </m:den>
+                      </m:f>
+                    </m:oMath>
+                  </m:oMathPara>
+                </a14:m>
+                <a:endParaRPr dirty="0"/>
+              </a:p>
+              <a:p>
+                <a:pPr indent="0">
+                  <a:buNone/>
+                </a:pPr>
+                <a:r>
+                  <a:rPr i="1" dirty="0">
+                    <a:solidFill>
+                      <a:srgbClr val="60A0B0"/>
+                    </a:solidFill>
+                    <a:latin typeface="Courier"/>
+                  </a:rPr>
+                  <a:t># Calculate pooled effect size</a:t>
+                </a:r>
+                <a:br>
+                  <a:rPr dirty="0"/>
+                </a:br>
+                <a:r>
+                  <a:rPr dirty="0">
+                    <a:latin typeface="Courier"/>
+                  </a:rPr>
+                  <a:t>       </a:t>
+                </a:r>
+                <a:r>
+                  <a:rPr dirty="0" err="1">
+                    <a:latin typeface="Courier"/>
+                  </a:rPr>
+                  <a:t>EsP.FE</a:t>
+                </a:r>
+                <a:r>
+                  <a:rPr dirty="0">
+                    <a:latin typeface="Courier"/>
+                  </a:rPr>
+                  <a:t> </a:t>
+                </a:r>
+                <a:r>
+                  <a:rPr dirty="0">
+                    <a:solidFill>
+                      <a:srgbClr val="007020"/>
+                    </a:solidFill>
+                    <a:latin typeface="Courier"/>
+                  </a:rPr>
+                  <a:t>&lt;-</a:t>
+                </a:r>
+                <a:r>
+                  <a:rPr dirty="0">
+                    <a:latin typeface="Courier"/>
+                  </a:rPr>
+                  <a:t> </a:t>
+                </a:r>
+                <a:r>
+                  <a:rPr dirty="0">
+                    <a:solidFill>
+                      <a:srgbClr val="06287E"/>
+                    </a:solidFill>
+                    <a:latin typeface="Courier"/>
+                  </a:rPr>
+                  <a:t>sum</a:t>
+                </a:r>
+                <a:r>
+                  <a:rPr dirty="0">
+                    <a:latin typeface="Courier"/>
+                  </a:rPr>
+                  <a:t>(W</a:t>
+                </a:r>
+                <a:r>
+                  <a:rPr dirty="0">
+                    <a:solidFill>
+                      <a:srgbClr val="4070A0"/>
+                    </a:solidFill>
+                    <a:latin typeface="Courier"/>
+                  </a:rPr>
+                  <a:t>*</a:t>
+                </a:r>
+                <a:r>
+                  <a:rPr dirty="0" err="1">
+                    <a:latin typeface="Courier"/>
+                  </a:rPr>
+                  <a:t>dataFE</a:t>
+                </a:r>
+                <a:r>
+                  <a:rPr dirty="0" err="1">
+                    <a:solidFill>
+                      <a:srgbClr val="4070A0"/>
+                    </a:solidFill>
+                    <a:latin typeface="Courier"/>
+                  </a:rPr>
+                  <a:t>$</a:t>
+                </a:r>
+                <a:r>
+                  <a:rPr dirty="0" err="1">
+                    <a:latin typeface="Courier"/>
+                  </a:rPr>
+                  <a:t>es</a:t>
+                </a:r>
+                <a:r>
+                  <a:rPr dirty="0">
+                    <a:latin typeface="Courier"/>
+                  </a:rPr>
+                  <a:t>) </a:t>
+                </a:r>
+                <a:r>
+                  <a:rPr dirty="0">
+                    <a:solidFill>
+                      <a:srgbClr val="4070A0"/>
+                    </a:solidFill>
+                    <a:latin typeface="Courier"/>
+                  </a:rPr>
+                  <a:t>/</a:t>
+                </a:r>
+                <a:r>
+                  <a:rPr dirty="0">
+                    <a:latin typeface="Courier"/>
+                  </a:rPr>
+                  <a:t> </a:t>
+                </a:r>
+                <a:r>
+                  <a:rPr dirty="0">
+                    <a:solidFill>
+                      <a:srgbClr val="06287E"/>
+                    </a:solidFill>
+                    <a:latin typeface="Courier"/>
+                  </a:rPr>
+                  <a:t>sum</a:t>
+                </a:r>
+                <a:r>
+                  <a:rPr dirty="0">
+                    <a:latin typeface="Courier"/>
+                  </a:rPr>
+                  <a:t>(W)</a:t>
+                </a:r>
+                <a:br>
+                  <a:rPr dirty="0"/>
+                </a:br>
+                <a:r>
+                  <a:rPr dirty="0">
+                    <a:latin typeface="Courier"/>
+                  </a:rPr>
+                  <a:t>       </a:t>
+                </a:r>
+                <a:r>
+                  <a:rPr dirty="0" err="1">
+                    <a:latin typeface="Courier"/>
+                  </a:rPr>
+                  <a:t>EsP.FE</a:t>
+                </a:r>
+                <a:endParaRPr dirty="0">
+                  <a:latin typeface="Courier"/>
+                </a:endParaRPr>
+              </a:p>
+              <a:p>
+                <a:pPr indent="0">
+                  <a:buNone/>
+                </a:pPr>
+                <a:r>
+                  <a:rPr dirty="0">
+                    <a:latin typeface="Courier"/>
+                  </a:rPr>
+                  <a:t>## [1] 2.073105</a:t>
+                </a:r>
+              </a:p>
+              <a:p>
+                <a:pPr indent="0">
+                  <a:buNone/>
+                </a:pPr>
+                <a:r>
+                  <a:rPr i="1" dirty="0">
+                    <a:solidFill>
+                      <a:srgbClr val="60A0B0"/>
+                    </a:solidFill>
+                    <a:latin typeface="Courier"/>
+                  </a:rPr>
+                  <a:t># Calculate the pooled variance around estimate</a:t>
+                </a:r>
+                <a:br>
+                  <a:rPr dirty="0"/>
+                </a:br>
+                <a:r>
+                  <a:rPr dirty="0">
+                    <a:latin typeface="Courier"/>
+                  </a:rPr>
+                  <a:t>    </a:t>
+                </a:r>
+                <a:r>
+                  <a:rPr dirty="0" err="1">
+                    <a:latin typeface="Courier"/>
+                  </a:rPr>
+                  <a:t>VarEsP.FE</a:t>
+                </a:r>
+                <a:r>
+                  <a:rPr dirty="0">
+                    <a:latin typeface="Courier"/>
+                  </a:rPr>
+                  <a:t> </a:t>
+                </a:r>
+                <a:r>
+                  <a:rPr dirty="0">
+                    <a:solidFill>
+                      <a:srgbClr val="007020"/>
+                    </a:solidFill>
+                    <a:latin typeface="Courier"/>
+                  </a:rPr>
+                  <a:t>&lt;-</a:t>
+                </a:r>
+                <a:r>
+                  <a:rPr dirty="0">
+                    <a:latin typeface="Courier"/>
+                  </a:rPr>
+                  <a:t> </a:t>
+                </a:r>
+                <a:r>
+                  <a:rPr dirty="0">
+                    <a:solidFill>
+                      <a:srgbClr val="40A070"/>
+                    </a:solidFill>
+                    <a:latin typeface="Courier"/>
+                  </a:rPr>
+                  <a:t>1</a:t>
+                </a:r>
+                <a:r>
+                  <a:rPr dirty="0">
+                    <a:latin typeface="Courier"/>
+                  </a:rPr>
+                  <a:t> </a:t>
+                </a:r>
+                <a:r>
+                  <a:rPr dirty="0">
+                    <a:solidFill>
+                      <a:srgbClr val="4070A0"/>
+                    </a:solidFill>
+                    <a:latin typeface="Courier"/>
+                  </a:rPr>
+                  <a:t>/</a:t>
+                </a:r>
+                <a:r>
+                  <a:rPr dirty="0">
+                    <a:latin typeface="Courier"/>
+                  </a:rPr>
+                  <a:t> </a:t>
+                </a:r>
+                <a:r>
+                  <a:rPr dirty="0">
+                    <a:solidFill>
+                      <a:srgbClr val="06287E"/>
+                    </a:solidFill>
+                    <a:latin typeface="Courier"/>
+                  </a:rPr>
+                  <a:t>sum</a:t>
+                </a:r>
+                <a:r>
+                  <a:rPr dirty="0">
+                    <a:latin typeface="Courier"/>
+                  </a:rPr>
+                  <a:t>(W)</a:t>
+                </a:r>
+                <a:br>
+                  <a:rPr dirty="0"/>
+                </a:br>
+                <a:r>
+                  <a:rPr dirty="0">
+                    <a:latin typeface="Courier"/>
+                  </a:rPr>
+                  <a:t>    </a:t>
+                </a:r>
+                <a:r>
+                  <a:rPr dirty="0" err="1">
+                    <a:latin typeface="Courier"/>
+                  </a:rPr>
+                  <a:t>VarEsP.FE</a:t>
+                </a:r>
+                <a:endParaRPr dirty="0">
+                  <a:latin typeface="Courier"/>
+                </a:endParaRPr>
+              </a:p>
+              <a:p>
+                <a:pPr indent="0">
+                  <a:buNone/>
+                </a:pPr>
+                <a:r>
+                  <a:rPr dirty="0">
+                    <a:latin typeface="Courier"/>
+                  </a:rPr>
+                  <a:t>## [1] 0.00989011</a:t>
+                </a:r>
+              </a:p>
+              <a:p>
+                <a:pPr indent="0">
+                  <a:buNone/>
+                </a:pPr>
+                <a:r>
+                  <a:rPr i="1" dirty="0">
+                    <a:solidFill>
+                      <a:srgbClr val="60A0B0"/>
+                    </a:solidFill>
+                    <a:latin typeface="Courier"/>
+                  </a:rPr>
+                  <a:t># Calculate the standard error around estimate</a:t>
+                </a:r>
+                <a:br>
+                  <a:rPr dirty="0"/>
+                </a:br>
+                <a:r>
+                  <a:rPr dirty="0">
+                    <a:latin typeface="Courier"/>
+                  </a:rPr>
+                  <a:t>    </a:t>
+                </a:r>
+                <a:r>
+                  <a:rPr dirty="0" err="1">
+                    <a:latin typeface="Courier"/>
+                  </a:rPr>
+                  <a:t>SE.EsP.FE</a:t>
+                </a:r>
+                <a:r>
+                  <a:rPr dirty="0">
+                    <a:latin typeface="Courier"/>
+                  </a:rPr>
+                  <a:t> </a:t>
+                </a:r>
+                <a:r>
+                  <a:rPr dirty="0">
+                    <a:solidFill>
+                      <a:srgbClr val="007020"/>
+                    </a:solidFill>
+                    <a:latin typeface="Courier"/>
+                  </a:rPr>
+                  <a:t>&lt;-</a:t>
+                </a:r>
+                <a:r>
+                  <a:rPr dirty="0">
+                    <a:latin typeface="Courier"/>
+                  </a:rPr>
+                  <a:t> </a:t>
+                </a:r>
+                <a:r>
+                  <a:rPr dirty="0">
+                    <a:solidFill>
+                      <a:srgbClr val="06287E"/>
+                    </a:solidFill>
+                    <a:latin typeface="Courier"/>
+                  </a:rPr>
+                  <a:t>sqrt</a:t>
+                </a:r>
+                <a:r>
+                  <a:rPr dirty="0">
+                    <a:latin typeface="Courier"/>
+                  </a:rPr>
+                  <a:t>(</a:t>
+                </a:r>
+                <a:r>
+                  <a:rPr dirty="0" err="1">
+                    <a:latin typeface="Courier"/>
+                  </a:rPr>
+                  <a:t>VarEsP.FE</a:t>
+                </a:r>
+                <a:r>
+                  <a:rPr dirty="0">
+                    <a:latin typeface="Courier"/>
+                  </a:rPr>
+                  <a:t>)</a:t>
+                </a:r>
+                <a:br>
+                  <a:rPr dirty="0"/>
+                </a:br>
+                <a:r>
+                  <a:rPr dirty="0">
+                    <a:latin typeface="Courier"/>
+                  </a:rPr>
+                  <a:t>    </a:t>
+                </a:r>
+                <a:r>
+                  <a:rPr dirty="0" err="1">
+                    <a:latin typeface="Courier"/>
+                  </a:rPr>
+                  <a:t>SE.EsP.FE</a:t>
+                </a:r>
+                <a:endParaRPr dirty="0">
+                  <a:latin typeface="Courier"/>
+                </a:endParaRPr>
+              </a:p>
+              <a:p>
+                <a:pPr indent="0">
+                  <a:buNone/>
+                </a:pPr>
+                <a:r>
+                  <a:rPr dirty="0">
+                    <a:latin typeface="Courier"/>
+                  </a:rPr>
+                  <a:t>## [1] 0.09944903</a:t>
+                </a:r>
+              </a:p>
+            </p:txBody>
+          </p:sp>
+        </mc:Choice>
+        <mc:Fallback>
+          <p:sp>
+            <p:nvSpPr>
+              <p:cNvPr id="3" name="Content Placeholder 2"/>
+              <p:cNvSpPr>
+                <a:spLocks noGrp="1" noRot="1" noChangeAspect="1" noMove="1" noResize="1" noEditPoints="1" noAdjustHandles="1" noChangeArrowheads="1" noChangeShapeType="1" noTextEdit="1"/>
+              </p:cNvSpPr>
+              <p:nvPr>
+                <p:ph idx="1"/>
+              </p:nvPr>
+            </p:nvSpPr>
+            <p:spPr>
+              <a:xfrm>
+                <a:off x="457200" y="1417639"/>
+                <a:ext cx="8229600" cy="4525963"/>
+              </a:xfrm>
+              <a:blipFill>
+                <a:blip r:embed="rId3"/>
+                <a:stretch>
+                  <a:fillRect l="-617" t="-1676"/>
+                </a:stretch>
+              </a:blipFill>
+            </p:spPr>
+            <p:txBody>
+              <a:bodyPr/>
+              <a:lstStyle/>
+              <a:p>
+                <a:r>
+                  <a:rPr lang="en-US">
+                    <a:noFill/>
+                  </a:rPr>
+                  <a:t> </a:t>
+                </a:r>
+              </a:p>
+            </p:txBody>
+          </p:sp>
+        </mc:Fallback>
+      </mc:AlternateContent>
+      <p:sp>
+        <p:nvSpPr>
+          <p:cNvPr id="5" name="TextBox 4">
+            <a:extLst>
+              <a:ext uri="{FF2B5EF4-FFF2-40B4-BE49-F238E27FC236}">
+                <a16:creationId xmlns:a16="http://schemas.microsoft.com/office/drawing/2014/main" id="{02626239-739F-B63B-6E22-154725F8397D}"/>
+              </a:ext>
+            </a:extLst>
+          </p:cNvPr>
+          <p:cNvSpPr txBox="1"/>
+          <p:nvPr/>
+        </p:nvSpPr>
+        <p:spPr>
+          <a:xfrm>
+            <a:off x="677118" y="5760126"/>
+            <a:ext cx="8362709" cy="646331"/>
+          </a:xfrm>
+          <a:prstGeom prst="rect">
+            <a:avLst/>
+          </a:prstGeom>
+          <a:noFill/>
+        </p:spPr>
+        <p:txBody>
+          <a:bodyPr wrap="square">
+            <a:spAutoFit/>
+          </a:bodyPr>
+          <a:lstStyle/>
+          <a:p>
+            <a:r>
+              <a:rPr lang="en-AU" dirty="0">
+                <a:latin typeface="Courier"/>
+              </a:rPr>
+              <a:t>## estimate      se     </a:t>
+            </a:r>
+            <a:r>
+              <a:rPr lang="en-AU" dirty="0" err="1">
+                <a:latin typeface="Courier"/>
+              </a:rPr>
+              <a:t>zval</a:t>
+            </a:r>
+            <a:r>
+              <a:rPr lang="en-AU" dirty="0">
+                <a:latin typeface="Courier"/>
+              </a:rPr>
+              <a:t>    </a:t>
+            </a:r>
+            <a:r>
+              <a:rPr lang="en-AU" dirty="0" err="1">
+                <a:latin typeface="Courier"/>
+              </a:rPr>
+              <a:t>pval</a:t>
+            </a:r>
+            <a:r>
+              <a:rPr lang="en-AU" dirty="0">
+                <a:latin typeface="Courier"/>
+              </a:rPr>
+              <a:t>   </a:t>
+            </a:r>
+            <a:r>
+              <a:rPr lang="en-AU" dirty="0" err="1">
+                <a:latin typeface="Courier"/>
+              </a:rPr>
+              <a:t>ci.lb</a:t>
+            </a:r>
+            <a:r>
+              <a:rPr lang="en-AU" dirty="0">
+                <a:latin typeface="Courier"/>
+              </a:rPr>
+              <a:t>   </a:t>
+            </a:r>
+            <a:r>
+              <a:rPr lang="en-AU" dirty="0" err="1">
+                <a:latin typeface="Courier"/>
+              </a:rPr>
+              <a:t>ci.ub</a:t>
+            </a:r>
+            <a:r>
+              <a:rPr lang="en-AU" dirty="0">
+                <a:latin typeface="Courier"/>
+              </a:rPr>
+              <a:t>     ​ 
+</a:t>
+            </a:r>
+            <a:r>
+              <a:rPr lang="en-AU" b="1" dirty="0">
+                <a:latin typeface="Courier"/>
+              </a:rPr>
+              <a:t>##   2.0731    </a:t>
+            </a:r>
+            <a:r>
+              <a:rPr lang="en-AU" dirty="0">
+                <a:latin typeface="Courier"/>
+              </a:rPr>
+              <a:t>0.0994  20.8459  &lt;.0001  1.8782  2.2680  *** </a:t>
+            </a:r>
+            <a:endParaRPr lang="en-US" dirty="0"/>
+          </a:p>
+        </p:txBody>
+      </p:sp>
+      <p:sp>
+        <p:nvSpPr>
+          <p:cNvPr id="4" name="Rectangle 3">
+            <a:extLst>
+              <a:ext uri="{FF2B5EF4-FFF2-40B4-BE49-F238E27FC236}">
+                <a16:creationId xmlns:a16="http://schemas.microsoft.com/office/drawing/2014/main" id="{96FB5C7A-85B3-6AA9-B875-965A119D3394}"/>
+              </a:ext>
+            </a:extLst>
+          </p:cNvPr>
+          <p:cNvSpPr/>
+          <p:nvPr/>
+        </p:nvSpPr>
+        <p:spPr>
+          <a:xfrm>
+            <a:off x="677119" y="5760126"/>
+            <a:ext cx="1788289" cy="646331"/>
+          </a:xfrm>
+          <a:prstGeom prst="rect">
+            <a:avLst/>
+          </a:prstGeom>
+          <a:solidFill>
+            <a:schemeClr val="tx2">
+              <a:lumMod val="60000"/>
+              <a:lumOff val="40000"/>
+              <a:alpha val="20336"/>
+            </a:schemeClr>
+          </a:solidFill>
+        </p:spPr>
+        <p:style>
+          <a:lnRef idx="1">
+            <a:schemeClr val="accent1"/>
+          </a:lnRef>
+          <a:fillRef idx="3">
+            <a:schemeClr val="accent1"/>
+          </a:fillRef>
+          <a:effectRef idx="2">
+            <a:schemeClr val="accent1"/>
+          </a:effectRef>
+          <a:fontRef idx="minor">
+            <a:schemeClr val="lt1"/>
+          </a:fontRef>
+        </p:style>
+        <p:txBody>
+          <a:bodyPr rtlCol="0" anchor="ctr"/>
+          <a:lstStyle/>
+          <a:p>
+            <a:pPr algn="ctr"/>
+            <a:endParaRPr lang="en-US"/>
+          </a:p>
+        </p:txBody>
+      </p:sp>
+      <p:cxnSp>
+        <p:nvCxnSpPr>
+          <p:cNvPr id="10" name="Curved Connector 9">
+            <a:extLst>
+              <a:ext uri="{FF2B5EF4-FFF2-40B4-BE49-F238E27FC236}">
+                <a16:creationId xmlns:a16="http://schemas.microsoft.com/office/drawing/2014/main" id="{BF9EA137-EAF7-7596-08E5-725E02BF17A4}"/>
+              </a:ext>
+            </a:extLst>
+          </p:cNvPr>
+          <p:cNvCxnSpPr>
+            <a:cxnSpLocks/>
+          </p:cNvCxnSpPr>
+          <p:nvPr/>
+        </p:nvCxnSpPr>
+        <p:spPr>
+          <a:xfrm rot="5400000">
+            <a:off x="-293603" y="4506403"/>
+            <a:ext cx="2224446" cy="283001"/>
+          </a:xfrm>
+          <a:prstGeom prst="curvedConnector3">
+            <a:avLst>
+              <a:gd name="adj1" fmla="val -6864"/>
+            </a:avLst>
+          </a:prstGeom>
+          <a:ln>
+            <a:tailEnd type="triangle"/>
+          </a:ln>
+        </p:spPr>
+        <p:style>
+          <a:lnRef idx="2">
+            <a:schemeClr val="accent1"/>
+          </a:lnRef>
+          <a:fillRef idx="0">
+            <a:schemeClr val="accent1"/>
+          </a:fillRef>
+          <a:effectRef idx="1">
+            <a:schemeClr val="accent1"/>
+          </a:effectRef>
+          <a:fontRef idx="minor">
+            <a:schemeClr val="tx1"/>
+          </a:fontRef>
+        </p:style>
+      </p:cxnSp>
+      <p:sp>
+        <p:nvSpPr>
+          <p:cNvPr id="18" name="Rectangle 17">
+            <a:extLst>
+              <a:ext uri="{FF2B5EF4-FFF2-40B4-BE49-F238E27FC236}">
+                <a16:creationId xmlns:a16="http://schemas.microsoft.com/office/drawing/2014/main" id="{51355DE2-E145-25EA-DDDA-FE2A1C6FA76D}"/>
+              </a:ext>
+            </a:extLst>
+          </p:cNvPr>
+          <p:cNvSpPr/>
+          <p:nvPr/>
+        </p:nvSpPr>
+        <p:spPr>
+          <a:xfrm>
+            <a:off x="2685327" y="5760126"/>
+            <a:ext cx="1055032" cy="646331"/>
+          </a:xfrm>
+          <a:prstGeom prst="rect">
+            <a:avLst/>
+          </a:prstGeom>
+          <a:solidFill>
+            <a:schemeClr val="accent2">
+              <a:lumMod val="60000"/>
+              <a:lumOff val="40000"/>
+              <a:alpha val="20336"/>
+            </a:schemeClr>
+          </a:solidFill>
+          <a:ln>
+            <a:solidFill>
+              <a:schemeClr val="accent2">
+                <a:lumMod val="75000"/>
+              </a:schemeClr>
+            </a:solidFill>
+          </a:ln>
+        </p:spPr>
+        <p:style>
+          <a:lnRef idx="1">
+            <a:schemeClr val="accent1"/>
+          </a:lnRef>
+          <a:fillRef idx="3">
+            <a:schemeClr val="accent1"/>
+          </a:fillRef>
+          <a:effectRef idx="2">
+            <a:schemeClr val="accent1"/>
+          </a:effectRef>
+          <a:fontRef idx="minor">
+            <a:schemeClr val="lt1"/>
+          </a:fontRef>
+        </p:style>
+        <p:txBody>
+          <a:bodyPr rtlCol="0" anchor="ctr"/>
+          <a:lstStyle/>
+          <a:p>
+            <a:pPr algn="ctr"/>
+            <a:endParaRPr lang="en-US"/>
+          </a:p>
+        </p:txBody>
+      </p:sp>
+      <p:cxnSp>
+        <p:nvCxnSpPr>
+          <p:cNvPr id="20" name="Straight Arrow Connector 19">
+            <a:extLst>
+              <a:ext uri="{FF2B5EF4-FFF2-40B4-BE49-F238E27FC236}">
+                <a16:creationId xmlns:a16="http://schemas.microsoft.com/office/drawing/2014/main" id="{50CF6FDC-CFBF-DC9F-78FC-1A3FB510E236}"/>
+              </a:ext>
+            </a:extLst>
+          </p:cNvPr>
+          <p:cNvCxnSpPr/>
+          <p:nvPr/>
+        </p:nvCxnSpPr>
+        <p:spPr>
+          <a:xfrm>
+            <a:off x="2685327" y="5288280"/>
+            <a:ext cx="301713" cy="426126"/>
+          </a:xfrm>
+          <a:prstGeom prst="straightConnector1">
+            <a:avLst/>
+          </a:prstGeom>
+          <a:ln>
+            <a:solidFill>
+              <a:schemeClr val="accent2">
+                <a:lumMod val="60000"/>
+                <a:lumOff val="40000"/>
+              </a:schemeClr>
+            </a:solidFill>
+            <a:tailEnd type="triangle"/>
+          </a:ln>
+        </p:spPr>
+        <p:style>
+          <a:lnRef idx="2">
+            <a:schemeClr val="accent1"/>
+          </a:lnRef>
+          <a:fillRef idx="0">
+            <a:schemeClr val="accent1"/>
+          </a:fillRef>
+          <a:effectRef idx="1">
+            <a:schemeClr val="accent1"/>
+          </a:effectRef>
+          <a:fontRef idx="minor">
+            <a:schemeClr val="tx1"/>
+          </a:fontRef>
+        </p:style>
+      </p:cxnSp>
+    </p:spTree>
+    <p:extLst>
+      <p:ext uri="{BB962C8B-B14F-4D97-AF65-F5344CB8AC3E}">
+        <p14:creationId xmlns:p14="http://schemas.microsoft.com/office/powerpoint/2010/main" val="474899729"/>
+      </p:ext>
+    </p:extLst>
+  </p:cSld>
+  <p:clrMapOvr>
+    <a:masterClrMapping/>
+  </p:clrMapOvr>
+</p:sld>
+</file>
+
+<file path=ppt/slides/slide16.xml><?xml version="1.0" encoding="utf-8"?>
+<p:sld xmlns:a="http://schemas.openxmlformats.org/drawingml/2006/main" xmlns:r="http://schemas.openxmlformats.org/officeDocument/2006/relationships" xmlns:p="http://schemas.openxmlformats.org/presentationml/2006/main">
+  <p:cSld>
+    <p:spTree>
+      <p:nvGrpSpPr>
+        <p:cNvPr id="1" name=""/>
+        <p:cNvGrpSpPr/>
+        <p:nvPr/>
+      </p:nvGrpSpPr>
+      <p:grpSpPr>
+        <a:xfrm>
+          <a:off x="0" y="0"/>
+          <a:ext cx="0" cy="0"/>
+          <a:chOff x="0" y="0"/>
+          <a:chExt cx="0" cy="0"/>
+        </a:xfrm>
+      </p:grpSpPr>
+      <p:sp>
+        <p:nvSpPr>
+          <p:cNvPr id="2" name="Title 1"/>
           <p:cNvSpPr>
             <a:spLocks noGrp="1"/>
           </p:cNvSpPr>
@@ -4414,19 +8651,487 @@
           <a:bodyPr/>
           <a:lstStyle/>
           <a:p>
-            <a:endParaRPr lang="en-US"/>
+            <a:r>
+              <a:rPr b="1" dirty="0"/>
+              <a:t>Random effect</a:t>
+            </a:r>
+            <a:r>
+              <a:rPr lang="en-AU" b="1" dirty="0"/>
+              <a:t> model</a:t>
+            </a:r>
+            <a:r>
+              <a:rPr b="1" dirty="0"/>
+              <a:t> in code</a:t>
+            </a:r>
+            <a:r>
+              <a:rPr lang="en-AU" b="1" dirty="0"/>
+              <a:t>….</a:t>
+            </a:r>
+            <a:endParaRPr b="1" dirty="0"/>
           </a:p>
         </p:txBody>
       </p:sp>
       <p:sp>
         <p:nvSpPr>
-          <p:cNvPr id="3" name="Content Placeholder 2">
-            <a:extLst>
-              <a:ext uri="{FF2B5EF4-FFF2-40B4-BE49-F238E27FC236}">
-                <a16:creationId xmlns:a16="http://schemas.microsoft.com/office/drawing/2014/main" id="{2FA922B8-6C3D-CA0C-620F-C5696EC0D27A}"/>
-              </a:ext>
-            </a:extLst>
-          </p:cNvPr>
+          <p:cNvPr id="3" name="Content Placeholder 2"/>
+          <p:cNvSpPr>
+            <a:spLocks noGrp="1"/>
+          </p:cNvSpPr>
+          <p:nvPr>
+            <p:ph idx="1"/>
+          </p:nvPr>
+        </p:nvSpPr>
+        <p:spPr>
+          <a:xfrm>
+            <a:off x="92597" y="1319515"/>
+            <a:ext cx="9051403" cy="4806650"/>
+          </a:xfrm>
+        </p:spPr>
+        <p:txBody>
+          <a:bodyPr>
+            <a:normAutofit fontScale="77500" lnSpcReduction="20000"/>
+          </a:bodyPr>
+          <a:lstStyle/>
+          <a:p>
+            <a:pPr indent="0">
+              <a:buNone/>
+            </a:pPr>
+            <a:r>
+              <a:rPr i="1" dirty="0">
+                <a:solidFill>
+                  <a:srgbClr val="60A0B0"/>
+                </a:solidFill>
+                <a:latin typeface="Courier"/>
+              </a:rPr>
+              <a:t># Here adding 0.8 says we want to add 0.8 as the between study variability. In other words, each effect size is sampled from a larger distribution of effect sizes that itself comes from a distribution with a variance of 0.8. </a:t>
+            </a:r>
+            <a:br>
+              <a:rPr dirty="0"/>
+            </a:br>
+            <a:r>
+              <a:rPr dirty="0">
+                <a:latin typeface="Courier"/>
+              </a:rPr>
+              <a:t>  </a:t>
+            </a:r>
+            <a:endParaRPr lang="en-AU" dirty="0">
+              <a:latin typeface="Courier"/>
+            </a:endParaRPr>
+          </a:p>
+          <a:p>
+            <a:pPr indent="0">
+              <a:buNone/>
+            </a:pPr>
+            <a:r>
+              <a:rPr dirty="0" err="1">
+                <a:latin typeface="Courier"/>
+              </a:rPr>
+              <a:t>esRE</a:t>
+            </a:r>
+            <a:r>
+              <a:rPr dirty="0">
+                <a:latin typeface="Courier"/>
+              </a:rPr>
+              <a:t> </a:t>
+            </a:r>
+            <a:r>
+              <a:rPr dirty="0">
+                <a:solidFill>
+                  <a:srgbClr val="007020"/>
+                </a:solidFill>
+                <a:latin typeface="Courier"/>
+              </a:rPr>
+              <a:t>&lt;-</a:t>
+            </a:r>
+            <a:r>
+              <a:rPr dirty="0">
+                <a:latin typeface="Courier"/>
+              </a:rPr>
+              <a:t> </a:t>
+            </a:r>
+            <a:r>
+              <a:rPr dirty="0" err="1">
+                <a:solidFill>
+                  <a:srgbClr val="06287E"/>
+                </a:solidFill>
+                <a:latin typeface="Courier"/>
+              </a:rPr>
+              <a:t>rnorm</a:t>
+            </a:r>
+            <a:r>
+              <a:rPr dirty="0">
+                <a:latin typeface="Courier"/>
+              </a:rPr>
+              <a:t>(</a:t>
+            </a:r>
+            <a:r>
+              <a:rPr dirty="0">
+                <a:solidFill>
+                  <a:srgbClr val="06287E"/>
+                </a:solidFill>
+                <a:latin typeface="Courier"/>
+              </a:rPr>
+              <a:t>length</a:t>
+            </a:r>
+            <a:r>
+              <a:rPr dirty="0">
+                <a:latin typeface="Courier"/>
+              </a:rPr>
+              <a:t>(</a:t>
+            </a:r>
+            <a:r>
+              <a:rPr dirty="0" err="1">
+                <a:latin typeface="Courier"/>
+              </a:rPr>
+              <a:t>Ves</a:t>
+            </a:r>
+            <a:r>
+              <a:rPr dirty="0">
+                <a:latin typeface="Courier"/>
+              </a:rPr>
+              <a:t>), </a:t>
+            </a:r>
+            <a:r>
+              <a:rPr dirty="0">
+                <a:solidFill>
+                  <a:srgbClr val="40A070"/>
+                </a:solidFill>
+                <a:latin typeface="Courier"/>
+              </a:rPr>
+              <a:t>2</a:t>
+            </a:r>
+            <a:r>
+              <a:rPr dirty="0">
+                <a:latin typeface="Courier"/>
+              </a:rPr>
+              <a:t>, </a:t>
+            </a:r>
+            <a:r>
+              <a:rPr b="1" dirty="0">
+                <a:solidFill>
+                  <a:srgbClr val="06287E"/>
+                </a:solidFill>
+                <a:latin typeface="Courier"/>
+              </a:rPr>
+              <a:t>sqrt</a:t>
+            </a:r>
+            <a:r>
+              <a:rPr b="1" dirty="0">
+                <a:latin typeface="Courier"/>
+              </a:rPr>
+              <a:t>(</a:t>
+            </a:r>
+            <a:r>
+              <a:rPr b="1" dirty="0" err="1">
+                <a:latin typeface="Courier"/>
+              </a:rPr>
+              <a:t>Ves</a:t>
+            </a:r>
+            <a:r>
+              <a:rPr b="1" dirty="0">
+                <a:latin typeface="Courier"/>
+              </a:rPr>
+              <a:t> </a:t>
+            </a:r>
+            <a:r>
+              <a:rPr b="1" dirty="0">
+                <a:solidFill>
+                  <a:srgbClr val="4070A0"/>
+                </a:solidFill>
+                <a:latin typeface="Courier"/>
+              </a:rPr>
+              <a:t>+</a:t>
+            </a:r>
+            <a:r>
+              <a:rPr b="1" dirty="0">
+                <a:latin typeface="Courier"/>
+              </a:rPr>
+              <a:t> </a:t>
+            </a:r>
+            <a:r>
+              <a:rPr b="1" dirty="0">
+                <a:solidFill>
+                  <a:srgbClr val="40A070"/>
+                </a:solidFill>
+                <a:latin typeface="Courier"/>
+              </a:rPr>
+              <a:t>0.8</a:t>
+            </a:r>
+            <a:r>
+              <a:rPr b="1" dirty="0">
+                <a:latin typeface="Courier"/>
+              </a:rPr>
+              <a:t>)</a:t>
+            </a:r>
+            <a:r>
+              <a:rPr dirty="0">
+                <a:latin typeface="Courier"/>
+              </a:rPr>
+              <a:t>) </a:t>
+            </a:r>
+            <a:br>
+              <a:rPr dirty="0"/>
+            </a:br>
+            <a:endParaRPr lang="en-AU" dirty="0"/>
+          </a:p>
+          <a:p>
+            <a:pPr indent="0">
+              <a:buNone/>
+            </a:pPr>
+            <a:r>
+              <a:rPr i="1" dirty="0">
+                <a:solidFill>
+                  <a:srgbClr val="60A0B0"/>
+                </a:solidFill>
+                <a:latin typeface="Courier"/>
+              </a:rPr>
+              <a:t># Data for our random effect meta-analysis </a:t>
+            </a:r>
+            <a:br>
+              <a:rPr dirty="0"/>
+            </a:br>
+            <a:r>
+              <a:rPr dirty="0" err="1">
+                <a:latin typeface="Courier"/>
+              </a:rPr>
+              <a:t>dataRE</a:t>
+            </a:r>
+            <a:r>
+              <a:rPr dirty="0">
+                <a:latin typeface="Courier"/>
+              </a:rPr>
+              <a:t> </a:t>
+            </a:r>
+            <a:r>
+              <a:rPr dirty="0">
+                <a:solidFill>
+                  <a:srgbClr val="007020"/>
+                </a:solidFill>
+                <a:latin typeface="Courier"/>
+              </a:rPr>
+              <a:t>&lt;-</a:t>
+            </a:r>
+            <a:r>
+              <a:rPr dirty="0">
+                <a:latin typeface="Courier"/>
+              </a:rPr>
+              <a:t>  </a:t>
+            </a:r>
+            <a:r>
+              <a:rPr dirty="0" err="1">
+                <a:solidFill>
+                  <a:srgbClr val="06287E"/>
+                </a:solidFill>
+                <a:latin typeface="Courier"/>
+              </a:rPr>
+              <a:t>data.frame</a:t>
+            </a:r>
+            <a:r>
+              <a:rPr dirty="0">
+                <a:latin typeface="Courier"/>
+              </a:rPr>
+              <a:t>(</a:t>
+            </a:r>
+            <a:r>
+              <a:rPr dirty="0" err="1">
+                <a:solidFill>
+                  <a:srgbClr val="7D9029"/>
+                </a:solidFill>
+                <a:latin typeface="Courier"/>
+              </a:rPr>
+              <a:t>stdy</a:t>
+            </a:r>
+            <a:r>
+              <a:rPr dirty="0">
+                <a:solidFill>
+                  <a:srgbClr val="7D9029"/>
+                </a:solidFill>
+                <a:latin typeface="Courier"/>
+              </a:rPr>
+              <a:t> =</a:t>
+            </a:r>
+            <a:r>
+              <a:rPr dirty="0">
+                <a:latin typeface="Courier"/>
+              </a:rPr>
+              <a:t> </a:t>
+            </a:r>
+            <a:r>
+              <a:rPr dirty="0" err="1">
+                <a:latin typeface="Courier"/>
+              </a:rPr>
+              <a:t>stdy</a:t>
+            </a:r>
+            <a:r>
+              <a:rPr dirty="0">
+                <a:latin typeface="Courier"/>
+              </a:rPr>
+              <a:t>, </a:t>
+            </a:r>
+            <a:r>
+              <a:rPr dirty="0" err="1">
+                <a:latin typeface="Courier"/>
+              </a:rPr>
+              <a:t>esRE</a:t>
+            </a:r>
+            <a:r>
+              <a:rPr dirty="0">
+                <a:latin typeface="Courier"/>
+              </a:rPr>
+              <a:t>, </a:t>
+            </a:r>
+            <a:r>
+              <a:rPr dirty="0" err="1">
+                <a:latin typeface="Courier"/>
+              </a:rPr>
+              <a:t>Ves</a:t>
+            </a:r>
+            <a:r>
+              <a:rPr dirty="0">
+                <a:latin typeface="Courier"/>
+              </a:rPr>
+              <a:t>)</a:t>
+            </a:r>
+          </a:p>
+        </p:txBody>
+      </p:sp>
+    </p:spTree>
+  </p:cSld>
+  <p:clrMapOvr>
+    <a:masterClrMapping/>
+  </p:clrMapOvr>
+</p:sld>
+</file>
+
+<file path=ppt/slides/slide17.xml><?xml version="1.0" encoding="utf-8"?>
+<p:sld xmlns:a="http://schemas.openxmlformats.org/drawingml/2006/main" xmlns:r="http://schemas.openxmlformats.org/officeDocument/2006/relationships" xmlns:p="http://schemas.openxmlformats.org/presentationml/2006/main">
+  <p:cSld>
+    <p:spTree>
+      <p:nvGrpSpPr>
+        <p:cNvPr id="1" name=""/>
+        <p:cNvGrpSpPr/>
+        <p:nvPr/>
+      </p:nvGrpSpPr>
+      <p:grpSpPr>
+        <a:xfrm>
+          <a:off x="0" y="0"/>
+          <a:ext cx="0" cy="0"/>
+          <a:chOff x="0" y="0"/>
+          <a:chExt cx="0" cy="0"/>
+        </a:xfrm>
+      </p:grpSpPr>
+      <p:sp>
+        <p:nvSpPr>
+          <p:cNvPr id="2" name="Title 1"/>
+          <p:cNvSpPr>
+            <a:spLocks noGrp="1"/>
+          </p:cNvSpPr>
+          <p:nvPr>
+            <p:ph type="title"/>
+          </p:nvPr>
+        </p:nvSpPr>
+        <p:spPr/>
+        <p:txBody>
+          <a:bodyPr/>
+          <a:lstStyle/>
+          <a:p>
+            <a:r>
+              <a:rPr b="1" dirty="0"/>
+              <a:t>Random effect </a:t>
+            </a:r>
+            <a:r>
+              <a:rPr lang="en-AU" b="1" dirty="0"/>
+              <a:t>model data…</a:t>
+            </a:r>
+            <a:endParaRPr b="1" dirty="0"/>
+          </a:p>
+        </p:txBody>
+      </p:sp>
+      <p:pic>
+        <p:nvPicPr>
+          <p:cNvPr id="3" name="Picture 1" descr="code_slides_files/figure-pptx/fvsr-1.png"/>
+          <p:cNvPicPr>
+            <a:picLocks noGrp="1" noChangeAspect="1"/>
+          </p:cNvPicPr>
+          <p:nvPr/>
+        </p:nvPicPr>
+        <p:blipFill rotWithShape="1">
+          <a:blip r:embed="rId2"/>
+          <a:srcRect t="17987" r="5393" b="3722"/>
+          <a:stretch/>
+        </p:blipFill>
+        <p:spPr bwMode="auto">
+          <a:xfrm>
+            <a:off x="916651" y="1416049"/>
+            <a:ext cx="6678618" cy="4417591"/>
+          </a:xfrm>
+          <a:prstGeom prst="rect">
+            <a:avLst/>
+          </a:prstGeom>
+          <a:noFill/>
+          <a:ln w="9525">
+            <a:noFill/>
+            <a:headEnd/>
+            <a:tailEnd/>
+          </a:ln>
+        </p:spPr>
+      </p:pic>
+      <p:sp>
+        <p:nvSpPr>
+          <p:cNvPr id="4" name="TextBox 3"/>
+          <p:cNvSpPr txBox="1"/>
+          <p:nvPr/>
+        </p:nvSpPr>
+        <p:spPr>
+          <a:xfrm>
+            <a:off x="457200" y="5917798"/>
+            <a:ext cx="8229600" cy="508000"/>
+          </a:xfrm>
+          <a:prstGeom prst="rect">
+            <a:avLst/>
+          </a:prstGeom>
+          <a:noFill/>
+        </p:spPr>
+        <p:txBody>
+          <a:bodyPr/>
+          <a:lstStyle/>
+          <a:p>
+            <a:pPr algn="ctr"/>
+            <a:r>
+              <a:rPr dirty="0"/>
+              <a:t>Mean (arrows are sampling standard deviation) effect size for each study. Data simulated under a fixed effect model in black and data simulated under a random effect model in red.</a:t>
+            </a:r>
+          </a:p>
+        </p:txBody>
+      </p:sp>
+    </p:spTree>
+  </p:cSld>
+  <p:clrMapOvr>
+    <a:masterClrMapping/>
+  </p:clrMapOvr>
+</p:sld>
+</file>
+
+<file path=ppt/slides/slide18.xml><?xml version="1.0" encoding="utf-8"?>
+<p:sld xmlns:a="http://schemas.openxmlformats.org/drawingml/2006/main" xmlns:r="http://schemas.openxmlformats.org/officeDocument/2006/relationships" xmlns:p="http://schemas.openxmlformats.org/presentationml/2006/main">
+  <p:cSld>
+    <p:spTree>
+      <p:nvGrpSpPr>
+        <p:cNvPr id="1" name=""/>
+        <p:cNvGrpSpPr/>
+        <p:nvPr/>
+      </p:nvGrpSpPr>
+      <p:grpSpPr>
+        <a:xfrm>
+          <a:off x="0" y="0"/>
+          <a:ext cx="0" cy="0"/>
+          <a:chOff x="0" y="0"/>
+          <a:chExt cx="0" cy="0"/>
+        </a:xfrm>
+      </p:grpSpPr>
+      <p:sp>
+        <p:nvSpPr>
+          <p:cNvPr id="3" name="Content Placeholder 2"/>
           <p:cNvSpPr>
             <a:spLocks noGrp="1"/>
           </p:cNvSpPr>
@@ -4436,19 +9141,1091 @@
         </p:nvSpPr>
         <p:spPr/>
         <p:txBody>
-          <a:bodyPr/>
+          <a:bodyPr>
+            <a:normAutofit fontScale="40000" lnSpcReduction="20000"/>
+          </a:bodyPr>
           <a:lstStyle/>
           <a:p>
-            <a:endParaRPr lang="en-US"/>
+            <a:pPr marL="0" indent="0">
+              <a:buNone/>
+            </a:pPr>
+            <a:r>
+              <a:rPr lang="en-AU" dirty="0"/>
+              <a:t> </a:t>
+            </a:r>
+            <a:r>
+              <a:rPr lang="en-AU" i="1" dirty="0">
+                <a:solidFill>
+                  <a:srgbClr val="60A0B0"/>
+                </a:solidFill>
+                <a:latin typeface="Courier"/>
+              </a:rPr>
+              <a:t># Random effect meta-analysis</a:t>
+            </a:r>
+            <a:endParaRPr lang="en-AU" dirty="0"/>
+          </a:p>
+          <a:p>
+            <a:pPr indent="0">
+              <a:buNone/>
+            </a:pPr>
+            <a:r>
+              <a:rPr dirty="0" err="1">
+                <a:latin typeface="Courier"/>
+              </a:rPr>
+              <a:t>metafor</a:t>
+            </a:r>
+            <a:r>
+              <a:rPr dirty="0">
+                <a:solidFill>
+                  <a:srgbClr val="4070A0"/>
+                </a:solidFill>
+                <a:latin typeface="Courier"/>
+              </a:rPr>
+              <a:t>::</a:t>
+            </a:r>
+            <a:r>
+              <a:rPr dirty="0" err="1">
+                <a:solidFill>
+                  <a:srgbClr val="06287E"/>
+                </a:solidFill>
+                <a:latin typeface="Courier"/>
+              </a:rPr>
+              <a:t>rma</a:t>
+            </a:r>
+            <a:r>
+              <a:rPr dirty="0">
+                <a:latin typeface="Courier"/>
+              </a:rPr>
+              <a:t>(</a:t>
+            </a:r>
+            <a:r>
+              <a:rPr dirty="0" err="1">
+                <a:solidFill>
+                  <a:srgbClr val="7D9029"/>
+                </a:solidFill>
+                <a:latin typeface="Courier"/>
+              </a:rPr>
+              <a:t>yi</a:t>
+            </a:r>
+            <a:r>
+              <a:rPr dirty="0">
+                <a:solidFill>
+                  <a:srgbClr val="7D9029"/>
+                </a:solidFill>
+                <a:latin typeface="Courier"/>
+              </a:rPr>
+              <a:t> =</a:t>
+            </a:r>
+            <a:r>
+              <a:rPr dirty="0">
+                <a:latin typeface="Courier"/>
+              </a:rPr>
+              <a:t> </a:t>
+            </a:r>
+            <a:r>
+              <a:rPr dirty="0" err="1">
+                <a:latin typeface="Courier"/>
+              </a:rPr>
+              <a:t>esRE</a:t>
+            </a:r>
+            <a:r>
+              <a:rPr dirty="0">
+                <a:latin typeface="Courier"/>
+              </a:rPr>
+              <a:t>, </a:t>
+            </a:r>
+            <a:r>
+              <a:rPr dirty="0">
+                <a:solidFill>
+                  <a:srgbClr val="7D9029"/>
+                </a:solidFill>
+                <a:latin typeface="Courier"/>
+              </a:rPr>
+              <a:t>vi =</a:t>
+            </a:r>
+            <a:r>
+              <a:rPr dirty="0">
+                <a:latin typeface="Courier"/>
+              </a:rPr>
+              <a:t> </a:t>
+            </a:r>
+            <a:r>
+              <a:rPr dirty="0" err="1">
+                <a:latin typeface="Courier"/>
+              </a:rPr>
+              <a:t>Ves</a:t>
+            </a:r>
+            <a:r>
+              <a:rPr dirty="0">
+                <a:latin typeface="Courier"/>
+              </a:rPr>
+              <a:t>, </a:t>
+            </a:r>
+            <a:r>
+              <a:rPr dirty="0">
+                <a:solidFill>
+                  <a:srgbClr val="7D9029"/>
+                </a:solidFill>
+                <a:latin typeface="Courier"/>
+              </a:rPr>
+              <a:t>method=</a:t>
+            </a:r>
+            <a:r>
+              <a:rPr dirty="0">
+                <a:solidFill>
+                  <a:srgbClr val="4070A0"/>
+                </a:solidFill>
+                <a:latin typeface="Courier"/>
+              </a:rPr>
+              <a:t>"DL"</a:t>
+            </a:r>
+            <a:r>
+              <a:rPr dirty="0">
+                <a:latin typeface="Courier"/>
+              </a:rPr>
+              <a:t>, </a:t>
+            </a:r>
+            <a:r>
+              <a:rPr dirty="0">
+                <a:solidFill>
+                  <a:srgbClr val="7D9029"/>
+                </a:solidFill>
+                <a:latin typeface="Courier"/>
+              </a:rPr>
+              <a:t>data =</a:t>
+            </a:r>
+            <a:r>
+              <a:rPr dirty="0">
+                <a:latin typeface="Courier"/>
+              </a:rPr>
+              <a:t> </a:t>
+            </a:r>
+            <a:r>
+              <a:rPr dirty="0" err="1">
+                <a:latin typeface="Courier"/>
+              </a:rPr>
+              <a:t>dataRE</a:t>
+            </a:r>
+            <a:r>
+              <a:rPr dirty="0">
+                <a:latin typeface="Courier"/>
+              </a:rPr>
+              <a:t>)</a:t>
+            </a:r>
+          </a:p>
+          <a:p>
+            <a:pPr indent="0">
+              <a:buNone/>
+            </a:pPr>
+            <a:r>
+              <a:rPr dirty="0">
+                <a:latin typeface="Courier"/>
+              </a:rPr>
+              <a:t>## 
+## Random-Effects Model (k = 5; tau^2 estimator: DL)
+## 
+## tau^2 (estimated amount of total heterogeneity): 0.2947 (SE = 0.2731)
+## tau (square root of estimated tau^2 value):      0.5429
+## I^2 (total heterogeneity / total variability):   83.61%
+## H^2 (total variability / sampling variability):  6.10
+## 
+## Test for Heterogeneity:
+## Q(</a:t>
+            </a:r>
+            <a:r>
+              <a:rPr dirty="0" err="1">
+                <a:latin typeface="Courier"/>
+              </a:rPr>
+              <a:t>df</a:t>
+            </a:r>
+            <a:r>
+              <a:rPr dirty="0">
+                <a:latin typeface="Courier"/>
+              </a:rPr>
+              <a:t> = 4) = 24.4015, p-</a:t>
+            </a:r>
+            <a:r>
+              <a:rPr dirty="0" err="1">
+                <a:latin typeface="Courier"/>
+              </a:rPr>
+              <a:t>val</a:t>
+            </a:r>
+            <a:r>
+              <a:rPr dirty="0">
+                <a:latin typeface="Courier"/>
+              </a:rPr>
+              <a:t> &lt; .0001
+## 
+## Model Results:
+## 
+## estimate      se    </a:t>
+            </a:r>
+            <a:r>
+              <a:rPr dirty="0" err="1">
+                <a:latin typeface="Courier"/>
+              </a:rPr>
+              <a:t>zval</a:t>
+            </a:r>
+            <a:r>
+              <a:rPr dirty="0">
+                <a:latin typeface="Courier"/>
+              </a:rPr>
+              <a:t>    </a:t>
+            </a:r>
+            <a:r>
+              <a:rPr dirty="0" err="1">
+                <a:latin typeface="Courier"/>
+              </a:rPr>
+              <a:t>pval</a:t>
+            </a:r>
+            <a:r>
+              <a:rPr dirty="0">
+                <a:latin typeface="Courier"/>
+              </a:rPr>
+              <a:t>   </a:t>
+            </a:r>
+            <a:r>
+              <a:rPr dirty="0" err="1">
+                <a:latin typeface="Courier"/>
+              </a:rPr>
+              <a:t>ci.lb</a:t>
+            </a:r>
+            <a:r>
+              <a:rPr dirty="0">
+                <a:latin typeface="Courier"/>
+              </a:rPr>
+              <a:t>   </a:t>
+            </a:r>
+            <a:r>
+              <a:rPr dirty="0" err="1">
+                <a:latin typeface="Courier"/>
+              </a:rPr>
+              <a:t>ci.ub</a:t>
+            </a:r>
+            <a:r>
+              <a:rPr dirty="0">
+                <a:latin typeface="Courier"/>
+              </a:rPr>
+              <a:t>     ​ 
+##   2.0163  0.2697  7.4753  &lt;.0001  1.4876  2.5449  *** 
+## 
+## ---
+## </a:t>
+            </a:r>
+            <a:r>
+              <a:rPr dirty="0" err="1">
+                <a:latin typeface="Courier"/>
+              </a:rPr>
+              <a:t>Signif</a:t>
+            </a:r>
+            <a:r>
+              <a:rPr dirty="0">
+                <a:latin typeface="Courier"/>
+              </a:rPr>
+              <a:t>. codes:  0 '***' 0.001 '**' 0.01 '*' 0.05 '.' 0.1 ' ' 1</a:t>
+            </a:r>
+          </a:p>
+        </p:txBody>
+      </p:sp>
+      <p:sp>
+        <p:nvSpPr>
+          <p:cNvPr id="4" name="Title 1">
+            <a:extLst>
+              <a:ext uri="{FF2B5EF4-FFF2-40B4-BE49-F238E27FC236}">
+                <a16:creationId xmlns:a16="http://schemas.microsoft.com/office/drawing/2014/main" id="{6CB7843E-4F5B-9F2E-B4F9-300DA27F4247}"/>
+              </a:ext>
+            </a:extLst>
+          </p:cNvPr>
+          <p:cNvSpPr>
+            <a:spLocks noGrp="1"/>
+          </p:cNvSpPr>
+          <p:nvPr>
+            <p:ph type="title"/>
+          </p:nvPr>
+        </p:nvSpPr>
+        <p:spPr>
+          <a:xfrm>
+            <a:off x="457200" y="274639"/>
+            <a:ext cx="8229600" cy="1143000"/>
+          </a:xfrm>
+        </p:spPr>
+        <p:txBody>
+          <a:bodyPr>
+            <a:normAutofit fontScale="90000"/>
+          </a:bodyPr>
+          <a:lstStyle/>
+          <a:p>
+            <a:r>
+              <a:rPr lang="en-AU" b="1" dirty="0"/>
+              <a:t>Random</a:t>
+            </a:r>
+            <a:r>
+              <a:rPr b="1" dirty="0"/>
+              <a:t> effect</a:t>
+            </a:r>
+            <a:r>
+              <a:rPr lang="en-AU" b="1" dirty="0"/>
+              <a:t>s</a:t>
+            </a:r>
+            <a:r>
+              <a:rPr b="1" dirty="0"/>
+              <a:t> model</a:t>
+            </a:r>
+            <a:r>
+              <a:rPr lang="en-AU" b="1" dirty="0"/>
+              <a:t> meta-analysis..</a:t>
+            </a:r>
+            <a:endParaRPr b="1" dirty="0"/>
           </a:p>
         </p:txBody>
       </p:sp>
     </p:spTree>
-    <p:extLst>
-      <p:ext uri="{BB962C8B-B14F-4D97-AF65-F5344CB8AC3E}">
-        <p14:creationId xmlns:p14="http://schemas.microsoft.com/office/powerpoint/2010/main" val="3913035820"/>
-      </p:ext>
-    </p:extLst>
+  </p:cSld>
+  <p:clrMapOvr>
+    <a:masterClrMapping/>
+  </p:clrMapOvr>
+</p:sld>
+</file>
+
+<file path=ppt/slides/slide19.xml><?xml version="1.0" encoding="utf-8"?>
+<p:sld xmlns:a="http://schemas.openxmlformats.org/drawingml/2006/main" xmlns:r="http://schemas.openxmlformats.org/officeDocument/2006/relationships" xmlns:p="http://schemas.openxmlformats.org/presentationml/2006/main">
+  <p:cSld>
+    <p:spTree>
+      <p:nvGrpSpPr>
+        <p:cNvPr id="1" name=""/>
+        <p:cNvGrpSpPr/>
+        <p:nvPr/>
+      </p:nvGrpSpPr>
+      <p:grpSpPr>
+        <a:xfrm>
+          <a:off x="0" y="0"/>
+          <a:ext cx="0" cy="0"/>
+          <a:chOff x="0" y="0"/>
+          <a:chExt cx="0" cy="0"/>
+        </a:xfrm>
+      </p:grpSpPr>
+      <mc:AlternateContent xmlns:mc="http://schemas.openxmlformats.org/markup-compatibility/2006">
+        <mc:Choice xmlns:a14="http://schemas.microsoft.com/office/drawing/2010/main" Requires="a14">
+          <p:sp>
+            <p:nvSpPr>
+              <p:cNvPr id="3" name="Content Placeholder 2"/>
+              <p:cNvSpPr>
+                <a:spLocks noGrp="1"/>
+              </p:cNvSpPr>
+              <p:nvPr>
+                <p:ph idx="1"/>
+              </p:nvPr>
+            </p:nvSpPr>
+            <p:spPr>
+              <a:xfrm>
+                <a:off x="457200" y="1303336"/>
+                <a:ext cx="8458200" cy="5143183"/>
+              </a:xfrm>
+            </p:spPr>
+            <p:txBody>
+              <a:bodyPr>
+                <a:normAutofit fontScale="92500" lnSpcReduction="10000"/>
+              </a:bodyPr>
+              <a:lstStyle/>
+              <a:p>
+                <a:pPr marL="0" indent="0">
+                  <a:buNone/>
+                </a:pPr>
+                <a:r>
+                  <a:rPr dirty="0"/>
+                  <a:t>We first need to estimate </a:t>
+                </a:r>
+                <a14:m>
+                  <m:oMath xmlns:m="http://schemas.openxmlformats.org/officeDocument/2006/math">
+                    <m:sSup>
+                      <m:sSupPr>
+                        <m:ctrlPr>
+                          <a:rPr>
+                            <a:latin typeface="Cambria Math" panose="02040503050406030204" pitchFamily="18" charset="0"/>
+                          </a:rPr>
+                        </m:ctrlPr>
+                      </m:sSupPr>
+                      <m:e>
+                        <m:r>
+                          <a:rPr>
+                            <a:latin typeface="Cambria Math" panose="02040503050406030204" pitchFamily="18" charset="0"/>
+                          </a:rPr>
+                          <m:t>𝜏</m:t>
+                        </m:r>
+                      </m:e>
+                      <m:sup>
+                        <m:r>
+                          <a:rPr>
+                            <a:latin typeface="Cambria Math" panose="02040503050406030204" pitchFamily="18" charset="0"/>
+                          </a:rPr>
+                          <m:t>2</m:t>
+                        </m:r>
+                      </m:sup>
+                    </m:sSup>
+                  </m:oMath>
+                </a14:m>
+                <a:r>
+                  <a:rPr dirty="0"/>
+                  <a:t> or the between-study variance which can be calculated from these equations</a:t>
+                </a:r>
+                <a:r>
+                  <a:rPr lang="en-AU" dirty="0"/>
+                  <a:t> (</a:t>
+                </a:r>
+                <a:r>
+                  <a:rPr lang="en-AU" dirty="0" err="1"/>
+                  <a:t>Borenstein</a:t>
+                </a:r>
+                <a:r>
+                  <a:rPr lang="en-AU" dirty="0"/>
+                  <a:t>, 2009)</a:t>
+                </a:r>
+                <a:r>
+                  <a:rPr dirty="0"/>
+                  <a:t>:</a:t>
+                </a:r>
+              </a:p>
+              <a:p>
+                <a:pPr marL="0" indent="0">
+                  <a:buNone/>
+                </a:pPr>
+                <a14:m>
+                  <m:oMathPara xmlns:m="http://schemas.openxmlformats.org/officeDocument/2006/math">
+                    <m:oMathParaPr>
+                      <m:jc m:val="center"/>
+                    </m:oMathParaPr>
+                    <m:oMath xmlns:m="http://schemas.openxmlformats.org/officeDocument/2006/math">
+                      <m:sSup>
+                        <m:sSupPr>
+                          <m:ctrlPr>
+                            <a:rPr>
+                              <a:latin typeface="Cambria Math" panose="02040503050406030204" pitchFamily="18" charset="0"/>
+                            </a:rPr>
+                          </m:ctrlPr>
+                        </m:sSupPr>
+                        <m:e>
+                          <m:r>
+                            <a:rPr>
+                              <a:latin typeface="Cambria Math" panose="02040503050406030204" pitchFamily="18" charset="0"/>
+                            </a:rPr>
+                            <m:t>𝜏</m:t>
+                          </m:r>
+                        </m:e>
+                        <m:sup>
+                          <m:r>
+                            <a:rPr>
+                              <a:latin typeface="Cambria Math" panose="02040503050406030204" pitchFamily="18" charset="0"/>
+                            </a:rPr>
+                            <m:t>2</m:t>
+                          </m:r>
+                        </m:sup>
+                      </m:sSup>
+                      <m:r>
+                        <a:rPr>
+                          <a:latin typeface="Cambria Math" panose="02040503050406030204" pitchFamily="18" charset="0"/>
+                        </a:rPr>
+                        <m:t>=</m:t>
+                      </m:r>
+                      <m:f>
+                        <m:fPr>
+                          <m:ctrlPr>
+                            <a:rPr i="1">
+                              <a:latin typeface="Cambria Math" panose="02040503050406030204" pitchFamily="18" charset="0"/>
+                            </a:rPr>
+                          </m:ctrlPr>
+                        </m:fPr>
+                        <m:num>
+                          <m:r>
+                            <a:rPr>
+                              <a:latin typeface="Cambria Math" panose="02040503050406030204" pitchFamily="18" charset="0"/>
+                            </a:rPr>
+                            <m:t>𝑄</m:t>
+                          </m:r>
+                          <m:r>
+                            <a:rPr>
+                              <a:latin typeface="Cambria Math" panose="02040503050406030204" pitchFamily="18" charset="0"/>
+                            </a:rPr>
+                            <m:t>−</m:t>
+                          </m:r>
+                          <m:r>
+                            <a:rPr>
+                              <a:latin typeface="Cambria Math" panose="02040503050406030204" pitchFamily="18" charset="0"/>
+                            </a:rPr>
+                            <m:t>𝑑𝑓</m:t>
+                          </m:r>
+                        </m:num>
+                        <m:den>
+                          <m:r>
+                            <a:rPr>
+                              <a:latin typeface="Cambria Math" panose="02040503050406030204" pitchFamily="18" charset="0"/>
+                            </a:rPr>
+                            <m:t>𝐶</m:t>
+                          </m:r>
+                        </m:den>
+                      </m:f>
+                    </m:oMath>
+                  </m:oMathPara>
+                </a14:m>
+                <a:endParaRPr dirty="0"/>
+              </a:p>
+              <a:p>
+                <a:pPr marL="0" indent="0">
+                  <a:buNone/>
+                </a:pPr>
+                <a:r>
+                  <a:rPr dirty="0"/>
+                  <a:t>where</a:t>
+                </a:r>
+              </a:p>
+              <a:p>
+                <a:pPr marL="0" indent="0">
+                  <a:buNone/>
+                </a:pPr>
+                <a14:m>
+                  <m:oMathPara xmlns:m="http://schemas.openxmlformats.org/officeDocument/2006/math">
+                    <m:oMathParaPr>
+                      <m:jc m:val="center"/>
+                    </m:oMathParaPr>
+                    <m:oMath xmlns:m="http://schemas.openxmlformats.org/officeDocument/2006/math">
+                      <m:r>
+                        <a:rPr>
+                          <a:latin typeface="Cambria Math" panose="02040503050406030204" pitchFamily="18" charset="0"/>
+                        </a:rPr>
+                        <m:t>𝑄</m:t>
+                      </m:r>
+                      <m:r>
+                        <a:rPr>
+                          <a:latin typeface="Cambria Math" panose="02040503050406030204" pitchFamily="18" charset="0"/>
+                        </a:rPr>
+                        <m:t>=</m:t>
+                      </m:r>
+                      <m:nary>
+                        <m:naryPr>
+                          <m:chr m:val="∑"/>
+                          <m:limLoc m:val="undOvr"/>
+                          <m:ctrlPr>
+                            <a:rPr i="1">
+                              <a:latin typeface="Cambria Math" panose="02040503050406030204" pitchFamily="18" charset="0"/>
+                            </a:rPr>
+                          </m:ctrlPr>
+                        </m:naryPr>
+                        <m:sub>
+                          <m:r>
+                            <a:rPr>
+                              <a:latin typeface="Cambria Math" panose="02040503050406030204" pitchFamily="18" charset="0"/>
+                            </a:rPr>
+                            <m:t>𝑖</m:t>
+                          </m:r>
+                          <m:r>
+                            <a:rPr>
+                              <a:latin typeface="Cambria Math" panose="02040503050406030204" pitchFamily="18" charset="0"/>
+                            </a:rPr>
+                            <m:t>=1</m:t>
+                          </m:r>
+                        </m:sub>
+                        <m:sup>
+                          <m:r>
+                            <a:rPr>
+                              <a:latin typeface="Cambria Math" panose="02040503050406030204" pitchFamily="18" charset="0"/>
+                            </a:rPr>
+                            <m:t>𝑘</m:t>
+                          </m:r>
+                        </m:sup>
+                        <m:e>
+                          <m:sSub>
+                            <m:sSubPr>
+                              <m:ctrlPr>
+                                <a:rPr i="1">
+                                  <a:latin typeface="Cambria Math" panose="02040503050406030204" pitchFamily="18" charset="0"/>
+                                </a:rPr>
+                              </m:ctrlPr>
+                            </m:sSubPr>
+                            <m:e>
+                              <m:r>
+                                <a:rPr>
+                                  <a:latin typeface="Cambria Math" panose="02040503050406030204" pitchFamily="18" charset="0"/>
+                                </a:rPr>
+                                <m:t>𝑊</m:t>
+                              </m:r>
+                            </m:e>
+                            <m:sub>
+                              <m:r>
+                                <a:rPr>
+                                  <a:latin typeface="Cambria Math" panose="02040503050406030204" pitchFamily="18" charset="0"/>
+                                </a:rPr>
+                                <m:t>𝑖</m:t>
+                              </m:r>
+                            </m:sub>
+                          </m:sSub>
+                          <m:r>
+                            <a:rPr>
+                              <a:latin typeface="Cambria Math" panose="02040503050406030204" pitchFamily="18" charset="0"/>
+                            </a:rPr>
+                            <m:t>𝐸</m:t>
+                          </m:r>
+                          <m:sSubSup>
+                            <m:sSubSupPr>
+                              <m:ctrlPr>
+                                <a:rPr i="1">
+                                  <a:latin typeface="Cambria Math" panose="02040503050406030204" pitchFamily="18" charset="0"/>
+                                </a:rPr>
+                              </m:ctrlPr>
+                            </m:sSubSupPr>
+                            <m:e>
+                              <m:r>
+                                <a:rPr>
+                                  <a:latin typeface="Cambria Math" panose="02040503050406030204" pitchFamily="18" charset="0"/>
+                                </a:rPr>
+                                <m:t>𝑆</m:t>
+                              </m:r>
+                            </m:e>
+                            <m:sub>
+                              <m:r>
+                                <a:rPr>
+                                  <a:latin typeface="Cambria Math" panose="02040503050406030204" pitchFamily="18" charset="0"/>
+                                </a:rPr>
+                                <m:t>𝑖</m:t>
+                              </m:r>
+                            </m:sub>
+                            <m:sup>
+                              <m:r>
+                                <a:rPr>
+                                  <a:latin typeface="Cambria Math" panose="02040503050406030204" pitchFamily="18" charset="0"/>
+                                </a:rPr>
+                                <m:t>2</m:t>
+                              </m:r>
+                            </m:sup>
+                          </m:sSubSup>
+                        </m:e>
+                      </m:nary>
+                      <m:r>
+                        <a:rPr>
+                          <a:latin typeface="Cambria Math" panose="02040503050406030204" pitchFamily="18" charset="0"/>
+                        </a:rPr>
+                        <m:t>−</m:t>
+                      </m:r>
+                      <m:f>
+                        <m:fPr>
+                          <m:ctrlPr>
+                            <a:rPr i="1">
+                              <a:latin typeface="Cambria Math" panose="02040503050406030204" pitchFamily="18" charset="0"/>
+                            </a:rPr>
+                          </m:ctrlPr>
+                        </m:fPr>
+                        <m:num>
+                          <m:sSup>
+                            <m:sSupPr>
+                              <m:ctrlPr>
+                                <a:rPr i="1">
+                                  <a:latin typeface="Cambria Math" panose="02040503050406030204" pitchFamily="18" charset="0"/>
+                                </a:rPr>
+                              </m:ctrlPr>
+                            </m:sSupPr>
+                            <m:e>
+                              <m:d>
+                                <m:dPr>
+                                  <m:ctrlPr>
+                                    <a:rPr i="1">
+                                      <a:latin typeface="Cambria Math" panose="02040503050406030204" pitchFamily="18" charset="0"/>
+                                    </a:rPr>
+                                  </m:ctrlPr>
+                                </m:dPr>
+                                <m:e>
+                                  <m:nary>
+                                    <m:naryPr>
+                                      <m:chr m:val="∑"/>
+                                      <m:limLoc m:val="undOvr"/>
+                                      <m:ctrlPr>
+                                        <a:rPr i="1">
+                                          <a:latin typeface="Cambria Math" panose="02040503050406030204" pitchFamily="18" charset="0"/>
+                                        </a:rPr>
+                                      </m:ctrlPr>
+                                    </m:naryPr>
+                                    <m:sub>
+                                      <m:r>
+                                        <a:rPr>
+                                          <a:latin typeface="Cambria Math" panose="02040503050406030204" pitchFamily="18" charset="0"/>
+                                        </a:rPr>
+                                        <m:t>𝑖</m:t>
+                                      </m:r>
+                                      <m:r>
+                                        <a:rPr>
+                                          <a:latin typeface="Cambria Math" panose="02040503050406030204" pitchFamily="18" charset="0"/>
+                                        </a:rPr>
+                                        <m:t>=1</m:t>
+                                      </m:r>
+                                    </m:sub>
+                                    <m:sup>
+                                      <m:r>
+                                        <a:rPr>
+                                          <a:latin typeface="Cambria Math" panose="02040503050406030204" pitchFamily="18" charset="0"/>
+                                        </a:rPr>
+                                        <m:t>𝑘</m:t>
+                                      </m:r>
+                                    </m:sup>
+                                    <m:e>
+                                      <m:sSub>
+                                        <m:sSubPr>
+                                          <m:ctrlPr>
+                                            <a:rPr i="1">
+                                              <a:latin typeface="Cambria Math" panose="02040503050406030204" pitchFamily="18" charset="0"/>
+                                            </a:rPr>
+                                          </m:ctrlPr>
+                                        </m:sSubPr>
+                                        <m:e>
+                                          <m:r>
+                                            <a:rPr>
+                                              <a:latin typeface="Cambria Math" panose="02040503050406030204" pitchFamily="18" charset="0"/>
+                                            </a:rPr>
+                                            <m:t>𝑊</m:t>
+                                          </m:r>
+                                        </m:e>
+                                        <m:sub>
+                                          <m:r>
+                                            <a:rPr>
+                                              <a:latin typeface="Cambria Math" panose="02040503050406030204" pitchFamily="18" charset="0"/>
+                                            </a:rPr>
+                                            <m:t>𝑖</m:t>
+                                          </m:r>
+                                        </m:sub>
+                                      </m:sSub>
+                                      <m:r>
+                                        <a:rPr>
+                                          <a:latin typeface="Cambria Math" panose="02040503050406030204" pitchFamily="18" charset="0"/>
+                                        </a:rPr>
+                                        <m:t>𝐸</m:t>
+                                      </m:r>
+                                      <m:sSub>
+                                        <m:sSubPr>
+                                          <m:ctrlPr>
+                                            <a:rPr i="1">
+                                              <a:latin typeface="Cambria Math" panose="02040503050406030204" pitchFamily="18" charset="0"/>
+                                            </a:rPr>
+                                          </m:ctrlPr>
+                                        </m:sSubPr>
+                                        <m:e>
+                                          <m:r>
+                                            <a:rPr>
+                                              <a:latin typeface="Cambria Math" panose="02040503050406030204" pitchFamily="18" charset="0"/>
+                                            </a:rPr>
+                                            <m:t>𝑆</m:t>
+                                          </m:r>
+                                        </m:e>
+                                        <m:sub>
+                                          <m:r>
+                                            <a:rPr>
+                                              <a:latin typeface="Cambria Math" panose="02040503050406030204" pitchFamily="18" charset="0"/>
+                                            </a:rPr>
+                                            <m:t>𝑖</m:t>
+                                          </m:r>
+                                        </m:sub>
+                                      </m:sSub>
+                                    </m:e>
+                                  </m:nary>
+                                </m:e>
+                              </m:d>
+                            </m:e>
+                            <m:sup>
+                              <m:r>
+                                <a:rPr>
+                                  <a:latin typeface="Cambria Math" panose="02040503050406030204" pitchFamily="18" charset="0"/>
+                                </a:rPr>
+                                <m:t>2</m:t>
+                              </m:r>
+                            </m:sup>
+                          </m:sSup>
+                        </m:num>
+                        <m:den>
+                          <m:nary>
+                            <m:naryPr>
+                              <m:chr m:val="∑"/>
+                              <m:limLoc m:val="undOvr"/>
+                              <m:ctrlPr>
+                                <a:rPr i="1">
+                                  <a:latin typeface="Cambria Math" panose="02040503050406030204" pitchFamily="18" charset="0"/>
+                                </a:rPr>
+                              </m:ctrlPr>
+                            </m:naryPr>
+                            <m:sub>
+                              <m:r>
+                                <a:rPr>
+                                  <a:latin typeface="Cambria Math" panose="02040503050406030204" pitchFamily="18" charset="0"/>
+                                </a:rPr>
+                                <m:t>𝑖</m:t>
+                              </m:r>
+                              <m:r>
+                                <a:rPr>
+                                  <a:latin typeface="Cambria Math" panose="02040503050406030204" pitchFamily="18" charset="0"/>
+                                </a:rPr>
+                                <m:t>=1</m:t>
+                              </m:r>
+                            </m:sub>
+                            <m:sup>
+                              <m:r>
+                                <a:rPr>
+                                  <a:latin typeface="Cambria Math" panose="02040503050406030204" pitchFamily="18" charset="0"/>
+                                </a:rPr>
+                                <m:t>𝑘</m:t>
+                              </m:r>
+                            </m:sup>
+                            <m:e>
+                              <m:sSub>
+                                <m:sSubPr>
+                                  <m:ctrlPr>
+                                    <a:rPr i="1">
+                                      <a:latin typeface="Cambria Math" panose="02040503050406030204" pitchFamily="18" charset="0"/>
+                                    </a:rPr>
+                                  </m:ctrlPr>
+                                </m:sSubPr>
+                                <m:e>
+                                  <m:r>
+                                    <a:rPr>
+                                      <a:latin typeface="Cambria Math" panose="02040503050406030204" pitchFamily="18" charset="0"/>
+                                    </a:rPr>
+                                    <m:t>𝑊</m:t>
+                                  </m:r>
+                                </m:e>
+                                <m:sub>
+                                  <m:r>
+                                    <a:rPr>
+                                      <a:latin typeface="Cambria Math" panose="02040503050406030204" pitchFamily="18" charset="0"/>
+                                    </a:rPr>
+                                    <m:t>𝑖</m:t>
+                                  </m:r>
+                                </m:sub>
+                              </m:sSub>
+                            </m:e>
+                          </m:nary>
+                        </m:den>
+                      </m:f>
+                    </m:oMath>
+                  </m:oMathPara>
+                </a14:m>
+                <a:endParaRPr dirty="0"/>
+              </a:p>
+              <a:p>
+                <a:pPr marL="0" indent="0">
+                  <a:buNone/>
+                </a:pPr>
+                <a14:m>
+                  <m:oMathPara xmlns:m="http://schemas.openxmlformats.org/officeDocument/2006/math">
+                    <m:oMathParaPr>
+                      <m:jc m:val="center"/>
+                    </m:oMathParaPr>
+                    <m:oMath xmlns:m="http://schemas.openxmlformats.org/officeDocument/2006/math">
+                      <m:r>
+                        <a:rPr>
+                          <a:latin typeface="Cambria Math" panose="02040503050406030204" pitchFamily="18" charset="0"/>
+                        </a:rPr>
+                        <m:t>𝐶</m:t>
+                      </m:r>
+                      <m:r>
+                        <a:rPr>
+                          <a:latin typeface="Cambria Math" panose="02040503050406030204" pitchFamily="18" charset="0"/>
+                        </a:rPr>
+                        <m:t>=∑</m:t>
+                      </m:r>
+                      <m:sSub>
+                        <m:sSubPr>
+                          <m:ctrlPr>
+                            <a:rPr i="1">
+                              <a:latin typeface="Cambria Math" panose="02040503050406030204" pitchFamily="18" charset="0"/>
+                            </a:rPr>
+                          </m:ctrlPr>
+                        </m:sSubPr>
+                        <m:e>
+                          <m:r>
+                            <a:rPr>
+                              <a:latin typeface="Cambria Math" panose="02040503050406030204" pitchFamily="18" charset="0"/>
+                            </a:rPr>
+                            <m:t>𝑊</m:t>
+                          </m:r>
+                        </m:e>
+                        <m:sub>
+                          <m:r>
+                            <a:rPr>
+                              <a:latin typeface="Cambria Math" panose="02040503050406030204" pitchFamily="18" charset="0"/>
+                            </a:rPr>
+                            <m:t>𝑖</m:t>
+                          </m:r>
+                        </m:sub>
+                      </m:sSub>
+                      <m:r>
+                        <a:rPr>
+                          <a:latin typeface="Cambria Math" panose="02040503050406030204" pitchFamily="18" charset="0"/>
+                        </a:rPr>
+                        <m:t>−</m:t>
+                      </m:r>
+                      <m:f>
+                        <m:fPr>
+                          <m:ctrlPr>
+                            <a:rPr i="1">
+                              <a:latin typeface="Cambria Math" panose="02040503050406030204" pitchFamily="18" charset="0"/>
+                            </a:rPr>
+                          </m:ctrlPr>
+                        </m:fPr>
+                        <m:num>
+                          <m:r>
+                            <a:rPr>
+                              <a:latin typeface="Cambria Math" panose="02040503050406030204" pitchFamily="18" charset="0"/>
+                            </a:rPr>
+                            <m:t>∑</m:t>
+                          </m:r>
+                          <m:sSubSup>
+                            <m:sSubSupPr>
+                              <m:ctrlPr>
+                                <a:rPr i="1">
+                                  <a:latin typeface="Cambria Math" panose="02040503050406030204" pitchFamily="18" charset="0"/>
+                                </a:rPr>
+                              </m:ctrlPr>
+                            </m:sSubSupPr>
+                            <m:e>
+                              <m:r>
+                                <a:rPr>
+                                  <a:latin typeface="Cambria Math" panose="02040503050406030204" pitchFamily="18" charset="0"/>
+                                </a:rPr>
+                                <m:t>𝑊</m:t>
+                              </m:r>
+                            </m:e>
+                            <m:sub>
+                              <m:r>
+                                <a:rPr>
+                                  <a:latin typeface="Cambria Math" panose="02040503050406030204" pitchFamily="18" charset="0"/>
+                                </a:rPr>
+                                <m:t>𝑖</m:t>
+                              </m:r>
+                            </m:sub>
+                            <m:sup>
+                              <m:r>
+                                <a:rPr>
+                                  <a:latin typeface="Cambria Math" panose="02040503050406030204" pitchFamily="18" charset="0"/>
+                                </a:rPr>
+                                <m:t>2</m:t>
+                              </m:r>
+                            </m:sup>
+                          </m:sSubSup>
+                        </m:num>
+                        <m:den>
+                          <m:r>
+                            <a:rPr>
+                              <a:latin typeface="Cambria Math" panose="02040503050406030204" pitchFamily="18" charset="0"/>
+                            </a:rPr>
+                            <m:t>∑</m:t>
+                          </m:r>
+                          <m:sSub>
+                            <m:sSubPr>
+                              <m:ctrlPr>
+                                <a:rPr i="1">
+                                  <a:latin typeface="Cambria Math" panose="02040503050406030204" pitchFamily="18" charset="0"/>
+                                </a:rPr>
+                              </m:ctrlPr>
+                            </m:sSubPr>
+                            <m:e>
+                              <m:r>
+                                <a:rPr>
+                                  <a:latin typeface="Cambria Math" panose="02040503050406030204" pitchFamily="18" charset="0"/>
+                                </a:rPr>
+                                <m:t>𝑊</m:t>
+                              </m:r>
+                            </m:e>
+                            <m:sub>
+                              <m:r>
+                                <a:rPr>
+                                  <a:latin typeface="Cambria Math" panose="02040503050406030204" pitchFamily="18" charset="0"/>
+                                </a:rPr>
+                                <m:t>𝑖</m:t>
+                              </m:r>
+                            </m:sub>
+                          </m:sSub>
+                        </m:den>
+                      </m:f>
+                    </m:oMath>
+                  </m:oMathPara>
+                </a14:m>
+                <a:endParaRPr dirty="0"/>
+              </a:p>
+            </p:txBody>
+          </p:sp>
+        </mc:Choice>
+        <mc:Fallback>
+          <p:sp>
+            <p:nvSpPr>
+              <p:cNvPr id="3" name="Content Placeholder 2"/>
+              <p:cNvSpPr>
+                <a:spLocks noGrp="1" noRot="1" noChangeAspect="1" noMove="1" noResize="1" noEditPoints="1" noAdjustHandles="1" noChangeArrowheads="1" noChangeShapeType="1" noTextEdit="1"/>
+              </p:cNvSpPr>
+              <p:nvPr>
+                <p:ph idx="1"/>
+              </p:nvPr>
+            </p:nvSpPr>
+            <p:spPr>
+              <a:xfrm>
+                <a:off x="457200" y="1303336"/>
+                <a:ext cx="8458200" cy="5143183"/>
+              </a:xfrm>
+              <a:blipFill>
+                <a:blip r:embed="rId2"/>
+                <a:stretch>
+                  <a:fillRect l="-1799" t="-1970" b="-21675"/>
+                </a:stretch>
+              </a:blipFill>
+            </p:spPr>
+            <p:txBody>
+              <a:bodyPr/>
+              <a:lstStyle/>
+              <a:p>
+                <a:r>
+                  <a:rPr lang="en-US">
+                    <a:noFill/>
+                  </a:rPr>
+                  <a:t> </a:t>
+                </a:r>
+              </a:p>
+            </p:txBody>
+          </p:sp>
+        </mc:Fallback>
+      </mc:AlternateContent>
+      <p:sp>
+        <p:nvSpPr>
+          <p:cNvPr id="6" name="Title 1">
+            <a:extLst>
+              <a:ext uri="{FF2B5EF4-FFF2-40B4-BE49-F238E27FC236}">
+                <a16:creationId xmlns:a16="http://schemas.microsoft.com/office/drawing/2014/main" id="{0311EF37-FAAF-4013-92C0-074C985209BA}"/>
+              </a:ext>
+            </a:extLst>
+          </p:cNvPr>
+          <p:cNvSpPr>
+            <a:spLocks noGrp="1"/>
+          </p:cNvSpPr>
+          <p:nvPr>
+            <p:ph type="title"/>
+          </p:nvPr>
+        </p:nvSpPr>
+        <p:spPr>
+          <a:xfrm>
+            <a:off x="228600" y="160336"/>
+            <a:ext cx="8686800" cy="1143000"/>
+          </a:xfrm>
+        </p:spPr>
+        <p:txBody>
+          <a:bodyPr>
+            <a:normAutofit fontScale="90000"/>
+          </a:bodyPr>
+          <a:lstStyle/>
+          <a:p>
+            <a:r>
+              <a:rPr dirty="0"/>
+              <a:t>Now </a:t>
+            </a:r>
+            <a:r>
+              <a:rPr lang="en-AU" dirty="0"/>
+              <a:t>a random effect analysis by hand…</a:t>
+            </a:r>
+            <a:endParaRPr dirty="0"/>
+          </a:p>
+        </p:txBody>
+      </p:sp>
+    </p:spTree>
   </p:cSld>
   <p:clrMapOvr>
     <a:masterClrMapping/>
@@ -4756,6 +10533,2298 @@
     <p:extLst>
       <p:ext uri="{BB962C8B-B14F-4D97-AF65-F5344CB8AC3E}">
         <p14:creationId xmlns:p14="http://schemas.microsoft.com/office/powerpoint/2010/main" val="4111039403"/>
+      </p:ext>
+    </p:extLst>
+  </p:cSld>
+  <p:clrMapOvr>
+    <a:masterClrMapping/>
+  </p:clrMapOvr>
+</p:sld>
+</file>
+
+<file path=ppt/slides/slide20.xml><?xml version="1.0" encoding="utf-8"?>
+<p:sld xmlns:a="http://schemas.openxmlformats.org/drawingml/2006/main" xmlns:r="http://schemas.openxmlformats.org/officeDocument/2006/relationships" xmlns:p="http://schemas.openxmlformats.org/presentationml/2006/main">
+  <p:cSld>
+    <p:spTree>
+      <p:nvGrpSpPr>
+        <p:cNvPr id="1" name=""/>
+        <p:cNvGrpSpPr/>
+        <p:nvPr/>
+      </p:nvGrpSpPr>
+      <p:grpSpPr>
+        <a:xfrm>
+          <a:off x="0" y="0"/>
+          <a:ext cx="0" cy="0"/>
+          <a:chOff x="0" y="0"/>
+          <a:chExt cx="0" cy="0"/>
+        </a:xfrm>
+      </p:grpSpPr>
+      <p:sp>
+        <p:nvSpPr>
+          <p:cNvPr id="3" name="Content Placeholder 2"/>
+          <p:cNvSpPr>
+            <a:spLocks noGrp="1"/>
+          </p:cNvSpPr>
+          <p:nvPr>
+            <p:ph idx="1"/>
+          </p:nvPr>
+        </p:nvSpPr>
+        <p:spPr>
+          <a:xfrm>
+            <a:off x="108585" y="1303336"/>
+            <a:ext cx="8229600" cy="4525963"/>
+          </a:xfrm>
+        </p:spPr>
+        <p:txBody>
+          <a:bodyPr>
+            <a:normAutofit fontScale="70000" lnSpcReduction="20000"/>
+          </a:bodyPr>
+          <a:lstStyle/>
+          <a:p>
+            <a:pPr indent="0">
+              <a:buNone/>
+            </a:pPr>
+            <a:r>
+              <a:rPr i="1" dirty="0">
+                <a:solidFill>
+                  <a:srgbClr val="60A0B0"/>
+                </a:solidFill>
+                <a:latin typeface="Courier"/>
+              </a:rPr>
+              <a:t># Calculate our Q statistic again</a:t>
+            </a:r>
+            <a:br>
+              <a:rPr dirty="0"/>
+            </a:br>
+            <a:r>
+              <a:rPr dirty="0">
+                <a:latin typeface="Courier"/>
+              </a:rPr>
+              <a:t>    Q </a:t>
+            </a:r>
+            <a:r>
+              <a:rPr dirty="0">
+                <a:solidFill>
+                  <a:srgbClr val="007020"/>
+                </a:solidFill>
+                <a:latin typeface="Courier"/>
+              </a:rPr>
+              <a:t>&lt;-</a:t>
+            </a:r>
+            <a:r>
+              <a:rPr dirty="0">
+                <a:latin typeface="Courier"/>
+              </a:rPr>
+              <a:t> </a:t>
+            </a:r>
+            <a:r>
+              <a:rPr dirty="0">
+                <a:solidFill>
+                  <a:srgbClr val="06287E"/>
+                </a:solidFill>
+                <a:latin typeface="Courier"/>
+              </a:rPr>
+              <a:t>sum</a:t>
+            </a:r>
+            <a:r>
+              <a:rPr dirty="0">
+                <a:latin typeface="Courier"/>
+              </a:rPr>
+              <a:t>(W</a:t>
+            </a:r>
+            <a:r>
+              <a:rPr dirty="0">
+                <a:solidFill>
+                  <a:srgbClr val="4070A0"/>
+                </a:solidFill>
+                <a:latin typeface="Courier"/>
+              </a:rPr>
+              <a:t>*</a:t>
+            </a:r>
+            <a:r>
+              <a:rPr dirty="0">
+                <a:latin typeface="Courier"/>
+              </a:rPr>
+              <a:t>(dataRE</a:t>
+            </a:r>
+            <a:r>
+              <a:rPr dirty="0">
+                <a:solidFill>
+                  <a:srgbClr val="4070A0"/>
+                </a:solidFill>
+                <a:latin typeface="Courier"/>
+              </a:rPr>
+              <a:t>$</a:t>
+            </a:r>
+            <a:r>
+              <a:rPr dirty="0">
+                <a:latin typeface="Courier"/>
+              </a:rPr>
+              <a:t>es</a:t>
+            </a:r>
+            <a:r>
+              <a:rPr dirty="0">
+                <a:solidFill>
+                  <a:srgbClr val="4070A0"/>
+                </a:solidFill>
+                <a:latin typeface="Courier"/>
+              </a:rPr>
+              <a:t>^</a:t>
+            </a:r>
+            <a:r>
+              <a:rPr dirty="0">
+                <a:solidFill>
+                  <a:srgbClr val="40A070"/>
+                </a:solidFill>
+                <a:latin typeface="Courier"/>
+              </a:rPr>
+              <a:t>2</a:t>
+            </a:r>
+            <a:r>
+              <a:rPr dirty="0">
+                <a:latin typeface="Courier"/>
+              </a:rPr>
+              <a:t>) ) </a:t>
+            </a:r>
+            <a:r>
+              <a:rPr dirty="0">
+                <a:solidFill>
+                  <a:srgbClr val="4070A0"/>
+                </a:solidFill>
+                <a:latin typeface="Courier"/>
+              </a:rPr>
+              <a:t>-</a:t>
+            </a:r>
+            <a:r>
+              <a:rPr dirty="0">
+                <a:latin typeface="Courier"/>
+              </a:rPr>
+              <a:t> (</a:t>
+            </a:r>
+            <a:r>
+              <a:rPr dirty="0">
+                <a:solidFill>
+                  <a:srgbClr val="06287E"/>
+                </a:solidFill>
+                <a:latin typeface="Courier"/>
+              </a:rPr>
+              <a:t>sum</a:t>
+            </a:r>
+            <a:r>
+              <a:rPr dirty="0">
+                <a:latin typeface="Courier"/>
+              </a:rPr>
+              <a:t>(W</a:t>
+            </a:r>
+            <a:r>
+              <a:rPr dirty="0">
+                <a:solidFill>
+                  <a:srgbClr val="4070A0"/>
+                </a:solidFill>
+                <a:latin typeface="Courier"/>
+              </a:rPr>
+              <a:t>*</a:t>
+            </a:r>
+            <a:r>
+              <a:rPr dirty="0" err="1">
+                <a:latin typeface="Courier"/>
+              </a:rPr>
+              <a:t>dataRE</a:t>
+            </a:r>
+            <a:r>
+              <a:rPr dirty="0" err="1">
+                <a:solidFill>
+                  <a:srgbClr val="4070A0"/>
+                </a:solidFill>
+                <a:latin typeface="Courier"/>
+              </a:rPr>
+              <a:t>$</a:t>
+            </a:r>
+            <a:r>
+              <a:rPr dirty="0" err="1">
+                <a:latin typeface="Courier"/>
+              </a:rPr>
+              <a:t>es</a:t>
+            </a:r>
+            <a:r>
+              <a:rPr dirty="0">
+                <a:latin typeface="Courier"/>
+              </a:rPr>
+              <a:t>)</a:t>
+            </a:r>
+            <a:r>
+              <a:rPr dirty="0">
+                <a:solidFill>
+                  <a:srgbClr val="4070A0"/>
+                </a:solidFill>
+                <a:latin typeface="Courier"/>
+              </a:rPr>
+              <a:t>^</a:t>
+            </a:r>
+            <a:r>
+              <a:rPr dirty="0">
+                <a:solidFill>
+                  <a:srgbClr val="40A070"/>
+                </a:solidFill>
+                <a:latin typeface="Courier"/>
+              </a:rPr>
+              <a:t>2</a:t>
+            </a:r>
+            <a:r>
+              <a:rPr dirty="0">
+                <a:latin typeface="Courier"/>
+              </a:rPr>
+              <a:t> </a:t>
+            </a:r>
+            <a:r>
+              <a:rPr dirty="0">
+                <a:solidFill>
+                  <a:srgbClr val="4070A0"/>
+                </a:solidFill>
+                <a:latin typeface="Courier"/>
+              </a:rPr>
+              <a:t>/</a:t>
+            </a:r>
+            <a:r>
+              <a:rPr dirty="0">
+                <a:latin typeface="Courier"/>
+              </a:rPr>
+              <a:t> </a:t>
+            </a:r>
+            <a:r>
+              <a:rPr dirty="0">
+                <a:solidFill>
+                  <a:srgbClr val="06287E"/>
+                </a:solidFill>
+                <a:latin typeface="Courier"/>
+              </a:rPr>
+              <a:t>sum</a:t>
+            </a:r>
+            <a:r>
+              <a:rPr dirty="0">
+                <a:latin typeface="Courier"/>
+              </a:rPr>
+              <a:t>(W))</a:t>
+            </a:r>
+            <a:br>
+              <a:rPr dirty="0"/>
+            </a:br>
+            <a:r>
+              <a:rPr dirty="0">
+                <a:latin typeface="Courier"/>
+              </a:rPr>
+              <a:t>    Q</a:t>
+            </a:r>
+          </a:p>
+          <a:p>
+            <a:pPr indent="0">
+              <a:buNone/>
+            </a:pPr>
+            <a:r>
+              <a:rPr dirty="0">
+                <a:latin typeface="Courier"/>
+              </a:rPr>
+              <a:t>## [1] 24.40149</a:t>
+            </a:r>
+          </a:p>
+          <a:p>
+            <a:pPr indent="0">
+              <a:buNone/>
+            </a:pPr>
+            <a:r>
+              <a:rPr i="1" dirty="0">
+                <a:solidFill>
+                  <a:srgbClr val="60A0B0"/>
+                </a:solidFill>
+                <a:latin typeface="Courier"/>
+              </a:rPr>
+              <a:t># Calculate tau2</a:t>
+            </a:r>
+            <a:br>
+              <a:rPr dirty="0"/>
+            </a:br>
+            <a:r>
+              <a:rPr dirty="0">
+                <a:latin typeface="Courier"/>
+              </a:rPr>
+              <a:t>    C </a:t>
+            </a:r>
+            <a:r>
+              <a:rPr dirty="0">
+                <a:solidFill>
+                  <a:srgbClr val="007020"/>
+                </a:solidFill>
+                <a:latin typeface="Courier"/>
+              </a:rPr>
+              <a:t>&lt;-</a:t>
+            </a:r>
+            <a:r>
+              <a:rPr dirty="0">
+                <a:latin typeface="Courier"/>
+              </a:rPr>
+              <a:t> </a:t>
+            </a:r>
+            <a:r>
+              <a:rPr dirty="0">
+                <a:solidFill>
+                  <a:srgbClr val="06287E"/>
+                </a:solidFill>
+                <a:latin typeface="Courier"/>
+              </a:rPr>
+              <a:t>sum</a:t>
+            </a:r>
+            <a:r>
+              <a:rPr dirty="0">
+                <a:latin typeface="Courier"/>
+              </a:rPr>
+              <a:t>(W) </a:t>
+            </a:r>
+            <a:r>
+              <a:rPr dirty="0">
+                <a:solidFill>
+                  <a:srgbClr val="4070A0"/>
+                </a:solidFill>
+                <a:latin typeface="Courier"/>
+              </a:rPr>
+              <a:t>-</a:t>
+            </a:r>
+            <a:r>
+              <a:rPr dirty="0">
+                <a:latin typeface="Courier"/>
+              </a:rPr>
+              <a:t> ((</a:t>
+            </a:r>
+            <a:r>
+              <a:rPr dirty="0">
+                <a:solidFill>
+                  <a:srgbClr val="06287E"/>
+                </a:solidFill>
+                <a:latin typeface="Courier"/>
+              </a:rPr>
+              <a:t>sum</a:t>
+            </a:r>
+            <a:r>
+              <a:rPr dirty="0">
+                <a:latin typeface="Courier"/>
+              </a:rPr>
+              <a:t>(W</a:t>
+            </a:r>
+            <a:r>
+              <a:rPr dirty="0">
+                <a:solidFill>
+                  <a:srgbClr val="4070A0"/>
+                </a:solidFill>
+                <a:latin typeface="Courier"/>
+              </a:rPr>
+              <a:t>^</a:t>
+            </a:r>
+            <a:r>
+              <a:rPr dirty="0">
+                <a:solidFill>
+                  <a:srgbClr val="40A070"/>
+                </a:solidFill>
+                <a:latin typeface="Courier"/>
+              </a:rPr>
+              <a:t>2</a:t>
+            </a:r>
+            <a:r>
+              <a:rPr dirty="0">
+                <a:latin typeface="Courier"/>
+              </a:rPr>
+              <a:t>))</a:t>
+            </a:r>
+            <a:r>
+              <a:rPr dirty="0">
+                <a:solidFill>
+                  <a:srgbClr val="4070A0"/>
+                </a:solidFill>
+                <a:latin typeface="Courier"/>
+              </a:rPr>
+              <a:t>/</a:t>
+            </a:r>
+            <a:r>
+              <a:rPr dirty="0">
+                <a:solidFill>
+                  <a:srgbClr val="06287E"/>
+                </a:solidFill>
+                <a:latin typeface="Courier"/>
+              </a:rPr>
+              <a:t>sum</a:t>
+            </a:r>
+            <a:r>
+              <a:rPr dirty="0">
+                <a:latin typeface="Courier"/>
+              </a:rPr>
+              <a:t>(W))</a:t>
+            </a:r>
+            <a:br>
+              <a:rPr dirty="0"/>
+            </a:br>
+            <a:r>
+              <a:rPr dirty="0">
+                <a:latin typeface="Courier"/>
+              </a:rPr>
+              <a:t>    C</a:t>
+            </a:r>
+          </a:p>
+          <a:p>
+            <a:pPr indent="0">
+              <a:buNone/>
+            </a:pPr>
+            <a:r>
+              <a:rPr dirty="0">
+                <a:latin typeface="Courier"/>
+              </a:rPr>
+              <a:t>## [1] 69.23077</a:t>
+            </a:r>
+          </a:p>
+          <a:p>
+            <a:pPr indent="0">
+              <a:buNone/>
+            </a:pPr>
+            <a:r>
+              <a:rPr i="1" dirty="0">
+                <a:solidFill>
+                  <a:srgbClr val="60A0B0"/>
+                </a:solidFill>
+                <a:latin typeface="Courier"/>
+              </a:rPr>
+              <a:t># Calculate </a:t>
+            </a:r>
+            <a:r>
+              <a:rPr i="1" dirty="0" err="1">
+                <a:solidFill>
+                  <a:srgbClr val="60A0B0"/>
+                </a:solidFill>
+                <a:latin typeface="Courier"/>
+              </a:rPr>
+              <a:t>df</a:t>
+            </a:r>
+            <a:br>
+              <a:rPr dirty="0"/>
+            </a:br>
+            <a:r>
+              <a:rPr dirty="0">
+                <a:latin typeface="Courier"/>
+              </a:rPr>
+              <a:t>    </a:t>
+            </a:r>
+            <a:r>
+              <a:rPr dirty="0" err="1">
+                <a:latin typeface="Courier"/>
+              </a:rPr>
+              <a:t>df</a:t>
+            </a:r>
+            <a:r>
+              <a:rPr dirty="0">
+                <a:latin typeface="Courier"/>
+              </a:rPr>
+              <a:t> </a:t>
+            </a:r>
+            <a:r>
+              <a:rPr dirty="0">
+                <a:solidFill>
+                  <a:srgbClr val="007020"/>
+                </a:solidFill>
+                <a:latin typeface="Courier"/>
+              </a:rPr>
+              <a:t>&lt;-</a:t>
+            </a:r>
+            <a:r>
+              <a:rPr dirty="0">
+                <a:latin typeface="Courier"/>
+              </a:rPr>
+              <a:t> </a:t>
+            </a:r>
+            <a:r>
+              <a:rPr dirty="0" err="1">
+                <a:solidFill>
+                  <a:srgbClr val="06287E"/>
+                </a:solidFill>
+                <a:latin typeface="Courier"/>
+              </a:rPr>
+              <a:t>nrow</a:t>
+            </a:r>
+            <a:r>
+              <a:rPr dirty="0">
+                <a:latin typeface="Courier"/>
+              </a:rPr>
+              <a:t>(</a:t>
+            </a:r>
+            <a:r>
+              <a:rPr dirty="0" err="1">
+                <a:latin typeface="Courier"/>
+              </a:rPr>
+              <a:t>dataRE</a:t>
+            </a:r>
+            <a:r>
+              <a:rPr dirty="0">
+                <a:latin typeface="Courier"/>
+              </a:rPr>
+              <a:t>) </a:t>
+            </a:r>
+            <a:r>
+              <a:rPr dirty="0">
+                <a:solidFill>
+                  <a:srgbClr val="4070A0"/>
+                </a:solidFill>
+                <a:latin typeface="Courier"/>
+              </a:rPr>
+              <a:t>-</a:t>
+            </a:r>
+            <a:r>
+              <a:rPr dirty="0">
+                <a:latin typeface="Courier"/>
+              </a:rPr>
+              <a:t> </a:t>
+            </a:r>
+            <a:r>
+              <a:rPr dirty="0">
+                <a:solidFill>
+                  <a:srgbClr val="40A070"/>
+                </a:solidFill>
+                <a:latin typeface="Courier"/>
+              </a:rPr>
+              <a:t>1</a:t>
+            </a:r>
+            <a:r>
+              <a:rPr dirty="0">
+                <a:latin typeface="Courier"/>
+              </a:rPr>
+              <a:t>   </a:t>
+            </a:r>
+            <a:br>
+              <a:rPr dirty="0"/>
+            </a:br>
+            <a:r>
+              <a:rPr dirty="0">
+                <a:latin typeface="Courier"/>
+              </a:rPr>
+              <a:t>    T2 </a:t>
+            </a:r>
+            <a:r>
+              <a:rPr dirty="0">
+                <a:solidFill>
+                  <a:srgbClr val="007020"/>
+                </a:solidFill>
+                <a:latin typeface="Courier"/>
+              </a:rPr>
+              <a:t>&lt;-</a:t>
+            </a:r>
+            <a:r>
+              <a:rPr dirty="0">
+                <a:latin typeface="Courier"/>
+              </a:rPr>
+              <a:t> (Q </a:t>
+            </a:r>
+            <a:r>
+              <a:rPr dirty="0">
+                <a:solidFill>
+                  <a:srgbClr val="4070A0"/>
+                </a:solidFill>
+                <a:latin typeface="Courier"/>
+              </a:rPr>
+              <a:t>-</a:t>
+            </a:r>
+            <a:r>
+              <a:rPr dirty="0">
+                <a:latin typeface="Courier"/>
+              </a:rPr>
+              <a:t> </a:t>
+            </a:r>
+            <a:r>
+              <a:rPr dirty="0" err="1">
+                <a:latin typeface="Courier"/>
+              </a:rPr>
+              <a:t>df</a:t>
+            </a:r>
+            <a:r>
+              <a:rPr dirty="0">
+                <a:latin typeface="Courier"/>
+              </a:rPr>
+              <a:t>) </a:t>
+            </a:r>
+            <a:r>
+              <a:rPr dirty="0">
+                <a:solidFill>
+                  <a:srgbClr val="4070A0"/>
+                </a:solidFill>
+                <a:latin typeface="Courier"/>
+              </a:rPr>
+              <a:t>/</a:t>
+            </a:r>
+            <a:r>
+              <a:rPr dirty="0">
+                <a:latin typeface="Courier"/>
+              </a:rPr>
+              <a:t> C</a:t>
+            </a:r>
+            <a:br>
+              <a:rPr dirty="0"/>
+            </a:br>
+            <a:r>
+              <a:rPr dirty="0">
+                <a:latin typeface="Courier"/>
+              </a:rPr>
+              <a:t>    T2</a:t>
+            </a:r>
+          </a:p>
+          <a:p>
+            <a:pPr indent="0">
+              <a:buNone/>
+            </a:pPr>
+            <a:r>
+              <a:rPr dirty="0">
+                <a:latin typeface="Courier"/>
+              </a:rPr>
+              <a:t>## [1] 0.2946883</a:t>
+            </a:r>
+          </a:p>
+        </p:txBody>
+      </p:sp>
+      <p:sp>
+        <p:nvSpPr>
+          <p:cNvPr id="6" name="Title 1">
+            <a:extLst>
+              <a:ext uri="{FF2B5EF4-FFF2-40B4-BE49-F238E27FC236}">
+                <a16:creationId xmlns:a16="http://schemas.microsoft.com/office/drawing/2014/main" id="{5BB65DF8-9C9B-A7C0-6F4A-AAEDD918340A}"/>
+              </a:ext>
+            </a:extLst>
+          </p:cNvPr>
+          <p:cNvSpPr txBox="1">
+            <a:spLocks/>
+          </p:cNvSpPr>
+          <p:nvPr/>
+        </p:nvSpPr>
+        <p:spPr>
+          <a:xfrm>
+            <a:off x="228600" y="160336"/>
+            <a:ext cx="8686800" cy="1143000"/>
+          </a:xfrm>
+          <a:prstGeom prst="rect">
+            <a:avLst/>
+          </a:prstGeom>
+        </p:spPr>
+        <p:txBody>
+          <a:bodyPr vert="horz" lIns="91440" tIns="45720" rIns="91440" bIns="45720" rtlCol="0" anchor="ctr">
+            <a:normAutofit fontScale="90000"/>
+          </a:bodyPr>
+          <a:lstStyle>
+            <a:lvl1pPr algn="ctr" defTabSz="457189" rtl="0" eaLnBrk="1" latinLnBrk="0" hangingPunct="1">
+              <a:spcBef>
+                <a:spcPct val="0"/>
+              </a:spcBef>
+              <a:buNone/>
+              <a:defRPr sz="4400" kern="1200">
+                <a:solidFill>
+                  <a:schemeClr val="tx1"/>
+                </a:solidFill>
+                <a:latin typeface="+mj-lt"/>
+                <a:ea typeface="+mj-ea"/>
+                <a:cs typeface="+mj-cs"/>
+              </a:defRPr>
+            </a:lvl1pPr>
+          </a:lstStyle>
+          <a:p>
+            <a:r>
+              <a:rPr lang="en-AU"/>
+              <a:t>Now a random effect analysis by hand…</a:t>
+            </a:r>
+            <a:endParaRPr lang="en-AU" dirty="0"/>
+          </a:p>
+        </p:txBody>
+      </p:sp>
+      <p:sp>
+        <p:nvSpPr>
+          <p:cNvPr id="8" name="TextBox 7">
+            <a:extLst>
+              <a:ext uri="{FF2B5EF4-FFF2-40B4-BE49-F238E27FC236}">
+                <a16:creationId xmlns:a16="http://schemas.microsoft.com/office/drawing/2014/main" id="{296BABE5-BD68-3823-AFC1-6F6519051593}"/>
+              </a:ext>
+            </a:extLst>
+          </p:cNvPr>
+          <p:cNvSpPr txBox="1"/>
+          <p:nvPr/>
+        </p:nvSpPr>
+        <p:spPr>
+          <a:xfrm>
+            <a:off x="3579495" y="2331634"/>
+            <a:ext cx="5440680" cy="646331"/>
+          </a:xfrm>
+          <a:prstGeom prst="rect">
+            <a:avLst/>
+          </a:prstGeom>
+          <a:solidFill>
+            <a:schemeClr val="accent6">
+              <a:lumMod val="60000"/>
+              <a:lumOff val="40000"/>
+              <a:alpha val="48836"/>
+            </a:schemeClr>
+          </a:solidFill>
+          <a:ln>
+            <a:solidFill>
+              <a:schemeClr val="accent2">
+                <a:lumMod val="75000"/>
+              </a:schemeClr>
+            </a:solidFill>
+          </a:ln>
+        </p:spPr>
+        <p:txBody>
+          <a:bodyPr wrap="square">
+            <a:spAutoFit/>
+          </a:bodyPr>
+          <a:lstStyle/>
+          <a:p>
+            <a:r>
+              <a:rPr lang="en-AU" dirty="0">
+                <a:latin typeface="Courier"/>
+              </a:rPr>
+              <a:t>## Test for Heterogeneity:
+## Q(</a:t>
+            </a:r>
+            <a:r>
+              <a:rPr lang="en-AU" dirty="0" err="1">
+                <a:latin typeface="Courier"/>
+              </a:rPr>
+              <a:t>df</a:t>
+            </a:r>
+            <a:r>
+              <a:rPr lang="en-AU" dirty="0">
+                <a:latin typeface="Courier"/>
+              </a:rPr>
+              <a:t> = 4) = 24.4015, p-</a:t>
+            </a:r>
+            <a:r>
+              <a:rPr lang="en-AU" dirty="0" err="1">
+                <a:latin typeface="Courier"/>
+              </a:rPr>
+              <a:t>val</a:t>
+            </a:r>
+            <a:r>
+              <a:rPr lang="en-AU" dirty="0">
+                <a:latin typeface="Courier"/>
+              </a:rPr>
+              <a:t> &lt; .0001</a:t>
+            </a:r>
+            <a:endParaRPr lang="en-US" dirty="0"/>
+          </a:p>
+        </p:txBody>
+      </p:sp>
+      <p:sp>
+        <p:nvSpPr>
+          <p:cNvPr id="10" name="TextBox 9">
+            <a:extLst>
+              <a:ext uri="{FF2B5EF4-FFF2-40B4-BE49-F238E27FC236}">
+                <a16:creationId xmlns:a16="http://schemas.microsoft.com/office/drawing/2014/main" id="{11C5E8E0-952B-B8C8-BEE4-6F6FD1A3C3F9}"/>
+              </a:ext>
+            </a:extLst>
+          </p:cNvPr>
+          <p:cNvSpPr txBox="1"/>
+          <p:nvPr/>
+        </p:nvSpPr>
+        <p:spPr>
+          <a:xfrm>
+            <a:off x="3640455" y="5182968"/>
+            <a:ext cx="5223510" cy="646331"/>
+          </a:xfrm>
+          <a:prstGeom prst="rect">
+            <a:avLst/>
+          </a:prstGeom>
+          <a:solidFill>
+            <a:schemeClr val="accent2">
+              <a:lumMod val="60000"/>
+              <a:lumOff val="40000"/>
+              <a:alpha val="57000"/>
+            </a:schemeClr>
+          </a:solidFill>
+          <a:ln>
+            <a:solidFill>
+              <a:schemeClr val="accent2">
+                <a:lumMod val="75000"/>
+              </a:schemeClr>
+            </a:solidFill>
+          </a:ln>
+        </p:spPr>
+        <p:txBody>
+          <a:bodyPr wrap="square">
+            <a:spAutoFit/>
+          </a:bodyPr>
+          <a:lstStyle/>
+          <a:p>
+            <a:r>
+              <a:rPr lang="en-AU" dirty="0">
+                <a:latin typeface="Courier"/>
+              </a:rPr>
+              <a:t>## tau^2 (estimated amount of total heterogeneity): 0.2947 (SE = 0.2731)</a:t>
+            </a:r>
+            <a:endParaRPr lang="en-US" dirty="0"/>
+          </a:p>
+        </p:txBody>
+      </p:sp>
+    </p:spTree>
+  </p:cSld>
+  <p:clrMapOvr>
+    <a:masterClrMapping/>
+  </p:clrMapOvr>
+</p:sld>
+</file>
+
+<file path=ppt/slides/slide21.xml><?xml version="1.0" encoding="utf-8"?>
+<p:sld xmlns:a="http://schemas.openxmlformats.org/drawingml/2006/main" xmlns:r="http://schemas.openxmlformats.org/officeDocument/2006/relationships" xmlns:p="http://schemas.openxmlformats.org/presentationml/2006/main">
+  <p:cSld>
+    <p:spTree>
+      <p:nvGrpSpPr>
+        <p:cNvPr id="1" name=""/>
+        <p:cNvGrpSpPr/>
+        <p:nvPr/>
+      </p:nvGrpSpPr>
+      <p:grpSpPr>
+        <a:xfrm>
+          <a:off x="0" y="0"/>
+          <a:ext cx="0" cy="0"/>
+          <a:chOff x="0" y="0"/>
+          <a:chExt cx="0" cy="0"/>
+        </a:xfrm>
+      </p:grpSpPr>
+      <p:sp>
+        <p:nvSpPr>
+          <p:cNvPr id="3" name="Content Placeholder 2"/>
+          <p:cNvSpPr>
+            <a:spLocks noGrp="1"/>
+          </p:cNvSpPr>
+          <p:nvPr>
+            <p:ph idx="1"/>
+          </p:nvPr>
+        </p:nvSpPr>
+        <p:spPr>
+          <a:xfrm>
+            <a:off x="457200" y="1166018"/>
+            <a:ext cx="8229600" cy="4525963"/>
+          </a:xfrm>
+        </p:spPr>
+        <p:txBody>
+          <a:bodyPr>
+            <a:normAutofit fontScale="55000" lnSpcReduction="20000"/>
+          </a:bodyPr>
+          <a:lstStyle/>
+          <a:p>
+            <a:pPr marL="0" indent="0">
+              <a:buNone/>
+            </a:pPr>
+            <a:r>
+              <a:rPr dirty="0"/>
+              <a:t>Remember, things are the same but the weighting is different now.</a:t>
+            </a:r>
+          </a:p>
+          <a:p>
+            <a:pPr indent="0">
+              <a:buNone/>
+            </a:pPr>
+            <a:r>
+              <a:rPr dirty="0">
+                <a:latin typeface="Courier"/>
+              </a:rPr>
+              <a:t>    </a:t>
+            </a:r>
+            <a:endParaRPr lang="en-AU" dirty="0">
+              <a:latin typeface="Courier"/>
+            </a:endParaRPr>
+          </a:p>
+          <a:p>
+            <a:pPr indent="0">
+              <a:buNone/>
+            </a:pPr>
+            <a:r>
+              <a:rPr i="1" dirty="0">
+                <a:solidFill>
+                  <a:srgbClr val="60A0B0"/>
+                </a:solidFill>
+                <a:latin typeface="Courier"/>
+              </a:rPr>
+              <a:t># RE weights</a:t>
+            </a:r>
+            <a:br>
+              <a:rPr dirty="0"/>
+            </a:br>
+            <a:r>
+              <a:rPr dirty="0">
+                <a:latin typeface="Courier"/>
+              </a:rPr>
+              <a:t>      </a:t>
+            </a:r>
+            <a:r>
+              <a:rPr dirty="0" err="1">
+                <a:latin typeface="Courier"/>
+              </a:rPr>
+              <a:t>W.re</a:t>
+            </a:r>
+            <a:r>
+              <a:rPr dirty="0">
+                <a:latin typeface="Courier"/>
+              </a:rPr>
+              <a:t> </a:t>
+            </a:r>
+            <a:r>
+              <a:rPr dirty="0">
+                <a:solidFill>
+                  <a:srgbClr val="007020"/>
+                </a:solidFill>
+                <a:latin typeface="Courier"/>
+              </a:rPr>
+              <a:t>&lt;-</a:t>
+            </a:r>
+            <a:r>
+              <a:rPr dirty="0">
+                <a:latin typeface="Courier"/>
+              </a:rPr>
+              <a:t> </a:t>
+            </a:r>
+            <a:r>
+              <a:rPr dirty="0">
+                <a:solidFill>
+                  <a:srgbClr val="40A070"/>
+                </a:solidFill>
+                <a:latin typeface="Courier"/>
+              </a:rPr>
+              <a:t>1</a:t>
+            </a:r>
+            <a:r>
+              <a:rPr dirty="0">
+                <a:latin typeface="Courier"/>
+              </a:rPr>
+              <a:t> </a:t>
+            </a:r>
+            <a:r>
+              <a:rPr dirty="0">
+                <a:solidFill>
+                  <a:srgbClr val="4070A0"/>
+                </a:solidFill>
+                <a:latin typeface="Courier"/>
+              </a:rPr>
+              <a:t>/</a:t>
+            </a:r>
+            <a:r>
+              <a:rPr dirty="0">
+                <a:latin typeface="Courier"/>
+              </a:rPr>
+              <a:t> (T2 </a:t>
+            </a:r>
+            <a:r>
+              <a:rPr dirty="0">
+                <a:solidFill>
+                  <a:srgbClr val="4070A0"/>
+                </a:solidFill>
+                <a:latin typeface="Courier"/>
+              </a:rPr>
+              <a:t>+</a:t>
+            </a:r>
+            <a:r>
+              <a:rPr dirty="0">
+                <a:latin typeface="Courier"/>
+              </a:rPr>
+              <a:t> </a:t>
+            </a:r>
+            <a:r>
+              <a:rPr dirty="0" err="1">
+                <a:latin typeface="Courier"/>
+              </a:rPr>
+              <a:t>dataRE</a:t>
+            </a:r>
+            <a:r>
+              <a:rPr dirty="0" err="1">
+                <a:solidFill>
+                  <a:srgbClr val="4070A0"/>
+                </a:solidFill>
+                <a:latin typeface="Courier"/>
+              </a:rPr>
+              <a:t>$</a:t>
+            </a:r>
+            <a:r>
+              <a:rPr dirty="0" err="1">
+                <a:latin typeface="Courier"/>
+              </a:rPr>
+              <a:t>Ves</a:t>
+            </a:r>
+            <a:r>
+              <a:rPr dirty="0">
+                <a:latin typeface="Courier"/>
+              </a:rPr>
+              <a:t>)</a:t>
+            </a:r>
+            <a:br>
+              <a:rPr dirty="0"/>
+            </a:br>
+            <a:r>
+              <a:rPr dirty="0">
+                <a:latin typeface="Courier"/>
+              </a:rPr>
+              <a:t>    </a:t>
+            </a:r>
+            <a:br>
+              <a:rPr dirty="0"/>
+            </a:br>
+            <a:r>
+              <a:rPr i="1" dirty="0">
+                <a:solidFill>
+                  <a:srgbClr val="60A0B0"/>
+                </a:solidFill>
+                <a:latin typeface="Courier"/>
+              </a:rPr>
+              <a:t>#Pooled effect size for random effect meta-analysis</a:t>
+            </a:r>
+            <a:br>
+              <a:rPr dirty="0"/>
+            </a:br>
+            <a:r>
+              <a:rPr dirty="0">
+                <a:latin typeface="Courier"/>
+              </a:rPr>
+              <a:t>      </a:t>
+            </a:r>
+            <a:r>
+              <a:rPr dirty="0" err="1">
+                <a:latin typeface="Courier"/>
+              </a:rPr>
+              <a:t>esPoolRE</a:t>
+            </a:r>
+            <a:r>
+              <a:rPr dirty="0">
+                <a:latin typeface="Courier"/>
+              </a:rPr>
+              <a:t>  </a:t>
+            </a:r>
+            <a:r>
+              <a:rPr dirty="0">
+                <a:solidFill>
+                  <a:srgbClr val="007020"/>
+                </a:solidFill>
+                <a:latin typeface="Courier"/>
+              </a:rPr>
+              <a:t>&lt;-</a:t>
+            </a:r>
+            <a:r>
+              <a:rPr dirty="0">
+                <a:latin typeface="Courier"/>
+              </a:rPr>
+              <a:t> </a:t>
+            </a:r>
+            <a:r>
+              <a:rPr dirty="0">
+                <a:solidFill>
+                  <a:srgbClr val="06287E"/>
+                </a:solidFill>
+                <a:latin typeface="Courier"/>
+              </a:rPr>
+              <a:t>sum</a:t>
+            </a:r>
+            <a:r>
+              <a:rPr dirty="0">
+                <a:latin typeface="Courier"/>
+              </a:rPr>
+              <a:t>(</a:t>
+            </a:r>
+            <a:r>
+              <a:rPr dirty="0" err="1">
+                <a:latin typeface="Courier"/>
+              </a:rPr>
+              <a:t>W.re</a:t>
+            </a:r>
+            <a:r>
+              <a:rPr dirty="0">
+                <a:solidFill>
+                  <a:srgbClr val="4070A0"/>
+                </a:solidFill>
+                <a:latin typeface="Courier"/>
+              </a:rPr>
+              <a:t>*</a:t>
+            </a:r>
+            <a:r>
+              <a:rPr dirty="0" err="1">
+                <a:latin typeface="Courier"/>
+              </a:rPr>
+              <a:t>dataRE</a:t>
+            </a:r>
+            <a:r>
+              <a:rPr dirty="0" err="1">
+                <a:solidFill>
+                  <a:srgbClr val="4070A0"/>
+                </a:solidFill>
+                <a:latin typeface="Courier"/>
+              </a:rPr>
+              <a:t>$</a:t>
+            </a:r>
+            <a:r>
+              <a:rPr dirty="0" err="1">
+                <a:latin typeface="Courier"/>
+              </a:rPr>
+              <a:t>es</a:t>
+            </a:r>
+            <a:r>
+              <a:rPr dirty="0">
+                <a:latin typeface="Courier"/>
+              </a:rPr>
+              <a:t>) </a:t>
+            </a:r>
+            <a:r>
+              <a:rPr dirty="0">
+                <a:solidFill>
+                  <a:srgbClr val="4070A0"/>
+                </a:solidFill>
+                <a:latin typeface="Courier"/>
+              </a:rPr>
+              <a:t>/</a:t>
+            </a:r>
+            <a:r>
+              <a:rPr dirty="0">
+                <a:latin typeface="Courier"/>
+              </a:rPr>
+              <a:t> </a:t>
+            </a:r>
+            <a:r>
+              <a:rPr dirty="0">
+                <a:solidFill>
+                  <a:srgbClr val="06287E"/>
+                </a:solidFill>
+                <a:latin typeface="Courier"/>
+              </a:rPr>
+              <a:t>sum</a:t>
+            </a:r>
+            <a:r>
+              <a:rPr dirty="0">
+                <a:latin typeface="Courier"/>
+              </a:rPr>
+              <a:t>(</a:t>
+            </a:r>
+            <a:r>
+              <a:rPr dirty="0" err="1">
+                <a:latin typeface="Courier"/>
+              </a:rPr>
+              <a:t>W.re</a:t>
+            </a:r>
+            <a:r>
+              <a:rPr dirty="0">
+                <a:latin typeface="Courier"/>
+              </a:rPr>
+              <a:t>) </a:t>
+            </a:r>
+            <a:br>
+              <a:rPr dirty="0"/>
+            </a:br>
+            <a:r>
+              <a:rPr dirty="0">
+                <a:latin typeface="Courier"/>
+              </a:rPr>
+              <a:t>      </a:t>
+            </a:r>
+            <a:r>
+              <a:rPr dirty="0" err="1">
+                <a:latin typeface="Courier"/>
+              </a:rPr>
+              <a:t>esPoolRE</a:t>
+            </a:r>
+            <a:endParaRPr dirty="0">
+              <a:latin typeface="Courier"/>
+            </a:endParaRPr>
+          </a:p>
+          <a:p>
+            <a:pPr indent="0">
+              <a:buNone/>
+            </a:pPr>
+            <a:r>
+              <a:rPr dirty="0">
+                <a:latin typeface="Courier"/>
+              </a:rPr>
+              <a:t>## [1] 2.016261</a:t>
+            </a:r>
+          </a:p>
+          <a:p>
+            <a:pPr indent="0">
+              <a:buNone/>
+            </a:pPr>
+            <a:endParaRPr lang="en-AU" i="1" dirty="0">
+              <a:solidFill>
+                <a:srgbClr val="60A0B0"/>
+              </a:solidFill>
+              <a:latin typeface="Courier"/>
+            </a:endParaRPr>
+          </a:p>
+          <a:p>
+            <a:pPr indent="0">
+              <a:buNone/>
+            </a:pPr>
+            <a:r>
+              <a:rPr i="1" dirty="0">
+                <a:solidFill>
+                  <a:srgbClr val="60A0B0"/>
+                </a:solidFill>
+                <a:latin typeface="Courier"/>
+              </a:rPr>
+              <a:t># Calculate the pooled variance around estimate</a:t>
+            </a:r>
+            <a:br>
+              <a:rPr dirty="0"/>
+            </a:br>
+            <a:r>
+              <a:rPr dirty="0">
+                <a:latin typeface="Courier"/>
+              </a:rPr>
+              <a:t>       </a:t>
+            </a:r>
+            <a:r>
+              <a:rPr dirty="0" err="1">
+                <a:latin typeface="Courier"/>
+              </a:rPr>
+              <a:t>VarES</a:t>
+            </a:r>
+            <a:r>
+              <a:rPr dirty="0">
+                <a:latin typeface="Courier"/>
+              </a:rPr>
+              <a:t> </a:t>
+            </a:r>
+            <a:r>
+              <a:rPr dirty="0">
+                <a:solidFill>
+                  <a:srgbClr val="007020"/>
+                </a:solidFill>
+                <a:latin typeface="Courier"/>
+              </a:rPr>
+              <a:t>&lt;-</a:t>
+            </a:r>
+            <a:r>
+              <a:rPr dirty="0">
+                <a:latin typeface="Courier"/>
+              </a:rPr>
+              <a:t> </a:t>
+            </a:r>
+            <a:r>
+              <a:rPr dirty="0">
+                <a:solidFill>
+                  <a:srgbClr val="40A070"/>
+                </a:solidFill>
+                <a:latin typeface="Courier"/>
+              </a:rPr>
+              <a:t>1</a:t>
+            </a:r>
+            <a:r>
+              <a:rPr dirty="0">
+                <a:latin typeface="Courier"/>
+              </a:rPr>
+              <a:t> </a:t>
+            </a:r>
+            <a:r>
+              <a:rPr dirty="0">
+                <a:solidFill>
+                  <a:srgbClr val="4070A0"/>
+                </a:solidFill>
+                <a:latin typeface="Courier"/>
+              </a:rPr>
+              <a:t>/</a:t>
+            </a:r>
+            <a:r>
+              <a:rPr dirty="0">
+                <a:latin typeface="Courier"/>
+              </a:rPr>
+              <a:t> </a:t>
+            </a:r>
+            <a:r>
+              <a:rPr dirty="0">
+                <a:solidFill>
+                  <a:srgbClr val="06287E"/>
+                </a:solidFill>
+                <a:latin typeface="Courier"/>
+              </a:rPr>
+              <a:t>sum</a:t>
+            </a:r>
+            <a:r>
+              <a:rPr dirty="0">
+                <a:latin typeface="Courier"/>
+              </a:rPr>
+              <a:t>(</a:t>
+            </a:r>
+            <a:r>
+              <a:rPr dirty="0" err="1">
+                <a:latin typeface="Courier"/>
+              </a:rPr>
+              <a:t>W.re</a:t>
+            </a:r>
+            <a:r>
+              <a:rPr dirty="0">
+                <a:latin typeface="Courier"/>
+              </a:rPr>
+              <a:t>)</a:t>
+            </a:r>
+            <a:br>
+              <a:rPr dirty="0"/>
+            </a:br>
+            <a:r>
+              <a:rPr dirty="0">
+                <a:latin typeface="Courier"/>
+              </a:rPr>
+              <a:t>    </a:t>
+            </a:r>
+            <a:br>
+              <a:rPr dirty="0"/>
+            </a:br>
+            <a:r>
+              <a:rPr i="1" dirty="0">
+                <a:solidFill>
+                  <a:srgbClr val="60A0B0"/>
+                </a:solidFill>
+                <a:latin typeface="Courier"/>
+              </a:rPr>
+              <a:t># Calculate the standard error around estimate</a:t>
+            </a:r>
+            <a:br>
+              <a:rPr dirty="0"/>
+            </a:br>
+            <a:r>
+              <a:rPr dirty="0">
+                <a:latin typeface="Courier"/>
+              </a:rPr>
+              <a:t>       SE.ES.RE </a:t>
+            </a:r>
+            <a:r>
+              <a:rPr dirty="0">
+                <a:solidFill>
+                  <a:srgbClr val="007020"/>
+                </a:solidFill>
+                <a:latin typeface="Courier"/>
+              </a:rPr>
+              <a:t>&lt;-</a:t>
+            </a:r>
+            <a:r>
+              <a:rPr dirty="0">
+                <a:latin typeface="Courier"/>
+              </a:rPr>
+              <a:t> </a:t>
+            </a:r>
+            <a:r>
+              <a:rPr dirty="0">
+                <a:solidFill>
+                  <a:srgbClr val="06287E"/>
+                </a:solidFill>
+                <a:latin typeface="Courier"/>
+              </a:rPr>
+              <a:t>sqrt</a:t>
+            </a:r>
+            <a:r>
+              <a:rPr dirty="0">
+                <a:latin typeface="Courier"/>
+              </a:rPr>
+              <a:t>(</a:t>
+            </a:r>
+            <a:r>
+              <a:rPr dirty="0" err="1">
+                <a:latin typeface="Courier"/>
+              </a:rPr>
+              <a:t>VarES</a:t>
+            </a:r>
+            <a:r>
+              <a:rPr dirty="0">
+                <a:latin typeface="Courier"/>
+              </a:rPr>
+              <a:t>)</a:t>
+            </a:r>
+            <a:br>
+              <a:rPr dirty="0"/>
+            </a:br>
+            <a:r>
+              <a:rPr dirty="0">
+                <a:latin typeface="Courier"/>
+              </a:rPr>
+              <a:t>       SE.ES.RE</a:t>
+            </a:r>
+          </a:p>
+          <a:p>
+            <a:pPr indent="0">
+              <a:buNone/>
+            </a:pPr>
+            <a:r>
+              <a:rPr dirty="0">
+                <a:latin typeface="Courier"/>
+              </a:rPr>
+              <a:t>## [1] 0.2697219</a:t>
+            </a:r>
+          </a:p>
+        </p:txBody>
+      </p:sp>
+      <p:sp>
+        <p:nvSpPr>
+          <p:cNvPr id="6" name="Title 1">
+            <a:extLst>
+              <a:ext uri="{FF2B5EF4-FFF2-40B4-BE49-F238E27FC236}">
+                <a16:creationId xmlns:a16="http://schemas.microsoft.com/office/drawing/2014/main" id="{499B535A-C8B2-7056-02FB-CDDE4D21245F}"/>
+              </a:ext>
+            </a:extLst>
+          </p:cNvPr>
+          <p:cNvSpPr txBox="1">
+            <a:spLocks/>
+          </p:cNvSpPr>
+          <p:nvPr/>
+        </p:nvSpPr>
+        <p:spPr>
+          <a:xfrm>
+            <a:off x="0" y="91164"/>
+            <a:ext cx="8686800" cy="1143000"/>
+          </a:xfrm>
+          <a:prstGeom prst="rect">
+            <a:avLst/>
+          </a:prstGeom>
+        </p:spPr>
+        <p:txBody>
+          <a:bodyPr vert="horz" lIns="91440" tIns="45720" rIns="91440" bIns="45720" rtlCol="0" anchor="ctr">
+            <a:normAutofit fontScale="90000"/>
+          </a:bodyPr>
+          <a:lstStyle>
+            <a:lvl1pPr algn="ctr" defTabSz="457189" rtl="0" eaLnBrk="1" latinLnBrk="0" hangingPunct="1">
+              <a:spcBef>
+                <a:spcPct val="0"/>
+              </a:spcBef>
+              <a:buNone/>
+              <a:defRPr sz="4400" kern="1200">
+                <a:solidFill>
+                  <a:schemeClr val="tx1"/>
+                </a:solidFill>
+                <a:latin typeface="+mj-lt"/>
+                <a:ea typeface="+mj-ea"/>
+                <a:cs typeface="+mj-cs"/>
+              </a:defRPr>
+            </a:lvl1pPr>
+          </a:lstStyle>
+          <a:p>
+            <a:r>
+              <a:rPr lang="en-AU"/>
+              <a:t>Now a random effect analysis by hand…</a:t>
+            </a:r>
+            <a:endParaRPr lang="en-AU" dirty="0"/>
+          </a:p>
+        </p:txBody>
+      </p:sp>
+      <p:sp>
+        <p:nvSpPr>
+          <p:cNvPr id="8" name="TextBox 7">
+            <a:extLst>
+              <a:ext uri="{FF2B5EF4-FFF2-40B4-BE49-F238E27FC236}">
+                <a16:creationId xmlns:a16="http://schemas.microsoft.com/office/drawing/2014/main" id="{57C3D1E7-E99D-CC2E-3D1D-962E6526D891}"/>
+              </a:ext>
+            </a:extLst>
+          </p:cNvPr>
+          <p:cNvSpPr txBox="1"/>
+          <p:nvPr/>
+        </p:nvSpPr>
+        <p:spPr>
+          <a:xfrm>
+            <a:off x="541020" y="5691981"/>
+            <a:ext cx="8061960" cy="646331"/>
+          </a:xfrm>
+          <a:prstGeom prst="rect">
+            <a:avLst/>
+          </a:prstGeom>
+          <a:noFill/>
+        </p:spPr>
+        <p:txBody>
+          <a:bodyPr wrap="square">
+            <a:spAutoFit/>
+          </a:bodyPr>
+          <a:lstStyle/>
+          <a:p>
+            <a:r>
+              <a:rPr lang="en-AU" dirty="0">
+                <a:latin typeface="Courier"/>
+              </a:rPr>
+              <a:t>## estimate      se    </a:t>
+            </a:r>
+            <a:r>
+              <a:rPr lang="en-AU" dirty="0" err="1">
+                <a:latin typeface="Courier"/>
+              </a:rPr>
+              <a:t>zval</a:t>
+            </a:r>
+            <a:r>
+              <a:rPr lang="en-AU" dirty="0">
+                <a:latin typeface="Courier"/>
+              </a:rPr>
+              <a:t>    </a:t>
+            </a:r>
+            <a:r>
+              <a:rPr lang="en-AU" dirty="0" err="1">
+                <a:latin typeface="Courier"/>
+              </a:rPr>
+              <a:t>pval</a:t>
+            </a:r>
+            <a:r>
+              <a:rPr lang="en-AU" dirty="0">
+                <a:latin typeface="Courier"/>
+              </a:rPr>
+              <a:t>   </a:t>
+            </a:r>
+            <a:r>
+              <a:rPr lang="en-AU" dirty="0" err="1">
+                <a:latin typeface="Courier"/>
+              </a:rPr>
+              <a:t>ci.lb</a:t>
+            </a:r>
+            <a:r>
+              <a:rPr lang="en-AU" dirty="0">
+                <a:latin typeface="Courier"/>
+              </a:rPr>
+              <a:t>   </a:t>
+            </a:r>
+            <a:r>
+              <a:rPr lang="en-AU" dirty="0" err="1">
+                <a:latin typeface="Courier"/>
+              </a:rPr>
+              <a:t>ci.ub</a:t>
+            </a:r>
+            <a:r>
+              <a:rPr lang="en-AU" dirty="0">
+                <a:latin typeface="Courier"/>
+              </a:rPr>
+              <a:t>     ​ 
+##   2.0163  0.2697  7.4753  &lt;.0001  1.4876  2.5449  *** </a:t>
+            </a:r>
+            <a:endParaRPr lang="en-US" dirty="0"/>
+          </a:p>
+        </p:txBody>
+      </p:sp>
+      <p:sp>
+        <p:nvSpPr>
+          <p:cNvPr id="9" name="Rectangle 8">
+            <a:extLst>
+              <a:ext uri="{FF2B5EF4-FFF2-40B4-BE49-F238E27FC236}">
+                <a16:creationId xmlns:a16="http://schemas.microsoft.com/office/drawing/2014/main" id="{0D9F8054-DE60-71D4-A736-270CD3D7FE90}"/>
+              </a:ext>
+            </a:extLst>
+          </p:cNvPr>
+          <p:cNvSpPr/>
+          <p:nvPr/>
+        </p:nvSpPr>
+        <p:spPr>
+          <a:xfrm>
+            <a:off x="433175" y="5737701"/>
+            <a:ext cx="1788289" cy="646331"/>
+          </a:xfrm>
+          <a:prstGeom prst="rect">
+            <a:avLst/>
+          </a:prstGeom>
+          <a:solidFill>
+            <a:schemeClr val="tx2">
+              <a:lumMod val="60000"/>
+              <a:lumOff val="40000"/>
+              <a:alpha val="20336"/>
+            </a:schemeClr>
+          </a:solidFill>
+        </p:spPr>
+        <p:style>
+          <a:lnRef idx="1">
+            <a:schemeClr val="accent1"/>
+          </a:lnRef>
+          <a:fillRef idx="3">
+            <a:schemeClr val="accent1"/>
+          </a:fillRef>
+          <a:effectRef idx="2">
+            <a:schemeClr val="accent1"/>
+          </a:effectRef>
+          <a:fontRef idx="minor">
+            <a:schemeClr val="lt1"/>
+          </a:fontRef>
+        </p:style>
+        <p:txBody>
+          <a:bodyPr rtlCol="0" anchor="ctr"/>
+          <a:lstStyle/>
+          <a:p>
+            <a:pPr algn="ctr"/>
+            <a:endParaRPr lang="en-US"/>
+          </a:p>
+        </p:txBody>
+      </p:sp>
+      <p:cxnSp>
+        <p:nvCxnSpPr>
+          <p:cNvPr id="10" name="Curved Connector 9">
+            <a:extLst>
+              <a:ext uri="{FF2B5EF4-FFF2-40B4-BE49-F238E27FC236}">
+                <a16:creationId xmlns:a16="http://schemas.microsoft.com/office/drawing/2014/main" id="{147E09EA-9174-7F10-0262-BA6AC41D2AE2}"/>
+              </a:ext>
+            </a:extLst>
+          </p:cNvPr>
+          <p:cNvCxnSpPr>
+            <a:cxnSpLocks/>
+          </p:cNvCxnSpPr>
+          <p:nvPr/>
+        </p:nvCxnSpPr>
+        <p:spPr>
+          <a:xfrm rot="5400000">
+            <a:off x="-108968" y="4255692"/>
+            <a:ext cx="2445857" cy="426719"/>
+          </a:xfrm>
+          <a:prstGeom prst="curvedConnector3">
+            <a:avLst>
+              <a:gd name="adj1" fmla="val -13556"/>
+            </a:avLst>
+          </a:prstGeom>
+          <a:ln>
+            <a:tailEnd type="triangle"/>
+          </a:ln>
+        </p:spPr>
+        <p:style>
+          <a:lnRef idx="2">
+            <a:schemeClr val="accent1"/>
+          </a:lnRef>
+          <a:fillRef idx="0">
+            <a:schemeClr val="accent1"/>
+          </a:fillRef>
+          <a:effectRef idx="1">
+            <a:schemeClr val="accent1"/>
+          </a:effectRef>
+          <a:fontRef idx="minor">
+            <a:schemeClr val="tx1"/>
+          </a:fontRef>
+        </p:style>
+      </p:cxnSp>
+      <p:sp>
+        <p:nvSpPr>
+          <p:cNvPr id="11" name="Rectangle 10">
+            <a:extLst>
+              <a:ext uri="{FF2B5EF4-FFF2-40B4-BE49-F238E27FC236}">
+                <a16:creationId xmlns:a16="http://schemas.microsoft.com/office/drawing/2014/main" id="{D4ABEA6F-BFBF-FAD3-3FE4-D64173D6B4BE}"/>
+              </a:ext>
+            </a:extLst>
+          </p:cNvPr>
+          <p:cNvSpPr/>
+          <p:nvPr/>
+        </p:nvSpPr>
+        <p:spPr>
+          <a:xfrm>
+            <a:off x="2334703" y="5737701"/>
+            <a:ext cx="1055032" cy="646331"/>
+          </a:xfrm>
+          <a:prstGeom prst="rect">
+            <a:avLst/>
+          </a:prstGeom>
+          <a:solidFill>
+            <a:schemeClr val="accent2">
+              <a:lumMod val="60000"/>
+              <a:lumOff val="40000"/>
+              <a:alpha val="20336"/>
+            </a:schemeClr>
+          </a:solidFill>
+          <a:ln>
+            <a:solidFill>
+              <a:schemeClr val="accent2">
+                <a:lumMod val="75000"/>
+              </a:schemeClr>
+            </a:solidFill>
+          </a:ln>
+        </p:spPr>
+        <p:style>
+          <a:lnRef idx="1">
+            <a:schemeClr val="accent1"/>
+          </a:lnRef>
+          <a:fillRef idx="3">
+            <a:schemeClr val="accent1"/>
+          </a:fillRef>
+          <a:effectRef idx="2">
+            <a:schemeClr val="accent1"/>
+          </a:effectRef>
+          <a:fontRef idx="minor">
+            <a:schemeClr val="lt1"/>
+          </a:fontRef>
+        </p:style>
+        <p:txBody>
+          <a:bodyPr rtlCol="0" anchor="ctr"/>
+          <a:lstStyle/>
+          <a:p>
+            <a:pPr algn="ctr"/>
+            <a:endParaRPr lang="en-US"/>
+          </a:p>
+        </p:txBody>
+      </p:sp>
+      <p:cxnSp>
+        <p:nvCxnSpPr>
+          <p:cNvPr id="23" name="Straight Arrow Connector 22">
+            <a:extLst>
+              <a:ext uri="{FF2B5EF4-FFF2-40B4-BE49-F238E27FC236}">
+                <a16:creationId xmlns:a16="http://schemas.microsoft.com/office/drawing/2014/main" id="{E92FBCE6-DA7A-0974-85C0-F73681E02AAC}"/>
+              </a:ext>
+            </a:extLst>
+          </p:cNvPr>
+          <p:cNvCxnSpPr/>
+          <p:nvPr/>
+        </p:nvCxnSpPr>
+        <p:spPr>
+          <a:xfrm>
+            <a:off x="2685327" y="5288280"/>
+            <a:ext cx="301713" cy="426126"/>
+          </a:xfrm>
+          <a:prstGeom prst="straightConnector1">
+            <a:avLst/>
+          </a:prstGeom>
+          <a:ln>
+            <a:solidFill>
+              <a:schemeClr val="accent2">
+                <a:lumMod val="60000"/>
+                <a:lumOff val="40000"/>
+              </a:schemeClr>
+            </a:solidFill>
+            <a:tailEnd type="triangle"/>
+          </a:ln>
+        </p:spPr>
+        <p:style>
+          <a:lnRef idx="2">
+            <a:schemeClr val="accent1"/>
+          </a:lnRef>
+          <a:fillRef idx="0">
+            <a:schemeClr val="accent1"/>
+          </a:fillRef>
+          <a:effectRef idx="1">
+            <a:schemeClr val="accent1"/>
+          </a:effectRef>
+          <a:fontRef idx="minor">
+            <a:schemeClr val="tx1"/>
+          </a:fontRef>
+        </p:style>
+      </p:cxnSp>
+    </p:spTree>
+  </p:cSld>
+  <p:clrMapOvr>
+    <a:masterClrMapping/>
+  </p:clrMapOvr>
+</p:sld>
+</file>
+
+<file path=ppt/slides/slide22.xml><?xml version="1.0" encoding="utf-8"?>
+<p:sld xmlns:a="http://schemas.openxmlformats.org/drawingml/2006/main" xmlns:r="http://schemas.openxmlformats.org/officeDocument/2006/relationships" xmlns:p="http://schemas.openxmlformats.org/presentationml/2006/main">
+  <p:cSld>
+    <p:spTree>
+      <p:nvGrpSpPr>
+        <p:cNvPr id="1" name=""/>
+        <p:cNvGrpSpPr/>
+        <p:nvPr/>
+      </p:nvGrpSpPr>
+      <p:grpSpPr>
+        <a:xfrm>
+          <a:off x="0" y="0"/>
+          <a:ext cx="0" cy="0"/>
+          <a:chOff x="0" y="0"/>
+          <a:chExt cx="0" cy="0"/>
+        </a:xfrm>
+      </p:grpSpPr>
+      <p:sp>
+        <p:nvSpPr>
+          <p:cNvPr id="2" name="Title 1">
+            <a:extLst>
+              <a:ext uri="{FF2B5EF4-FFF2-40B4-BE49-F238E27FC236}">
+                <a16:creationId xmlns:a16="http://schemas.microsoft.com/office/drawing/2014/main" id="{D4531F21-792C-464F-BA41-95BABBDB6038}"/>
+              </a:ext>
+            </a:extLst>
+          </p:cNvPr>
+          <p:cNvSpPr>
+            <a:spLocks noGrp="1"/>
+          </p:cNvSpPr>
+          <p:nvPr>
+            <p:ph type="title"/>
+          </p:nvPr>
+        </p:nvSpPr>
+        <p:spPr>
+          <a:xfrm>
+            <a:off x="457200" y="0"/>
+            <a:ext cx="8229600" cy="1143000"/>
+          </a:xfrm>
+        </p:spPr>
+        <p:txBody>
+          <a:bodyPr/>
+          <a:lstStyle/>
+          <a:p>
+            <a:r>
+              <a:rPr lang="en-US" dirty="0"/>
+              <a:t>More non-independence</a:t>
+            </a:r>
+          </a:p>
+        </p:txBody>
+      </p:sp>
+      <p:pic>
+        <p:nvPicPr>
+          <p:cNvPr id="4" name="Picture 3">
+            <a:extLst>
+              <a:ext uri="{FF2B5EF4-FFF2-40B4-BE49-F238E27FC236}">
+                <a16:creationId xmlns:a16="http://schemas.microsoft.com/office/drawing/2014/main" id="{F321EBD1-C6C6-B946-A886-E9DD041C5105}"/>
+              </a:ext>
+            </a:extLst>
+          </p:cNvPr>
+          <p:cNvPicPr>
+            <a:picLocks noChangeAspect="1"/>
+          </p:cNvPicPr>
+          <p:nvPr/>
+        </p:nvPicPr>
+        <p:blipFill>
+          <a:blip r:embed="rId2"/>
+          <a:stretch>
+            <a:fillRect/>
+          </a:stretch>
+        </p:blipFill>
+        <p:spPr>
+          <a:xfrm>
+            <a:off x="3599508" y="1066241"/>
+            <a:ext cx="5527963" cy="4725517"/>
+          </a:xfrm>
+          <a:prstGeom prst="rect">
+            <a:avLst/>
+          </a:prstGeom>
+        </p:spPr>
+      </p:pic>
+      <p:sp>
+        <p:nvSpPr>
+          <p:cNvPr id="6" name="TextBox 5">
+            <a:extLst>
+              <a:ext uri="{FF2B5EF4-FFF2-40B4-BE49-F238E27FC236}">
+                <a16:creationId xmlns:a16="http://schemas.microsoft.com/office/drawing/2014/main" id="{0CDB2C76-2723-DC4D-9C57-F84E0369E63A}"/>
+              </a:ext>
+            </a:extLst>
+          </p:cNvPr>
+          <p:cNvSpPr txBox="1"/>
+          <p:nvPr/>
+        </p:nvSpPr>
+        <p:spPr>
+          <a:xfrm>
+            <a:off x="2929759" y="6064531"/>
+            <a:ext cx="3528915" cy="646331"/>
+          </a:xfrm>
+          <a:prstGeom prst="rect">
+            <a:avLst/>
+          </a:prstGeom>
+          <a:noFill/>
+        </p:spPr>
+        <p:txBody>
+          <a:bodyPr wrap="none" rtlCol="0">
+            <a:spAutoFit/>
+          </a:bodyPr>
+          <a:lstStyle/>
+          <a:p>
+            <a:r>
+              <a:rPr lang="en-US" dirty="0"/>
+              <a:t>Pick one or averaging or modeling? </a:t>
+            </a:r>
+          </a:p>
+          <a:p>
+            <a:r>
+              <a:rPr lang="en-US" dirty="0"/>
+              <a:t>What would you do?</a:t>
+            </a:r>
+          </a:p>
+        </p:txBody>
+      </p:sp>
+      <p:pic>
+        <p:nvPicPr>
+          <p:cNvPr id="7" name="Picture 6" descr="Text&#10;&#10;Description automatically generated">
+            <a:extLst>
+              <a:ext uri="{FF2B5EF4-FFF2-40B4-BE49-F238E27FC236}">
+                <a16:creationId xmlns:a16="http://schemas.microsoft.com/office/drawing/2014/main" id="{0F62FF85-D278-5F9D-5CC8-B2D2167FC0A9}"/>
+              </a:ext>
+            </a:extLst>
+          </p:cNvPr>
+          <p:cNvPicPr>
+            <a:picLocks noChangeAspect="1"/>
+          </p:cNvPicPr>
+          <p:nvPr/>
+        </p:nvPicPr>
+        <p:blipFill>
+          <a:blip r:embed="rId3"/>
+          <a:stretch>
+            <a:fillRect/>
+          </a:stretch>
+        </p:blipFill>
+        <p:spPr>
+          <a:xfrm>
+            <a:off x="0" y="1333983"/>
+            <a:ext cx="4226868" cy="4190033"/>
+          </a:xfrm>
+          <a:prstGeom prst="rect">
+            <a:avLst/>
+          </a:prstGeom>
+        </p:spPr>
+      </p:pic>
+      <p:sp>
+        <p:nvSpPr>
+          <p:cNvPr id="8" name="Rectangle 7">
+            <a:extLst>
+              <a:ext uri="{FF2B5EF4-FFF2-40B4-BE49-F238E27FC236}">
+                <a16:creationId xmlns:a16="http://schemas.microsoft.com/office/drawing/2014/main" id="{59092D39-D923-A126-2B8A-784BED6AB6C9}"/>
+              </a:ext>
+            </a:extLst>
+          </p:cNvPr>
+          <p:cNvSpPr/>
+          <p:nvPr/>
+        </p:nvSpPr>
+        <p:spPr>
+          <a:xfrm>
+            <a:off x="3564783" y="2798178"/>
+            <a:ext cx="763929" cy="2725838"/>
+          </a:xfrm>
+          <a:prstGeom prst="rect">
+            <a:avLst/>
+          </a:prstGeom>
+          <a:solidFill>
+            <a:schemeClr val="bg1"/>
+          </a:solidFill>
+          <a:ln>
+            <a:solidFill>
+              <a:schemeClr val="bg1"/>
+            </a:solidFill>
+          </a:ln>
+          <a:effectLst>
+            <a:outerShdw dist="23000" sx="1000" sy="1000" rotWithShape="0">
+              <a:srgbClr val="000000"/>
+            </a:outerShdw>
+          </a:effectLst>
+        </p:spPr>
+        <p:style>
+          <a:lnRef idx="1">
+            <a:schemeClr val="accent1"/>
+          </a:lnRef>
+          <a:fillRef idx="3">
+            <a:schemeClr val="accent1"/>
+          </a:fillRef>
+          <a:effectRef idx="2">
+            <a:schemeClr val="accent1"/>
+          </a:effectRef>
+          <a:fontRef idx="minor">
+            <a:schemeClr val="lt1"/>
+          </a:fontRef>
+        </p:style>
+        <p:txBody>
+          <a:bodyPr rtlCol="0" anchor="ctr"/>
+          <a:lstStyle/>
+          <a:p>
+            <a:pPr algn="ctr"/>
+            <a:endParaRPr lang="en-US"/>
+          </a:p>
+        </p:txBody>
+      </p:sp>
+    </p:spTree>
+    <p:extLst>
+      <p:ext uri="{BB962C8B-B14F-4D97-AF65-F5344CB8AC3E}">
+        <p14:creationId xmlns:p14="http://schemas.microsoft.com/office/powerpoint/2010/main" val="799570753"/>
+      </p:ext>
+    </p:extLst>
+  </p:cSld>
+  <p:clrMapOvr>
+    <a:masterClrMapping/>
+  </p:clrMapOvr>
+</p:sld>
+</file>
+
+<file path=ppt/slides/slide23.xml><?xml version="1.0" encoding="utf-8"?>
+<p:sld xmlns:a="http://schemas.openxmlformats.org/drawingml/2006/main" xmlns:r="http://schemas.openxmlformats.org/officeDocument/2006/relationships" xmlns:p="http://schemas.openxmlformats.org/presentationml/2006/main">
+  <p:cSld>
+    <p:spTree>
+      <p:nvGrpSpPr>
+        <p:cNvPr id="1" name=""/>
+        <p:cNvGrpSpPr/>
+        <p:nvPr/>
+      </p:nvGrpSpPr>
+      <p:grpSpPr>
+        <a:xfrm>
+          <a:off x="0" y="0"/>
+          <a:ext cx="0" cy="0"/>
+          <a:chOff x="0" y="0"/>
+          <a:chExt cx="0" cy="0"/>
+        </a:xfrm>
+      </p:grpSpPr>
+      <p:sp>
+        <p:nvSpPr>
+          <p:cNvPr id="2" name="Title 1">
+            <a:extLst>
+              <a:ext uri="{FF2B5EF4-FFF2-40B4-BE49-F238E27FC236}">
+                <a16:creationId xmlns:a16="http://schemas.microsoft.com/office/drawing/2014/main" id="{712AA24F-B15A-0E01-ADF4-8CE2D9096950}"/>
+              </a:ext>
+            </a:extLst>
+          </p:cNvPr>
+          <p:cNvSpPr>
+            <a:spLocks noGrp="1"/>
+          </p:cNvSpPr>
+          <p:nvPr>
+            <p:ph type="title"/>
+          </p:nvPr>
+        </p:nvSpPr>
+        <p:spPr/>
+        <p:txBody>
+          <a:bodyPr/>
+          <a:lstStyle/>
+          <a:p>
+            <a:endParaRPr lang="en-US"/>
+          </a:p>
+        </p:txBody>
+      </p:sp>
+      <p:sp>
+        <p:nvSpPr>
+          <p:cNvPr id="3" name="Content Placeholder 2">
+            <a:extLst>
+              <a:ext uri="{FF2B5EF4-FFF2-40B4-BE49-F238E27FC236}">
+                <a16:creationId xmlns:a16="http://schemas.microsoft.com/office/drawing/2014/main" id="{FFC42543-4733-C3C5-21CA-6659EBA30523}"/>
+              </a:ext>
+            </a:extLst>
+          </p:cNvPr>
+          <p:cNvSpPr>
+            <a:spLocks noGrp="1"/>
+          </p:cNvSpPr>
+          <p:nvPr>
+            <p:ph idx="1"/>
+          </p:nvPr>
+        </p:nvSpPr>
+        <p:spPr/>
+        <p:txBody>
+          <a:bodyPr/>
+          <a:lstStyle/>
+          <a:p>
+            <a:endParaRPr lang="en-US"/>
+          </a:p>
+        </p:txBody>
+      </p:sp>
+    </p:spTree>
+    <p:extLst>
+      <p:ext uri="{BB962C8B-B14F-4D97-AF65-F5344CB8AC3E}">
+        <p14:creationId xmlns:p14="http://schemas.microsoft.com/office/powerpoint/2010/main" val="2465183645"/>
+      </p:ext>
+    </p:extLst>
+  </p:cSld>
+  <p:clrMapOvr>
+    <a:masterClrMapping/>
+  </p:clrMapOvr>
+</p:sld>
+</file>
+
+<file path=ppt/slides/slide24.xml><?xml version="1.0" encoding="utf-8"?>
+<p:sld xmlns:a="http://schemas.openxmlformats.org/drawingml/2006/main" xmlns:r="http://schemas.openxmlformats.org/officeDocument/2006/relationships" xmlns:p="http://schemas.openxmlformats.org/presentationml/2006/main">
+  <p:cSld>
+    <p:spTree>
+      <p:nvGrpSpPr>
+        <p:cNvPr id="1" name=""/>
+        <p:cNvGrpSpPr/>
+        <p:nvPr/>
+      </p:nvGrpSpPr>
+      <p:grpSpPr>
+        <a:xfrm>
+          <a:off x="0" y="0"/>
+          <a:ext cx="0" cy="0"/>
+          <a:chOff x="0" y="0"/>
+          <a:chExt cx="0" cy="0"/>
+        </a:xfrm>
+      </p:grpSpPr>
+      <p:sp>
+        <p:nvSpPr>
+          <p:cNvPr id="2" name="Title 1">
+            <a:extLst>
+              <a:ext uri="{FF2B5EF4-FFF2-40B4-BE49-F238E27FC236}">
+                <a16:creationId xmlns:a16="http://schemas.microsoft.com/office/drawing/2014/main" id="{71B46F8A-26DC-E57E-0213-3B37F44C99A8}"/>
+              </a:ext>
+            </a:extLst>
+          </p:cNvPr>
+          <p:cNvSpPr>
+            <a:spLocks noGrp="1"/>
+          </p:cNvSpPr>
+          <p:nvPr>
+            <p:ph type="title"/>
+          </p:nvPr>
+        </p:nvSpPr>
+        <p:spPr/>
+        <p:txBody>
+          <a:bodyPr/>
+          <a:lstStyle/>
+          <a:p>
+            <a:endParaRPr lang="en-US"/>
+          </a:p>
+        </p:txBody>
+      </p:sp>
+      <p:sp>
+        <p:nvSpPr>
+          <p:cNvPr id="3" name="Content Placeholder 2">
+            <a:extLst>
+              <a:ext uri="{FF2B5EF4-FFF2-40B4-BE49-F238E27FC236}">
+                <a16:creationId xmlns:a16="http://schemas.microsoft.com/office/drawing/2014/main" id="{14693B8B-F150-52E4-B95F-0F301551BB07}"/>
+              </a:ext>
+            </a:extLst>
+          </p:cNvPr>
+          <p:cNvSpPr>
+            <a:spLocks noGrp="1"/>
+          </p:cNvSpPr>
+          <p:nvPr>
+            <p:ph idx="1"/>
+          </p:nvPr>
+        </p:nvSpPr>
+        <p:spPr/>
+        <p:txBody>
+          <a:bodyPr/>
+          <a:lstStyle/>
+          <a:p>
+            <a:endParaRPr lang="en-US"/>
+          </a:p>
+        </p:txBody>
+      </p:sp>
+    </p:spTree>
+    <p:extLst>
+      <p:ext uri="{BB962C8B-B14F-4D97-AF65-F5344CB8AC3E}">
+        <p14:creationId xmlns:p14="http://schemas.microsoft.com/office/powerpoint/2010/main" val="3691303264"/>
+      </p:ext>
+    </p:extLst>
+  </p:cSld>
+  <p:clrMapOvr>
+    <a:masterClrMapping/>
+  </p:clrMapOvr>
+</p:sld>
+</file>
+
+<file path=ppt/slides/slide25.xml><?xml version="1.0" encoding="utf-8"?>
+<p:sld xmlns:a="http://schemas.openxmlformats.org/drawingml/2006/main" xmlns:r="http://schemas.openxmlformats.org/officeDocument/2006/relationships" xmlns:p="http://schemas.openxmlformats.org/presentationml/2006/main">
+  <p:cSld>
+    <p:spTree>
+      <p:nvGrpSpPr>
+        <p:cNvPr id="1" name=""/>
+        <p:cNvGrpSpPr/>
+        <p:nvPr/>
+      </p:nvGrpSpPr>
+      <p:grpSpPr>
+        <a:xfrm>
+          <a:off x="0" y="0"/>
+          <a:ext cx="0" cy="0"/>
+          <a:chOff x="0" y="0"/>
+          <a:chExt cx="0" cy="0"/>
+        </a:xfrm>
+      </p:grpSpPr>
+      <p:sp>
+        <p:nvSpPr>
+          <p:cNvPr id="2" name="Title 1">
+            <a:extLst>
+              <a:ext uri="{FF2B5EF4-FFF2-40B4-BE49-F238E27FC236}">
+                <a16:creationId xmlns:a16="http://schemas.microsoft.com/office/drawing/2014/main" id="{952DEC3B-66BA-4845-C2C7-8F3B5D684FB8}"/>
+              </a:ext>
+            </a:extLst>
+          </p:cNvPr>
+          <p:cNvSpPr>
+            <a:spLocks noGrp="1"/>
+          </p:cNvSpPr>
+          <p:nvPr>
+            <p:ph type="title"/>
+          </p:nvPr>
+        </p:nvSpPr>
+        <p:spPr/>
+        <p:txBody>
+          <a:bodyPr/>
+          <a:lstStyle/>
+          <a:p>
+            <a:endParaRPr lang="en-US"/>
+          </a:p>
+        </p:txBody>
+      </p:sp>
+      <p:sp>
+        <p:nvSpPr>
+          <p:cNvPr id="3" name="Content Placeholder 2">
+            <a:extLst>
+              <a:ext uri="{FF2B5EF4-FFF2-40B4-BE49-F238E27FC236}">
+                <a16:creationId xmlns:a16="http://schemas.microsoft.com/office/drawing/2014/main" id="{B3AF0CBD-E710-3B93-C22E-40258D7532F2}"/>
+              </a:ext>
+            </a:extLst>
+          </p:cNvPr>
+          <p:cNvSpPr>
+            <a:spLocks noGrp="1"/>
+          </p:cNvSpPr>
+          <p:nvPr>
+            <p:ph idx="1"/>
+          </p:nvPr>
+        </p:nvSpPr>
+        <p:spPr/>
+        <p:txBody>
+          <a:bodyPr/>
+          <a:lstStyle/>
+          <a:p>
+            <a:endParaRPr lang="en-US"/>
+          </a:p>
+        </p:txBody>
+      </p:sp>
+    </p:spTree>
+    <p:extLst>
+      <p:ext uri="{BB962C8B-B14F-4D97-AF65-F5344CB8AC3E}">
+        <p14:creationId xmlns:p14="http://schemas.microsoft.com/office/powerpoint/2010/main" val="1993766102"/>
+      </p:ext>
+    </p:extLst>
+  </p:cSld>
+  <p:clrMapOvr>
+    <a:masterClrMapping/>
+  </p:clrMapOvr>
+</p:sld>
+</file>
+
+<file path=ppt/slides/slide26.xml><?xml version="1.0" encoding="utf-8"?>
+<p:sld xmlns:a="http://schemas.openxmlformats.org/drawingml/2006/main" xmlns:r="http://schemas.openxmlformats.org/officeDocument/2006/relationships" xmlns:p="http://schemas.openxmlformats.org/presentationml/2006/main">
+  <p:cSld>
+    <p:spTree>
+      <p:nvGrpSpPr>
+        <p:cNvPr id="1" name=""/>
+        <p:cNvGrpSpPr/>
+        <p:nvPr/>
+      </p:nvGrpSpPr>
+      <p:grpSpPr>
+        <a:xfrm>
+          <a:off x="0" y="0"/>
+          <a:ext cx="0" cy="0"/>
+          <a:chOff x="0" y="0"/>
+          <a:chExt cx="0" cy="0"/>
+        </a:xfrm>
+      </p:grpSpPr>
+      <p:sp>
+        <p:nvSpPr>
+          <p:cNvPr id="2" name="Title 1">
+            <a:extLst>
+              <a:ext uri="{FF2B5EF4-FFF2-40B4-BE49-F238E27FC236}">
+                <a16:creationId xmlns:a16="http://schemas.microsoft.com/office/drawing/2014/main" id="{F515B92A-F80A-6901-A341-D6F2A111D7CD}"/>
+              </a:ext>
+            </a:extLst>
+          </p:cNvPr>
+          <p:cNvSpPr>
+            <a:spLocks noGrp="1"/>
+          </p:cNvSpPr>
+          <p:nvPr>
+            <p:ph type="title"/>
+          </p:nvPr>
+        </p:nvSpPr>
+        <p:spPr/>
+        <p:txBody>
+          <a:bodyPr/>
+          <a:lstStyle/>
+          <a:p>
+            <a:endParaRPr lang="en-US"/>
+          </a:p>
+        </p:txBody>
+      </p:sp>
+      <p:sp>
+        <p:nvSpPr>
+          <p:cNvPr id="3" name="Content Placeholder 2">
+            <a:extLst>
+              <a:ext uri="{FF2B5EF4-FFF2-40B4-BE49-F238E27FC236}">
+                <a16:creationId xmlns:a16="http://schemas.microsoft.com/office/drawing/2014/main" id="{2FA922B8-6C3D-CA0C-620F-C5696EC0D27A}"/>
+              </a:ext>
+            </a:extLst>
+          </p:cNvPr>
+          <p:cNvSpPr>
+            <a:spLocks noGrp="1"/>
+          </p:cNvSpPr>
+          <p:nvPr>
+            <p:ph idx="1"/>
+          </p:nvPr>
+        </p:nvSpPr>
+        <p:spPr/>
+        <p:txBody>
+          <a:bodyPr/>
+          <a:lstStyle/>
+          <a:p>
+            <a:endParaRPr lang="en-US"/>
+          </a:p>
+        </p:txBody>
+      </p:sp>
+    </p:spTree>
+    <p:extLst>
+      <p:ext uri="{BB962C8B-B14F-4D97-AF65-F5344CB8AC3E}">
+        <p14:creationId xmlns:p14="http://schemas.microsoft.com/office/powerpoint/2010/main" val="3913035820"/>
       </p:ext>
     </p:extLst>
   </p:cSld>
@@ -9124,13 +17193,7 @@
       </p:grpSpPr>
       <p:sp>
         <p:nvSpPr>
-          <p:cNvPr id="2" name="Title 1">
-            <a:extLst>
-              <a:ext uri="{FF2B5EF4-FFF2-40B4-BE49-F238E27FC236}">
-                <a16:creationId xmlns:a16="http://schemas.microsoft.com/office/drawing/2014/main" id="{D4531F21-792C-464F-BA41-95BABBDB6038}"/>
-              </a:ext>
-            </a:extLst>
-          </p:cNvPr>
+          <p:cNvPr id="2" name="Title 1"/>
           <p:cNvSpPr>
             <a:spLocks noGrp="1"/>
           </p:cNvSpPr>
@@ -9138,187 +17201,678 @@
             <p:ph type="title"/>
           </p:nvPr>
         </p:nvSpPr>
-        <p:spPr>
-          <a:xfrm>
-            <a:off x="457200" y="0"/>
-            <a:ext cx="8229600" cy="1143000"/>
-          </a:xfrm>
-        </p:spPr>
+        <p:spPr/>
         <p:txBody>
           <a:bodyPr/>
           <a:lstStyle/>
           <a:p>
             <a:r>
-              <a:rPr lang="en-US" dirty="0"/>
-              <a:t>More non-independence</a:t>
-            </a:r>
+              <a:rPr b="1" dirty="0"/>
+              <a:t>Fixed </a:t>
+            </a:r>
+            <a:r>
+              <a:rPr lang="en-AU" b="1" dirty="0"/>
+              <a:t>(common) </a:t>
+            </a:r>
+            <a:r>
+              <a:rPr b="1" dirty="0"/>
+              <a:t>effect</a:t>
+            </a:r>
+            <a:r>
+              <a:rPr lang="en-AU" b="1" dirty="0"/>
+              <a:t> in code…</a:t>
+            </a:r>
+            <a:endParaRPr b="1" dirty="0"/>
           </a:p>
         </p:txBody>
       </p:sp>
-      <p:pic>
-        <p:nvPicPr>
-          <p:cNvPr id="4" name="Picture 3">
-            <a:extLst>
-              <a:ext uri="{FF2B5EF4-FFF2-40B4-BE49-F238E27FC236}">
-                <a16:creationId xmlns:a16="http://schemas.microsoft.com/office/drawing/2014/main" id="{F321EBD1-C6C6-B946-A886-E9DD041C5105}"/>
-              </a:ext>
-            </a:extLst>
-          </p:cNvPr>
-          <p:cNvPicPr>
-            <a:picLocks noChangeAspect="1"/>
-          </p:cNvPicPr>
-          <p:nvPr/>
-        </p:nvPicPr>
-        <p:blipFill>
-          <a:blip r:embed="rId2"/>
-          <a:stretch>
-            <a:fillRect/>
-          </a:stretch>
-        </p:blipFill>
-        <p:spPr>
-          <a:xfrm>
-            <a:off x="3599508" y="1066241"/>
-            <a:ext cx="5527963" cy="4725517"/>
-          </a:xfrm>
-          <a:prstGeom prst="rect">
-            <a:avLst/>
-          </a:prstGeom>
-        </p:spPr>
-      </p:pic>
       <p:sp>
         <p:nvSpPr>
-          <p:cNvPr id="6" name="TextBox 5">
-            <a:extLst>
-              <a:ext uri="{FF2B5EF4-FFF2-40B4-BE49-F238E27FC236}">
-                <a16:creationId xmlns:a16="http://schemas.microsoft.com/office/drawing/2014/main" id="{0CDB2C76-2723-DC4D-9C57-F84E0369E63A}"/>
-              </a:ext>
-            </a:extLst>
-          </p:cNvPr>
-          <p:cNvSpPr txBox="1"/>
-          <p:nvPr/>
+          <p:cNvPr id="3" name="Content Placeholder 2"/>
+          <p:cNvSpPr>
+            <a:spLocks noGrp="1"/>
+          </p:cNvSpPr>
+          <p:nvPr>
+            <p:ph idx="1"/>
+          </p:nvPr>
         </p:nvSpPr>
-        <p:spPr>
-          <a:xfrm>
-            <a:off x="2929759" y="6064531"/>
-            <a:ext cx="3528915" cy="646331"/>
-          </a:xfrm>
-          <a:prstGeom prst="rect">
-            <a:avLst/>
-          </a:prstGeom>
-          <a:noFill/>
-        </p:spPr>
+        <p:spPr/>
         <p:txBody>
-          <a:bodyPr wrap="none" rtlCol="0">
-            <a:spAutoFit/>
+          <a:bodyPr>
+            <a:normAutofit fontScale="47500" lnSpcReduction="20000"/>
           </a:bodyPr>
           <a:lstStyle/>
           <a:p>
-            <a:r>
-              <a:rPr lang="en-US" dirty="0"/>
-              <a:t>Pick one or averaging or modeling? </a:t>
-            </a:r>
-          </a:p>
-          <a:p>
-            <a:r>
-              <a:rPr lang="en-US" dirty="0"/>
-              <a:t>What would you do?</a:t>
-            </a:r>
-          </a:p>
-        </p:txBody>
-      </p:sp>
-      <p:pic>
-        <p:nvPicPr>
-          <p:cNvPr id="7" name="Picture 6" descr="Text&#10;&#10;Description automatically generated">
-            <a:extLst>
-              <a:ext uri="{FF2B5EF4-FFF2-40B4-BE49-F238E27FC236}">
-                <a16:creationId xmlns:a16="http://schemas.microsoft.com/office/drawing/2014/main" id="{0F62FF85-D278-5F9D-5CC8-B2D2167FC0A9}"/>
-              </a:ext>
-            </a:extLst>
-          </p:cNvPr>
-          <p:cNvPicPr>
-            <a:picLocks noChangeAspect="1"/>
-          </p:cNvPicPr>
-          <p:nvPr/>
-        </p:nvPicPr>
-        <p:blipFill>
-          <a:blip r:embed="rId3"/>
-          <a:stretch>
-            <a:fillRect/>
-          </a:stretch>
-        </p:blipFill>
-        <p:spPr>
-          <a:xfrm>
-            <a:off x="0" y="1333983"/>
-            <a:ext cx="4226868" cy="4190033"/>
-          </a:xfrm>
-          <a:prstGeom prst="rect">
-            <a:avLst/>
-          </a:prstGeom>
-        </p:spPr>
-      </p:pic>
-      <p:sp>
-        <p:nvSpPr>
-          <p:cNvPr id="8" name="Rectangle 7">
-            <a:extLst>
-              <a:ext uri="{FF2B5EF4-FFF2-40B4-BE49-F238E27FC236}">
-                <a16:creationId xmlns:a16="http://schemas.microsoft.com/office/drawing/2014/main" id="{59092D39-D923-A126-2B8A-784BED6AB6C9}"/>
-              </a:ext>
-            </a:extLst>
-          </p:cNvPr>
-          <p:cNvSpPr/>
-          <p:nvPr/>
-        </p:nvSpPr>
-        <p:spPr>
-          <a:xfrm>
-            <a:off x="3564783" y="2798178"/>
-            <a:ext cx="763929" cy="2725838"/>
-          </a:xfrm>
-          <a:prstGeom prst="rect">
-            <a:avLst/>
-          </a:prstGeom>
-          <a:solidFill>
-            <a:schemeClr val="bg1"/>
-          </a:solidFill>
-          <a:ln>
-            <a:solidFill>
-              <a:schemeClr val="bg1"/>
-            </a:solidFill>
-          </a:ln>
-          <a:effectLst>
-            <a:outerShdw dist="23000" sx="1000" sy="1000" rotWithShape="0">
-              <a:srgbClr val="000000"/>
-            </a:outerShdw>
-          </a:effectLst>
-        </p:spPr>
-        <p:style>
-          <a:lnRef idx="1">
-            <a:schemeClr val="accent1"/>
-          </a:lnRef>
-          <a:fillRef idx="3">
-            <a:schemeClr val="accent1"/>
-          </a:fillRef>
-          <a:effectRef idx="2">
-            <a:schemeClr val="accent1"/>
-          </a:effectRef>
-          <a:fontRef idx="minor">
-            <a:schemeClr val="lt1"/>
-          </a:fontRef>
-        </p:style>
-        <p:txBody>
-          <a:bodyPr rtlCol="0" anchor="ctr"/>
-          <a:lstStyle/>
-          <a:p>
-            <a:pPr algn="ctr"/>
-            <a:endParaRPr lang="en-US"/>
+            <a:pPr indent="0">
+              <a:buNone/>
+            </a:pPr>
+            <a:r>
+              <a:rPr i="1" dirty="0">
+                <a:solidFill>
+                  <a:srgbClr val="60A0B0"/>
+                </a:solidFill>
+                <a:latin typeface="Courier"/>
+              </a:rPr>
+              <a:t># Generate some simulated effect size data with known sampling variance</a:t>
+            </a:r>
+            <a:br>
+              <a:rPr dirty="0"/>
+            </a:br>
+            <a:r>
+              <a:rPr i="1" dirty="0">
+                <a:solidFill>
+                  <a:srgbClr val="60A0B0"/>
+                </a:solidFill>
+                <a:latin typeface="Courier"/>
+              </a:rPr>
+              <a:t># assumed to come from a common underlying distribution</a:t>
+            </a:r>
+            <a:br>
+              <a:rPr dirty="0"/>
+            </a:br>
+            <a:r>
+              <a:rPr dirty="0" err="1">
+                <a:solidFill>
+                  <a:srgbClr val="06287E"/>
+                </a:solidFill>
+                <a:latin typeface="Courier"/>
+              </a:rPr>
+              <a:t>set.seed</a:t>
+            </a:r>
+            <a:r>
+              <a:rPr dirty="0">
+                <a:latin typeface="Courier"/>
+              </a:rPr>
+              <a:t>(</a:t>
+            </a:r>
+            <a:r>
+              <a:rPr dirty="0">
+                <a:solidFill>
+                  <a:srgbClr val="40A070"/>
+                </a:solidFill>
+                <a:latin typeface="Courier"/>
+              </a:rPr>
+              <a:t>86</a:t>
+            </a:r>
+            <a:r>
+              <a:rPr dirty="0">
+                <a:latin typeface="Courier"/>
+              </a:rPr>
+              <a:t>) </a:t>
+            </a:r>
+            <a:r>
+              <a:rPr i="1" dirty="0">
+                <a:solidFill>
+                  <a:srgbClr val="60A0B0"/>
+                </a:solidFill>
+                <a:latin typeface="Courier"/>
+              </a:rPr>
+              <a:t># Set see so that we all get the same simulated results</a:t>
+            </a:r>
+            <a:br>
+              <a:rPr dirty="0"/>
+            </a:br>
+            <a:endParaRPr lang="en-AU" dirty="0">
+              <a:latin typeface="Courier"/>
+            </a:endParaRPr>
+          </a:p>
+          <a:p>
+            <a:pPr indent="0">
+              <a:buNone/>
+            </a:pPr>
+            <a:r>
+              <a:rPr i="1" dirty="0">
+                <a:solidFill>
+                  <a:srgbClr val="60A0B0"/>
+                </a:solidFill>
+                <a:latin typeface="Courier"/>
+              </a:rPr>
+              <a:t># We will have 5 studies</a:t>
+            </a:r>
+            <a:br>
+              <a:rPr dirty="0"/>
+            </a:br>
+            <a:r>
+              <a:rPr dirty="0">
+                <a:latin typeface="Courier"/>
+              </a:rPr>
+              <a:t>    </a:t>
+            </a:r>
+            <a:r>
+              <a:rPr dirty="0" err="1">
+                <a:latin typeface="Courier"/>
+              </a:rPr>
+              <a:t>stdy</a:t>
+            </a:r>
+            <a:r>
+              <a:rPr dirty="0">
+                <a:latin typeface="Courier"/>
+              </a:rPr>
+              <a:t>  </a:t>
+            </a:r>
+            <a:r>
+              <a:rPr dirty="0">
+                <a:solidFill>
+                  <a:srgbClr val="007020"/>
+                </a:solidFill>
+                <a:latin typeface="Courier"/>
+              </a:rPr>
+              <a:t>&lt;-</a:t>
+            </a:r>
+            <a:r>
+              <a:rPr dirty="0">
+                <a:latin typeface="Courier"/>
+              </a:rPr>
+              <a:t> </a:t>
+            </a:r>
+            <a:r>
+              <a:rPr dirty="0">
+                <a:solidFill>
+                  <a:srgbClr val="40A070"/>
+                </a:solidFill>
+                <a:latin typeface="Courier"/>
+              </a:rPr>
+              <a:t>1</a:t>
+            </a:r>
+            <a:r>
+              <a:rPr dirty="0">
+                <a:solidFill>
+                  <a:srgbClr val="4070A0"/>
+                </a:solidFill>
+                <a:latin typeface="Courier"/>
+              </a:rPr>
+              <a:t>:</a:t>
+            </a:r>
+            <a:r>
+              <a:rPr dirty="0">
+                <a:solidFill>
+                  <a:srgbClr val="40A070"/>
+                </a:solidFill>
+                <a:latin typeface="Courier"/>
+              </a:rPr>
+              <a:t>5</a:t>
+            </a:r>
+            <a:r>
+              <a:rPr dirty="0">
+                <a:latin typeface="Courier"/>
+              </a:rPr>
+              <a:t>                                      </a:t>
+            </a:r>
+            <a:br>
+              <a:rPr dirty="0"/>
+            </a:br>
+            <a:endParaRPr lang="en-AU" dirty="0"/>
+          </a:p>
+          <a:p>
+            <a:pPr indent="0">
+              <a:buNone/>
+            </a:pPr>
+            <a:r>
+              <a:rPr i="1" dirty="0">
+                <a:solidFill>
+                  <a:srgbClr val="60A0B0"/>
+                </a:solidFill>
+                <a:latin typeface="Courier"/>
+              </a:rPr>
+              <a:t># We know the variance for each effect</a:t>
+            </a:r>
+            <a:br>
+              <a:rPr dirty="0"/>
+            </a:br>
+            <a:r>
+              <a:rPr dirty="0">
+                <a:latin typeface="Courier"/>
+              </a:rPr>
+              <a:t>    </a:t>
+            </a:r>
+            <a:r>
+              <a:rPr dirty="0" err="1">
+                <a:latin typeface="Courier"/>
+              </a:rPr>
+              <a:t>Ves</a:t>
+            </a:r>
+            <a:r>
+              <a:rPr dirty="0">
+                <a:latin typeface="Courier"/>
+              </a:rPr>
+              <a:t>     </a:t>
+            </a:r>
+            <a:r>
+              <a:rPr dirty="0">
+                <a:solidFill>
+                  <a:srgbClr val="007020"/>
+                </a:solidFill>
+                <a:latin typeface="Courier"/>
+              </a:rPr>
+              <a:t>&lt;-</a:t>
+            </a:r>
+            <a:r>
+              <a:rPr dirty="0">
+                <a:latin typeface="Courier"/>
+              </a:rPr>
+              <a:t> </a:t>
+            </a:r>
+            <a:r>
+              <a:rPr dirty="0">
+                <a:solidFill>
+                  <a:srgbClr val="06287E"/>
+                </a:solidFill>
+                <a:latin typeface="Courier"/>
+              </a:rPr>
+              <a:t>c</a:t>
+            </a:r>
+            <a:r>
+              <a:rPr dirty="0">
+                <a:latin typeface="Courier"/>
+              </a:rPr>
+              <a:t>(</a:t>
+            </a:r>
+            <a:r>
+              <a:rPr dirty="0">
+                <a:solidFill>
+                  <a:srgbClr val="40A070"/>
+                </a:solidFill>
+                <a:latin typeface="Courier"/>
+              </a:rPr>
+              <a:t>0.05</a:t>
+            </a:r>
+            <a:r>
+              <a:rPr dirty="0">
+                <a:latin typeface="Courier"/>
+              </a:rPr>
+              <a:t>, </a:t>
+            </a:r>
+            <a:r>
+              <a:rPr dirty="0">
+                <a:solidFill>
+                  <a:srgbClr val="40A070"/>
+                </a:solidFill>
+                <a:latin typeface="Courier"/>
+              </a:rPr>
+              <a:t>0.10</a:t>
+            </a:r>
+            <a:r>
+              <a:rPr dirty="0">
+                <a:latin typeface="Courier"/>
+              </a:rPr>
+              <a:t>, </a:t>
+            </a:r>
+            <a:r>
+              <a:rPr dirty="0">
+                <a:solidFill>
+                  <a:srgbClr val="40A070"/>
+                </a:solidFill>
+                <a:latin typeface="Courier"/>
+              </a:rPr>
+              <a:t>0.02</a:t>
+            </a:r>
+            <a:r>
+              <a:rPr dirty="0">
+                <a:latin typeface="Courier"/>
+              </a:rPr>
+              <a:t>, </a:t>
+            </a:r>
+            <a:r>
+              <a:rPr dirty="0">
+                <a:solidFill>
+                  <a:srgbClr val="40A070"/>
+                </a:solidFill>
+                <a:latin typeface="Courier"/>
+              </a:rPr>
+              <a:t>0.10</a:t>
+            </a:r>
+            <a:r>
+              <a:rPr dirty="0">
+                <a:latin typeface="Courier"/>
+              </a:rPr>
+              <a:t>, </a:t>
+            </a:r>
+            <a:r>
+              <a:rPr dirty="0">
+                <a:solidFill>
+                  <a:srgbClr val="40A070"/>
+                </a:solidFill>
+                <a:latin typeface="Courier"/>
+              </a:rPr>
+              <a:t>0.09</a:t>
+            </a:r>
+            <a:r>
+              <a:rPr dirty="0">
+                <a:latin typeface="Courier"/>
+              </a:rPr>
+              <a:t>)    </a:t>
+            </a:r>
+            <a:br>
+              <a:rPr dirty="0"/>
+            </a:br>
+            <a:endParaRPr lang="en-AU" dirty="0"/>
+          </a:p>
+          <a:p>
+            <a:pPr indent="0">
+              <a:buNone/>
+            </a:pPr>
+            <a:r>
+              <a:rPr i="1" dirty="0">
+                <a:solidFill>
+                  <a:srgbClr val="60A0B0"/>
+                </a:solidFill>
+                <a:latin typeface="Courier"/>
+              </a:rPr>
+              <a:t># We'll need this later but these are weights</a:t>
+            </a:r>
+            <a:br>
+              <a:rPr dirty="0"/>
+            </a:br>
+            <a:r>
+              <a:rPr dirty="0">
+                <a:latin typeface="Courier"/>
+              </a:rPr>
+              <a:t>    W     </a:t>
+            </a:r>
+            <a:r>
+              <a:rPr dirty="0">
+                <a:solidFill>
+                  <a:srgbClr val="007020"/>
+                </a:solidFill>
+                <a:latin typeface="Courier"/>
+              </a:rPr>
+              <a:t>&lt;-</a:t>
+            </a:r>
+            <a:r>
+              <a:rPr dirty="0">
+                <a:latin typeface="Courier"/>
+              </a:rPr>
+              <a:t> </a:t>
+            </a:r>
+            <a:r>
+              <a:rPr dirty="0">
+                <a:solidFill>
+                  <a:srgbClr val="40A070"/>
+                </a:solidFill>
+                <a:latin typeface="Courier"/>
+              </a:rPr>
+              <a:t>1</a:t>
+            </a:r>
+            <a:r>
+              <a:rPr dirty="0">
+                <a:latin typeface="Courier"/>
+              </a:rPr>
+              <a:t> </a:t>
+            </a:r>
+            <a:r>
+              <a:rPr dirty="0">
+                <a:solidFill>
+                  <a:srgbClr val="4070A0"/>
+                </a:solidFill>
+                <a:latin typeface="Courier"/>
+              </a:rPr>
+              <a:t>/</a:t>
+            </a:r>
+            <a:r>
+              <a:rPr dirty="0">
+                <a:latin typeface="Courier"/>
+              </a:rPr>
+              <a:t> </a:t>
+            </a:r>
+            <a:r>
+              <a:rPr dirty="0" err="1">
+                <a:latin typeface="Courier"/>
+              </a:rPr>
+              <a:t>Ves</a:t>
+            </a:r>
+            <a:r>
+              <a:rPr dirty="0">
+                <a:latin typeface="Courier"/>
+              </a:rPr>
+              <a:t>                                          </a:t>
+            </a:r>
+            <a:br>
+              <a:rPr dirty="0"/>
+            </a:br>
+            <a:endParaRPr lang="en-AU" dirty="0"/>
+          </a:p>
+          <a:p>
+            <a:pPr indent="0">
+              <a:buNone/>
+            </a:pPr>
+            <a:r>
+              <a:rPr i="1" dirty="0">
+                <a:solidFill>
+                  <a:srgbClr val="60A0B0"/>
+                </a:solidFill>
+                <a:latin typeface="Courier"/>
+              </a:rPr>
+              <a:t># We assume they are sampled from a normal distribution  with a mean effect size of 2</a:t>
+            </a:r>
+            <a:br>
+              <a:rPr dirty="0"/>
+            </a:br>
+            <a:r>
+              <a:rPr dirty="0">
+                <a:latin typeface="Courier"/>
+              </a:rPr>
+              <a:t>    es     </a:t>
+            </a:r>
+            <a:r>
+              <a:rPr dirty="0">
+                <a:solidFill>
+                  <a:srgbClr val="007020"/>
+                </a:solidFill>
+                <a:latin typeface="Courier"/>
+              </a:rPr>
+              <a:t>&lt;-</a:t>
+            </a:r>
+            <a:r>
+              <a:rPr dirty="0">
+                <a:latin typeface="Courier"/>
+              </a:rPr>
+              <a:t> </a:t>
+            </a:r>
+            <a:r>
+              <a:rPr dirty="0" err="1">
+                <a:solidFill>
+                  <a:srgbClr val="06287E"/>
+                </a:solidFill>
+                <a:latin typeface="Courier"/>
+              </a:rPr>
+              <a:t>rnorm</a:t>
+            </a:r>
+            <a:r>
+              <a:rPr dirty="0">
+                <a:latin typeface="Courier"/>
+              </a:rPr>
+              <a:t>(</a:t>
+            </a:r>
+            <a:r>
+              <a:rPr dirty="0">
+                <a:solidFill>
+                  <a:srgbClr val="06287E"/>
+                </a:solidFill>
+                <a:latin typeface="Courier"/>
+              </a:rPr>
+              <a:t>length</a:t>
+            </a:r>
+            <a:r>
+              <a:rPr dirty="0">
+                <a:latin typeface="Courier"/>
+              </a:rPr>
+              <a:t>(</a:t>
+            </a:r>
+            <a:r>
+              <a:rPr dirty="0" err="1">
+                <a:latin typeface="Courier"/>
+              </a:rPr>
+              <a:t>Ves</a:t>
+            </a:r>
+            <a:r>
+              <a:rPr dirty="0">
+                <a:latin typeface="Courier"/>
+              </a:rPr>
+              <a:t>), </a:t>
+            </a:r>
+            <a:r>
+              <a:rPr dirty="0">
+                <a:solidFill>
+                  <a:srgbClr val="40A070"/>
+                </a:solidFill>
+                <a:latin typeface="Courier"/>
+              </a:rPr>
+              <a:t>2</a:t>
+            </a:r>
+            <a:r>
+              <a:rPr dirty="0">
+                <a:latin typeface="Courier"/>
+              </a:rPr>
+              <a:t>, </a:t>
+            </a:r>
+            <a:r>
+              <a:rPr dirty="0">
+                <a:solidFill>
+                  <a:srgbClr val="06287E"/>
+                </a:solidFill>
+                <a:latin typeface="Courier"/>
+              </a:rPr>
+              <a:t>sqrt</a:t>
+            </a:r>
+            <a:r>
+              <a:rPr dirty="0">
+                <a:latin typeface="Courier"/>
+              </a:rPr>
+              <a:t>(</a:t>
+            </a:r>
+            <a:r>
+              <a:rPr dirty="0" err="1">
+                <a:latin typeface="Courier"/>
+              </a:rPr>
+              <a:t>Ves</a:t>
+            </a:r>
+            <a:r>
+              <a:rPr dirty="0">
+                <a:latin typeface="Courier"/>
+              </a:rPr>
+              <a:t>))          </a:t>
+            </a:r>
+            <a:br>
+              <a:rPr dirty="0"/>
+            </a:br>
+            <a:endParaRPr lang="en-AU" dirty="0"/>
+          </a:p>
+          <a:p>
+            <a:pPr indent="0">
+              <a:buNone/>
+            </a:pPr>
+            <a:r>
+              <a:rPr i="1" dirty="0">
+                <a:solidFill>
+                  <a:srgbClr val="60A0B0"/>
+                </a:solidFill>
+                <a:latin typeface="Courier"/>
+              </a:rPr>
+              <a:t># Data for our fixed effect meta-analysis</a:t>
+            </a:r>
+            <a:br>
+              <a:rPr dirty="0"/>
+            </a:br>
+            <a:r>
+              <a:rPr dirty="0">
+                <a:latin typeface="Courier"/>
+              </a:rPr>
+              <a:t>    </a:t>
+            </a:r>
+            <a:r>
+              <a:rPr dirty="0" err="1">
+                <a:latin typeface="Courier"/>
+              </a:rPr>
+              <a:t>dataFE</a:t>
+            </a:r>
+            <a:r>
+              <a:rPr dirty="0">
+                <a:latin typeface="Courier"/>
+              </a:rPr>
+              <a:t> </a:t>
+            </a:r>
+            <a:r>
+              <a:rPr dirty="0">
+                <a:solidFill>
+                  <a:srgbClr val="007020"/>
+                </a:solidFill>
+                <a:latin typeface="Courier"/>
+              </a:rPr>
+              <a:t>&lt;-</a:t>
+            </a:r>
+            <a:r>
+              <a:rPr dirty="0">
+                <a:latin typeface="Courier"/>
+              </a:rPr>
+              <a:t> </a:t>
+            </a:r>
+            <a:r>
+              <a:rPr dirty="0" err="1">
+                <a:solidFill>
+                  <a:srgbClr val="06287E"/>
+                </a:solidFill>
+                <a:latin typeface="Courier"/>
+              </a:rPr>
+              <a:t>data.frame</a:t>
+            </a:r>
+            <a:r>
+              <a:rPr dirty="0">
+                <a:latin typeface="Courier"/>
+              </a:rPr>
+              <a:t>(</a:t>
+            </a:r>
+            <a:r>
+              <a:rPr dirty="0" err="1">
+                <a:solidFill>
+                  <a:srgbClr val="7D9029"/>
+                </a:solidFill>
+                <a:latin typeface="Courier"/>
+              </a:rPr>
+              <a:t>stdy</a:t>
+            </a:r>
+            <a:r>
+              <a:rPr dirty="0">
+                <a:solidFill>
+                  <a:srgbClr val="7D9029"/>
+                </a:solidFill>
+                <a:latin typeface="Courier"/>
+              </a:rPr>
+              <a:t> =</a:t>
+            </a:r>
+            <a:r>
+              <a:rPr dirty="0">
+                <a:latin typeface="Courier"/>
+              </a:rPr>
+              <a:t> </a:t>
+            </a:r>
+            <a:r>
+              <a:rPr dirty="0" err="1">
+                <a:latin typeface="Courier"/>
+              </a:rPr>
+              <a:t>stdy</a:t>
+            </a:r>
+            <a:r>
+              <a:rPr dirty="0">
+                <a:latin typeface="Courier"/>
+              </a:rPr>
+              <a:t>, es, </a:t>
+            </a:r>
+            <a:r>
+              <a:rPr dirty="0" err="1">
+                <a:latin typeface="Courier"/>
+              </a:rPr>
+              <a:t>Ves</a:t>
+            </a:r>
+            <a:r>
+              <a:rPr dirty="0">
+                <a:latin typeface="Courier"/>
+              </a:rPr>
+              <a:t>)</a:t>
+            </a:r>
           </a:p>
         </p:txBody>
       </p:sp>
     </p:spTree>
-    <p:extLst>
-      <p:ext uri="{BB962C8B-B14F-4D97-AF65-F5344CB8AC3E}">
-        <p14:creationId xmlns:p14="http://schemas.microsoft.com/office/powerpoint/2010/main" val="799570753"/>
-      </p:ext>
-    </p:extLst>
   </p:cSld>
   <p:clrMapOvr>
     <a:masterClrMapping/>
